--- a/documentation/kiteCAD/solidworks/Line Angle Sensor/Line Angle Sensor Design.pptx
+++ b/documentation/kiteCAD/solidworks/Line Angle Sensor/Line Angle Sensor Design.pptx
@@ -11,6 +11,8 @@
     <p:sldId id="257" r:id="rId5"/>
     <p:sldId id="259" r:id="rId6"/>
     <p:sldId id="260" r:id="rId7"/>
+    <p:sldId id="262" r:id="rId8"/>
+    <p:sldId id="263" r:id="rId9"/>
   </p:sldIdLst>
   <p:sldSz cx="12192000" cy="6858000"/>
   <p:notesSz cx="6858000" cy="9144000"/>
@@ -109,6 +111,11 @@
       </a:defRPr>
     </a:lvl9pPr>
   </p:defaultTextStyle>
+  <p:extLst>
+    <p:ext uri="{EFAFB233-063F-42B5-8137-9DF3F51BA10A}">
+      <p15:sldGuideLst xmlns:p15="http://schemas.microsoft.com/office/powerpoint/2012/main"/>
+    </p:ext>
+  </p:extLst>
 </p:presentation>
 </file>
 
@@ -259,7 +266,7 @@
           <a:p>
             <a:fld id="{63F6F521-D239-482F-8F93-B8BD4D6E2FCE}" type="datetimeFigureOut">
               <a:rPr lang="en-US" smtClean="0"/>
-              <a:t>9/1/2020</a:t>
+              <a:t>9/2/2020</a:t>
             </a:fld>
             <a:endParaRPr lang="en-US"/>
           </a:p>
@@ -457,7 +464,7 @@
           <a:p>
             <a:fld id="{63F6F521-D239-482F-8F93-B8BD4D6E2FCE}" type="datetimeFigureOut">
               <a:rPr lang="en-US" smtClean="0"/>
-              <a:t>9/1/2020</a:t>
+              <a:t>9/2/2020</a:t>
             </a:fld>
             <a:endParaRPr lang="en-US"/>
           </a:p>
@@ -665,7 +672,7 @@
           <a:p>
             <a:fld id="{63F6F521-D239-482F-8F93-B8BD4D6E2FCE}" type="datetimeFigureOut">
               <a:rPr lang="en-US" smtClean="0"/>
-              <a:t>9/1/2020</a:t>
+              <a:t>9/2/2020</a:t>
             </a:fld>
             <a:endParaRPr lang="en-US"/>
           </a:p>
@@ -863,7 +870,7 @@
           <a:p>
             <a:fld id="{63F6F521-D239-482F-8F93-B8BD4D6E2FCE}" type="datetimeFigureOut">
               <a:rPr lang="en-US" smtClean="0"/>
-              <a:t>9/1/2020</a:t>
+              <a:t>9/2/2020</a:t>
             </a:fld>
             <a:endParaRPr lang="en-US"/>
           </a:p>
@@ -1138,7 +1145,7 @@
           <a:p>
             <a:fld id="{63F6F521-D239-482F-8F93-B8BD4D6E2FCE}" type="datetimeFigureOut">
               <a:rPr lang="en-US" smtClean="0"/>
-              <a:t>9/1/2020</a:t>
+              <a:t>9/2/2020</a:t>
             </a:fld>
             <a:endParaRPr lang="en-US"/>
           </a:p>
@@ -1403,7 +1410,7 @@
           <a:p>
             <a:fld id="{63F6F521-D239-482F-8F93-B8BD4D6E2FCE}" type="datetimeFigureOut">
               <a:rPr lang="en-US" smtClean="0"/>
-              <a:t>9/1/2020</a:t>
+              <a:t>9/2/2020</a:t>
             </a:fld>
             <a:endParaRPr lang="en-US"/>
           </a:p>
@@ -1815,7 +1822,7 @@
           <a:p>
             <a:fld id="{63F6F521-D239-482F-8F93-B8BD4D6E2FCE}" type="datetimeFigureOut">
               <a:rPr lang="en-US" smtClean="0"/>
-              <a:t>9/1/2020</a:t>
+              <a:t>9/2/2020</a:t>
             </a:fld>
             <a:endParaRPr lang="en-US"/>
           </a:p>
@@ -1956,7 +1963,7 @@
           <a:p>
             <a:fld id="{63F6F521-D239-482F-8F93-B8BD4D6E2FCE}" type="datetimeFigureOut">
               <a:rPr lang="en-US" smtClean="0"/>
-              <a:t>9/1/2020</a:t>
+              <a:t>9/2/2020</a:t>
             </a:fld>
             <a:endParaRPr lang="en-US"/>
           </a:p>
@@ -2069,7 +2076,7 @@
           <a:p>
             <a:fld id="{63F6F521-D239-482F-8F93-B8BD4D6E2FCE}" type="datetimeFigureOut">
               <a:rPr lang="en-US" smtClean="0"/>
-              <a:t>9/1/2020</a:t>
+              <a:t>9/2/2020</a:t>
             </a:fld>
             <a:endParaRPr lang="en-US"/>
           </a:p>
@@ -2380,7 +2387,7 @@
           <a:p>
             <a:fld id="{63F6F521-D239-482F-8F93-B8BD4D6E2FCE}" type="datetimeFigureOut">
               <a:rPr lang="en-US" smtClean="0"/>
-              <a:t>9/1/2020</a:t>
+              <a:t>9/2/2020</a:t>
             </a:fld>
             <a:endParaRPr lang="en-US"/>
           </a:p>
@@ -2668,7 +2675,7 @@
           <a:p>
             <a:fld id="{63F6F521-D239-482F-8F93-B8BD4D6E2FCE}" type="datetimeFigureOut">
               <a:rPr lang="en-US" smtClean="0"/>
-              <a:t>9/1/2020</a:t>
+              <a:t>9/2/2020</a:t>
             </a:fld>
             <a:endParaRPr lang="en-US"/>
           </a:p>
@@ -2909,7 +2916,7 @@
           <a:p>
             <a:fld id="{63F6F521-D239-482F-8F93-B8BD4D6E2FCE}" type="datetimeFigureOut">
               <a:rPr lang="en-US" smtClean="0"/>
-              <a:t>9/1/2020</a:t>
+              <a:t>9/2/2020</a:t>
             </a:fld>
             <a:endParaRPr lang="en-US"/>
           </a:p>
@@ -3466,12 +3473,6 @@
           <a:p>
             <a:r>
               <a:rPr lang="en-US" dirty="0"/>
-              <a:t>Sensor Choice</a:t>
-            </a:r>
-          </a:p>
-          <a:p>
-            <a:r>
-              <a:rPr lang="en-US" dirty="0"/>
               <a:t>Pivot Arm and Lower Pivot</a:t>
             </a:r>
           </a:p>
@@ -3701,13 +3702,13 @@
         <p:spPr/>
         <p:txBody>
           <a:bodyPr>
-            <a:normAutofit fontScale="92500"/>
+            <a:normAutofit fontScale="92500" lnSpcReduction="10000"/>
           </a:bodyPr>
           <a:lstStyle/>
           <a:p>
             <a:r>
               <a:rPr lang="en-US" dirty="0"/>
-              <a:t>All 316 Construction</a:t>
+              <a:t>All 316 Construction	</a:t>
             </a:r>
           </a:p>
           <a:p>
@@ -3740,7 +3741,7 @@
           <a:p>
             <a:r>
               <a:rPr lang="en-US" dirty="0"/>
-              <a:t>Design preloads the pivot on arm against the non sensed bearing.</a:t>
+              <a:t>Design preloads the pivot on arm against the passive side of the assembly.</a:t>
             </a:r>
           </a:p>
           <a:p>
@@ -3750,10 +3751,10 @@
       </p:sp>
       <p:pic>
         <p:nvPicPr>
-          <p:cNvPr id="6" name="Content Placeholder 5">
-            <a:extLst>
-              <a:ext uri="{FF2B5EF4-FFF2-40B4-BE49-F238E27FC236}">
-                <a16:creationId xmlns:a16="http://schemas.microsoft.com/office/drawing/2014/main" id="{8C38B975-614A-4958-B50B-911A36506B79}"/>
+          <p:cNvPr id="8" name="Content Placeholder 7">
+            <a:extLst>
+              <a:ext uri="{FF2B5EF4-FFF2-40B4-BE49-F238E27FC236}">
+                <a16:creationId xmlns:a16="http://schemas.microsoft.com/office/drawing/2014/main" id="{08BAAD5B-84A8-468D-82CE-290AD87EB167}"/>
               </a:ext>
             </a:extLst>
           </p:cNvPr>
@@ -3772,8 +3773,8 @@
         </p:blipFill>
         <p:spPr>
           <a:xfrm>
-            <a:off x="6172200" y="2388239"/>
-            <a:ext cx="5181600" cy="3226109"/>
+            <a:off x="6172200" y="2335571"/>
+            <a:ext cx="5181600" cy="3331446"/>
           </a:xfrm>
           <a:prstGeom prst="rect">
             <a:avLst/>
@@ -4079,34 +4080,34 @@
           <a:lstStyle/>
           <a:p>
             <a:r>
-              <a:rPr lang="en-US" sz="1800"/>
+              <a:rPr lang="en-US" sz="1800" dirty="0"/>
               <a:t>Tether Arm is attached to the pivot using a ¼” 316 shoulder bolt cross-drilled through the pivot and the arm.</a:t>
             </a:r>
           </a:p>
           <a:p>
             <a:pPr lvl="1"/>
             <a:r>
-              <a:rPr lang="en-US" sz="1800"/>
+              <a:rPr lang="en-US" sz="1800" dirty="0"/>
               <a:t>Reliably and repeatably attach the arm and the pivot.</a:t>
             </a:r>
           </a:p>
           <a:p>
             <a:r>
-              <a:rPr lang="en-US" sz="1800"/>
+              <a:rPr lang="en-US" sz="1800" dirty="0"/>
               <a:t>Similar method is used at the far end of the tether arm to attach the tether guide.</a:t>
             </a:r>
           </a:p>
           <a:p>
-            <a:endParaRPr lang="en-US" sz="1800"/>
+            <a:endParaRPr lang="en-US" sz="1800" dirty="0"/>
           </a:p>
         </p:txBody>
       </p:sp>
       <p:pic>
         <p:nvPicPr>
-          <p:cNvPr id="7" name="Content Placeholder 6">
-            <a:extLst>
-              <a:ext uri="{FF2B5EF4-FFF2-40B4-BE49-F238E27FC236}">
-                <a16:creationId xmlns:a16="http://schemas.microsoft.com/office/drawing/2014/main" id="{0D0E74BB-5666-4C7E-8F61-4F62AF17FDA7}"/>
+          <p:cNvPr id="8" name="Content Placeholder 7">
+            <a:extLst>
+              <a:ext uri="{FF2B5EF4-FFF2-40B4-BE49-F238E27FC236}">
+                <a16:creationId xmlns:a16="http://schemas.microsoft.com/office/drawing/2014/main" id="{40C40841-EBC6-4A8A-B34A-311CE5DB67BC}"/>
               </a:ext>
             </a:extLst>
           </p:cNvPr>
@@ -4117,61 +4118,20 @@
             <p:ph sz="half" idx="2"/>
           </p:nvPr>
         </p:nvPicPr>
-        <p:blipFill rotWithShape="1">
+        <p:blipFill>
           <a:blip r:embed="rId2"/>
-          <a:srcRect l="14244" r="11476"/>
-          <a:stretch/>
+          <a:stretch>
+            <a:fillRect/>
+          </a:stretch>
         </p:blipFill>
         <p:spPr>
           <a:xfrm>
-            <a:off x="5308052" y="10"/>
-            <a:ext cx="6883948" cy="6857990"/>
+            <a:off x="6172200" y="2230633"/>
+            <a:ext cx="5181600" cy="3541321"/>
           </a:xfrm>
-          <a:custGeom>
+          <a:prstGeom prst="rect">
             <a:avLst/>
-            <a:gdLst/>
-            <a:ahLst/>
-            <a:cxnLst/>
-            <a:rect l="l" t="t" r="r" b="b"/>
-            <a:pathLst>
-              <a:path w="6883948" h="6858000">
-                <a:moveTo>
-                  <a:pt x="365648" y="0"/>
-                </a:moveTo>
-                <a:lnTo>
-                  <a:pt x="6883948" y="0"/>
-                </a:lnTo>
-                <a:lnTo>
-                  <a:pt x="6883948" y="6858000"/>
-                </a:lnTo>
-                <a:lnTo>
-                  <a:pt x="365648" y="6858000"/>
-                </a:lnTo>
-                <a:lnTo>
-                  <a:pt x="360213" y="6835050"/>
-                </a:lnTo>
-                <a:cubicBezTo>
-                  <a:pt x="128263" y="5788167"/>
-                  <a:pt x="0" y="4637179"/>
-                  <a:pt x="0" y="3429001"/>
-                </a:cubicBezTo>
-                <a:cubicBezTo>
-                  <a:pt x="0" y="2220824"/>
-                  <a:pt x="128263" y="1069835"/>
-                  <a:pt x="360213" y="22952"/>
-                </a:cubicBezTo>
-                <a:close/>
-              </a:path>
-            </a:pathLst>
-          </a:custGeom>
-          <a:effectLst>
-            <a:outerShdw blurRad="50800" dist="38100" dir="10800000" algn="r" rotWithShape="0">
-              <a:schemeClr val="bg1">
-                <a:lumMod val="85000"/>
-                <a:alpha val="30000"/>
-              </a:schemeClr>
-            </a:outerShdw>
-          </a:effectLst>
+          </a:prstGeom>
         </p:spPr>
       </p:pic>
     </p:spTree>
@@ -4997,21 +4957,21 @@
           <a:p>
             <a:r>
               <a:rPr lang="en-US" sz="2000" dirty="0"/>
-              <a:t>Each half of the pivot joint is attached </a:t>
+              <a:t>Each half of the pivot joint is attached to the pivot for the upper axis.</a:t>
+            </a:r>
+          </a:p>
+          <a:p>
+            <a:r>
+              <a:rPr lang="en-US" sz="2000" dirty="0"/>
+              <a:t>Single </a:t>
             </a:r>
             <a:r>
               <a:rPr lang="en-US" sz="2000" dirty="0" err="1"/>
-              <a:t>attached</a:t>
+              <a:t>peice</a:t>
             </a:r>
             <a:r>
               <a:rPr lang="en-US" sz="2000" dirty="0"/>
-              <a:t> to the pivot for the upper axis.</a:t>
-            </a:r>
-          </a:p>
-          <a:p>
-            <a:r>
-              <a:rPr lang="en-US" sz="2000" dirty="0"/>
-              <a:t>Single pivot manufactured from 316. </a:t>
+              <a:t> manufactured from 316. </a:t>
             </a:r>
           </a:p>
           <a:p>
@@ -5040,6 +5000,412 @@
     <p:extLst>
       <p:ext uri="{BB962C8B-B14F-4D97-AF65-F5344CB8AC3E}">
         <p14:creationId xmlns:p14="http://schemas.microsoft.com/office/powerpoint/2010/main" val="2652485296"/>
+      </p:ext>
+    </p:extLst>
+  </p:cSld>
+  <p:clrMapOvr>
+    <a:masterClrMapping/>
+  </p:clrMapOvr>
+</p:sld>
+</file>
+
+<file path=ppt/slides/slide7.xml><?xml version="1.0" encoding="utf-8"?>
+<p:sld xmlns:a="http://schemas.openxmlformats.org/drawingml/2006/main" xmlns:r="http://schemas.openxmlformats.org/officeDocument/2006/relationships" xmlns:p="http://schemas.openxmlformats.org/presentationml/2006/main">
+  <p:cSld>
+    <p:spTree>
+      <p:nvGrpSpPr>
+        <p:cNvPr id="1" name=""/>
+        <p:cNvGrpSpPr/>
+        <p:nvPr/>
+      </p:nvGrpSpPr>
+      <p:grpSpPr>
+        <a:xfrm>
+          <a:off x="0" y="0"/>
+          <a:ext cx="0" cy="0"/>
+          <a:chOff x="0" y="0"/>
+          <a:chExt cx="0" cy="0"/>
+        </a:xfrm>
+      </p:grpSpPr>
+      <p:sp>
+        <p:nvSpPr>
+          <p:cNvPr id="2" name="Title 1">
+            <a:extLst>
+              <a:ext uri="{FF2B5EF4-FFF2-40B4-BE49-F238E27FC236}">
+                <a16:creationId xmlns:a16="http://schemas.microsoft.com/office/drawing/2014/main" id="{78B48FFB-D878-4B36-88FC-E45568D9E96B}"/>
+              </a:ext>
+            </a:extLst>
+          </p:cNvPr>
+          <p:cNvSpPr>
+            <a:spLocks noGrp="1"/>
+          </p:cNvSpPr>
+          <p:nvPr>
+            <p:ph type="title"/>
+          </p:nvPr>
+        </p:nvSpPr>
+        <p:spPr/>
+        <p:txBody>
+          <a:bodyPr/>
+          <a:lstStyle/>
+          <a:p>
+            <a:r>
+              <a:rPr lang="en-US" dirty="0"/>
+              <a:t>Upper Pivot</a:t>
+            </a:r>
+          </a:p>
+        </p:txBody>
+      </p:sp>
+      <p:sp>
+        <p:nvSpPr>
+          <p:cNvPr id="3" name="Content Placeholder 2">
+            <a:extLst>
+              <a:ext uri="{FF2B5EF4-FFF2-40B4-BE49-F238E27FC236}">
+                <a16:creationId xmlns:a16="http://schemas.microsoft.com/office/drawing/2014/main" id="{6676B8BD-DDAC-4C57-A4EB-9D7670C4A2D9}"/>
+              </a:ext>
+            </a:extLst>
+          </p:cNvPr>
+          <p:cNvSpPr>
+            <a:spLocks noGrp="1"/>
+          </p:cNvSpPr>
+          <p:nvPr>
+            <p:ph sz="half" idx="1"/>
+          </p:nvPr>
+        </p:nvSpPr>
+        <p:spPr/>
+        <p:txBody>
+          <a:bodyPr/>
+          <a:lstStyle/>
+          <a:p>
+            <a:r>
+              <a:rPr lang="en-US" dirty="0"/>
+              <a:t>Same bearing layout as lower pivot arm.</a:t>
+            </a:r>
+          </a:p>
+          <a:p>
+            <a:r>
+              <a:rPr lang="en-US" dirty="0"/>
+              <a:t>Drilled and tapped holes for attaching an aluminum anode on each side.</a:t>
+            </a:r>
+          </a:p>
+        </p:txBody>
+      </p:sp>
+      <p:pic>
+        <p:nvPicPr>
+          <p:cNvPr id="8" name="Content Placeholder 7">
+            <a:extLst>
+              <a:ext uri="{FF2B5EF4-FFF2-40B4-BE49-F238E27FC236}">
+                <a16:creationId xmlns:a16="http://schemas.microsoft.com/office/drawing/2014/main" id="{6E845811-9509-4B3B-BA63-E20A45DDA8E2}"/>
+              </a:ext>
+            </a:extLst>
+          </p:cNvPr>
+          <p:cNvPicPr>
+            <a:picLocks noGrp="1" noChangeAspect="1"/>
+          </p:cNvPicPr>
+          <p:nvPr>
+            <p:ph sz="half" idx="2"/>
+          </p:nvPr>
+        </p:nvPicPr>
+        <p:blipFill>
+          <a:blip r:embed="rId2"/>
+          <a:stretch>
+            <a:fillRect/>
+          </a:stretch>
+        </p:blipFill>
+        <p:spPr>
+          <a:xfrm>
+            <a:off x="6705313" y="2000765"/>
+            <a:ext cx="4115374" cy="4001058"/>
+          </a:xfrm>
+          <a:prstGeom prst="rect">
+            <a:avLst/>
+          </a:prstGeom>
+        </p:spPr>
+      </p:pic>
+      <p:cxnSp>
+        <p:nvCxnSpPr>
+          <p:cNvPr id="10" name="Straight Arrow Connector 9">
+            <a:extLst>
+              <a:ext uri="{FF2B5EF4-FFF2-40B4-BE49-F238E27FC236}">
+                <a16:creationId xmlns:a16="http://schemas.microsoft.com/office/drawing/2014/main" id="{A22E6447-4CC8-48D9-909A-D961944BC467}"/>
+              </a:ext>
+            </a:extLst>
+          </p:cNvPr>
+          <p:cNvCxnSpPr/>
+          <p:nvPr/>
+        </p:nvCxnSpPr>
+        <p:spPr>
+          <a:xfrm flipH="1">
+            <a:off x="10376899" y="2691829"/>
+            <a:ext cx="236305" cy="462337"/>
+          </a:xfrm>
+          <a:prstGeom prst="straightConnector1">
+            <a:avLst/>
+          </a:prstGeom>
+          <a:ln>
+            <a:tailEnd type="triangle"/>
+          </a:ln>
+        </p:spPr>
+        <p:style>
+          <a:lnRef idx="1">
+            <a:schemeClr val="accent1"/>
+          </a:lnRef>
+          <a:fillRef idx="0">
+            <a:schemeClr val="accent1"/>
+          </a:fillRef>
+          <a:effectRef idx="0">
+            <a:schemeClr val="accent1"/>
+          </a:effectRef>
+          <a:fontRef idx="minor">
+            <a:schemeClr val="tx1"/>
+          </a:fontRef>
+        </p:style>
+      </p:cxnSp>
+      <p:sp>
+        <p:nvSpPr>
+          <p:cNvPr id="11" name="TextBox 10">
+            <a:extLst>
+              <a:ext uri="{FF2B5EF4-FFF2-40B4-BE49-F238E27FC236}">
+                <a16:creationId xmlns:a16="http://schemas.microsoft.com/office/drawing/2014/main" id="{CCE89BAF-2985-4133-9390-347BAB0C27B0}"/>
+              </a:ext>
+            </a:extLst>
+          </p:cNvPr>
+          <p:cNvSpPr txBox="1"/>
+          <p:nvPr/>
+        </p:nvSpPr>
+        <p:spPr>
+          <a:xfrm>
+            <a:off x="10284903" y="2256639"/>
+            <a:ext cx="1221297" cy="369332"/>
+          </a:xfrm>
+          <a:prstGeom prst="rect">
+            <a:avLst/>
+          </a:prstGeom>
+          <a:noFill/>
+        </p:spPr>
+        <p:txBody>
+          <a:bodyPr wrap="square" rtlCol="0">
+            <a:spAutoFit/>
+          </a:bodyPr>
+          <a:lstStyle/>
+          <a:p>
+            <a:r>
+              <a:rPr lang="en-US" dirty="0"/>
+              <a:t>Anode</a:t>
+            </a:r>
+          </a:p>
+        </p:txBody>
+      </p:sp>
+    </p:spTree>
+    <p:extLst>
+      <p:ext uri="{BB962C8B-B14F-4D97-AF65-F5344CB8AC3E}">
+        <p14:creationId xmlns:p14="http://schemas.microsoft.com/office/powerpoint/2010/main" val="3303538290"/>
+      </p:ext>
+    </p:extLst>
+  </p:cSld>
+  <p:clrMapOvr>
+    <a:masterClrMapping/>
+  </p:clrMapOvr>
+</p:sld>
+</file>
+
+<file path=ppt/slides/slide8.xml><?xml version="1.0" encoding="utf-8"?>
+<p:sld xmlns:a="http://schemas.openxmlformats.org/drawingml/2006/main" xmlns:r="http://schemas.openxmlformats.org/officeDocument/2006/relationships" xmlns:p="http://schemas.openxmlformats.org/presentationml/2006/main">
+  <p:cSld>
+    <p:spTree>
+      <p:nvGrpSpPr>
+        <p:cNvPr id="1" name=""/>
+        <p:cNvGrpSpPr/>
+        <p:nvPr/>
+      </p:nvGrpSpPr>
+      <p:grpSpPr>
+        <a:xfrm>
+          <a:off x="0" y="0"/>
+          <a:ext cx="0" cy="0"/>
+          <a:chOff x="0" y="0"/>
+          <a:chExt cx="0" cy="0"/>
+        </a:xfrm>
+      </p:grpSpPr>
+      <p:sp>
+        <p:nvSpPr>
+          <p:cNvPr id="2" name="Title 1">
+            <a:extLst>
+              <a:ext uri="{FF2B5EF4-FFF2-40B4-BE49-F238E27FC236}">
+                <a16:creationId xmlns:a16="http://schemas.microsoft.com/office/drawing/2014/main" id="{78B48FFB-D878-4B36-88FC-E45568D9E96B}"/>
+              </a:ext>
+            </a:extLst>
+          </p:cNvPr>
+          <p:cNvSpPr>
+            <a:spLocks noGrp="1"/>
+          </p:cNvSpPr>
+          <p:nvPr>
+            <p:ph type="title"/>
+          </p:nvPr>
+        </p:nvSpPr>
+        <p:spPr/>
+        <p:txBody>
+          <a:bodyPr/>
+          <a:lstStyle/>
+          <a:p>
+            <a:r>
+              <a:rPr lang="en-US" dirty="0"/>
+              <a:t>Upper Pivot</a:t>
+            </a:r>
+          </a:p>
+        </p:txBody>
+      </p:sp>
+      <p:sp>
+        <p:nvSpPr>
+          <p:cNvPr id="3" name="Content Placeholder 2">
+            <a:extLst>
+              <a:ext uri="{FF2B5EF4-FFF2-40B4-BE49-F238E27FC236}">
+                <a16:creationId xmlns:a16="http://schemas.microsoft.com/office/drawing/2014/main" id="{6676B8BD-DDAC-4C57-A4EB-9D7670C4A2D9}"/>
+              </a:ext>
+            </a:extLst>
+          </p:cNvPr>
+          <p:cNvSpPr>
+            <a:spLocks noGrp="1"/>
+          </p:cNvSpPr>
+          <p:nvPr>
+            <p:ph sz="half" idx="1"/>
+          </p:nvPr>
+        </p:nvSpPr>
+        <p:spPr/>
+        <p:txBody>
+          <a:bodyPr/>
+          <a:lstStyle/>
+          <a:p>
+            <a:r>
+              <a:rPr lang="en-US" dirty="0"/>
+              <a:t>Each side of pivot plate is doweled into place.</a:t>
+            </a:r>
+          </a:p>
+          <a:p>
+            <a:r>
+              <a:rPr lang="en-US" dirty="0"/>
+              <a:t>4 Holes for attaching to cart or boom.</a:t>
+            </a:r>
+          </a:p>
+          <a:p>
+            <a:pPr lvl="1"/>
+            <a:r>
+              <a:rPr lang="en-US" dirty="0"/>
+              <a:t>To be designed by Dillon Herbert for DOE or TBD for Manta Ray.</a:t>
+            </a:r>
+          </a:p>
+          <a:p>
+            <a:endParaRPr lang="en-US" dirty="0"/>
+          </a:p>
+        </p:txBody>
+      </p:sp>
+      <p:cxnSp>
+        <p:nvCxnSpPr>
+          <p:cNvPr id="10" name="Straight Arrow Connector 9">
+            <a:extLst>
+              <a:ext uri="{FF2B5EF4-FFF2-40B4-BE49-F238E27FC236}">
+                <a16:creationId xmlns:a16="http://schemas.microsoft.com/office/drawing/2014/main" id="{A22E6447-4CC8-48D9-909A-D961944BC467}"/>
+              </a:ext>
+            </a:extLst>
+          </p:cNvPr>
+          <p:cNvCxnSpPr/>
+          <p:nvPr/>
+        </p:nvCxnSpPr>
+        <p:spPr>
+          <a:xfrm flipH="1">
+            <a:off x="10376899" y="2691829"/>
+            <a:ext cx="236305" cy="462337"/>
+          </a:xfrm>
+          <a:prstGeom prst="straightConnector1">
+            <a:avLst/>
+          </a:prstGeom>
+          <a:ln>
+            <a:tailEnd type="triangle"/>
+          </a:ln>
+        </p:spPr>
+        <p:style>
+          <a:lnRef idx="1">
+            <a:schemeClr val="accent1"/>
+          </a:lnRef>
+          <a:fillRef idx="0">
+            <a:schemeClr val="accent1"/>
+          </a:fillRef>
+          <a:effectRef idx="0">
+            <a:schemeClr val="accent1"/>
+          </a:effectRef>
+          <a:fontRef idx="minor">
+            <a:schemeClr val="tx1"/>
+          </a:fontRef>
+        </p:style>
+      </p:cxnSp>
+      <p:sp>
+        <p:nvSpPr>
+          <p:cNvPr id="11" name="TextBox 10">
+            <a:extLst>
+              <a:ext uri="{FF2B5EF4-FFF2-40B4-BE49-F238E27FC236}">
+                <a16:creationId xmlns:a16="http://schemas.microsoft.com/office/drawing/2014/main" id="{CCE89BAF-2985-4133-9390-347BAB0C27B0}"/>
+              </a:ext>
+            </a:extLst>
+          </p:cNvPr>
+          <p:cNvSpPr txBox="1"/>
+          <p:nvPr/>
+        </p:nvSpPr>
+        <p:spPr>
+          <a:xfrm>
+            <a:off x="10284903" y="2256639"/>
+            <a:ext cx="1221297" cy="369332"/>
+          </a:xfrm>
+          <a:prstGeom prst="rect">
+            <a:avLst/>
+          </a:prstGeom>
+          <a:noFill/>
+        </p:spPr>
+        <p:txBody>
+          <a:bodyPr wrap="square" rtlCol="0">
+            <a:spAutoFit/>
+          </a:bodyPr>
+          <a:lstStyle/>
+          <a:p>
+            <a:r>
+              <a:rPr lang="en-US" dirty="0"/>
+              <a:t>Anode</a:t>
+            </a:r>
+          </a:p>
+        </p:txBody>
+      </p:sp>
+      <p:pic>
+        <p:nvPicPr>
+          <p:cNvPr id="7" name="Content Placeholder 6">
+            <a:extLst>
+              <a:ext uri="{FF2B5EF4-FFF2-40B4-BE49-F238E27FC236}">
+                <a16:creationId xmlns:a16="http://schemas.microsoft.com/office/drawing/2014/main" id="{D4E43476-53E0-4DCA-BF1E-74BC3A77AEB5}"/>
+              </a:ext>
+            </a:extLst>
+          </p:cNvPr>
+          <p:cNvPicPr>
+            <a:picLocks noGrp="1" noChangeAspect="1"/>
+          </p:cNvPicPr>
+          <p:nvPr>
+            <p:ph sz="half" idx="2"/>
+          </p:nvPr>
+        </p:nvPicPr>
+        <p:blipFill>
+          <a:blip r:embed="rId2"/>
+          <a:stretch>
+            <a:fillRect/>
+          </a:stretch>
+        </p:blipFill>
+        <p:spPr>
+          <a:xfrm>
+            <a:off x="6364748" y="1825625"/>
+            <a:ext cx="4796503" cy="4351338"/>
+          </a:xfrm>
+          <a:prstGeom prst="rect">
+            <a:avLst/>
+          </a:prstGeom>
+        </p:spPr>
+      </p:pic>
+    </p:spTree>
+    <p:extLst>
+      <p:ext uri="{BB962C8B-B14F-4D97-AF65-F5344CB8AC3E}">
+        <p14:creationId xmlns:p14="http://schemas.microsoft.com/office/powerpoint/2010/main" val="1984350779"/>
       </p:ext>
     </p:extLst>
   </p:cSld>

--- a/documentation/kiteCAD/solidworks/Line Angle Sensor/Line Angle Sensor Design.pptx
+++ b/documentation/kiteCAD/solidworks/Line Angle Sensor/Line Angle Sensor Design.pptx
@@ -13,6 +13,9 @@
     <p:sldId id="260" r:id="rId7"/>
     <p:sldId id="262" r:id="rId8"/>
     <p:sldId id="263" r:id="rId9"/>
+    <p:sldId id="267" r:id="rId10"/>
+    <p:sldId id="266" r:id="rId11"/>
+    <p:sldId id="264" r:id="rId12"/>
   </p:sldIdLst>
   <p:sldSz cx="12192000" cy="6858000"/>
   <p:notesSz cx="6858000" cy="9144000"/>
@@ -266,7 +269,7 @@
           <a:p>
             <a:fld id="{63F6F521-D239-482F-8F93-B8BD4D6E2FCE}" type="datetimeFigureOut">
               <a:rPr lang="en-US" smtClean="0"/>
-              <a:t>9/2/2020</a:t>
+              <a:t>9/9/2020</a:t>
             </a:fld>
             <a:endParaRPr lang="en-US"/>
           </a:p>
@@ -464,7 +467,7 @@
           <a:p>
             <a:fld id="{63F6F521-D239-482F-8F93-B8BD4D6E2FCE}" type="datetimeFigureOut">
               <a:rPr lang="en-US" smtClean="0"/>
-              <a:t>9/2/2020</a:t>
+              <a:t>9/9/2020</a:t>
             </a:fld>
             <a:endParaRPr lang="en-US"/>
           </a:p>
@@ -672,7 +675,7 @@
           <a:p>
             <a:fld id="{63F6F521-D239-482F-8F93-B8BD4D6E2FCE}" type="datetimeFigureOut">
               <a:rPr lang="en-US" smtClean="0"/>
-              <a:t>9/2/2020</a:t>
+              <a:t>9/9/2020</a:t>
             </a:fld>
             <a:endParaRPr lang="en-US"/>
           </a:p>
@@ -870,7 +873,7 @@
           <a:p>
             <a:fld id="{63F6F521-D239-482F-8F93-B8BD4D6E2FCE}" type="datetimeFigureOut">
               <a:rPr lang="en-US" smtClean="0"/>
-              <a:t>9/2/2020</a:t>
+              <a:t>9/9/2020</a:t>
             </a:fld>
             <a:endParaRPr lang="en-US"/>
           </a:p>
@@ -1145,7 +1148,7 @@
           <a:p>
             <a:fld id="{63F6F521-D239-482F-8F93-B8BD4D6E2FCE}" type="datetimeFigureOut">
               <a:rPr lang="en-US" smtClean="0"/>
-              <a:t>9/2/2020</a:t>
+              <a:t>9/9/2020</a:t>
             </a:fld>
             <a:endParaRPr lang="en-US"/>
           </a:p>
@@ -1410,7 +1413,7 @@
           <a:p>
             <a:fld id="{63F6F521-D239-482F-8F93-B8BD4D6E2FCE}" type="datetimeFigureOut">
               <a:rPr lang="en-US" smtClean="0"/>
-              <a:t>9/2/2020</a:t>
+              <a:t>9/9/2020</a:t>
             </a:fld>
             <a:endParaRPr lang="en-US"/>
           </a:p>
@@ -1822,7 +1825,7 @@
           <a:p>
             <a:fld id="{63F6F521-D239-482F-8F93-B8BD4D6E2FCE}" type="datetimeFigureOut">
               <a:rPr lang="en-US" smtClean="0"/>
-              <a:t>9/2/2020</a:t>
+              <a:t>9/9/2020</a:t>
             </a:fld>
             <a:endParaRPr lang="en-US"/>
           </a:p>
@@ -1963,7 +1966,7 @@
           <a:p>
             <a:fld id="{63F6F521-D239-482F-8F93-B8BD4D6E2FCE}" type="datetimeFigureOut">
               <a:rPr lang="en-US" smtClean="0"/>
-              <a:t>9/2/2020</a:t>
+              <a:t>9/9/2020</a:t>
             </a:fld>
             <a:endParaRPr lang="en-US"/>
           </a:p>
@@ -2076,7 +2079,7 @@
           <a:p>
             <a:fld id="{63F6F521-D239-482F-8F93-B8BD4D6E2FCE}" type="datetimeFigureOut">
               <a:rPr lang="en-US" smtClean="0"/>
-              <a:t>9/2/2020</a:t>
+              <a:t>9/9/2020</a:t>
             </a:fld>
             <a:endParaRPr lang="en-US"/>
           </a:p>
@@ -2387,7 +2390,7 @@
           <a:p>
             <a:fld id="{63F6F521-D239-482F-8F93-B8BD4D6E2FCE}" type="datetimeFigureOut">
               <a:rPr lang="en-US" smtClean="0"/>
-              <a:t>9/2/2020</a:t>
+              <a:t>9/9/2020</a:t>
             </a:fld>
             <a:endParaRPr lang="en-US"/>
           </a:p>
@@ -2675,7 +2678,7 @@
           <a:p>
             <a:fld id="{63F6F521-D239-482F-8F93-B8BD4D6E2FCE}" type="datetimeFigureOut">
               <a:rPr lang="en-US" smtClean="0"/>
-              <a:t>9/2/2020</a:t>
+              <a:t>9/9/2020</a:t>
             </a:fld>
             <a:endParaRPr lang="en-US"/>
           </a:p>
@@ -2916,7 +2919,7 @@
           <a:p>
             <a:fld id="{63F6F521-D239-482F-8F93-B8BD4D6E2FCE}" type="datetimeFigureOut">
               <a:rPr lang="en-US" smtClean="0"/>
-              <a:t>9/2/2020</a:t>
+              <a:t>9/9/2020</a:t>
             </a:fld>
             <a:endParaRPr lang="en-US"/>
           </a:p>
@@ -3319,6 +3322,14 @@
 <file path=ppt/slides/slide1.xml><?xml version="1.0" encoding="utf-8"?>
 <p:sld xmlns:a="http://schemas.openxmlformats.org/drawingml/2006/main" xmlns:r="http://schemas.openxmlformats.org/officeDocument/2006/relationships" xmlns:p="http://schemas.openxmlformats.org/presentationml/2006/main">
   <p:cSld>
+    <p:bg>
+      <p:bgPr>
+        <a:solidFill>
+          <a:schemeClr val="bg1"/>
+        </a:solidFill>
+        <a:effectLst/>
+      </p:bgPr>
+    </p:bg>
     <p:spTree>
       <p:nvGrpSpPr>
         <p:cNvPr id="1" name=""/>
@@ -3333,6 +3344,262 @@
           <a:chExt cx="0" cy="0"/>
         </a:xfrm>
       </p:grpSpPr>
+      <p:sp useBgFill="1">
+        <p:nvSpPr>
+          <p:cNvPr id="8" name="Rectangle 7">
+            <a:extLst>
+              <a:ext uri="{FF2B5EF4-FFF2-40B4-BE49-F238E27FC236}">
+                <a16:creationId xmlns:a16="http://schemas.microsoft.com/office/drawing/2014/main" id="{A7895A40-19A4-42D6-9D30-DBC1E8002635}"/>
+              </a:ext>
+              <a:ext uri="{C183D7F6-B498-43B3-948B-1728B52AA6E4}">
+                <adec:decorative xmlns:adec="http://schemas.microsoft.com/office/drawing/2017/decorative" val="1"/>
+              </a:ext>
+            </a:extLst>
+          </p:cNvPr>
+          <p:cNvSpPr>
+            <a:spLocks noGrp="1" noRot="1" noChangeAspect="1" noMove="1" noResize="1" noEditPoints="1" noAdjustHandles="1" noChangeArrowheads="1" noChangeShapeType="1" noTextEdit="1"/>
+          </p:cNvSpPr>
+          <p:nvPr>
+            <p:extLst>
+              <p:ext uri="{386F3935-93C4-4BCD-93E2-E3B085C9AB24}">
+                <p16:designElem xmlns:p16="http://schemas.microsoft.com/office/powerpoint/2015/main" val="1"/>
+              </p:ext>
+            </p:extLst>
+          </p:nvPr>
+        </p:nvSpPr>
+        <p:spPr>
+          <a:xfrm>
+            <a:off x="0" y="0"/>
+            <a:ext cx="12191999" cy="6857365"/>
+          </a:xfrm>
+          <a:prstGeom prst="rect">
+            <a:avLst/>
+          </a:prstGeom>
+          <a:ln>
+            <a:noFill/>
+          </a:ln>
+        </p:spPr>
+        <p:style>
+          <a:lnRef idx="2">
+            <a:schemeClr val="accent1">
+              <a:shade val="50000"/>
+            </a:schemeClr>
+          </a:lnRef>
+          <a:fillRef idx="1">
+            <a:schemeClr val="accent1"/>
+          </a:fillRef>
+          <a:effectRef idx="0">
+            <a:schemeClr val="accent1"/>
+          </a:effectRef>
+          <a:fontRef idx="minor">
+            <a:schemeClr val="lt1"/>
+          </a:fontRef>
+        </p:style>
+        <p:txBody>
+          <a:bodyPr rtlCol="0" anchor="ctr"/>
+          <a:lstStyle/>
+          <a:p>
+            <a:pPr algn="ctr"/>
+            <a:endParaRPr lang="en-US"/>
+          </a:p>
+        </p:txBody>
+      </p:sp>
+      <p:sp>
+        <p:nvSpPr>
+          <p:cNvPr id="10" name="Rectangle 9">
+            <a:extLst>
+              <a:ext uri="{FF2B5EF4-FFF2-40B4-BE49-F238E27FC236}">
+                <a16:creationId xmlns:a16="http://schemas.microsoft.com/office/drawing/2014/main" id="{02F429C4-ABC9-46FC-818A-B5429CDE4A96}"/>
+              </a:ext>
+              <a:ext uri="{C183D7F6-B498-43B3-948B-1728B52AA6E4}">
+                <adec:decorative xmlns:adec="http://schemas.microsoft.com/office/drawing/2017/decorative" val="1"/>
+              </a:ext>
+            </a:extLst>
+          </p:cNvPr>
+          <p:cNvSpPr>
+            <a:spLocks noGrp="1" noRot="1" noChangeAspect="1" noMove="1" noResize="1" noEditPoints="1" noAdjustHandles="1" noChangeArrowheads="1" noChangeShapeType="1" noTextEdit="1"/>
+          </p:cNvSpPr>
+          <p:nvPr>
+            <p:extLst>
+              <p:ext uri="{386F3935-93C4-4BCD-93E2-E3B085C9AB24}">
+                <p16:designElem xmlns:p16="http://schemas.microsoft.com/office/powerpoint/2015/main" val="1"/>
+              </p:ext>
+            </p:extLst>
+          </p:nvPr>
+        </p:nvSpPr>
+        <p:spPr>
+          <a:xfrm rot="5400000">
+            <a:off x="-1270325" y="3369273"/>
+            <a:ext cx="3200400" cy="152382"/>
+          </a:xfrm>
+          <a:prstGeom prst="rect">
+            <a:avLst/>
+          </a:prstGeom>
+          <a:solidFill>
+            <a:schemeClr val="accent4"/>
+          </a:solidFill>
+          <a:ln>
+            <a:noFill/>
+          </a:ln>
+        </p:spPr>
+        <p:style>
+          <a:lnRef idx="2">
+            <a:schemeClr val="accent1">
+              <a:shade val="50000"/>
+            </a:schemeClr>
+          </a:lnRef>
+          <a:fillRef idx="1">
+            <a:schemeClr val="accent1"/>
+          </a:fillRef>
+          <a:effectRef idx="0">
+            <a:schemeClr val="accent1"/>
+          </a:effectRef>
+          <a:fontRef idx="minor">
+            <a:schemeClr val="lt1"/>
+          </a:fontRef>
+        </p:style>
+        <p:txBody>
+          <a:bodyPr rtlCol="0" anchor="ctr"/>
+          <a:lstStyle/>
+          <a:p>
+            <a:pPr algn="ctr"/>
+            <a:endParaRPr lang="en-US"/>
+          </a:p>
+        </p:txBody>
+      </p:sp>
+      <p:sp>
+        <p:nvSpPr>
+          <p:cNvPr id="12" name="Rectangle 11">
+            <a:extLst>
+              <a:ext uri="{FF2B5EF4-FFF2-40B4-BE49-F238E27FC236}">
+                <a16:creationId xmlns:a16="http://schemas.microsoft.com/office/drawing/2014/main" id="{2CEF98E4-3709-4952-8F42-2305CCE34FA3}"/>
+              </a:ext>
+              <a:ext uri="{C183D7F6-B498-43B3-948B-1728B52AA6E4}">
+                <adec:decorative xmlns:adec="http://schemas.microsoft.com/office/drawing/2017/decorative" val="1"/>
+              </a:ext>
+            </a:extLst>
+          </p:cNvPr>
+          <p:cNvSpPr>
+            <a:spLocks noGrp="1" noRot="1" noChangeAspect="1" noMove="1" noResize="1" noEditPoints="1" noAdjustHandles="1" noChangeArrowheads="1" noChangeShapeType="1" noTextEdit="1"/>
+          </p:cNvSpPr>
+          <p:nvPr>
+            <p:extLst>
+              <p:ext uri="{386F3935-93C4-4BCD-93E2-E3B085C9AB24}">
+                <p16:designElem xmlns:p16="http://schemas.microsoft.com/office/powerpoint/2015/main" val="1"/>
+              </p:ext>
+            </p:extLst>
+          </p:nvPr>
+        </p:nvSpPr>
+        <p:spPr>
+          <a:xfrm rot="16200000">
+            <a:off x="6374475" y="1040470"/>
+            <a:ext cx="6858003" cy="4777047"/>
+          </a:xfrm>
+          <a:prstGeom prst="rect">
+            <a:avLst/>
+          </a:prstGeom>
+          <a:solidFill>
+            <a:schemeClr val="accent4"/>
+          </a:solidFill>
+          <a:ln>
+            <a:noFill/>
+          </a:ln>
+        </p:spPr>
+        <p:style>
+          <a:lnRef idx="2">
+            <a:schemeClr val="accent1">
+              <a:shade val="50000"/>
+            </a:schemeClr>
+          </a:lnRef>
+          <a:fillRef idx="1">
+            <a:schemeClr val="accent1"/>
+          </a:fillRef>
+          <a:effectRef idx="0">
+            <a:schemeClr val="accent1"/>
+          </a:effectRef>
+          <a:fontRef idx="minor">
+            <a:schemeClr val="lt1"/>
+          </a:fontRef>
+        </p:style>
+        <p:txBody>
+          <a:bodyPr rtlCol="0" anchor="ctr"/>
+          <a:lstStyle/>
+          <a:p>
+            <a:pPr algn="ctr"/>
+            <a:endParaRPr lang="en-US" dirty="0"/>
+          </a:p>
+        </p:txBody>
+      </p:sp>
+      <p:sp>
+        <p:nvSpPr>
+          <p:cNvPr id="14" name="Rectangle 13">
+            <a:extLst>
+              <a:ext uri="{FF2B5EF4-FFF2-40B4-BE49-F238E27FC236}">
+                <a16:creationId xmlns:a16="http://schemas.microsoft.com/office/drawing/2014/main" id="{F10BCCF5-D685-47FF-B675-647EAEB72C8E}"/>
+              </a:ext>
+              <a:ext uri="{C183D7F6-B498-43B3-948B-1728B52AA6E4}">
+                <adec:decorative xmlns:adec="http://schemas.microsoft.com/office/drawing/2017/decorative" val="1"/>
+              </a:ext>
+            </a:extLst>
+          </p:cNvPr>
+          <p:cNvSpPr>
+            <a:spLocks noGrp="1" noRot="1" noChangeAspect="1" noMove="1" noResize="1" noEditPoints="1" noAdjustHandles="1" noChangeArrowheads="1" noChangeShapeType="1" noTextEdit="1"/>
+          </p:cNvSpPr>
+          <p:nvPr>
+            <p:extLst>
+              <p:ext uri="{386F3935-93C4-4BCD-93E2-E3B085C9AB24}">
+                <p16:designElem xmlns:p16="http://schemas.microsoft.com/office/powerpoint/2015/main" val="1"/>
+              </p:ext>
+            </p:extLst>
+          </p:nvPr>
+        </p:nvSpPr>
+        <p:spPr>
+          <a:xfrm>
+            <a:off x="387914" y="857786"/>
+            <a:ext cx="11067024" cy="5208932"/>
+          </a:xfrm>
+          <a:prstGeom prst="rect">
+            <a:avLst/>
+          </a:prstGeom>
+          <a:solidFill>
+            <a:schemeClr val="bg1"/>
+          </a:solidFill>
+          <a:ln>
+            <a:noFill/>
+          </a:ln>
+          <a:effectLst>
+            <a:outerShdw blurRad="139700" dist="127000" dir="5400000" algn="t" rotWithShape="0">
+              <a:prstClr val="black">
+                <a:alpha val="15000"/>
+              </a:prstClr>
+            </a:outerShdw>
+          </a:effectLst>
+        </p:spPr>
+        <p:style>
+          <a:lnRef idx="2">
+            <a:schemeClr val="accent1">
+              <a:shade val="50000"/>
+            </a:schemeClr>
+          </a:lnRef>
+          <a:fillRef idx="1">
+            <a:schemeClr val="accent1"/>
+          </a:fillRef>
+          <a:effectRef idx="0">
+            <a:schemeClr val="accent1"/>
+          </a:effectRef>
+          <a:fontRef idx="minor">
+            <a:schemeClr val="lt1"/>
+          </a:fontRef>
+        </p:style>
+        <p:txBody>
+          <a:bodyPr rtlCol="0" anchor="ctr"/>
+          <a:lstStyle/>
+          <a:p>
+            <a:pPr algn="ctr"/>
+            <a:endParaRPr lang="en-US"/>
+          </a:p>
+        </p:txBody>
+      </p:sp>
       <p:sp>
         <p:nvSpPr>
           <p:cNvPr id="2" name="Title 1">
@@ -3349,13 +3616,21 @@
             <p:ph type="ctrTitle"/>
           </p:nvPr>
         </p:nvSpPr>
-        <p:spPr/>
-        <p:txBody>
-          <a:bodyPr/>
+        <p:spPr>
+          <a:xfrm>
+            <a:off x="987689" y="3071183"/>
+            <a:ext cx="9910296" cy="2590027"/>
+          </a:xfrm>
+        </p:spPr>
+        <p:txBody>
+          <a:bodyPr anchor="t">
+            <a:normAutofit/>
+          </a:bodyPr>
           <a:lstStyle/>
           <a:p>
-            <a:r>
-              <a:rPr lang="en-US" dirty="0"/>
+            <a:pPr algn="l"/>
+            <a:r>
+              <a:rPr lang="en-US" sz="8000"/>
               <a:t>Line Angle Sensor Design</a:t>
             </a:r>
           </a:p>
@@ -3377,11 +3652,82 @@
             <p:ph type="subTitle" idx="1"/>
           </p:nvPr>
         </p:nvSpPr>
-        <p:spPr/>
-        <p:txBody>
-          <a:bodyPr/>
+        <p:spPr>
+          <a:xfrm>
+            <a:off x="987688" y="1553518"/>
+            <a:ext cx="9910295" cy="1281733"/>
+          </a:xfrm>
+        </p:spPr>
+        <p:txBody>
+          <a:bodyPr anchor="b">
+            <a:normAutofit/>
+          </a:bodyPr>
           <a:lstStyle/>
           <a:p>
+            <a:pPr algn="l"/>
+            <a:endParaRPr lang="en-US"/>
+          </a:p>
+        </p:txBody>
+      </p:sp>
+      <p:sp>
+        <p:nvSpPr>
+          <p:cNvPr id="16" name="Rectangle 15">
+            <a:extLst>
+              <a:ext uri="{FF2B5EF4-FFF2-40B4-BE49-F238E27FC236}">
+                <a16:creationId xmlns:a16="http://schemas.microsoft.com/office/drawing/2014/main" id="{B0EE8A42-107A-4D4C-8D56-BBAE95C7FC0D}"/>
+              </a:ext>
+              <a:ext uri="{C183D7F6-B498-43B3-948B-1728B52AA6E4}">
+                <adec:decorative xmlns:adec="http://schemas.microsoft.com/office/drawing/2017/decorative" val="1"/>
+              </a:ext>
+            </a:extLst>
+          </p:cNvPr>
+          <p:cNvSpPr>
+            <a:spLocks noGrp="1" noRot="1" noChangeAspect="1" noMove="1" noResize="1" noEditPoints="1" noAdjustHandles="1" noChangeArrowheads="1" noChangeShapeType="1" noTextEdit="1"/>
+          </p:cNvSpPr>
+          <p:nvPr>
+            <p:extLst>
+              <p:ext uri="{386F3935-93C4-4BCD-93E2-E3B085C9AB24}">
+                <p16:designElem xmlns:p16="http://schemas.microsoft.com/office/powerpoint/2015/main" val="1"/>
+              </p:ext>
+            </p:extLst>
+          </p:nvPr>
+        </p:nvSpPr>
+        <p:spPr>
+          <a:xfrm rot="5400000">
+            <a:off x="-1524009" y="3366125"/>
+            <a:ext cx="3200400" cy="152382"/>
+          </a:xfrm>
+          <a:prstGeom prst="rect">
+            <a:avLst/>
+          </a:prstGeom>
+          <a:solidFill>
+            <a:schemeClr val="accent4"/>
+          </a:solidFill>
+          <a:ln>
+            <a:noFill/>
+          </a:ln>
+        </p:spPr>
+        <p:style>
+          <a:lnRef idx="2">
+            <a:schemeClr val="accent1">
+              <a:shade val="50000"/>
+            </a:schemeClr>
+          </a:lnRef>
+          <a:fillRef idx="1">
+            <a:schemeClr val="accent1"/>
+          </a:fillRef>
+          <a:effectRef idx="0">
+            <a:schemeClr val="accent1"/>
+          </a:effectRef>
+          <a:fontRef idx="minor">
+            <a:schemeClr val="lt1"/>
+          </a:fontRef>
+        </p:style>
+        <p:txBody>
+          <a:bodyPr rtlCol="0" anchor="ctr"/>
+          <a:lstStyle/>
+          <a:p>
+            <a:pPr algn="ctr"/>
             <a:endParaRPr lang="en-US"/>
           </a:p>
         </p:txBody>
@@ -3399,7 +3745,7 @@
 </p:sld>
 </file>
 
-<file path=ppt/slides/slide2.xml><?xml version="1.0" encoding="utf-8"?>
+<file path=ppt/slides/slide10.xml><?xml version="1.0" encoding="utf-8"?>
 <p:sld xmlns:a="http://schemas.openxmlformats.org/drawingml/2006/main" xmlns:r="http://schemas.openxmlformats.org/officeDocument/2006/relationships" xmlns:p="http://schemas.openxmlformats.org/presentationml/2006/main">
   <p:cSld>
     <p:spTree>
@@ -3421,7 +3767,7 @@
           <p:cNvPr id="2" name="Title 1">
             <a:extLst>
               <a:ext uri="{FF2B5EF4-FFF2-40B4-BE49-F238E27FC236}">
-                <a16:creationId xmlns:a16="http://schemas.microsoft.com/office/drawing/2014/main" id="{8F77F8A5-2169-48CF-985F-DDBE558D821F}"/>
+                <a16:creationId xmlns:a16="http://schemas.microsoft.com/office/drawing/2014/main" id="{FEBD4D98-652B-47B6-A147-858F4DF1505F}"/>
               </a:ext>
             </a:extLst>
           </p:cNvPr>
@@ -3439,58 +3785,1398 @@
           <a:p>
             <a:r>
               <a:rPr lang="en-US" dirty="0"/>
-              <a:t>Outline</a:t>
-            </a:r>
-          </a:p>
-        </p:txBody>
-      </p:sp>
-      <p:sp>
-        <p:nvSpPr>
-          <p:cNvPr id="3" name="Content Placeholder 2">
-            <a:extLst>
-              <a:ext uri="{FF2B5EF4-FFF2-40B4-BE49-F238E27FC236}">
-                <a16:creationId xmlns:a16="http://schemas.microsoft.com/office/drawing/2014/main" id="{F1DE7267-06E2-4378-B2D9-26CF7A5842C2}"/>
-              </a:ext>
-            </a:extLst>
-          </p:cNvPr>
-          <p:cNvSpPr>
-            <a:spLocks noGrp="1"/>
-          </p:cNvSpPr>
-          <p:nvPr>
-            <p:ph idx="1"/>
-          </p:nvPr>
-        </p:nvSpPr>
-        <p:spPr/>
-        <p:txBody>
-          <a:bodyPr/>
-          <a:lstStyle/>
-          <a:p>
-            <a:r>
-              <a:rPr lang="en-US" dirty="0"/>
-              <a:t>System Overview</a:t>
-            </a:r>
-          </a:p>
-          <a:p>
-            <a:r>
-              <a:rPr lang="en-US" dirty="0"/>
-              <a:t>Pivot Arm and Lower Pivot</a:t>
-            </a:r>
-          </a:p>
-          <a:p>
-            <a:r>
-              <a:rPr lang="en-US" dirty="0"/>
-              <a:t>Upper Pivot</a:t>
-            </a:r>
-          </a:p>
-          <a:p>
-            <a:endParaRPr lang="en-US" dirty="0"/>
-          </a:p>
-        </p:txBody>
-      </p:sp>
+              <a:t>Center of Mass/Buoyancy Questions with regards to Upright vs Inverted Flight</a:t>
+            </a:r>
+          </a:p>
+        </p:txBody>
+      </p:sp>
+      <mc:AlternateContent xmlns:mc="http://schemas.openxmlformats.org/markup-compatibility/2006">
+        <mc:Choice xmlns:a14="http://schemas.microsoft.com/office/drawing/2010/main" Requires="a14">
+          <p:sp>
+            <p:nvSpPr>
+              <p:cNvPr id="3" name="Content Placeholder 2">
+                <a:extLst>
+                  <a:ext uri="{FF2B5EF4-FFF2-40B4-BE49-F238E27FC236}">
+                    <a16:creationId xmlns:a16="http://schemas.microsoft.com/office/drawing/2014/main" id="{1BF04C79-F6F6-4B24-9635-F5630AB014DD}"/>
+                  </a:ext>
+                </a:extLst>
+              </p:cNvPr>
+              <p:cNvSpPr>
+                <a:spLocks noGrp="1"/>
+              </p:cNvSpPr>
+              <p:nvPr>
+                <p:ph sz="half" idx="1"/>
+              </p:nvPr>
+            </p:nvSpPr>
+            <p:spPr/>
+            <p:txBody>
+              <a:bodyPr>
+                <a:normAutofit/>
+              </a:bodyPr>
+              <a:lstStyle/>
+              <a:p>
+                <a:r>
+                  <a:rPr lang="en-US" dirty="0">
+                    <a:latin typeface="Cambria Math" panose="02040503050406030204" pitchFamily="18" charset="0"/>
+                  </a:rPr>
+                  <a:t>Upright Flight</a:t>
+                </a:r>
+                <a:endParaRPr lang="en-US" b="0" dirty="0">
+                  <a:latin typeface="Cambria Math" panose="02040503050406030204" pitchFamily="18" charset="0"/>
+                </a:endParaRPr>
+              </a:p>
+              <a:p>
+                <a:pPr lvl="1"/>
+                <a14:m>
+                  <m:oMath xmlns:m="http://schemas.openxmlformats.org/officeDocument/2006/math">
+                    <m:sSub>
+                      <m:sSubPr>
+                        <m:ctrlPr>
+                          <a:rPr lang="en-US" b="0" i="1" smtClean="0">
+                            <a:latin typeface="Cambria Math" panose="02040503050406030204" pitchFamily="18" charset="0"/>
+                          </a:rPr>
+                        </m:ctrlPr>
+                      </m:sSubPr>
+                      <m:e>
+                        <m:r>
+                          <a:rPr lang="en-US" b="0" i="1" smtClean="0">
+                            <a:latin typeface="Cambria Math" panose="02040503050406030204" pitchFamily="18" charset="0"/>
+                          </a:rPr>
+                          <m:t>𝑎</m:t>
+                        </m:r>
+                      </m:e>
+                      <m:sub>
+                        <m:r>
+                          <a:rPr lang="en-US" b="0" i="1" smtClean="0">
+                            <a:latin typeface="Cambria Math" panose="02040503050406030204" pitchFamily="18" charset="0"/>
+                          </a:rPr>
+                          <m:t>𝑧</m:t>
+                        </m:r>
+                      </m:sub>
+                    </m:sSub>
+                    <m:r>
+                      <a:rPr lang="en-US" b="0" i="1" smtClean="0">
+                        <a:latin typeface="Cambria Math" panose="02040503050406030204" pitchFamily="18" charset="0"/>
+                      </a:rPr>
+                      <m:t>=</m:t>
+                    </m:r>
+                    <m:f>
+                      <m:fPr>
+                        <m:ctrlPr>
+                          <a:rPr lang="en-US" b="0" i="1" smtClean="0">
+                            <a:latin typeface="Cambria Math" panose="02040503050406030204" pitchFamily="18" charset="0"/>
+                          </a:rPr>
+                        </m:ctrlPr>
+                      </m:fPr>
+                      <m:num>
+                        <m:r>
+                          <a:rPr lang="en-US" b="0" i="1" smtClean="0">
+                            <a:latin typeface="Cambria Math" panose="02040503050406030204" pitchFamily="18" charset="0"/>
+                          </a:rPr>
+                          <m:t>1</m:t>
+                        </m:r>
+                      </m:num>
+                      <m:den>
+                        <m:r>
+                          <a:rPr lang="en-US" b="0" i="1" smtClean="0">
+                            <a:latin typeface="Cambria Math" panose="02040503050406030204" pitchFamily="18" charset="0"/>
+                          </a:rPr>
+                          <m:t>𝑚</m:t>
+                        </m:r>
+                      </m:den>
+                    </m:f>
+                    <m:d>
+                      <m:dPr>
+                        <m:begChr m:val="["/>
+                        <m:endChr m:val="]"/>
+                        <m:ctrlPr>
+                          <a:rPr lang="en-US" b="0" i="1" smtClean="0">
+                            <a:latin typeface="Cambria Math" panose="02040503050406030204" pitchFamily="18" charset="0"/>
+                          </a:rPr>
+                        </m:ctrlPr>
+                      </m:dPr>
+                      <m:e>
+                        <m:sSub>
+                          <m:sSubPr>
+                            <m:ctrlPr>
+                              <a:rPr lang="en-US" b="0" i="1" smtClean="0">
+                                <a:latin typeface="Cambria Math" panose="02040503050406030204" pitchFamily="18" charset="0"/>
+                              </a:rPr>
+                            </m:ctrlPr>
+                          </m:sSubPr>
+                          <m:e>
+                            <m:r>
+                              <a:rPr lang="en-US" b="0" i="1" smtClean="0">
+                                <a:latin typeface="Cambria Math" panose="02040503050406030204" pitchFamily="18" charset="0"/>
+                              </a:rPr>
+                              <m:t>𝐹</m:t>
+                            </m:r>
+                          </m:e>
+                          <m:sub>
+                            <m:r>
+                              <a:rPr lang="en-US" b="0" i="1" smtClean="0">
+                                <a:latin typeface="Cambria Math" panose="02040503050406030204" pitchFamily="18" charset="0"/>
+                              </a:rPr>
+                              <m:t>h</m:t>
+                            </m:r>
+                          </m:sub>
+                        </m:sSub>
+                        <m:r>
+                          <a:rPr lang="en-US" b="0" i="1" smtClean="0">
+                            <a:latin typeface="Cambria Math" panose="02040503050406030204" pitchFamily="18" charset="0"/>
+                          </a:rPr>
+                          <m:t>+</m:t>
+                        </m:r>
+                        <m:sSub>
+                          <m:sSubPr>
+                            <m:ctrlPr>
+                              <a:rPr lang="en-US" b="0" i="1" smtClean="0">
+                                <a:latin typeface="Cambria Math" panose="02040503050406030204" pitchFamily="18" charset="0"/>
+                              </a:rPr>
+                            </m:ctrlPr>
+                          </m:sSubPr>
+                          <m:e>
+                            <m:r>
+                              <a:rPr lang="en-US" b="0" i="1" smtClean="0">
+                                <a:latin typeface="Cambria Math" panose="02040503050406030204" pitchFamily="18" charset="0"/>
+                              </a:rPr>
+                              <m:t>𝐹</m:t>
+                            </m:r>
+                          </m:e>
+                          <m:sub>
+                            <m:r>
+                              <a:rPr lang="en-US" b="0" i="1" smtClean="0">
+                                <a:latin typeface="Cambria Math" panose="02040503050406030204" pitchFamily="18" charset="0"/>
+                              </a:rPr>
+                              <m:t>𝐿</m:t>
+                            </m:r>
+                          </m:sub>
+                        </m:sSub>
+                        <m:r>
+                          <a:rPr lang="en-US" b="0" i="1" smtClean="0">
+                            <a:latin typeface="Cambria Math" panose="02040503050406030204" pitchFamily="18" charset="0"/>
+                          </a:rPr>
+                          <m:t>−</m:t>
+                        </m:r>
+                        <m:sSub>
+                          <m:sSubPr>
+                            <m:ctrlPr>
+                              <a:rPr lang="en-US" b="0" i="1" smtClean="0">
+                                <a:latin typeface="Cambria Math" panose="02040503050406030204" pitchFamily="18" charset="0"/>
+                              </a:rPr>
+                            </m:ctrlPr>
+                          </m:sSubPr>
+                          <m:e>
+                            <m:r>
+                              <a:rPr lang="en-US" b="0" i="1" smtClean="0">
+                                <a:latin typeface="Cambria Math" panose="02040503050406030204" pitchFamily="18" charset="0"/>
+                              </a:rPr>
+                              <m:t>𝐹</m:t>
+                            </m:r>
+                          </m:e>
+                          <m:sub>
+                            <m:r>
+                              <a:rPr lang="en-US" b="0" i="1" smtClean="0">
+                                <a:latin typeface="Cambria Math" panose="02040503050406030204" pitchFamily="18" charset="0"/>
+                              </a:rPr>
+                              <m:t>𝑡h𝑟</m:t>
+                            </m:r>
+                          </m:sub>
+                        </m:sSub>
+                      </m:e>
+                    </m:d>
+                    <m:r>
+                      <a:rPr lang="en-US" b="0" i="1" smtClean="0">
+                        <a:latin typeface="Cambria Math" panose="02040503050406030204" pitchFamily="18" charset="0"/>
+                      </a:rPr>
+                      <m:t>+</m:t>
+                    </m:r>
+                    <m:r>
+                      <a:rPr lang="en-US" b="0" i="1" smtClean="0">
+                        <a:latin typeface="Cambria Math" panose="02040503050406030204" pitchFamily="18" charset="0"/>
+                      </a:rPr>
+                      <m:t>𝛾</m:t>
+                    </m:r>
+                    <m:r>
+                      <a:rPr lang="en-US" b="0" i="1" smtClean="0">
+                        <a:latin typeface="Cambria Math" panose="02040503050406030204" pitchFamily="18" charset="0"/>
+                      </a:rPr>
+                      <m:t>𝑔</m:t>
+                    </m:r>
+                  </m:oMath>
+                </a14:m>
+                <a:endParaRPr lang="en-US" b="0" dirty="0"/>
+              </a:p>
+              <a:p>
+                <a:pPr lvl="1"/>
+                <a14:m>
+                  <m:oMath xmlns:m="http://schemas.openxmlformats.org/officeDocument/2006/math">
+                    <m:r>
+                      <a:rPr lang="en-US" b="0" i="1" smtClean="0">
+                        <a:latin typeface="Cambria Math" panose="02040503050406030204" pitchFamily="18" charset="0"/>
+                      </a:rPr>
+                      <m:t>𝐽</m:t>
+                    </m:r>
+                    <m:sSub>
+                      <m:sSubPr>
+                        <m:ctrlPr>
+                          <a:rPr lang="en-US" b="0" i="1" smtClean="0">
+                            <a:latin typeface="Cambria Math" panose="02040503050406030204" pitchFamily="18" charset="0"/>
+                          </a:rPr>
+                        </m:ctrlPr>
+                      </m:sSubPr>
+                      <m:e>
+                        <m:r>
+                          <a:rPr lang="en-US" b="0" i="1" smtClean="0">
+                            <a:latin typeface="Cambria Math" panose="02040503050406030204" pitchFamily="18" charset="0"/>
+                          </a:rPr>
+                          <m:t>𝛼</m:t>
+                        </m:r>
+                      </m:e>
+                      <m:sub>
+                        <m:r>
+                          <a:rPr lang="en-US" b="0" i="1" smtClean="0">
+                            <a:latin typeface="Cambria Math" panose="02040503050406030204" pitchFamily="18" charset="0"/>
+                          </a:rPr>
+                          <m:t>𝑦</m:t>
+                        </m:r>
+                      </m:sub>
+                    </m:sSub>
+                    <m:r>
+                      <a:rPr lang="en-US" b="0" i="1" smtClean="0">
+                        <a:latin typeface="Cambria Math" panose="02040503050406030204" pitchFamily="18" charset="0"/>
+                      </a:rPr>
+                      <m:t>=</m:t>
+                    </m:r>
+                    <m:sSub>
+                      <m:sSubPr>
+                        <m:ctrlPr>
+                          <a:rPr lang="en-US" b="0" i="1" smtClean="0">
+                            <a:latin typeface="Cambria Math" panose="02040503050406030204" pitchFamily="18" charset="0"/>
+                          </a:rPr>
+                        </m:ctrlPr>
+                      </m:sSubPr>
+                      <m:e>
+                        <m:r>
+                          <a:rPr lang="en-US" b="0" i="1" smtClean="0">
+                            <a:latin typeface="Cambria Math" panose="02040503050406030204" pitchFamily="18" charset="0"/>
+                          </a:rPr>
+                          <m:t>𝐹</m:t>
+                        </m:r>
+                      </m:e>
+                      <m:sub>
+                        <m:r>
+                          <a:rPr lang="en-US" b="0" i="1" smtClean="0">
+                            <a:latin typeface="Cambria Math" panose="02040503050406030204" pitchFamily="18" charset="0"/>
+                          </a:rPr>
+                          <m:t>h</m:t>
+                        </m:r>
+                      </m:sub>
+                    </m:sSub>
+                    <m:sSub>
+                      <m:sSubPr>
+                        <m:ctrlPr>
+                          <a:rPr lang="en-US" b="0" i="1" smtClean="0">
+                            <a:latin typeface="Cambria Math" panose="02040503050406030204" pitchFamily="18" charset="0"/>
+                          </a:rPr>
+                        </m:ctrlPr>
+                      </m:sSubPr>
+                      <m:e>
+                        <m:r>
+                          <a:rPr lang="en-US" b="0" i="1" smtClean="0">
+                            <a:latin typeface="Cambria Math" panose="02040503050406030204" pitchFamily="18" charset="0"/>
+                          </a:rPr>
+                          <m:t>𝑙</m:t>
+                        </m:r>
+                      </m:e>
+                      <m:sub>
+                        <m:r>
+                          <a:rPr lang="en-US" b="0" i="1" smtClean="0">
+                            <a:latin typeface="Cambria Math" panose="02040503050406030204" pitchFamily="18" charset="0"/>
+                          </a:rPr>
+                          <m:t>h</m:t>
+                        </m:r>
+                      </m:sub>
+                    </m:sSub>
+                    <m:r>
+                      <a:rPr lang="en-US" b="0" i="1" smtClean="0">
+                        <a:latin typeface="Cambria Math" panose="02040503050406030204" pitchFamily="18" charset="0"/>
+                      </a:rPr>
+                      <m:t>+</m:t>
+                    </m:r>
+                    <m:sSub>
+                      <m:sSubPr>
+                        <m:ctrlPr>
+                          <a:rPr lang="en-US" b="0" i="1" smtClean="0">
+                            <a:latin typeface="Cambria Math" panose="02040503050406030204" pitchFamily="18" charset="0"/>
+                          </a:rPr>
+                        </m:ctrlPr>
+                      </m:sSubPr>
+                      <m:e>
+                        <m:r>
+                          <a:rPr lang="en-US" b="0" i="1" smtClean="0">
+                            <a:latin typeface="Cambria Math" panose="02040503050406030204" pitchFamily="18" charset="0"/>
+                          </a:rPr>
+                          <m:t>𝐹</m:t>
+                        </m:r>
+                      </m:e>
+                      <m:sub>
+                        <m:r>
+                          <a:rPr lang="en-US" b="0" i="1" smtClean="0">
+                            <a:latin typeface="Cambria Math" panose="02040503050406030204" pitchFamily="18" charset="0"/>
+                          </a:rPr>
+                          <m:t>𝐿</m:t>
+                        </m:r>
+                      </m:sub>
+                    </m:sSub>
+                    <m:sSub>
+                      <m:sSubPr>
+                        <m:ctrlPr>
+                          <a:rPr lang="en-US" b="0" i="1" smtClean="0">
+                            <a:latin typeface="Cambria Math" panose="02040503050406030204" pitchFamily="18" charset="0"/>
+                          </a:rPr>
+                        </m:ctrlPr>
+                      </m:sSubPr>
+                      <m:e>
+                        <m:r>
+                          <a:rPr lang="en-US" b="0" i="1" smtClean="0">
+                            <a:latin typeface="Cambria Math" panose="02040503050406030204" pitchFamily="18" charset="0"/>
+                          </a:rPr>
+                          <m:t>𝑙</m:t>
+                        </m:r>
+                      </m:e>
+                      <m:sub>
+                        <m:r>
+                          <a:rPr lang="en-US" b="0" i="1" smtClean="0">
+                            <a:latin typeface="Cambria Math" panose="02040503050406030204" pitchFamily="18" charset="0"/>
+                          </a:rPr>
+                          <m:t>𝑤</m:t>
+                        </m:r>
+                      </m:sub>
+                    </m:sSub>
+                    <m:r>
+                      <a:rPr lang="en-US" b="0" i="1" smtClean="0">
+                        <a:latin typeface="Cambria Math" panose="02040503050406030204" pitchFamily="18" charset="0"/>
+                      </a:rPr>
+                      <m:t>+</m:t>
+                    </m:r>
+                    <m:sSub>
+                      <m:sSubPr>
+                        <m:ctrlPr>
+                          <a:rPr lang="en-US" b="0" i="1" smtClean="0">
+                            <a:latin typeface="Cambria Math" panose="02040503050406030204" pitchFamily="18" charset="0"/>
+                          </a:rPr>
+                        </m:ctrlPr>
+                      </m:sSubPr>
+                      <m:e>
+                        <m:r>
+                          <a:rPr lang="en-US" b="0" i="1" smtClean="0">
+                            <a:latin typeface="Cambria Math" panose="02040503050406030204" pitchFamily="18" charset="0"/>
+                          </a:rPr>
+                          <m:t>𝐹</m:t>
+                        </m:r>
+                      </m:e>
+                      <m:sub>
+                        <m:r>
+                          <a:rPr lang="en-US" b="0" i="1" smtClean="0">
+                            <a:latin typeface="Cambria Math" panose="02040503050406030204" pitchFamily="18" charset="0"/>
+                          </a:rPr>
+                          <m:t>𝑡h𝑟</m:t>
+                        </m:r>
+                      </m:sub>
+                    </m:sSub>
+                    <m:sSub>
+                      <m:sSubPr>
+                        <m:ctrlPr>
+                          <a:rPr lang="en-US" b="0" i="1" smtClean="0">
+                            <a:latin typeface="Cambria Math" panose="02040503050406030204" pitchFamily="18" charset="0"/>
+                          </a:rPr>
+                        </m:ctrlPr>
+                      </m:sSubPr>
+                      <m:e>
+                        <m:r>
+                          <a:rPr lang="en-US" b="0" i="1" smtClean="0">
+                            <a:latin typeface="Cambria Math" panose="02040503050406030204" pitchFamily="18" charset="0"/>
+                          </a:rPr>
+                          <m:t>𝑙</m:t>
+                        </m:r>
+                      </m:e>
+                      <m:sub>
+                        <m:r>
+                          <a:rPr lang="en-US" b="0" i="1" smtClean="0">
+                            <a:latin typeface="Cambria Math" panose="02040503050406030204" pitchFamily="18" charset="0"/>
+                          </a:rPr>
+                          <m:t>𝑡</m:t>
+                        </m:r>
+                      </m:sub>
+                    </m:sSub>
+                    <m:r>
+                      <a:rPr lang="en-US" b="0" i="1" smtClean="0">
+                        <a:latin typeface="Cambria Math" panose="02040503050406030204" pitchFamily="18" charset="0"/>
+                      </a:rPr>
+                      <m:t>+</m:t>
+                    </m:r>
+                    <m:d>
+                      <m:dPr>
+                        <m:ctrlPr>
+                          <a:rPr lang="en-US" b="0" i="1" smtClean="0">
+                            <a:latin typeface="Cambria Math" panose="02040503050406030204" pitchFamily="18" charset="0"/>
+                          </a:rPr>
+                        </m:ctrlPr>
+                      </m:dPr>
+                      <m:e>
+                        <m:r>
+                          <a:rPr lang="en-US" b="0" i="1" smtClean="0">
+                            <a:latin typeface="Cambria Math" panose="02040503050406030204" pitchFamily="18" charset="0"/>
+                          </a:rPr>
+                          <m:t>1+</m:t>
+                        </m:r>
+                        <m:r>
+                          <a:rPr lang="en-US" b="0" i="1" smtClean="0">
+                            <a:latin typeface="Cambria Math" panose="02040503050406030204" pitchFamily="18" charset="0"/>
+                          </a:rPr>
+                          <m:t>𝛾</m:t>
+                        </m:r>
+                      </m:e>
+                    </m:d>
+                    <m:r>
+                      <a:rPr lang="en-US" b="0" i="1" smtClean="0">
+                        <a:latin typeface="Cambria Math" panose="02040503050406030204" pitchFamily="18" charset="0"/>
+                      </a:rPr>
+                      <m:t>𝑚𝑔</m:t>
+                    </m:r>
+                    <m:sSub>
+                      <m:sSubPr>
+                        <m:ctrlPr>
+                          <a:rPr lang="en-US" b="0" i="1" smtClean="0">
+                            <a:latin typeface="Cambria Math" panose="02040503050406030204" pitchFamily="18" charset="0"/>
+                          </a:rPr>
+                        </m:ctrlPr>
+                      </m:sSubPr>
+                      <m:e>
+                        <m:r>
+                          <a:rPr lang="en-US" b="0" i="1" smtClean="0">
+                            <a:latin typeface="Cambria Math" panose="02040503050406030204" pitchFamily="18" charset="0"/>
+                          </a:rPr>
+                          <m:t>𝑙</m:t>
+                        </m:r>
+                      </m:e>
+                      <m:sub>
+                        <m:r>
+                          <a:rPr lang="en-US" b="0" i="1" smtClean="0">
+                            <a:latin typeface="Cambria Math" panose="02040503050406030204" pitchFamily="18" charset="0"/>
+                          </a:rPr>
+                          <m:t>𝑏</m:t>
+                        </m:r>
+                      </m:sub>
+                    </m:sSub>
+                  </m:oMath>
+                </a14:m>
+                <a:endParaRPr lang="en-US" b="0" dirty="0"/>
+              </a:p>
+              <a:p>
+                <a:r>
+                  <a:rPr lang="en-US" dirty="0"/>
+                  <a:t>Inverted Flight</a:t>
+                </a:r>
+              </a:p>
+              <a:p>
+                <a:pPr lvl="1"/>
+                <a14:m>
+                  <m:oMath xmlns:m="http://schemas.openxmlformats.org/officeDocument/2006/math">
+                    <m:sSub>
+                      <m:sSubPr>
+                        <m:ctrlPr>
+                          <a:rPr lang="en-US" b="0" i="1" smtClean="0">
+                            <a:latin typeface="Cambria Math" panose="02040503050406030204" pitchFamily="18" charset="0"/>
+                          </a:rPr>
+                        </m:ctrlPr>
+                      </m:sSubPr>
+                      <m:e>
+                        <m:r>
+                          <a:rPr lang="en-US" b="0" i="1" smtClean="0">
+                            <a:latin typeface="Cambria Math" panose="02040503050406030204" pitchFamily="18" charset="0"/>
+                          </a:rPr>
+                          <m:t>𝑎</m:t>
+                        </m:r>
+                      </m:e>
+                      <m:sub>
+                        <m:r>
+                          <a:rPr lang="en-US" b="0" i="1" smtClean="0">
+                            <a:latin typeface="Cambria Math" panose="02040503050406030204" pitchFamily="18" charset="0"/>
+                          </a:rPr>
+                          <m:t>𝑧</m:t>
+                        </m:r>
+                      </m:sub>
+                    </m:sSub>
+                    <m:r>
+                      <a:rPr lang="en-US" b="0" i="1" smtClean="0">
+                        <a:latin typeface="Cambria Math" panose="02040503050406030204" pitchFamily="18" charset="0"/>
+                      </a:rPr>
+                      <m:t>=</m:t>
+                    </m:r>
+                    <m:f>
+                      <m:fPr>
+                        <m:ctrlPr>
+                          <a:rPr lang="en-US" b="0" i="1" smtClean="0">
+                            <a:latin typeface="Cambria Math" panose="02040503050406030204" pitchFamily="18" charset="0"/>
+                          </a:rPr>
+                        </m:ctrlPr>
+                      </m:fPr>
+                      <m:num>
+                        <m:r>
+                          <a:rPr lang="en-US" b="0" i="1" smtClean="0">
+                            <a:latin typeface="Cambria Math" panose="02040503050406030204" pitchFamily="18" charset="0"/>
+                          </a:rPr>
+                          <m:t>−1</m:t>
+                        </m:r>
+                      </m:num>
+                      <m:den>
+                        <m:r>
+                          <a:rPr lang="en-US" b="0" i="1" smtClean="0">
+                            <a:latin typeface="Cambria Math" panose="02040503050406030204" pitchFamily="18" charset="0"/>
+                          </a:rPr>
+                          <m:t>𝑚</m:t>
+                        </m:r>
+                      </m:den>
+                    </m:f>
+                    <m:d>
+                      <m:dPr>
+                        <m:begChr m:val="["/>
+                        <m:endChr m:val="]"/>
+                        <m:ctrlPr>
+                          <a:rPr lang="en-US" b="0" i="1" smtClean="0">
+                            <a:latin typeface="Cambria Math" panose="02040503050406030204" pitchFamily="18" charset="0"/>
+                          </a:rPr>
+                        </m:ctrlPr>
+                      </m:dPr>
+                      <m:e>
+                        <m:sSub>
+                          <m:sSubPr>
+                            <m:ctrlPr>
+                              <a:rPr lang="en-US" b="0" i="1" smtClean="0">
+                                <a:latin typeface="Cambria Math" panose="02040503050406030204" pitchFamily="18" charset="0"/>
+                              </a:rPr>
+                            </m:ctrlPr>
+                          </m:sSubPr>
+                          <m:e>
+                            <m:r>
+                              <a:rPr lang="en-US" b="0" i="1" smtClean="0">
+                                <a:latin typeface="Cambria Math" panose="02040503050406030204" pitchFamily="18" charset="0"/>
+                              </a:rPr>
+                              <m:t>𝐹</m:t>
+                            </m:r>
+                          </m:e>
+                          <m:sub>
+                            <m:r>
+                              <a:rPr lang="en-US" b="0" i="1" smtClean="0">
+                                <a:latin typeface="Cambria Math" panose="02040503050406030204" pitchFamily="18" charset="0"/>
+                              </a:rPr>
+                              <m:t>h</m:t>
+                            </m:r>
+                          </m:sub>
+                        </m:sSub>
+                        <m:r>
+                          <a:rPr lang="en-US" b="0" i="1" smtClean="0">
+                            <a:latin typeface="Cambria Math" panose="02040503050406030204" pitchFamily="18" charset="0"/>
+                          </a:rPr>
+                          <m:t>+</m:t>
+                        </m:r>
+                        <m:sSub>
+                          <m:sSubPr>
+                            <m:ctrlPr>
+                              <a:rPr lang="en-US" b="0" i="1" smtClean="0">
+                                <a:latin typeface="Cambria Math" panose="02040503050406030204" pitchFamily="18" charset="0"/>
+                              </a:rPr>
+                            </m:ctrlPr>
+                          </m:sSubPr>
+                          <m:e>
+                            <m:r>
+                              <a:rPr lang="en-US" b="0" i="1" smtClean="0">
+                                <a:latin typeface="Cambria Math" panose="02040503050406030204" pitchFamily="18" charset="0"/>
+                              </a:rPr>
+                              <m:t>𝐹</m:t>
+                            </m:r>
+                          </m:e>
+                          <m:sub>
+                            <m:r>
+                              <a:rPr lang="en-US" b="0" i="1" smtClean="0">
+                                <a:latin typeface="Cambria Math" panose="02040503050406030204" pitchFamily="18" charset="0"/>
+                              </a:rPr>
+                              <m:t>𝐿</m:t>
+                            </m:r>
+                          </m:sub>
+                        </m:sSub>
+                        <m:r>
+                          <a:rPr lang="en-US" b="0" i="1" smtClean="0">
+                            <a:latin typeface="Cambria Math" panose="02040503050406030204" pitchFamily="18" charset="0"/>
+                          </a:rPr>
+                          <m:t>−</m:t>
+                        </m:r>
+                        <m:sSub>
+                          <m:sSubPr>
+                            <m:ctrlPr>
+                              <a:rPr lang="en-US" b="0" i="1" smtClean="0">
+                                <a:latin typeface="Cambria Math" panose="02040503050406030204" pitchFamily="18" charset="0"/>
+                              </a:rPr>
+                            </m:ctrlPr>
+                          </m:sSubPr>
+                          <m:e>
+                            <m:r>
+                              <a:rPr lang="en-US" b="0" i="1" smtClean="0">
+                                <a:latin typeface="Cambria Math" panose="02040503050406030204" pitchFamily="18" charset="0"/>
+                              </a:rPr>
+                              <m:t>𝐹</m:t>
+                            </m:r>
+                          </m:e>
+                          <m:sub>
+                            <m:r>
+                              <a:rPr lang="en-US" b="0" i="1" smtClean="0">
+                                <a:latin typeface="Cambria Math" panose="02040503050406030204" pitchFamily="18" charset="0"/>
+                              </a:rPr>
+                              <m:t>𝑡h𝑟</m:t>
+                            </m:r>
+                          </m:sub>
+                        </m:sSub>
+                      </m:e>
+                    </m:d>
+                    <m:r>
+                      <a:rPr lang="en-US" b="0" i="1" smtClean="0">
+                        <a:latin typeface="Cambria Math" panose="02040503050406030204" pitchFamily="18" charset="0"/>
+                      </a:rPr>
+                      <m:t>+</m:t>
+                    </m:r>
+                    <m:r>
+                      <a:rPr lang="en-US" b="0" i="1" smtClean="0">
+                        <a:latin typeface="Cambria Math" panose="02040503050406030204" pitchFamily="18" charset="0"/>
+                      </a:rPr>
+                      <m:t>𝛾</m:t>
+                    </m:r>
+                    <m:r>
+                      <a:rPr lang="en-US" b="0" i="1" smtClean="0">
+                        <a:latin typeface="Cambria Math" panose="02040503050406030204" pitchFamily="18" charset="0"/>
+                      </a:rPr>
+                      <m:t>𝑔</m:t>
+                    </m:r>
+                  </m:oMath>
+                </a14:m>
+                <a:endParaRPr lang="en-US" b="0" dirty="0"/>
+              </a:p>
+              <a:p>
+                <a:pPr lvl="1"/>
+                <a14:m>
+                  <m:oMath xmlns:m="http://schemas.openxmlformats.org/officeDocument/2006/math">
+                    <m:r>
+                      <a:rPr lang="en-US" b="0" i="1" smtClean="0">
+                        <a:latin typeface="Cambria Math" panose="02040503050406030204" pitchFamily="18" charset="0"/>
+                      </a:rPr>
+                      <m:t>𝐽</m:t>
+                    </m:r>
+                    <m:sSub>
+                      <m:sSubPr>
+                        <m:ctrlPr>
+                          <a:rPr lang="en-US" b="0" i="1" smtClean="0">
+                            <a:latin typeface="Cambria Math" panose="02040503050406030204" pitchFamily="18" charset="0"/>
+                          </a:rPr>
+                        </m:ctrlPr>
+                      </m:sSubPr>
+                      <m:e>
+                        <m:r>
+                          <a:rPr lang="en-US" b="0" i="1" smtClean="0">
+                            <a:latin typeface="Cambria Math" panose="02040503050406030204" pitchFamily="18" charset="0"/>
+                          </a:rPr>
+                          <m:t>𝛼</m:t>
+                        </m:r>
+                      </m:e>
+                      <m:sub>
+                        <m:r>
+                          <a:rPr lang="en-US" b="0" i="1" smtClean="0">
+                            <a:latin typeface="Cambria Math" panose="02040503050406030204" pitchFamily="18" charset="0"/>
+                          </a:rPr>
+                          <m:t>𝑦</m:t>
+                        </m:r>
+                      </m:sub>
+                    </m:sSub>
+                    <m:r>
+                      <a:rPr lang="en-US" b="0" i="1" smtClean="0">
+                        <a:latin typeface="Cambria Math" panose="02040503050406030204" pitchFamily="18" charset="0"/>
+                      </a:rPr>
+                      <m:t>=</m:t>
+                    </m:r>
+                    <m:sSub>
+                      <m:sSubPr>
+                        <m:ctrlPr>
+                          <a:rPr lang="en-US" b="0" i="1" smtClean="0">
+                            <a:latin typeface="Cambria Math" panose="02040503050406030204" pitchFamily="18" charset="0"/>
+                          </a:rPr>
+                        </m:ctrlPr>
+                      </m:sSubPr>
+                      <m:e>
+                        <m:r>
+                          <a:rPr lang="en-US" b="0" i="1" smtClean="0">
+                            <a:latin typeface="Cambria Math" panose="02040503050406030204" pitchFamily="18" charset="0"/>
+                          </a:rPr>
+                          <m:t>−[</m:t>
+                        </m:r>
+                        <m:r>
+                          <a:rPr lang="en-US" b="0" i="1" smtClean="0">
+                            <a:latin typeface="Cambria Math" panose="02040503050406030204" pitchFamily="18" charset="0"/>
+                          </a:rPr>
+                          <m:t>𝐹</m:t>
+                        </m:r>
+                      </m:e>
+                      <m:sub>
+                        <m:r>
+                          <a:rPr lang="en-US" b="0" i="1" smtClean="0">
+                            <a:latin typeface="Cambria Math" panose="02040503050406030204" pitchFamily="18" charset="0"/>
+                          </a:rPr>
+                          <m:t>h</m:t>
+                        </m:r>
+                      </m:sub>
+                    </m:sSub>
+                    <m:sSub>
+                      <m:sSubPr>
+                        <m:ctrlPr>
+                          <a:rPr lang="en-US" b="0" i="1" smtClean="0">
+                            <a:latin typeface="Cambria Math" panose="02040503050406030204" pitchFamily="18" charset="0"/>
+                          </a:rPr>
+                        </m:ctrlPr>
+                      </m:sSubPr>
+                      <m:e>
+                        <m:r>
+                          <a:rPr lang="en-US" b="0" i="1" smtClean="0">
+                            <a:latin typeface="Cambria Math" panose="02040503050406030204" pitchFamily="18" charset="0"/>
+                          </a:rPr>
+                          <m:t>𝑙</m:t>
+                        </m:r>
+                      </m:e>
+                      <m:sub>
+                        <m:r>
+                          <a:rPr lang="en-US" b="0" i="1" smtClean="0">
+                            <a:latin typeface="Cambria Math" panose="02040503050406030204" pitchFamily="18" charset="0"/>
+                          </a:rPr>
+                          <m:t>h</m:t>
+                        </m:r>
+                      </m:sub>
+                    </m:sSub>
+                    <m:r>
+                      <a:rPr lang="en-US" b="0" i="1" smtClean="0">
+                        <a:latin typeface="Cambria Math" panose="02040503050406030204" pitchFamily="18" charset="0"/>
+                      </a:rPr>
+                      <m:t>+</m:t>
+                    </m:r>
+                    <m:sSub>
+                      <m:sSubPr>
+                        <m:ctrlPr>
+                          <a:rPr lang="en-US" b="0" i="1" smtClean="0">
+                            <a:latin typeface="Cambria Math" panose="02040503050406030204" pitchFamily="18" charset="0"/>
+                          </a:rPr>
+                        </m:ctrlPr>
+                      </m:sSubPr>
+                      <m:e>
+                        <m:r>
+                          <a:rPr lang="en-US" b="0" i="1" smtClean="0">
+                            <a:latin typeface="Cambria Math" panose="02040503050406030204" pitchFamily="18" charset="0"/>
+                          </a:rPr>
+                          <m:t>𝐹</m:t>
+                        </m:r>
+                      </m:e>
+                      <m:sub>
+                        <m:r>
+                          <a:rPr lang="en-US" b="0" i="1" smtClean="0">
+                            <a:latin typeface="Cambria Math" panose="02040503050406030204" pitchFamily="18" charset="0"/>
+                          </a:rPr>
+                          <m:t>𝐿</m:t>
+                        </m:r>
+                      </m:sub>
+                    </m:sSub>
+                    <m:sSub>
+                      <m:sSubPr>
+                        <m:ctrlPr>
+                          <a:rPr lang="en-US" b="0" i="1" smtClean="0">
+                            <a:latin typeface="Cambria Math" panose="02040503050406030204" pitchFamily="18" charset="0"/>
+                          </a:rPr>
+                        </m:ctrlPr>
+                      </m:sSubPr>
+                      <m:e>
+                        <m:r>
+                          <a:rPr lang="en-US" b="0" i="1" smtClean="0">
+                            <a:latin typeface="Cambria Math" panose="02040503050406030204" pitchFamily="18" charset="0"/>
+                          </a:rPr>
+                          <m:t>𝑙</m:t>
+                        </m:r>
+                      </m:e>
+                      <m:sub>
+                        <m:r>
+                          <a:rPr lang="en-US" b="0" i="1" smtClean="0">
+                            <a:latin typeface="Cambria Math" panose="02040503050406030204" pitchFamily="18" charset="0"/>
+                          </a:rPr>
+                          <m:t>𝑤</m:t>
+                        </m:r>
+                      </m:sub>
+                    </m:sSub>
+                    <m:r>
+                      <a:rPr lang="en-US" b="0" i="1" smtClean="0">
+                        <a:latin typeface="Cambria Math" panose="02040503050406030204" pitchFamily="18" charset="0"/>
+                      </a:rPr>
+                      <m:t>+</m:t>
+                    </m:r>
+                    <m:sSub>
+                      <m:sSubPr>
+                        <m:ctrlPr>
+                          <a:rPr lang="en-US" b="0" i="1" smtClean="0">
+                            <a:latin typeface="Cambria Math" panose="02040503050406030204" pitchFamily="18" charset="0"/>
+                          </a:rPr>
+                        </m:ctrlPr>
+                      </m:sSubPr>
+                      <m:e>
+                        <m:r>
+                          <a:rPr lang="en-US" b="0" i="1" smtClean="0">
+                            <a:latin typeface="Cambria Math" panose="02040503050406030204" pitchFamily="18" charset="0"/>
+                          </a:rPr>
+                          <m:t>𝐹</m:t>
+                        </m:r>
+                      </m:e>
+                      <m:sub>
+                        <m:r>
+                          <a:rPr lang="en-US" b="0" i="1" smtClean="0">
+                            <a:latin typeface="Cambria Math" panose="02040503050406030204" pitchFamily="18" charset="0"/>
+                          </a:rPr>
+                          <m:t>𝑡h𝑟</m:t>
+                        </m:r>
+                      </m:sub>
+                    </m:sSub>
+                    <m:sSub>
+                      <m:sSubPr>
+                        <m:ctrlPr>
+                          <a:rPr lang="en-US" b="0" i="1" smtClean="0">
+                            <a:latin typeface="Cambria Math" panose="02040503050406030204" pitchFamily="18" charset="0"/>
+                          </a:rPr>
+                        </m:ctrlPr>
+                      </m:sSubPr>
+                      <m:e>
+                        <m:r>
+                          <a:rPr lang="en-US" b="0" i="1" smtClean="0">
+                            <a:latin typeface="Cambria Math" panose="02040503050406030204" pitchFamily="18" charset="0"/>
+                          </a:rPr>
+                          <m:t>𝑙</m:t>
+                        </m:r>
+                      </m:e>
+                      <m:sub>
+                        <m:r>
+                          <a:rPr lang="en-US" b="0" i="1" smtClean="0">
+                            <a:latin typeface="Cambria Math" panose="02040503050406030204" pitchFamily="18" charset="0"/>
+                          </a:rPr>
+                          <m:t>𝑡</m:t>
+                        </m:r>
+                      </m:sub>
+                    </m:sSub>
+                    <m:r>
+                      <a:rPr lang="en-US" b="0" i="1" smtClean="0">
+                        <a:latin typeface="Cambria Math" panose="02040503050406030204" pitchFamily="18" charset="0"/>
+                      </a:rPr>
+                      <m:t>]+</m:t>
+                    </m:r>
+                    <m:d>
+                      <m:dPr>
+                        <m:ctrlPr>
+                          <a:rPr lang="en-US" b="0" i="1" smtClean="0">
+                            <a:latin typeface="Cambria Math" panose="02040503050406030204" pitchFamily="18" charset="0"/>
+                          </a:rPr>
+                        </m:ctrlPr>
+                      </m:dPr>
+                      <m:e>
+                        <m:r>
+                          <a:rPr lang="en-US" b="0" i="1" smtClean="0">
+                            <a:latin typeface="Cambria Math" panose="02040503050406030204" pitchFamily="18" charset="0"/>
+                          </a:rPr>
+                          <m:t>1+</m:t>
+                        </m:r>
+                        <m:r>
+                          <a:rPr lang="en-US" b="0" i="1" smtClean="0">
+                            <a:latin typeface="Cambria Math" panose="02040503050406030204" pitchFamily="18" charset="0"/>
+                          </a:rPr>
+                          <m:t>𝛾</m:t>
+                        </m:r>
+                      </m:e>
+                    </m:d>
+                    <m:r>
+                      <a:rPr lang="en-US" b="0" i="1" smtClean="0">
+                        <a:latin typeface="Cambria Math" panose="02040503050406030204" pitchFamily="18" charset="0"/>
+                      </a:rPr>
+                      <m:t>𝑚𝑔</m:t>
+                    </m:r>
+                    <m:sSub>
+                      <m:sSubPr>
+                        <m:ctrlPr>
+                          <a:rPr lang="en-US" b="0" i="1" smtClean="0">
+                            <a:latin typeface="Cambria Math" panose="02040503050406030204" pitchFamily="18" charset="0"/>
+                          </a:rPr>
+                        </m:ctrlPr>
+                      </m:sSubPr>
+                      <m:e>
+                        <m:r>
+                          <a:rPr lang="en-US" b="0" i="1" smtClean="0">
+                            <a:latin typeface="Cambria Math" panose="02040503050406030204" pitchFamily="18" charset="0"/>
+                          </a:rPr>
+                          <m:t>𝑙</m:t>
+                        </m:r>
+                      </m:e>
+                      <m:sub>
+                        <m:r>
+                          <a:rPr lang="en-US" b="0" i="1" smtClean="0">
+                            <a:latin typeface="Cambria Math" panose="02040503050406030204" pitchFamily="18" charset="0"/>
+                          </a:rPr>
+                          <m:t>𝑏</m:t>
+                        </m:r>
+                      </m:sub>
+                    </m:sSub>
+                  </m:oMath>
+                </a14:m>
+                <a:endParaRPr lang="en-US" dirty="0"/>
+              </a:p>
+            </p:txBody>
+          </p:sp>
+        </mc:Choice>
+        <mc:Fallback>
+          <p:sp>
+            <p:nvSpPr>
+              <p:cNvPr id="3" name="Content Placeholder 2">
+                <a:extLst>
+                  <a:ext uri="{FF2B5EF4-FFF2-40B4-BE49-F238E27FC236}">
+                    <a16:creationId xmlns:a16="http://schemas.microsoft.com/office/drawing/2014/main" id="{1BF04C79-F6F6-4B24-9635-F5630AB014DD}"/>
+                  </a:ext>
+                </a:extLst>
+              </p:cNvPr>
+              <p:cNvSpPr>
+                <a:spLocks noGrp="1" noRot="1" noChangeAspect="1" noMove="1" noResize="1" noEditPoints="1" noAdjustHandles="1" noChangeArrowheads="1" noChangeShapeType="1" noTextEdit="1"/>
+              </p:cNvSpPr>
+              <p:nvPr>
+                <p:ph sz="half" idx="1"/>
+              </p:nvPr>
+            </p:nvSpPr>
+            <p:spPr>
+              <a:blipFill>
+                <a:blip r:embed="rId2"/>
+                <a:stretch>
+                  <a:fillRect l="-2118" t="-2381"/>
+                </a:stretch>
+              </a:blipFill>
+            </p:spPr>
+            <p:txBody>
+              <a:bodyPr/>
+              <a:lstStyle/>
+              <a:p>
+                <a:r>
+                  <a:rPr lang="en-US">
+                    <a:noFill/>
+                  </a:rPr>
+                  <a:t> </a:t>
+                </a:r>
+              </a:p>
+            </p:txBody>
+          </p:sp>
+        </mc:Fallback>
+      </mc:AlternateContent>
+      <mc:AlternateContent xmlns:mc="http://schemas.openxmlformats.org/markup-compatibility/2006">
+        <mc:Choice xmlns:a14="http://schemas.microsoft.com/office/drawing/2010/main" Requires="a14">
+          <p:sp>
+            <p:nvSpPr>
+              <p:cNvPr id="5" name="Content Placeholder 4">
+                <a:extLst>
+                  <a:ext uri="{FF2B5EF4-FFF2-40B4-BE49-F238E27FC236}">
+                    <a16:creationId xmlns:a16="http://schemas.microsoft.com/office/drawing/2014/main" id="{AB5E8946-AAB1-4412-BD74-B62574AC39E4}"/>
+                  </a:ext>
+                </a:extLst>
+              </p:cNvPr>
+              <p:cNvSpPr>
+                <a:spLocks noGrp="1"/>
+              </p:cNvSpPr>
+              <p:nvPr>
+                <p:ph sz="half" idx="2"/>
+              </p:nvPr>
+            </p:nvSpPr>
+            <p:spPr/>
+            <p:txBody>
+              <a:bodyPr>
+                <a:normAutofit/>
+              </a:bodyPr>
+              <a:lstStyle/>
+              <a:p>
+                <a14:m>
+                  <m:oMath xmlns:m="http://schemas.openxmlformats.org/officeDocument/2006/math">
+                    <m:sSub>
+                      <m:sSubPr>
+                        <m:ctrlPr>
+                          <a:rPr lang="en-US" b="0" i="1" smtClean="0">
+                            <a:latin typeface="Cambria Math" panose="02040503050406030204" pitchFamily="18" charset="0"/>
+                          </a:rPr>
+                        </m:ctrlPr>
+                      </m:sSubPr>
+                      <m:e>
+                        <m:r>
+                          <a:rPr lang="en-US" b="0" i="1" smtClean="0">
+                            <a:latin typeface="Cambria Math" panose="02040503050406030204" pitchFamily="18" charset="0"/>
+                          </a:rPr>
+                          <m:t>𝑙</m:t>
+                        </m:r>
+                      </m:e>
+                      <m:sub>
+                        <m:r>
+                          <a:rPr lang="en-US" b="0" i="1" smtClean="0">
+                            <a:latin typeface="Cambria Math" panose="02040503050406030204" pitchFamily="18" charset="0"/>
+                          </a:rPr>
+                          <m:t>𝑏</m:t>
+                        </m:r>
+                      </m:sub>
+                    </m:sSub>
+                  </m:oMath>
+                </a14:m>
+                <a:r>
+                  <a:rPr lang="en-US" b="0" dirty="0"/>
+                  <a:t> = 0 (CM/CB Collocated)</a:t>
+                </a:r>
+              </a:p>
+              <a:p>
+                <a:pPr lvl="1"/>
+                <a:r>
+                  <a:rPr lang="en-US" b="0" dirty="0"/>
+                  <a:t>No effect on pitch dynamics</a:t>
+                </a:r>
+              </a:p>
+              <a:p>
+                <a:pPr lvl="1"/>
+                <a:r>
+                  <a:rPr lang="en-US" dirty="0"/>
+                  <a:t>Inverted flight will flip the sign on the </a:t>
+                </a:r>
+                <a14:m>
+                  <m:oMath xmlns:m="http://schemas.openxmlformats.org/officeDocument/2006/math">
+                    <m:r>
+                      <a:rPr lang="en-US" b="0" i="1" smtClean="0">
+                        <a:latin typeface="Cambria Math" panose="02040503050406030204" pitchFamily="18" charset="0"/>
+                      </a:rPr>
+                      <m:t>𝛾</m:t>
+                    </m:r>
+                    <m:r>
+                      <a:rPr lang="en-US" b="0" i="1" smtClean="0">
+                        <a:latin typeface="Cambria Math" panose="02040503050406030204" pitchFamily="18" charset="0"/>
+                      </a:rPr>
+                      <m:t>𝑔</m:t>
+                    </m:r>
+                  </m:oMath>
+                </a14:m>
+                <a:r>
+                  <a:rPr lang="en-US" b="0" dirty="0"/>
+                  <a:t> term</a:t>
+                </a:r>
+              </a:p>
+              <a:p>
+                <a:pPr lvl="2"/>
+                <a:r>
+                  <a:rPr lang="en-US" dirty="0"/>
+                  <a:t>Inverting net buoyancy results in keeping the same relative sign, but changing its relative effect (no 1/m scaling term)</a:t>
+                </a:r>
+              </a:p>
+              <a:p>
+                <a:pPr lvl="2"/>
+                <a:r>
+                  <a:rPr lang="en-US" dirty="0"/>
+                  <a:t>Switching from positive to negative net buoyancy would increase the net effect</a:t>
+                </a:r>
+              </a:p>
+              <a:p>
+                <a:endParaRPr lang="en-US" dirty="0"/>
+              </a:p>
+            </p:txBody>
+          </p:sp>
+        </mc:Choice>
+        <mc:Fallback>
+          <p:sp>
+            <p:nvSpPr>
+              <p:cNvPr id="5" name="Content Placeholder 4">
+                <a:extLst>
+                  <a:ext uri="{FF2B5EF4-FFF2-40B4-BE49-F238E27FC236}">
+                    <a16:creationId xmlns:a16="http://schemas.microsoft.com/office/drawing/2014/main" id="{AB5E8946-AAB1-4412-BD74-B62574AC39E4}"/>
+                  </a:ext>
+                </a:extLst>
+              </p:cNvPr>
+              <p:cNvSpPr>
+                <a:spLocks noGrp="1" noRot="1" noChangeAspect="1" noMove="1" noResize="1" noEditPoints="1" noAdjustHandles="1" noChangeArrowheads="1" noChangeShapeType="1" noTextEdit="1"/>
+              </p:cNvSpPr>
+              <p:nvPr>
+                <p:ph sz="half" idx="2"/>
+              </p:nvPr>
+            </p:nvSpPr>
+            <p:spPr>
+              <a:blipFill>
+                <a:blip r:embed="rId3"/>
+                <a:stretch>
+                  <a:fillRect t="-2241" r="-1412"/>
+                </a:stretch>
+              </a:blipFill>
+            </p:spPr>
+            <p:txBody>
+              <a:bodyPr/>
+              <a:lstStyle/>
+              <a:p>
+                <a:r>
+                  <a:rPr lang="en-US">
+                    <a:noFill/>
+                  </a:rPr>
+                  <a:t> </a:t>
+                </a:r>
+              </a:p>
+            </p:txBody>
+          </p:sp>
+        </mc:Fallback>
+      </mc:AlternateContent>
+      <mc:AlternateContent xmlns:mc="http://schemas.openxmlformats.org/markup-compatibility/2006">
+        <mc:Choice xmlns:a14="http://schemas.microsoft.com/office/drawing/2010/main" Requires="a14">
+          <p:sp>
+            <p:nvSpPr>
+              <p:cNvPr id="6" name="TextBox 5">
+                <a:extLst>
+                  <a:ext uri="{FF2B5EF4-FFF2-40B4-BE49-F238E27FC236}">
+                    <a16:creationId xmlns:a16="http://schemas.microsoft.com/office/drawing/2014/main" id="{35C09FF8-8B36-48CE-9AF5-24F7BDE0A71B}"/>
+                  </a:ext>
+                </a:extLst>
+              </p:cNvPr>
+              <p:cNvSpPr txBox="1"/>
+              <p:nvPr/>
+            </p:nvSpPr>
+            <p:spPr>
+              <a:xfrm>
+                <a:off x="-394282" y="5427676"/>
+                <a:ext cx="3506598" cy="1354217"/>
+              </a:xfrm>
+              <a:prstGeom prst="rect">
+                <a:avLst/>
+              </a:prstGeom>
+              <a:noFill/>
+            </p:spPr>
+            <p:txBody>
+              <a:bodyPr wrap="square" rtlCol="0">
+                <a:spAutoFit/>
+              </a:bodyPr>
+              <a:lstStyle/>
+              <a:p>
+                <a:pPr lvl="1"/>
+                <a14:m>
+                  <m:oMath xmlns:m="http://schemas.openxmlformats.org/officeDocument/2006/math">
+                    <m:sSub>
+                      <m:sSubPr>
+                        <m:ctrlPr>
+                          <a:rPr lang="en-US" sz="1600" b="0" i="1" smtClean="0">
+                            <a:latin typeface="Cambria Math" panose="02040503050406030204" pitchFamily="18" charset="0"/>
+                          </a:rPr>
+                        </m:ctrlPr>
+                      </m:sSubPr>
+                      <m:e>
+                        <m:r>
+                          <a:rPr lang="en-US" sz="1600" b="0" i="1" smtClean="0">
+                            <a:latin typeface="Cambria Math" panose="02040503050406030204" pitchFamily="18" charset="0"/>
+                          </a:rPr>
+                          <m:t>𝐹</m:t>
+                        </m:r>
+                      </m:e>
+                      <m:sub>
+                        <m:r>
+                          <a:rPr lang="en-US" sz="1600" b="0" i="1" smtClean="0">
+                            <a:latin typeface="Cambria Math" panose="02040503050406030204" pitchFamily="18" charset="0"/>
+                          </a:rPr>
+                          <m:t>h</m:t>
+                        </m:r>
+                      </m:sub>
+                    </m:sSub>
+                  </m:oMath>
+                </a14:m>
+                <a:r>
+                  <a:rPr lang="en-US" sz="1600" b="0" dirty="0"/>
+                  <a:t> - H-Stab Lift</a:t>
+                </a:r>
+              </a:p>
+              <a:p>
+                <a:pPr lvl="1"/>
+                <a14:m>
+                  <m:oMath xmlns:m="http://schemas.openxmlformats.org/officeDocument/2006/math">
+                    <m:sSub>
+                      <m:sSubPr>
+                        <m:ctrlPr>
+                          <a:rPr lang="en-US" sz="1600" b="0" i="1" smtClean="0">
+                            <a:latin typeface="Cambria Math" panose="02040503050406030204" pitchFamily="18" charset="0"/>
+                          </a:rPr>
+                        </m:ctrlPr>
+                      </m:sSubPr>
+                      <m:e>
+                        <m:r>
+                          <a:rPr lang="en-US" sz="1600" b="0" i="1" smtClean="0">
+                            <a:latin typeface="Cambria Math" panose="02040503050406030204" pitchFamily="18" charset="0"/>
+                          </a:rPr>
+                          <m:t>𝐹</m:t>
+                        </m:r>
+                      </m:e>
+                      <m:sub>
+                        <m:r>
+                          <a:rPr lang="en-US" sz="1600" b="0" i="1" smtClean="0">
+                            <a:latin typeface="Cambria Math" panose="02040503050406030204" pitchFamily="18" charset="0"/>
+                          </a:rPr>
+                          <m:t>𝑙</m:t>
+                        </m:r>
+                      </m:sub>
+                    </m:sSub>
+                  </m:oMath>
+                </a14:m>
+                <a:r>
+                  <a:rPr lang="en-US" sz="1600" b="0" dirty="0"/>
+                  <a:t> - Wing Lift</a:t>
+                </a:r>
+              </a:p>
+              <a:p>
+                <a:pPr lvl="1"/>
+                <a14:m>
+                  <m:oMath xmlns:m="http://schemas.openxmlformats.org/officeDocument/2006/math">
+                    <m:sSub>
+                      <m:sSubPr>
+                        <m:ctrlPr>
+                          <a:rPr lang="en-US" sz="1600" b="0" i="1" smtClean="0">
+                            <a:latin typeface="Cambria Math" panose="02040503050406030204" pitchFamily="18" charset="0"/>
+                          </a:rPr>
+                        </m:ctrlPr>
+                      </m:sSubPr>
+                      <m:e>
+                        <m:r>
+                          <a:rPr lang="en-US" sz="1600" b="0" i="1" smtClean="0">
+                            <a:latin typeface="Cambria Math" panose="02040503050406030204" pitchFamily="18" charset="0"/>
+                          </a:rPr>
+                          <m:t>𝐹</m:t>
+                        </m:r>
+                      </m:e>
+                      <m:sub>
+                        <m:r>
+                          <a:rPr lang="en-US" sz="1600" b="0" i="1" smtClean="0">
+                            <a:latin typeface="Cambria Math" panose="02040503050406030204" pitchFamily="18" charset="0"/>
+                          </a:rPr>
+                          <m:t>𝑡h𝑟</m:t>
+                        </m:r>
+                      </m:sub>
+                    </m:sSub>
+                  </m:oMath>
+                </a14:m>
+                <a:r>
+                  <a:rPr lang="en-US" sz="1600" b="0" dirty="0"/>
+                  <a:t> - Tether Force</a:t>
+                </a:r>
+              </a:p>
+              <a:p>
+                <a:pPr lvl="1"/>
+                <a14:m>
+                  <m:oMath xmlns:m="http://schemas.openxmlformats.org/officeDocument/2006/math">
+                    <m:r>
+                      <a:rPr lang="en-US" sz="1600" b="0" i="1" smtClean="0">
+                        <a:latin typeface="Cambria Math" panose="02040503050406030204" pitchFamily="18" charset="0"/>
+                      </a:rPr>
+                      <m:t>𝛾</m:t>
+                    </m:r>
+                  </m:oMath>
+                </a14:m>
+                <a:r>
+                  <a:rPr lang="en-US" sz="1600" b="0" dirty="0"/>
+                  <a:t> – percent buoyancy</a:t>
+                </a:r>
+                <a:endParaRPr lang="en-US" sz="1600" b="0" i="1" dirty="0">
+                  <a:latin typeface="Cambria Math" panose="02040503050406030204" pitchFamily="18" charset="0"/>
+                </a:endParaRPr>
+              </a:p>
+              <a:p>
+                <a:pPr lvl="1"/>
+                <a14:m>
+                  <m:oMath xmlns:m="http://schemas.openxmlformats.org/officeDocument/2006/math">
+                    <m:sSub>
+                      <m:sSubPr>
+                        <m:ctrlPr>
+                          <a:rPr lang="en-US" sz="1600" b="0" i="1" smtClean="0">
+                            <a:latin typeface="Cambria Math" panose="02040503050406030204" pitchFamily="18" charset="0"/>
+                          </a:rPr>
+                        </m:ctrlPr>
+                      </m:sSubPr>
+                      <m:e>
+                        <m:r>
+                          <a:rPr lang="en-US" sz="1600" b="0" i="1" smtClean="0">
+                            <a:latin typeface="Cambria Math" panose="02040503050406030204" pitchFamily="18" charset="0"/>
+                          </a:rPr>
+                          <m:t>𝑙</m:t>
+                        </m:r>
+                      </m:e>
+                      <m:sub>
+                        <m:r>
+                          <a:rPr lang="en-US" sz="1600" b="0" i="1" smtClean="0">
+                            <a:latin typeface="Cambria Math" panose="02040503050406030204" pitchFamily="18" charset="0"/>
+                          </a:rPr>
+                          <m:t>𝑖</m:t>
+                        </m:r>
+                      </m:sub>
+                    </m:sSub>
+                  </m:oMath>
+                </a14:m>
+                <a:r>
+                  <a:rPr lang="en-US" sz="1600" b="0" dirty="0"/>
+                  <a:t> - respective lever arm</a:t>
+                </a:r>
+                <a:endParaRPr lang="en-US" sz="1600" dirty="0"/>
+              </a:p>
+            </p:txBody>
+          </p:sp>
+        </mc:Choice>
+        <mc:Fallback>
+          <p:sp>
+            <p:nvSpPr>
+              <p:cNvPr id="6" name="TextBox 5">
+                <a:extLst>
+                  <a:ext uri="{FF2B5EF4-FFF2-40B4-BE49-F238E27FC236}">
+                    <a16:creationId xmlns:a16="http://schemas.microsoft.com/office/drawing/2014/main" id="{35C09FF8-8B36-48CE-9AF5-24F7BDE0A71B}"/>
+                  </a:ext>
+                </a:extLst>
+              </p:cNvPr>
+              <p:cNvSpPr txBox="1">
+                <a:spLocks noRot="1" noChangeAspect="1" noMove="1" noResize="1" noEditPoints="1" noAdjustHandles="1" noChangeArrowheads="1" noChangeShapeType="1" noTextEdit="1"/>
+              </p:cNvSpPr>
+              <p:nvPr/>
+            </p:nvSpPr>
+            <p:spPr>
+              <a:xfrm>
+                <a:off x="-394282" y="5427676"/>
+                <a:ext cx="3506598" cy="1354217"/>
+              </a:xfrm>
+              <a:prstGeom prst="rect">
+                <a:avLst/>
+              </a:prstGeom>
+              <a:blipFill>
+                <a:blip r:embed="rId4"/>
+                <a:stretch>
+                  <a:fillRect t="-1345" b="-2242"/>
+                </a:stretch>
+              </a:blipFill>
+            </p:spPr>
+            <p:txBody>
+              <a:bodyPr/>
+              <a:lstStyle/>
+              <a:p>
+                <a:r>
+                  <a:rPr lang="en-US">
+                    <a:noFill/>
+                  </a:rPr>
+                  <a:t> </a:t>
+                </a:r>
+              </a:p>
+            </p:txBody>
+          </p:sp>
+        </mc:Fallback>
+      </mc:AlternateContent>
     </p:spTree>
     <p:extLst>
       <p:ext uri="{BB962C8B-B14F-4D97-AF65-F5344CB8AC3E}">
-        <p14:creationId xmlns:p14="http://schemas.microsoft.com/office/powerpoint/2010/main" val="3148421081"/>
+        <p14:creationId xmlns:p14="http://schemas.microsoft.com/office/powerpoint/2010/main" val="1748739854"/>
       </p:ext>
     </p:extLst>
   </p:cSld>
@@ -3500,7 +5186,7 @@
 </p:sld>
 </file>
 
-<file path=ppt/slides/slide3.xml><?xml version="1.0" encoding="utf-8"?>
+<file path=ppt/slides/slide11.xml><?xml version="1.0" encoding="utf-8"?>
 <p:sld xmlns:a="http://schemas.openxmlformats.org/drawingml/2006/main" xmlns:r="http://schemas.openxmlformats.org/officeDocument/2006/relationships" xmlns:p="http://schemas.openxmlformats.org/presentationml/2006/main">
   <p:cSld>
     <p:spTree>
@@ -3522,7 +5208,7 @@
           <p:cNvPr id="2" name="Title 1">
             <a:extLst>
               <a:ext uri="{FF2B5EF4-FFF2-40B4-BE49-F238E27FC236}">
-                <a16:creationId xmlns:a16="http://schemas.microsoft.com/office/drawing/2014/main" id="{994F4346-5B8F-4279-B76F-C4BC80AA1BDC}"/>
+                <a16:creationId xmlns:a16="http://schemas.microsoft.com/office/drawing/2014/main" id="{FEBD4D98-652B-47B6-A147-858F4DF1505F}"/>
               </a:ext>
             </a:extLst>
           </p:cNvPr>
@@ -3540,17 +5226,1528 @@
           <a:p>
             <a:r>
               <a:rPr lang="en-US" dirty="0"/>
-              <a:t>System Overview</a:t>
-            </a:r>
+              <a:t>Center of Mass/Buoyancy Questions with regards to Upright vs Inverted Flight</a:t>
+            </a:r>
+          </a:p>
+        </p:txBody>
+      </p:sp>
+      <mc:AlternateContent xmlns:mc="http://schemas.openxmlformats.org/markup-compatibility/2006">
+        <mc:Choice xmlns:a14="http://schemas.microsoft.com/office/drawing/2010/main" Requires="a14">
+          <p:sp>
+            <p:nvSpPr>
+              <p:cNvPr id="3" name="Content Placeholder 2">
+                <a:extLst>
+                  <a:ext uri="{FF2B5EF4-FFF2-40B4-BE49-F238E27FC236}">
+                    <a16:creationId xmlns:a16="http://schemas.microsoft.com/office/drawing/2014/main" id="{1BF04C79-F6F6-4B24-9635-F5630AB014DD}"/>
+                  </a:ext>
+                </a:extLst>
+              </p:cNvPr>
+              <p:cNvSpPr>
+                <a:spLocks noGrp="1"/>
+              </p:cNvSpPr>
+              <p:nvPr>
+                <p:ph sz="half" idx="1"/>
+              </p:nvPr>
+            </p:nvSpPr>
+            <p:spPr/>
+            <p:txBody>
+              <a:bodyPr>
+                <a:normAutofit/>
+              </a:bodyPr>
+              <a:lstStyle/>
+              <a:p>
+                <a:r>
+                  <a:rPr lang="en-US" dirty="0">
+                    <a:latin typeface="Cambria Math" panose="02040503050406030204" pitchFamily="18" charset="0"/>
+                  </a:rPr>
+                  <a:t>Upright Flight</a:t>
+                </a:r>
+                <a:endParaRPr lang="en-US" b="0" dirty="0">
+                  <a:latin typeface="Cambria Math" panose="02040503050406030204" pitchFamily="18" charset="0"/>
+                </a:endParaRPr>
+              </a:p>
+              <a:p>
+                <a:pPr lvl="1"/>
+                <a14:m>
+                  <m:oMath xmlns:m="http://schemas.openxmlformats.org/officeDocument/2006/math">
+                    <m:sSub>
+                      <m:sSubPr>
+                        <m:ctrlPr>
+                          <a:rPr lang="en-US" b="0" i="1" smtClean="0">
+                            <a:latin typeface="Cambria Math" panose="02040503050406030204" pitchFamily="18" charset="0"/>
+                          </a:rPr>
+                        </m:ctrlPr>
+                      </m:sSubPr>
+                      <m:e>
+                        <m:r>
+                          <a:rPr lang="en-US" b="0" i="1" smtClean="0">
+                            <a:latin typeface="Cambria Math" panose="02040503050406030204" pitchFamily="18" charset="0"/>
+                          </a:rPr>
+                          <m:t>𝑎</m:t>
+                        </m:r>
+                      </m:e>
+                      <m:sub>
+                        <m:r>
+                          <a:rPr lang="en-US" b="0" i="1" smtClean="0">
+                            <a:latin typeface="Cambria Math" panose="02040503050406030204" pitchFamily="18" charset="0"/>
+                          </a:rPr>
+                          <m:t>𝑧</m:t>
+                        </m:r>
+                      </m:sub>
+                    </m:sSub>
+                    <m:r>
+                      <a:rPr lang="en-US" b="0" i="1" smtClean="0">
+                        <a:latin typeface="Cambria Math" panose="02040503050406030204" pitchFamily="18" charset="0"/>
+                      </a:rPr>
+                      <m:t>=</m:t>
+                    </m:r>
+                    <m:f>
+                      <m:fPr>
+                        <m:ctrlPr>
+                          <a:rPr lang="en-US" b="0" i="1" smtClean="0">
+                            <a:latin typeface="Cambria Math" panose="02040503050406030204" pitchFamily="18" charset="0"/>
+                          </a:rPr>
+                        </m:ctrlPr>
+                      </m:fPr>
+                      <m:num>
+                        <m:r>
+                          <a:rPr lang="en-US" b="0" i="1" smtClean="0">
+                            <a:latin typeface="Cambria Math" panose="02040503050406030204" pitchFamily="18" charset="0"/>
+                          </a:rPr>
+                          <m:t>1</m:t>
+                        </m:r>
+                      </m:num>
+                      <m:den>
+                        <m:r>
+                          <a:rPr lang="en-US" b="0" i="1" smtClean="0">
+                            <a:latin typeface="Cambria Math" panose="02040503050406030204" pitchFamily="18" charset="0"/>
+                          </a:rPr>
+                          <m:t>𝑚</m:t>
+                        </m:r>
+                      </m:den>
+                    </m:f>
+                    <m:d>
+                      <m:dPr>
+                        <m:begChr m:val="["/>
+                        <m:endChr m:val="]"/>
+                        <m:ctrlPr>
+                          <a:rPr lang="en-US" b="0" i="1" smtClean="0">
+                            <a:latin typeface="Cambria Math" panose="02040503050406030204" pitchFamily="18" charset="0"/>
+                          </a:rPr>
+                        </m:ctrlPr>
+                      </m:dPr>
+                      <m:e>
+                        <m:sSub>
+                          <m:sSubPr>
+                            <m:ctrlPr>
+                              <a:rPr lang="en-US" b="0" i="1" smtClean="0">
+                                <a:latin typeface="Cambria Math" panose="02040503050406030204" pitchFamily="18" charset="0"/>
+                              </a:rPr>
+                            </m:ctrlPr>
+                          </m:sSubPr>
+                          <m:e>
+                            <m:r>
+                              <a:rPr lang="en-US" b="0" i="1" smtClean="0">
+                                <a:latin typeface="Cambria Math" panose="02040503050406030204" pitchFamily="18" charset="0"/>
+                              </a:rPr>
+                              <m:t>𝐹</m:t>
+                            </m:r>
+                          </m:e>
+                          <m:sub>
+                            <m:r>
+                              <a:rPr lang="en-US" b="0" i="1" smtClean="0">
+                                <a:latin typeface="Cambria Math" panose="02040503050406030204" pitchFamily="18" charset="0"/>
+                              </a:rPr>
+                              <m:t>h</m:t>
+                            </m:r>
+                          </m:sub>
+                        </m:sSub>
+                        <m:r>
+                          <a:rPr lang="en-US" b="0" i="1" smtClean="0">
+                            <a:latin typeface="Cambria Math" panose="02040503050406030204" pitchFamily="18" charset="0"/>
+                          </a:rPr>
+                          <m:t>+</m:t>
+                        </m:r>
+                        <m:sSub>
+                          <m:sSubPr>
+                            <m:ctrlPr>
+                              <a:rPr lang="en-US" b="0" i="1" smtClean="0">
+                                <a:latin typeface="Cambria Math" panose="02040503050406030204" pitchFamily="18" charset="0"/>
+                              </a:rPr>
+                            </m:ctrlPr>
+                          </m:sSubPr>
+                          <m:e>
+                            <m:r>
+                              <a:rPr lang="en-US" b="0" i="1" smtClean="0">
+                                <a:latin typeface="Cambria Math" panose="02040503050406030204" pitchFamily="18" charset="0"/>
+                              </a:rPr>
+                              <m:t>𝐹</m:t>
+                            </m:r>
+                          </m:e>
+                          <m:sub>
+                            <m:r>
+                              <a:rPr lang="en-US" b="0" i="1" smtClean="0">
+                                <a:latin typeface="Cambria Math" panose="02040503050406030204" pitchFamily="18" charset="0"/>
+                              </a:rPr>
+                              <m:t>𝐿</m:t>
+                            </m:r>
+                          </m:sub>
+                        </m:sSub>
+                        <m:r>
+                          <a:rPr lang="en-US" b="0" i="1" smtClean="0">
+                            <a:latin typeface="Cambria Math" panose="02040503050406030204" pitchFamily="18" charset="0"/>
+                          </a:rPr>
+                          <m:t>−</m:t>
+                        </m:r>
+                        <m:sSub>
+                          <m:sSubPr>
+                            <m:ctrlPr>
+                              <a:rPr lang="en-US" b="0" i="1" smtClean="0">
+                                <a:latin typeface="Cambria Math" panose="02040503050406030204" pitchFamily="18" charset="0"/>
+                              </a:rPr>
+                            </m:ctrlPr>
+                          </m:sSubPr>
+                          <m:e>
+                            <m:r>
+                              <a:rPr lang="en-US" b="0" i="1" smtClean="0">
+                                <a:latin typeface="Cambria Math" panose="02040503050406030204" pitchFamily="18" charset="0"/>
+                              </a:rPr>
+                              <m:t>𝐹</m:t>
+                            </m:r>
+                          </m:e>
+                          <m:sub>
+                            <m:r>
+                              <a:rPr lang="en-US" b="0" i="1" smtClean="0">
+                                <a:latin typeface="Cambria Math" panose="02040503050406030204" pitchFamily="18" charset="0"/>
+                              </a:rPr>
+                              <m:t>𝑡h𝑟</m:t>
+                            </m:r>
+                          </m:sub>
+                        </m:sSub>
+                      </m:e>
+                    </m:d>
+                    <m:r>
+                      <a:rPr lang="en-US" b="0" i="1" smtClean="0">
+                        <a:latin typeface="Cambria Math" panose="02040503050406030204" pitchFamily="18" charset="0"/>
+                      </a:rPr>
+                      <m:t>+</m:t>
+                    </m:r>
+                    <m:r>
+                      <a:rPr lang="en-US" b="0" i="1" smtClean="0">
+                        <a:latin typeface="Cambria Math" panose="02040503050406030204" pitchFamily="18" charset="0"/>
+                      </a:rPr>
+                      <m:t>𝛾</m:t>
+                    </m:r>
+                    <m:r>
+                      <a:rPr lang="en-US" b="0" i="1" smtClean="0">
+                        <a:latin typeface="Cambria Math" panose="02040503050406030204" pitchFamily="18" charset="0"/>
+                      </a:rPr>
+                      <m:t>𝑔</m:t>
+                    </m:r>
+                  </m:oMath>
+                </a14:m>
+                <a:endParaRPr lang="en-US" b="0" dirty="0"/>
+              </a:p>
+              <a:p>
+                <a:pPr lvl="1"/>
+                <a14:m>
+                  <m:oMath xmlns:m="http://schemas.openxmlformats.org/officeDocument/2006/math">
+                    <m:r>
+                      <a:rPr lang="en-US" b="0" i="1" smtClean="0">
+                        <a:latin typeface="Cambria Math" panose="02040503050406030204" pitchFamily="18" charset="0"/>
+                      </a:rPr>
+                      <m:t>𝐽</m:t>
+                    </m:r>
+                    <m:sSub>
+                      <m:sSubPr>
+                        <m:ctrlPr>
+                          <a:rPr lang="en-US" b="0" i="1" smtClean="0">
+                            <a:latin typeface="Cambria Math" panose="02040503050406030204" pitchFamily="18" charset="0"/>
+                          </a:rPr>
+                        </m:ctrlPr>
+                      </m:sSubPr>
+                      <m:e>
+                        <m:r>
+                          <a:rPr lang="en-US" b="0" i="1" smtClean="0">
+                            <a:latin typeface="Cambria Math" panose="02040503050406030204" pitchFamily="18" charset="0"/>
+                          </a:rPr>
+                          <m:t>𝛼</m:t>
+                        </m:r>
+                      </m:e>
+                      <m:sub>
+                        <m:r>
+                          <a:rPr lang="en-US" b="0" i="1" smtClean="0">
+                            <a:latin typeface="Cambria Math" panose="02040503050406030204" pitchFamily="18" charset="0"/>
+                          </a:rPr>
+                          <m:t>𝑦</m:t>
+                        </m:r>
+                      </m:sub>
+                    </m:sSub>
+                    <m:r>
+                      <a:rPr lang="en-US" b="0" i="1" smtClean="0">
+                        <a:latin typeface="Cambria Math" panose="02040503050406030204" pitchFamily="18" charset="0"/>
+                      </a:rPr>
+                      <m:t>=</m:t>
+                    </m:r>
+                    <m:sSub>
+                      <m:sSubPr>
+                        <m:ctrlPr>
+                          <a:rPr lang="en-US" b="0" i="1" smtClean="0">
+                            <a:latin typeface="Cambria Math" panose="02040503050406030204" pitchFamily="18" charset="0"/>
+                          </a:rPr>
+                        </m:ctrlPr>
+                      </m:sSubPr>
+                      <m:e>
+                        <m:r>
+                          <a:rPr lang="en-US" b="0" i="1" smtClean="0">
+                            <a:latin typeface="Cambria Math" panose="02040503050406030204" pitchFamily="18" charset="0"/>
+                          </a:rPr>
+                          <m:t>𝐹</m:t>
+                        </m:r>
+                      </m:e>
+                      <m:sub>
+                        <m:r>
+                          <a:rPr lang="en-US" b="0" i="1" smtClean="0">
+                            <a:latin typeface="Cambria Math" panose="02040503050406030204" pitchFamily="18" charset="0"/>
+                          </a:rPr>
+                          <m:t>h</m:t>
+                        </m:r>
+                      </m:sub>
+                    </m:sSub>
+                    <m:sSub>
+                      <m:sSubPr>
+                        <m:ctrlPr>
+                          <a:rPr lang="en-US" b="0" i="1" smtClean="0">
+                            <a:latin typeface="Cambria Math" panose="02040503050406030204" pitchFamily="18" charset="0"/>
+                          </a:rPr>
+                        </m:ctrlPr>
+                      </m:sSubPr>
+                      <m:e>
+                        <m:r>
+                          <a:rPr lang="en-US" b="0" i="1" smtClean="0">
+                            <a:latin typeface="Cambria Math" panose="02040503050406030204" pitchFamily="18" charset="0"/>
+                          </a:rPr>
+                          <m:t>𝑙</m:t>
+                        </m:r>
+                      </m:e>
+                      <m:sub>
+                        <m:r>
+                          <a:rPr lang="en-US" b="0" i="1" smtClean="0">
+                            <a:latin typeface="Cambria Math" panose="02040503050406030204" pitchFamily="18" charset="0"/>
+                          </a:rPr>
+                          <m:t>h</m:t>
+                        </m:r>
+                      </m:sub>
+                    </m:sSub>
+                    <m:r>
+                      <a:rPr lang="en-US" b="0" i="1" smtClean="0">
+                        <a:latin typeface="Cambria Math" panose="02040503050406030204" pitchFamily="18" charset="0"/>
+                      </a:rPr>
+                      <m:t>+</m:t>
+                    </m:r>
+                    <m:sSub>
+                      <m:sSubPr>
+                        <m:ctrlPr>
+                          <a:rPr lang="en-US" b="0" i="1" smtClean="0">
+                            <a:latin typeface="Cambria Math" panose="02040503050406030204" pitchFamily="18" charset="0"/>
+                          </a:rPr>
+                        </m:ctrlPr>
+                      </m:sSubPr>
+                      <m:e>
+                        <m:r>
+                          <a:rPr lang="en-US" b="0" i="1" smtClean="0">
+                            <a:latin typeface="Cambria Math" panose="02040503050406030204" pitchFamily="18" charset="0"/>
+                          </a:rPr>
+                          <m:t>𝐹</m:t>
+                        </m:r>
+                      </m:e>
+                      <m:sub>
+                        <m:r>
+                          <a:rPr lang="en-US" b="0" i="1" smtClean="0">
+                            <a:latin typeface="Cambria Math" panose="02040503050406030204" pitchFamily="18" charset="0"/>
+                          </a:rPr>
+                          <m:t>𝐿</m:t>
+                        </m:r>
+                      </m:sub>
+                    </m:sSub>
+                    <m:sSub>
+                      <m:sSubPr>
+                        <m:ctrlPr>
+                          <a:rPr lang="en-US" b="0" i="1" smtClean="0">
+                            <a:latin typeface="Cambria Math" panose="02040503050406030204" pitchFamily="18" charset="0"/>
+                          </a:rPr>
+                        </m:ctrlPr>
+                      </m:sSubPr>
+                      <m:e>
+                        <m:r>
+                          <a:rPr lang="en-US" b="0" i="1" smtClean="0">
+                            <a:latin typeface="Cambria Math" panose="02040503050406030204" pitchFamily="18" charset="0"/>
+                          </a:rPr>
+                          <m:t>𝑙</m:t>
+                        </m:r>
+                      </m:e>
+                      <m:sub>
+                        <m:r>
+                          <a:rPr lang="en-US" b="0" i="1" smtClean="0">
+                            <a:latin typeface="Cambria Math" panose="02040503050406030204" pitchFamily="18" charset="0"/>
+                          </a:rPr>
+                          <m:t>𝑤</m:t>
+                        </m:r>
+                      </m:sub>
+                    </m:sSub>
+                    <m:r>
+                      <a:rPr lang="en-US" b="0" i="1" smtClean="0">
+                        <a:latin typeface="Cambria Math" panose="02040503050406030204" pitchFamily="18" charset="0"/>
+                      </a:rPr>
+                      <m:t>+</m:t>
+                    </m:r>
+                    <m:sSub>
+                      <m:sSubPr>
+                        <m:ctrlPr>
+                          <a:rPr lang="en-US" b="0" i="1" smtClean="0">
+                            <a:latin typeface="Cambria Math" panose="02040503050406030204" pitchFamily="18" charset="0"/>
+                          </a:rPr>
+                        </m:ctrlPr>
+                      </m:sSubPr>
+                      <m:e>
+                        <m:r>
+                          <a:rPr lang="en-US" b="0" i="1" smtClean="0">
+                            <a:latin typeface="Cambria Math" panose="02040503050406030204" pitchFamily="18" charset="0"/>
+                          </a:rPr>
+                          <m:t>𝐹</m:t>
+                        </m:r>
+                      </m:e>
+                      <m:sub>
+                        <m:r>
+                          <a:rPr lang="en-US" b="0" i="1" smtClean="0">
+                            <a:latin typeface="Cambria Math" panose="02040503050406030204" pitchFamily="18" charset="0"/>
+                          </a:rPr>
+                          <m:t>𝑡h𝑟</m:t>
+                        </m:r>
+                      </m:sub>
+                    </m:sSub>
+                    <m:sSub>
+                      <m:sSubPr>
+                        <m:ctrlPr>
+                          <a:rPr lang="en-US" b="0" i="1" smtClean="0">
+                            <a:latin typeface="Cambria Math" panose="02040503050406030204" pitchFamily="18" charset="0"/>
+                          </a:rPr>
+                        </m:ctrlPr>
+                      </m:sSubPr>
+                      <m:e>
+                        <m:r>
+                          <a:rPr lang="en-US" b="0" i="1" smtClean="0">
+                            <a:latin typeface="Cambria Math" panose="02040503050406030204" pitchFamily="18" charset="0"/>
+                          </a:rPr>
+                          <m:t>𝑙</m:t>
+                        </m:r>
+                      </m:e>
+                      <m:sub>
+                        <m:r>
+                          <a:rPr lang="en-US" b="0" i="1" smtClean="0">
+                            <a:latin typeface="Cambria Math" panose="02040503050406030204" pitchFamily="18" charset="0"/>
+                          </a:rPr>
+                          <m:t>𝑡</m:t>
+                        </m:r>
+                      </m:sub>
+                    </m:sSub>
+                    <m:r>
+                      <a:rPr lang="en-US" b="0" i="1" smtClean="0">
+                        <a:latin typeface="Cambria Math" panose="02040503050406030204" pitchFamily="18" charset="0"/>
+                      </a:rPr>
+                      <m:t>+</m:t>
+                    </m:r>
+                    <m:d>
+                      <m:dPr>
+                        <m:ctrlPr>
+                          <a:rPr lang="en-US" b="0" i="1" smtClean="0">
+                            <a:latin typeface="Cambria Math" panose="02040503050406030204" pitchFamily="18" charset="0"/>
+                          </a:rPr>
+                        </m:ctrlPr>
+                      </m:dPr>
+                      <m:e>
+                        <m:r>
+                          <a:rPr lang="en-US" b="0" i="1" smtClean="0">
+                            <a:latin typeface="Cambria Math" panose="02040503050406030204" pitchFamily="18" charset="0"/>
+                          </a:rPr>
+                          <m:t>1+</m:t>
+                        </m:r>
+                        <m:r>
+                          <a:rPr lang="en-US" b="0" i="1" smtClean="0">
+                            <a:latin typeface="Cambria Math" panose="02040503050406030204" pitchFamily="18" charset="0"/>
+                          </a:rPr>
+                          <m:t>𝛾</m:t>
+                        </m:r>
+                      </m:e>
+                    </m:d>
+                    <m:r>
+                      <a:rPr lang="en-US" b="0" i="1" smtClean="0">
+                        <a:latin typeface="Cambria Math" panose="02040503050406030204" pitchFamily="18" charset="0"/>
+                      </a:rPr>
+                      <m:t>𝑚𝑔</m:t>
+                    </m:r>
+                    <m:sSub>
+                      <m:sSubPr>
+                        <m:ctrlPr>
+                          <a:rPr lang="en-US" b="0" i="1" smtClean="0">
+                            <a:latin typeface="Cambria Math" panose="02040503050406030204" pitchFamily="18" charset="0"/>
+                          </a:rPr>
+                        </m:ctrlPr>
+                      </m:sSubPr>
+                      <m:e>
+                        <m:r>
+                          <a:rPr lang="en-US" b="0" i="1" smtClean="0">
+                            <a:latin typeface="Cambria Math" panose="02040503050406030204" pitchFamily="18" charset="0"/>
+                          </a:rPr>
+                          <m:t>𝑙</m:t>
+                        </m:r>
+                      </m:e>
+                      <m:sub>
+                        <m:r>
+                          <a:rPr lang="en-US" b="0" i="1" smtClean="0">
+                            <a:latin typeface="Cambria Math" panose="02040503050406030204" pitchFamily="18" charset="0"/>
+                          </a:rPr>
+                          <m:t>𝑏</m:t>
+                        </m:r>
+                      </m:sub>
+                    </m:sSub>
+                  </m:oMath>
+                </a14:m>
+                <a:endParaRPr lang="en-US" b="0" dirty="0"/>
+              </a:p>
+              <a:p>
+                <a:r>
+                  <a:rPr lang="en-US" dirty="0"/>
+                  <a:t>Inverted Flight</a:t>
+                </a:r>
+              </a:p>
+              <a:p>
+                <a:pPr lvl="1"/>
+                <a14:m>
+                  <m:oMath xmlns:m="http://schemas.openxmlformats.org/officeDocument/2006/math">
+                    <m:sSub>
+                      <m:sSubPr>
+                        <m:ctrlPr>
+                          <a:rPr lang="en-US" b="0" i="1" smtClean="0">
+                            <a:latin typeface="Cambria Math" panose="02040503050406030204" pitchFamily="18" charset="0"/>
+                          </a:rPr>
+                        </m:ctrlPr>
+                      </m:sSubPr>
+                      <m:e>
+                        <m:r>
+                          <a:rPr lang="en-US" b="0" i="1" smtClean="0">
+                            <a:latin typeface="Cambria Math" panose="02040503050406030204" pitchFamily="18" charset="0"/>
+                          </a:rPr>
+                          <m:t>𝑎</m:t>
+                        </m:r>
+                      </m:e>
+                      <m:sub>
+                        <m:r>
+                          <a:rPr lang="en-US" b="0" i="1" smtClean="0">
+                            <a:latin typeface="Cambria Math" panose="02040503050406030204" pitchFamily="18" charset="0"/>
+                          </a:rPr>
+                          <m:t>𝑧</m:t>
+                        </m:r>
+                      </m:sub>
+                    </m:sSub>
+                    <m:r>
+                      <a:rPr lang="en-US" b="0" i="1" smtClean="0">
+                        <a:latin typeface="Cambria Math" panose="02040503050406030204" pitchFamily="18" charset="0"/>
+                      </a:rPr>
+                      <m:t>=</m:t>
+                    </m:r>
+                    <m:f>
+                      <m:fPr>
+                        <m:ctrlPr>
+                          <a:rPr lang="en-US" b="0" i="1" smtClean="0">
+                            <a:latin typeface="Cambria Math" panose="02040503050406030204" pitchFamily="18" charset="0"/>
+                          </a:rPr>
+                        </m:ctrlPr>
+                      </m:fPr>
+                      <m:num>
+                        <m:r>
+                          <a:rPr lang="en-US" b="0" i="1" smtClean="0">
+                            <a:latin typeface="Cambria Math" panose="02040503050406030204" pitchFamily="18" charset="0"/>
+                          </a:rPr>
+                          <m:t>−</m:t>
+                        </m:r>
+                        <m:r>
+                          <a:rPr lang="en-US" b="0" i="1" smtClean="0">
+                            <a:latin typeface="Cambria Math" panose="02040503050406030204" pitchFamily="18" charset="0"/>
+                          </a:rPr>
+                          <m:t>1</m:t>
+                        </m:r>
+                      </m:num>
+                      <m:den>
+                        <m:r>
+                          <a:rPr lang="en-US" b="0" i="1" smtClean="0">
+                            <a:latin typeface="Cambria Math" panose="02040503050406030204" pitchFamily="18" charset="0"/>
+                          </a:rPr>
+                          <m:t>𝑚</m:t>
+                        </m:r>
+                      </m:den>
+                    </m:f>
+                    <m:d>
+                      <m:dPr>
+                        <m:begChr m:val="["/>
+                        <m:endChr m:val="]"/>
+                        <m:ctrlPr>
+                          <a:rPr lang="en-US" b="0" i="1" smtClean="0">
+                            <a:latin typeface="Cambria Math" panose="02040503050406030204" pitchFamily="18" charset="0"/>
+                          </a:rPr>
+                        </m:ctrlPr>
+                      </m:dPr>
+                      <m:e>
+                        <m:sSub>
+                          <m:sSubPr>
+                            <m:ctrlPr>
+                              <a:rPr lang="en-US" b="0" i="1" smtClean="0">
+                                <a:latin typeface="Cambria Math" panose="02040503050406030204" pitchFamily="18" charset="0"/>
+                              </a:rPr>
+                            </m:ctrlPr>
+                          </m:sSubPr>
+                          <m:e>
+                            <m:r>
+                              <a:rPr lang="en-US" b="0" i="1" smtClean="0">
+                                <a:latin typeface="Cambria Math" panose="02040503050406030204" pitchFamily="18" charset="0"/>
+                              </a:rPr>
+                              <m:t>𝐹</m:t>
+                            </m:r>
+                          </m:e>
+                          <m:sub>
+                            <m:r>
+                              <a:rPr lang="en-US" b="0" i="1" smtClean="0">
+                                <a:latin typeface="Cambria Math" panose="02040503050406030204" pitchFamily="18" charset="0"/>
+                              </a:rPr>
+                              <m:t>h</m:t>
+                            </m:r>
+                          </m:sub>
+                        </m:sSub>
+                        <m:r>
+                          <a:rPr lang="en-US" b="0" i="1" smtClean="0">
+                            <a:latin typeface="Cambria Math" panose="02040503050406030204" pitchFamily="18" charset="0"/>
+                          </a:rPr>
+                          <m:t>+</m:t>
+                        </m:r>
+                        <m:sSub>
+                          <m:sSubPr>
+                            <m:ctrlPr>
+                              <a:rPr lang="en-US" b="0" i="1" smtClean="0">
+                                <a:latin typeface="Cambria Math" panose="02040503050406030204" pitchFamily="18" charset="0"/>
+                              </a:rPr>
+                            </m:ctrlPr>
+                          </m:sSubPr>
+                          <m:e>
+                            <m:r>
+                              <a:rPr lang="en-US" b="0" i="1" smtClean="0">
+                                <a:latin typeface="Cambria Math" panose="02040503050406030204" pitchFamily="18" charset="0"/>
+                              </a:rPr>
+                              <m:t>𝐹</m:t>
+                            </m:r>
+                          </m:e>
+                          <m:sub>
+                            <m:r>
+                              <a:rPr lang="en-US" b="0" i="1" smtClean="0">
+                                <a:latin typeface="Cambria Math" panose="02040503050406030204" pitchFamily="18" charset="0"/>
+                              </a:rPr>
+                              <m:t>𝐿</m:t>
+                            </m:r>
+                          </m:sub>
+                        </m:sSub>
+                        <m:r>
+                          <a:rPr lang="en-US" b="0" i="1" smtClean="0">
+                            <a:latin typeface="Cambria Math" panose="02040503050406030204" pitchFamily="18" charset="0"/>
+                          </a:rPr>
+                          <m:t>−</m:t>
+                        </m:r>
+                        <m:sSub>
+                          <m:sSubPr>
+                            <m:ctrlPr>
+                              <a:rPr lang="en-US" b="0" i="1" smtClean="0">
+                                <a:latin typeface="Cambria Math" panose="02040503050406030204" pitchFamily="18" charset="0"/>
+                              </a:rPr>
+                            </m:ctrlPr>
+                          </m:sSubPr>
+                          <m:e>
+                            <m:r>
+                              <a:rPr lang="en-US" b="0" i="1" smtClean="0">
+                                <a:latin typeface="Cambria Math" panose="02040503050406030204" pitchFamily="18" charset="0"/>
+                              </a:rPr>
+                              <m:t>𝐹</m:t>
+                            </m:r>
+                          </m:e>
+                          <m:sub>
+                            <m:r>
+                              <a:rPr lang="en-US" b="0" i="1" smtClean="0">
+                                <a:latin typeface="Cambria Math" panose="02040503050406030204" pitchFamily="18" charset="0"/>
+                              </a:rPr>
+                              <m:t>𝑡h𝑟</m:t>
+                            </m:r>
+                          </m:sub>
+                        </m:sSub>
+                      </m:e>
+                    </m:d>
+                    <m:r>
+                      <a:rPr lang="en-US" b="0" i="1" smtClean="0">
+                        <a:latin typeface="Cambria Math" panose="02040503050406030204" pitchFamily="18" charset="0"/>
+                      </a:rPr>
+                      <m:t>+</m:t>
+                    </m:r>
+                    <m:r>
+                      <a:rPr lang="en-US" b="0" i="1" smtClean="0">
+                        <a:latin typeface="Cambria Math" panose="02040503050406030204" pitchFamily="18" charset="0"/>
+                      </a:rPr>
+                      <m:t>𝛾</m:t>
+                    </m:r>
+                    <m:r>
+                      <a:rPr lang="en-US" b="0" i="1" smtClean="0">
+                        <a:latin typeface="Cambria Math" panose="02040503050406030204" pitchFamily="18" charset="0"/>
+                      </a:rPr>
+                      <m:t>𝑔</m:t>
+                    </m:r>
+                  </m:oMath>
+                </a14:m>
+                <a:endParaRPr lang="en-US" b="0" dirty="0"/>
+              </a:p>
+              <a:p>
+                <a:pPr lvl="1"/>
+                <a14:m>
+                  <m:oMath xmlns:m="http://schemas.openxmlformats.org/officeDocument/2006/math">
+                    <m:r>
+                      <a:rPr lang="en-US" b="0" i="1" smtClean="0">
+                        <a:latin typeface="Cambria Math" panose="02040503050406030204" pitchFamily="18" charset="0"/>
+                      </a:rPr>
+                      <m:t>𝐽</m:t>
+                    </m:r>
+                    <m:sSub>
+                      <m:sSubPr>
+                        <m:ctrlPr>
+                          <a:rPr lang="en-US" b="0" i="1" smtClean="0">
+                            <a:latin typeface="Cambria Math" panose="02040503050406030204" pitchFamily="18" charset="0"/>
+                          </a:rPr>
+                        </m:ctrlPr>
+                      </m:sSubPr>
+                      <m:e>
+                        <m:r>
+                          <a:rPr lang="en-US" b="0" i="1" smtClean="0">
+                            <a:latin typeface="Cambria Math" panose="02040503050406030204" pitchFamily="18" charset="0"/>
+                          </a:rPr>
+                          <m:t>𝛼</m:t>
+                        </m:r>
+                      </m:e>
+                      <m:sub>
+                        <m:r>
+                          <a:rPr lang="en-US" b="0" i="1" smtClean="0">
+                            <a:latin typeface="Cambria Math" panose="02040503050406030204" pitchFamily="18" charset="0"/>
+                          </a:rPr>
+                          <m:t>𝑦</m:t>
+                        </m:r>
+                      </m:sub>
+                    </m:sSub>
+                    <m:r>
+                      <a:rPr lang="en-US" b="0" i="1" smtClean="0">
+                        <a:latin typeface="Cambria Math" panose="02040503050406030204" pitchFamily="18" charset="0"/>
+                      </a:rPr>
+                      <m:t>=</m:t>
+                    </m:r>
+                    <m:sSub>
+                      <m:sSubPr>
+                        <m:ctrlPr>
+                          <a:rPr lang="en-US" b="0" i="1" smtClean="0">
+                            <a:latin typeface="Cambria Math" panose="02040503050406030204" pitchFamily="18" charset="0"/>
+                          </a:rPr>
+                        </m:ctrlPr>
+                      </m:sSubPr>
+                      <m:e>
+                        <m:r>
+                          <a:rPr lang="en-US" b="0" i="1" smtClean="0">
+                            <a:latin typeface="Cambria Math" panose="02040503050406030204" pitchFamily="18" charset="0"/>
+                          </a:rPr>
+                          <m:t>−[</m:t>
+                        </m:r>
+                        <m:r>
+                          <a:rPr lang="en-US" b="0" i="1" smtClean="0">
+                            <a:latin typeface="Cambria Math" panose="02040503050406030204" pitchFamily="18" charset="0"/>
+                          </a:rPr>
+                          <m:t>𝐹</m:t>
+                        </m:r>
+                      </m:e>
+                      <m:sub>
+                        <m:r>
+                          <a:rPr lang="en-US" b="0" i="1" smtClean="0">
+                            <a:latin typeface="Cambria Math" panose="02040503050406030204" pitchFamily="18" charset="0"/>
+                          </a:rPr>
+                          <m:t>h</m:t>
+                        </m:r>
+                      </m:sub>
+                    </m:sSub>
+                    <m:sSub>
+                      <m:sSubPr>
+                        <m:ctrlPr>
+                          <a:rPr lang="en-US" b="0" i="1" smtClean="0">
+                            <a:latin typeface="Cambria Math" panose="02040503050406030204" pitchFamily="18" charset="0"/>
+                          </a:rPr>
+                        </m:ctrlPr>
+                      </m:sSubPr>
+                      <m:e>
+                        <m:r>
+                          <a:rPr lang="en-US" b="0" i="1" smtClean="0">
+                            <a:latin typeface="Cambria Math" panose="02040503050406030204" pitchFamily="18" charset="0"/>
+                          </a:rPr>
+                          <m:t>𝑙</m:t>
+                        </m:r>
+                      </m:e>
+                      <m:sub>
+                        <m:r>
+                          <a:rPr lang="en-US" b="0" i="1" smtClean="0">
+                            <a:latin typeface="Cambria Math" panose="02040503050406030204" pitchFamily="18" charset="0"/>
+                          </a:rPr>
+                          <m:t>h</m:t>
+                        </m:r>
+                      </m:sub>
+                    </m:sSub>
+                    <m:r>
+                      <a:rPr lang="en-US" b="0" i="1" smtClean="0">
+                        <a:latin typeface="Cambria Math" panose="02040503050406030204" pitchFamily="18" charset="0"/>
+                      </a:rPr>
+                      <m:t>+</m:t>
+                    </m:r>
+                    <m:sSub>
+                      <m:sSubPr>
+                        <m:ctrlPr>
+                          <a:rPr lang="en-US" b="0" i="1" smtClean="0">
+                            <a:latin typeface="Cambria Math" panose="02040503050406030204" pitchFamily="18" charset="0"/>
+                          </a:rPr>
+                        </m:ctrlPr>
+                      </m:sSubPr>
+                      <m:e>
+                        <m:r>
+                          <a:rPr lang="en-US" b="0" i="1" smtClean="0">
+                            <a:latin typeface="Cambria Math" panose="02040503050406030204" pitchFamily="18" charset="0"/>
+                          </a:rPr>
+                          <m:t>𝐹</m:t>
+                        </m:r>
+                      </m:e>
+                      <m:sub>
+                        <m:r>
+                          <a:rPr lang="en-US" b="0" i="1" smtClean="0">
+                            <a:latin typeface="Cambria Math" panose="02040503050406030204" pitchFamily="18" charset="0"/>
+                          </a:rPr>
+                          <m:t>𝐿</m:t>
+                        </m:r>
+                      </m:sub>
+                    </m:sSub>
+                    <m:sSub>
+                      <m:sSubPr>
+                        <m:ctrlPr>
+                          <a:rPr lang="en-US" b="0" i="1" smtClean="0">
+                            <a:latin typeface="Cambria Math" panose="02040503050406030204" pitchFamily="18" charset="0"/>
+                          </a:rPr>
+                        </m:ctrlPr>
+                      </m:sSubPr>
+                      <m:e>
+                        <m:r>
+                          <a:rPr lang="en-US" b="0" i="1" smtClean="0">
+                            <a:latin typeface="Cambria Math" panose="02040503050406030204" pitchFamily="18" charset="0"/>
+                          </a:rPr>
+                          <m:t>𝑙</m:t>
+                        </m:r>
+                      </m:e>
+                      <m:sub>
+                        <m:r>
+                          <a:rPr lang="en-US" b="0" i="1" smtClean="0">
+                            <a:latin typeface="Cambria Math" panose="02040503050406030204" pitchFamily="18" charset="0"/>
+                          </a:rPr>
+                          <m:t>𝑤</m:t>
+                        </m:r>
+                      </m:sub>
+                    </m:sSub>
+                    <m:r>
+                      <a:rPr lang="en-US" b="0" i="1" smtClean="0">
+                        <a:latin typeface="Cambria Math" panose="02040503050406030204" pitchFamily="18" charset="0"/>
+                      </a:rPr>
+                      <m:t>+</m:t>
+                    </m:r>
+                    <m:sSub>
+                      <m:sSubPr>
+                        <m:ctrlPr>
+                          <a:rPr lang="en-US" b="0" i="1" smtClean="0">
+                            <a:latin typeface="Cambria Math" panose="02040503050406030204" pitchFamily="18" charset="0"/>
+                          </a:rPr>
+                        </m:ctrlPr>
+                      </m:sSubPr>
+                      <m:e>
+                        <m:r>
+                          <a:rPr lang="en-US" b="0" i="1" smtClean="0">
+                            <a:latin typeface="Cambria Math" panose="02040503050406030204" pitchFamily="18" charset="0"/>
+                          </a:rPr>
+                          <m:t>𝐹</m:t>
+                        </m:r>
+                      </m:e>
+                      <m:sub>
+                        <m:r>
+                          <a:rPr lang="en-US" b="0" i="1" smtClean="0">
+                            <a:latin typeface="Cambria Math" panose="02040503050406030204" pitchFamily="18" charset="0"/>
+                          </a:rPr>
+                          <m:t>𝑡h𝑟</m:t>
+                        </m:r>
+                      </m:sub>
+                    </m:sSub>
+                    <m:sSub>
+                      <m:sSubPr>
+                        <m:ctrlPr>
+                          <a:rPr lang="en-US" b="0" i="1" smtClean="0">
+                            <a:latin typeface="Cambria Math" panose="02040503050406030204" pitchFamily="18" charset="0"/>
+                          </a:rPr>
+                        </m:ctrlPr>
+                      </m:sSubPr>
+                      <m:e>
+                        <m:r>
+                          <a:rPr lang="en-US" b="0" i="1" smtClean="0">
+                            <a:latin typeface="Cambria Math" panose="02040503050406030204" pitchFamily="18" charset="0"/>
+                          </a:rPr>
+                          <m:t>𝑙</m:t>
+                        </m:r>
+                      </m:e>
+                      <m:sub>
+                        <m:r>
+                          <a:rPr lang="en-US" b="0" i="1" smtClean="0">
+                            <a:latin typeface="Cambria Math" panose="02040503050406030204" pitchFamily="18" charset="0"/>
+                          </a:rPr>
+                          <m:t>𝑡</m:t>
+                        </m:r>
+                      </m:sub>
+                    </m:sSub>
+                    <m:r>
+                      <a:rPr lang="en-US" b="0" i="1" smtClean="0">
+                        <a:latin typeface="Cambria Math" panose="02040503050406030204" pitchFamily="18" charset="0"/>
+                      </a:rPr>
+                      <m:t>]</m:t>
+                    </m:r>
+                    <m:r>
+                      <a:rPr lang="en-US" b="0" i="1" smtClean="0">
+                        <a:latin typeface="Cambria Math" panose="02040503050406030204" pitchFamily="18" charset="0"/>
+                      </a:rPr>
+                      <m:t>+</m:t>
+                    </m:r>
+                    <m:d>
+                      <m:dPr>
+                        <m:ctrlPr>
+                          <a:rPr lang="en-US" b="0" i="1" smtClean="0">
+                            <a:latin typeface="Cambria Math" panose="02040503050406030204" pitchFamily="18" charset="0"/>
+                          </a:rPr>
+                        </m:ctrlPr>
+                      </m:dPr>
+                      <m:e>
+                        <m:r>
+                          <a:rPr lang="en-US" b="0" i="1" smtClean="0">
+                            <a:latin typeface="Cambria Math" panose="02040503050406030204" pitchFamily="18" charset="0"/>
+                          </a:rPr>
+                          <m:t>1+</m:t>
+                        </m:r>
+                        <m:r>
+                          <a:rPr lang="en-US" b="0" i="1" smtClean="0">
+                            <a:latin typeface="Cambria Math" panose="02040503050406030204" pitchFamily="18" charset="0"/>
+                          </a:rPr>
+                          <m:t>𝛾</m:t>
+                        </m:r>
+                      </m:e>
+                    </m:d>
+                    <m:r>
+                      <a:rPr lang="en-US" b="0" i="1" smtClean="0">
+                        <a:latin typeface="Cambria Math" panose="02040503050406030204" pitchFamily="18" charset="0"/>
+                      </a:rPr>
+                      <m:t>𝑚𝑔</m:t>
+                    </m:r>
+                    <m:sSub>
+                      <m:sSubPr>
+                        <m:ctrlPr>
+                          <a:rPr lang="en-US" b="0" i="1" smtClean="0">
+                            <a:latin typeface="Cambria Math" panose="02040503050406030204" pitchFamily="18" charset="0"/>
+                          </a:rPr>
+                        </m:ctrlPr>
+                      </m:sSubPr>
+                      <m:e>
+                        <m:r>
+                          <a:rPr lang="en-US" b="0" i="1" smtClean="0">
+                            <a:latin typeface="Cambria Math" panose="02040503050406030204" pitchFamily="18" charset="0"/>
+                          </a:rPr>
+                          <m:t>𝑙</m:t>
+                        </m:r>
+                      </m:e>
+                      <m:sub>
+                        <m:r>
+                          <a:rPr lang="en-US" b="0" i="1" smtClean="0">
+                            <a:latin typeface="Cambria Math" panose="02040503050406030204" pitchFamily="18" charset="0"/>
+                          </a:rPr>
+                          <m:t>𝑏</m:t>
+                        </m:r>
+                      </m:sub>
+                    </m:sSub>
+                  </m:oMath>
+                </a14:m>
+                <a:endParaRPr lang="en-US" dirty="0"/>
+              </a:p>
+            </p:txBody>
+          </p:sp>
+        </mc:Choice>
+        <mc:Fallback>
+          <p:sp>
+            <p:nvSpPr>
+              <p:cNvPr id="3" name="Content Placeholder 2">
+                <a:extLst>
+                  <a:ext uri="{FF2B5EF4-FFF2-40B4-BE49-F238E27FC236}">
+                    <a16:creationId xmlns:a16="http://schemas.microsoft.com/office/drawing/2014/main" id="{1BF04C79-F6F6-4B24-9635-F5630AB014DD}"/>
+                  </a:ext>
+                </a:extLst>
+              </p:cNvPr>
+              <p:cNvSpPr>
+                <a:spLocks noGrp="1" noRot="1" noChangeAspect="1" noMove="1" noResize="1" noEditPoints="1" noAdjustHandles="1" noChangeArrowheads="1" noChangeShapeType="1" noTextEdit="1"/>
+              </p:cNvSpPr>
+              <p:nvPr>
+                <p:ph sz="half" idx="1"/>
+              </p:nvPr>
+            </p:nvSpPr>
+            <p:spPr>
+              <a:blipFill>
+                <a:blip r:embed="rId2"/>
+                <a:stretch>
+                  <a:fillRect l="-2118" t="-2381"/>
+                </a:stretch>
+              </a:blipFill>
+            </p:spPr>
+            <p:txBody>
+              <a:bodyPr/>
+              <a:lstStyle/>
+              <a:p>
+                <a:r>
+                  <a:rPr lang="en-US">
+                    <a:noFill/>
+                  </a:rPr>
+                  <a:t> </a:t>
+                </a:r>
+              </a:p>
+            </p:txBody>
+          </p:sp>
+        </mc:Fallback>
+      </mc:AlternateContent>
+      <mc:AlternateContent xmlns:mc="http://schemas.openxmlformats.org/markup-compatibility/2006">
+        <mc:Choice xmlns:a14="http://schemas.microsoft.com/office/drawing/2010/main" Requires="a14">
+          <p:sp>
+            <p:nvSpPr>
+              <p:cNvPr id="5" name="Content Placeholder 4">
+                <a:extLst>
+                  <a:ext uri="{FF2B5EF4-FFF2-40B4-BE49-F238E27FC236}">
+                    <a16:creationId xmlns:a16="http://schemas.microsoft.com/office/drawing/2014/main" id="{AB5E8946-AAB1-4412-BD74-B62574AC39E4}"/>
+                  </a:ext>
+                </a:extLst>
+              </p:cNvPr>
+              <p:cNvSpPr>
+                <a:spLocks noGrp="1"/>
+              </p:cNvSpPr>
+              <p:nvPr>
+                <p:ph sz="half" idx="2"/>
+              </p:nvPr>
+            </p:nvSpPr>
+            <p:spPr/>
+            <p:txBody>
+              <a:bodyPr>
+                <a:normAutofit/>
+              </a:bodyPr>
+              <a:lstStyle/>
+              <a:p>
+                <a:r>
+                  <a:rPr lang="en-US" sz="2400" b="0" dirty="0"/>
+                  <a:t>If </a:t>
+                </a:r>
+                <a14:m>
+                  <m:oMath xmlns:m="http://schemas.openxmlformats.org/officeDocument/2006/math">
+                    <m:sSub>
+                      <m:sSubPr>
+                        <m:ctrlPr>
+                          <a:rPr lang="en-US" sz="2400" b="0" i="1" smtClean="0">
+                            <a:latin typeface="Cambria Math" panose="02040503050406030204" pitchFamily="18" charset="0"/>
+                          </a:rPr>
+                        </m:ctrlPr>
+                      </m:sSubPr>
+                      <m:e>
+                        <m:r>
+                          <a:rPr lang="en-US" sz="2400" b="0" i="1" smtClean="0">
+                            <a:latin typeface="Cambria Math" panose="02040503050406030204" pitchFamily="18" charset="0"/>
+                          </a:rPr>
+                          <m:t>𝑙</m:t>
+                        </m:r>
+                      </m:e>
+                      <m:sub>
+                        <m:r>
+                          <a:rPr lang="en-US" sz="2400" b="0" i="1" smtClean="0">
+                            <a:latin typeface="Cambria Math" panose="02040503050406030204" pitchFamily="18" charset="0"/>
+                          </a:rPr>
+                          <m:t>𝑏</m:t>
+                        </m:r>
+                      </m:sub>
+                    </m:sSub>
+                  </m:oMath>
+                </a14:m>
+                <a:r>
+                  <a:rPr lang="en-US" sz="2400" b="0" dirty="0"/>
+                  <a:t> ~= 0 (CM/CM not collocated)</a:t>
+                </a:r>
+                <a:r>
+                  <a:rPr lang="en-US" b="0" dirty="0"/>
+                  <a:t> </a:t>
+                </a:r>
+              </a:p>
+              <a:p>
+                <a:pPr lvl="1"/>
+                <a:r>
+                  <a:rPr lang="en-US" b="0" dirty="0"/>
+                  <a:t>Pitch dynamics are affected</a:t>
+                </a:r>
+              </a:p>
+              <a:p>
+                <a:pPr lvl="2"/>
+                <a:endParaRPr lang="en-US" b="0" dirty="0"/>
+              </a:p>
+              <a:p>
+                <a:pPr lvl="1"/>
+                <a:r>
+                  <a:rPr lang="en-US" dirty="0"/>
+                  <a:t>Inverted flight will flip the sign on the </a:t>
+                </a:r>
+                <a14:m>
+                  <m:oMath xmlns:m="http://schemas.openxmlformats.org/officeDocument/2006/math">
+                    <m:r>
+                      <a:rPr lang="en-US" b="0" i="1" smtClean="0">
+                        <a:latin typeface="Cambria Math" panose="02040503050406030204" pitchFamily="18" charset="0"/>
+                      </a:rPr>
+                      <m:t>𝛾</m:t>
+                    </m:r>
+                    <m:r>
+                      <a:rPr lang="en-US" b="0" i="1" smtClean="0">
+                        <a:latin typeface="Cambria Math" panose="02040503050406030204" pitchFamily="18" charset="0"/>
+                      </a:rPr>
+                      <m:t>𝑔</m:t>
+                    </m:r>
+                  </m:oMath>
+                </a14:m>
+                <a:r>
+                  <a:rPr lang="en-US" b="0" dirty="0"/>
+                  <a:t> term</a:t>
+                </a:r>
+              </a:p>
+              <a:p>
+                <a:pPr lvl="2"/>
+                <a:r>
+                  <a:rPr lang="en-US" dirty="0"/>
+                  <a:t>Inverting net buoyancy results in keeping the same relative sign, but changing its relative effect (no 1/m scaling term)</a:t>
+                </a:r>
+              </a:p>
+              <a:p>
+                <a:pPr lvl="2"/>
+                <a:r>
+                  <a:rPr lang="en-US" dirty="0"/>
+                  <a:t>Assuming slight positive buoyancy, increases the net effect of buoyancy</a:t>
+                </a:r>
+              </a:p>
+              <a:p>
+                <a:pPr marL="914400" lvl="2" indent="0">
+                  <a:buNone/>
+                </a:pPr>
+                <a:endParaRPr lang="en-US" dirty="0"/>
+              </a:p>
+              <a:p>
+                <a:endParaRPr lang="en-US" dirty="0"/>
+              </a:p>
+            </p:txBody>
+          </p:sp>
+        </mc:Choice>
+        <mc:Fallback>
+          <p:sp>
+            <p:nvSpPr>
+              <p:cNvPr id="5" name="Content Placeholder 4">
+                <a:extLst>
+                  <a:ext uri="{FF2B5EF4-FFF2-40B4-BE49-F238E27FC236}">
+                    <a16:creationId xmlns:a16="http://schemas.microsoft.com/office/drawing/2014/main" id="{AB5E8946-AAB1-4412-BD74-B62574AC39E4}"/>
+                  </a:ext>
+                </a:extLst>
+              </p:cNvPr>
+              <p:cNvSpPr>
+                <a:spLocks noGrp="1" noRot="1" noChangeAspect="1" noMove="1" noResize="1" noEditPoints="1" noAdjustHandles="1" noChangeArrowheads="1" noChangeShapeType="1" noTextEdit="1"/>
+              </p:cNvSpPr>
+              <p:nvPr>
+                <p:ph sz="half" idx="2"/>
+              </p:nvPr>
+            </p:nvSpPr>
+            <p:spPr>
+              <a:blipFill>
+                <a:blip r:embed="rId3"/>
+                <a:stretch>
+                  <a:fillRect l="-1647" t="-980"/>
+                </a:stretch>
+              </a:blipFill>
+            </p:spPr>
+            <p:txBody>
+              <a:bodyPr/>
+              <a:lstStyle/>
+              <a:p>
+                <a:r>
+                  <a:rPr lang="en-US">
+                    <a:noFill/>
+                  </a:rPr>
+                  <a:t> </a:t>
+                </a:r>
+              </a:p>
+            </p:txBody>
+          </p:sp>
+        </mc:Fallback>
+      </mc:AlternateContent>
+      <mc:AlternateContent xmlns:mc="http://schemas.openxmlformats.org/markup-compatibility/2006">
+        <mc:Choice xmlns:a14="http://schemas.microsoft.com/office/drawing/2010/main" Requires="a14">
+          <p:sp>
+            <p:nvSpPr>
+              <p:cNvPr id="6" name="TextBox 5">
+                <a:extLst>
+                  <a:ext uri="{FF2B5EF4-FFF2-40B4-BE49-F238E27FC236}">
+                    <a16:creationId xmlns:a16="http://schemas.microsoft.com/office/drawing/2014/main" id="{35C09FF8-8B36-48CE-9AF5-24F7BDE0A71B}"/>
+                  </a:ext>
+                </a:extLst>
+              </p:cNvPr>
+              <p:cNvSpPr txBox="1"/>
+              <p:nvPr/>
+            </p:nvSpPr>
+            <p:spPr>
+              <a:xfrm>
+                <a:off x="-394282" y="5427676"/>
+                <a:ext cx="3506598" cy="1354217"/>
+              </a:xfrm>
+              <a:prstGeom prst="rect">
+                <a:avLst/>
+              </a:prstGeom>
+              <a:noFill/>
+            </p:spPr>
+            <p:txBody>
+              <a:bodyPr wrap="square" rtlCol="0">
+                <a:spAutoFit/>
+              </a:bodyPr>
+              <a:lstStyle/>
+              <a:p>
+                <a:pPr lvl="1"/>
+                <a14:m>
+                  <m:oMath xmlns:m="http://schemas.openxmlformats.org/officeDocument/2006/math">
+                    <m:sSub>
+                      <m:sSubPr>
+                        <m:ctrlPr>
+                          <a:rPr lang="en-US" sz="1600" b="0" i="1" smtClean="0">
+                            <a:latin typeface="Cambria Math" panose="02040503050406030204" pitchFamily="18" charset="0"/>
+                          </a:rPr>
+                        </m:ctrlPr>
+                      </m:sSubPr>
+                      <m:e>
+                        <m:r>
+                          <a:rPr lang="en-US" sz="1600" b="0" i="1" smtClean="0">
+                            <a:latin typeface="Cambria Math" panose="02040503050406030204" pitchFamily="18" charset="0"/>
+                          </a:rPr>
+                          <m:t>𝐹</m:t>
+                        </m:r>
+                      </m:e>
+                      <m:sub>
+                        <m:r>
+                          <a:rPr lang="en-US" sz="1600" b="0" i="1" smtClean="0">
+                            <a:latin typeface="Cambria Math" panose="02040503050406030204" pitchFamily="18" charset="0"/>
+                          </a:rPr>
+                          <m:t>h</m:t>
+                        </m:r>
+                      </m:sub>
+                    </m:sSub>
+                  </m:oMath>
+                </a14:m>
+                <a:r>
+                  <a:rPr lang="en-US" sz="1600" b="0" dirty="0"/>
+                  <a:t> - H-Stab Lift</a:t>
+                </a:r>
+              </a:p>
+              <a:p>
+                <a:pPr lvl="1"/>
+                <a14:m>
+                  <m:oMath xmlns:m="http://schemas.openxmlformats.org/officeDocument/2006/math">
+                    <m:sSub>
+                      <m:sSubPr>
+                        <m:ctrlPr>
+                          <a:rPr lang="en-US" sz="1600" b="0" i="1" smtClean="0">
+                            <a:latin typeface="Cambria Math" panose="02040503050406030204" pitchFamily="18" charset="0"/>
+                          </a:rPr>
+                        </m:ctrlPr>
+                      </m:sSubPr>
+                      <m:e>
+                        <m:r>
+                          <a:rPr lang="en-US" sz="1600" b="0" i="1" smtClean="0">
+                            <a:latin typeface="Cambria Math" panose="02040503050406030204" pitchFamily="18" charset="0"/>
+                          </a:rPr>
+                          <m:t>𝐹</m:t>
+                        </m:r>
+                      </m:e>
+                      <m:sub>
+                        <m:r>
+                          <a:rPr lang="en-US" sz="1600" b="0" i="1" smtClean="0">
+                            <a:latin typeface="Cambria Math" panose="02040503050406030204" pitchFamily="18" charset="0"/>
+                          </a:rPr>
+                          <m:t>𝑙</m:t>
+                        </m:r>
+                      </m:sub>
+                    </m:sSub>
+                  </m:oMath>
+                </a14:m>
+                <a:r>
+                  <a:rPr lang="en-US" sz="1600" b="0" dirty="0"/>
+                  <a:t> - Wing Lift</a:t>
+                </a:r>
+              </a:p>
+              <a:p>
+                <a:pPr lvl="1"/>
+                <a14:m>
+                  <m:oMath xmlns:m="http://schemas.openxmlformats.org/officeDocument/2006/math">
+                    <m:sSub>
+                      <m:sSubPr>
+                        <m:ctrlPr>
+                          <a:rPr lang="en-US" sz="1600" b="0" i="1" smtClean="0">
+                            <a:latin typeface="Cambria Math" panose="02040503050406030204" pitchFamily="18" charset="0"/>
+                          </a:rPr>
+                        </m:ctrlPr>
+                      </m:sSubPr>
+                      <m:e>
+                        <m:r>
+                          <a:rPr lang="en-US" sz="1600" b="0" i="1" smtClean="0">
+                            <a:latin typeface="Cambria Math" panose="02040503050406030204" pitchFamily="18" charset="0"/>
+                          </a:rPr>
+                          <m:t>𝐹</m:t>
+                        </m:r>
+                      </m:e>
+                      <m:sub>
+                        <m:r>
+                          <a:rPr lang="en-US" sz="1600" b="0" i="1" smtClean="0">
+                            <a:latin typeface="Cambria Math" panose="02040503050406030204" pitchFamily="18" charset="0"/>
+                          </a:rPr>
+                          <m:t>𝑡h𝑟</m:t>
+                        </m:r>
+                      </m:sub>
+                    </m:sSub>
+                  </m:oMath>
+                </a14:m>
+                <a:r>
+                  <a:rPr lang="en-US" sz="1600" b="0" dirty="0"/>
+                  <a:t> - Tether Force</a:t>
+                </a:r>
+              </a:p>
+              <a:p>
+                <a:pPr lvl="1"/>
+                <a14:m>
+                  <m:oMath xmlns:m="http://schemas.openxmlformats.org/officeDocument/2006/math">
+                    <m:r>
+                      <a:rPr lang="en-US" sz="1600" b="0" i="1" smtClean="0">
+                        <a:latin typeface="Cambria Math" panose="02040503050406030204" pitchFamily="18" charset="0"/>
+                      </a:rPr>
+                      <m:t>𝛾</m:t>
+                    </m:r>
+                  </m:oMath>
+                </a14:m>
+                <a:r>
+                  <a:rPr lang="en-US" sz="1600" b="0" dirty="0"/>
+                  <a:t> – percent buoyancy</a:t>
+                </a:r>
+                <a:endParaRPr lang="en-US" sz="1600" b="0" i="1" dirty="0">
+                  <a:latin typeface="Cambria Math" panose="02040503050406030204" pitchFamily="18" charset="0"/>
+                </a:endParaRPr>
+              </a:p>
+              <a:p>
+                <a:pPr lvl="1"/>
+                <a14:m>
+                  <m:oMath xmlns:m="http://schemas.openxmlformats.org/officeDocument/2006/math">
+                    <m:sSub>
+                      <m:sSubPr>
+                        <m:ctrlPr>
+                          <a:rPr lang="en-US" sz="1600" b="0" i="1" smtClean="0">
+                            <a:latin typeface="Cambria Math" panose="02040503050406030204" pitchFamily="18" charset="0"/>
+                          </a:rPr>
+                        </m:ctrlPr>
+                      </m:sSubPr>
+                      <m:e>
+                        <m:r>
+                          <a:rPr lang="en-US" sz="1600" b="0" i="1" smtClean="0">
+                            <a:latin typeface="Cambria Math" panose="02040503050406030204" pitchFamily="18" charset="0"/>
+                          </a:rPr>
+                          <m:t>𝑙</m:t>
+                        </m:r>
+                      </m:e>
+                      <m:sub>
+                        <m:r>
+                          <a:rPr lang="en-US" sz="1600" b="0" i="1" smtClean="0">
+                            <a:latin typeface="Cambria Math" panose="02040503050406030204" pitchFamily="18" charset="0"/>
+                          </a:rPr>
+                          <m:t>𝑖</m:t>
+                        </m:r>
+                      </m:sub>
+                    </m:sSub>
+                  </m:oMath>
+                </a14:m>
+                <a:r>
+                  <a:rPr lang="en-US" sz="1600" b="0" dirty="0"/>
+                  <a:t> - respective lever arm</a:t>
+                </a:r>
+                <a:endParaRPr lang="en-US" sz="1600" dirty="0"/>
+              </a:p>
+            </p:txBody>
+          </p:sp>
+        </mc:Choice>
+        <mc:Fallback>
+          <p:sp>
+            <p:nvSpPr>
+              <p:cNvPr id="6" name="TextBox 5">
+                <a:extLst>
+                  <a:ext uri="{FF2B5EF4-FFF2-40B4-BE49-F238E27FC236}">
+                    <a16:creationId xmlns:a16="http://schemas.microsoft.com/office/drawing/2014/main" id="{35C09FF8-8B36-48CE-9AF5-24F7BDE0A71B}"/>
+                  </a:ext>
+                </a:extLst>
+              </p:cNvPr>
+              <p:cNvSpPr txBox="1">
+                <a:spLocks noRot="1" noChangeAspect="1" noMove="1" noResize="1" noEditPoints="1" noAdjustHandles="1" noChangeArrowheads="1" noChangeShapeType="1" noTextEdit="1"/>
+              </p:cNvSpPr>
+              <p:nvPr/>
+            </p:nvSpPr>
+            <p:spPr>
+              <a:xfrm>
+                <a:off x="-394282" y="5427676"/>
+                <a:ext cx="3506598" cy="1354217"/>
+              </a:xfrm>
+              <a:prstGeom prst="rect">
+                <a:avLst/>
+              </a:prstGeom>
+              <a:blipFill>
+                <a:blip r:embed="rId4"/>
+                <a:stretch>
+                  <a:fillRect t="-1345" b="-2242"/>
+                </a:stretch>
+              </a:blipFill>
+            </p:spPr>
+            <p:txBody>
+              <a:bodyPr/>
+              <a:lstStyle/>
+              <a:p>
+                <a:r>
+                  <a:rPr lang="en-US">
+                    <a:noFill/>
+                  </a:rPr>
+                  <a:t> </a:t>
+                </a:r>
+              </a:p>
+            </p:txBody>
+          </p:sp>
+        </mc:Fallback>
+      </mc:AlternateContent>
+    </p:spTree>
+    <p:extLst>
+      <p:ext uri="{BB962C8B-B14F-4D97-AF65-F5344CB8AC3E}">
+        <p14:creationId xmlns:p14="http://schemas.microsoft.com/office/powerpoint/2010/main" val="3496074965"/>
+      </p:ext>
+    </p:extLst>
+  </p:cSld>
+  <p:clrMapOvr>
+    <a:masterClrMapping/>
+  </p:clrMapOvr>
+</p:sld>
+</file>
+
+<file path=ppt/slides/slide2.xml><?xml version="1.0" encoding="utf-8"?>
+<p:sld xmlns:a="http://schemas.openxmlformats.org/drawingml/2006/main" xmlns:r="http://schemas.openxmlformats.org/officeDocument/2006/relationships" xmlns:p="http://schemas.openxmlformats.org/presentationml/2006/main">
+  <p:cSld>
+    <p:bg>
+      <p:bgPr>
+        <a:solidFill>
+          <a:schemeClr val="bg1"/>
+        </a:solidFill>
+        <a:effectLst/>
+      </p:bgPr>
+    </p:bg>
+    <p:spTree>
+      <p:nvGrpSpPr>
+        <p:cNvPr id="1" name=""/>
+        <p:cNvGrpSpPr/>
+        <p:nvPr/>
+      </p:nvGrpSpPr>
+      <p:grpSpPr>
+        <a:xfrm>
+          <a:off x="0" y="0"/>
+          <a:ext cx="0" cy="0"/>
+          <a:chOff x="0" y="0"/>
+          <a:chExt cx="0" cy="0"/>
+        </a:xfrm>
+      </p:grpSpPr>
+      <p:sp useBgFill="1">
+        <p:nvSpPr>
+          <p:cNvPr id="8" name="Rectangle 7">
+            <a:extLst>
+              <a:ext uri="{FF2B5EF4-FFF2-40B4-BE49-F238E27FC236}">
+                <a16:creationId xmlns:a16="http://schemas.microsoft.com/office/drawing/2014/main" id="{DBF61EA3-B236-439E-9C0B-340980D56BEE}"/>
+              </a:ext>
+              <a:ext uri="{C183D7F6-B498-43B3-948B-1728B52AA6E4}">
+                <adec:decorative xmlns:adec="http://schemas.microsoft.com/office/drawing/2017/decorative" val="1"/>
+              </a:ext>
+            </a:extLst>
+          </p:cNvPr>
+          <p:cNvSpPr>
+            <a:spLocks noGrp="1" noRot="1" noChangeAspect="1" noMove="1" noResize="1" noEditPoints="1" noAdjustHandles="1" noChangeArrowheads="1" noChangeShapeType="1" noTextEdit="1"/>
+          </p:cNvSpPr>
+          <p:nvPr>
+            <p:extLst>
+              <p:ext uri="{386F3935-93C4-4BCD-93E2-E3B085C9AB24}">
+                <p16:designElem xmlns:p16="http://schemas.microsoft.com/office/powerpoint/2015/main" val="1"/>
+              </p:ext>
+            </p:extLst>
+          </p:nvPr>
+        </p:nvSpPr>
+        <p:spPr>
+          <a:xfrm>
+            <a:off x="0" y="0"/>
+            <a:ext cx="12191999" cy="6857365"/>
+          </a:xfrm>
+          <a:prstGeom prst="rect">
+            <a:avLst/>
+          </a:prstGeom>
+          <a:ln>
+            <a:noFill/>
+          </a:ln>
+        </p:spPr>
+        <p:style>
+          <a:lnRef idx="2">
+            <a:schemeClr val="accent1">
+              <a:shade val="50000"/>
+            </a:schemeClr>
+          </a:lnRef>
+          <a:fillRef idx="1">
+            <a:schemeClr val="accent1"/>
+          </a:fillRef>
+          <a:effectRef idx="0">
+            <a:schemeClr val="accent1"/>
+          </a:effectRef>
+          <a:fontRef idx="minor">
+            <a:schemeClr val="lt1"/>
+          </a:fontRef>
+        </p:style>
+        <p:txBody>
+          <a:bodyPr rtlCol="0" anchor="ctr"/>
+          <a:lstStyle/>
+          <a:p>
+            <a:pPr algn="ctr"/>
+            <a:endParaRPr lang="en-US"/>
           </a:p>
         </p:txBody>
       </p:sp>
       <p:sp>
         <p:nvSpPr>
-          <p:cNvPr id="4" name="Content Placeholder 3">
-            <a:extLst>
-              <a:ext uri="{FF2B5EF4-FFF2-40B4-BE49-F238E27FC236}">
-                <a16:creationId xmlns:a16="http://schemas.microsoft.com/office/drawing/2014/main" id="{E55C1AD2-6806-43FA-8029-3B9DE7DBACFC}"/>
+          <p:cNvPr id="2" name="Title 1">
+            <a:extLst>
+              <a:ext uri="{FF2B5EF4-FFF2-40B4-BE49-F238E27FC236}">
+                <a16:creationId xmlns:a16="http://schemas.microsoft.com/office/drawing/2014/main" id="{8F77F8A5-2169-48CF-985F-DDBE558D821F}"/>
               </a:ext>
             </a:extLst>
           </p:cNvPr>
@@ -3558,38 +6755,933 @@
             <a:spLocks noGrp="1"/>
           </p:cNvSpPr>
           <p:nvPr>
+            <p:ph type="title"/>
+          </p:nvPr>
+        </p:nvSpPr>
+        <p:spPr>
+          <a:xfrm>
+            <a:off x="808638" y="386930"/>
+            <a:ext cx="9236700" cy="1188950"/>
+          </a:xfrm>
+        </p:spPr>
+        <p:txBody>
+          <a:bodyPr anchor="b">
+            <a:normAutofit/>
+          </a:bodyPr>
+          <a:lstStyle/>
+          <a:p>
+            <a:r>
+              <a:rPr lang="en-US" sz="5400"/>
+              <a:t>Outline</a:t>
+            </a:r>
+          </a:p>
+        </p:txBody>
+      </p:sp>
+      <p:grpSp>
+        <p:nvGrpSpPr>
+          <p:cNvPr id="10" name="Group 9">
+            <a:extLst>
+              <a:ext uri="{FF2B5EF4-FFF2-40B4-BE49-F238E27FC236}">
+                <a16:creationId xmlns:a16="http://schemas.microsoft.com/office/drawing/2014/main" id="{28FAF094-D087-493F-8DF9-A486C2D6BBAA}"/>
+              </a:ext>
+              <a:ext uri="{C183D7F6-B498-43B3-948B-1728B52AA6E4}">
+                <adec:decorative xmlns:adec="http://schemas.microsoft.com/office/drawing/2017/decorative" val="1"/>
+              </a:ext>
+            </a:extLst>
+          </p:cNvPr>
+          <p:cNvGrpSpPr>
+            <a:grpSpLocks noGrp="1" noUngrp="1" noRot="1" noChangeAspect="1" noMove="1" noResize="1"/>
+          </p:cNvGrpSpPr>
+          <p:nvPr>
+            <p:extLst>
+              <p:ext uri="{386F3935-93C4-4BCD-93E2-E3B085C9AB24}">
+                <p16:designElem xmlns:p16="http://schemas.microsoft.com/office/powerpoint/2015/main" val="1"/>
+              </p:ext>
+            </p:extLst>
+          </p:nvPr>
+        </p:nvGrpSpPr>
+        <p:grpSpPr>
+          <a:xfrm>
+            <a:off x="-2" y="1998368"/>
+            <a:ext cx="11695083" cy="782176"/>
+            <a:chOff x="-2" y="1998368"/>
+            <a:chExt cx="11695083" cy="782176"/>
+          </a:xfrm>
+        </p:grpSpPr>
+        <p:sp>
+          <p:nvSpPr>
+            <p:cNvPr id="11" name="Rectangle 10">
+              <a:extLst>
+                <a:ext uri="{FF2B5EF4-FFF2-40B4-BE49-F238E27FC236}">
+                  <a16:creationId xmlns:a16="http://schemas.microsoft.com/office/drawing/2014/main" id="{8D7C88D8-5509-4514-925A-9CE148E5CBD6}"/>
+                </a:ext>
+                <a:ext uri="{C183D7F6-B498-43B3-948B-1728B52AA6E4}">
+                  <adec:decorative xmlns:adec="http://schemas.microsoft.com/office/drawing/2017/decorative" val="1"/>
+                </a:ext>
+              </a:extLst>
+            </p:cNvPr>
+            <p:cNvSpPr/>
+            <p:nvPr>
+              <p:extLst>
+                <p:ext uri="{386F3935-93C4-4BCD-93E2-E3B085C9AB24}">
+                  <p16:designElem xmlns:p16="http://schemas.microsoft.com/office/powerpoint/2015/main" val="1"/>
+                </p:ext>
+              </p:extLst>
+            </p:nvPr>
+          </p:nvSpPr>
+          <p:spPr>
+            <a:xfrm rot="5400000">
+              <a:off x="11228040" y="2313027"/>
+              <a:ext cx="781700" cy="152382"/>
+            </a:xfrm>
+            <a:prstGeom prst="rect">
+              <a:avLst/>
+            </a:prstGeom>
+            <a:solidFill>
+              <a:schemeClr val="accent4"/>
+            </a:solidFill>
+            <a:ln>
+              <a:noFill/>
+            </a:ln>
+          </p:spPr>
+          <p:style>
+            <a:lnRef idx="2">
+              <a:schemeClr val="accent1">
+                <a:shade val="50000"/>
+              </a:schemeClr>
+            </a:lnRef>
+            <a:fillRef idx="1">
+              <a:schemeClr val="accent1"/>
+            </a:fillRef>
+            <a:effectRef idx="0">
+              <a:schemeClr val="accent1"/>
+            </a:effectRef>
+            <a:fontRef idx="minor">
+              <a:schemeClr val="lt1"/>
+            </a:fontRef>
+          </p:style>
+          <p:txBody>
+            <a:bodyPr rtlCol="0" anchor="ctr"/>
+            <a:lstStyle/>
+            <a:p>
+              <a:pPr algn="ctr"/>
+              <a:endParaRPr lang="en-US"/>
+            </a:p>
+          </p:txBody>
+        </p:sp>
+        <p:sp>
+          <p:nvSpPr>
+            <p:cNvPr id="12" name="Rectangle 11">
+              <a:extLst>
+                <a:ext uri="{FF2B5EF4-FFF2-40B4-BE49-F238E27FC236}">
+                  <a16:creationId xmlns:a16="http://schemas.microsoft.com/office/drawing/2014/main" id="{7275593D-F75E-4426-AE3E-2CDEFD228D25}"/>
+                </a:ext>
+                <a:ext uri="{C183D7F6-B498-43B3-948B-1728B52AA6E4}">
+                  <adec:decorative xmlns:adec="http://schemas.microsoft.com/office/drawing/2017/decorative" val="1"/>
+                </a:ext>
+              </a:extLst>
+            </p:cNvPr>
+            <p:cNvSpPr/>
+            <p:nvPr>
+              <p:extLst>
+                <p:ext uri="{386F3935-93C4-4BCD-93E2-E3B085C9AB24}">
+                  <p16:designElem xmlns:p16="http://schemas.microsoft.com/office/powerpoint/2015/main" val="1"/>
+                </p:ext>
+              </p:extLst>
+            </p:nvPr>
+          </p:nvSpPr>
+          <p:spPr>
+            <a:xfrm flipH="1" flipV="1">
+              <a:off x="-2" y="1998845"/>
+              <a:ext cx="11454595" cy="781699"/>
+            </a:xfrm>
+            <a:prstGeom prst="rect">
+              <a:avLst/>
+            </a:prstGeom>
+            <a:solidFill>
+              <a:schemeClr val="accent4"/>
+            </a:solidFill>
+            <a:ln>
+              <a:noFill/>
+            </a:ln>
+          </p:spPr>
+          <p:style>
+            <a:lnRef idx="2">
+              <a:schemeClr val="accent1">
+                <a:shade val="50000"/>
+              </a:schemeClr>
+            </a:lnRef>
+            <a:fillRef idx="1">
+              <a:schemeClr val="accent1"/>
+            </a:fillRef>
+            <a:effectRef idx="0">
+              <a:schemeClr val="accent1"/>
+            </a:effectRef>
+            <a:fontRef idx="minor">
+              <a:schemeClr val="lt1"/>
+            </a:fontRef>
+          </p:style>
+          <p:txBody>
+            <a:bodyPr rtlCol="0" anchor="ctr"/>
+            <a:lstStyle/>
+            <a:p>
+              <a:pPr algn="ctr"/>
+              <a:endParaRPr lang="en-US"/>
+            </a:p>
+          </p:txBody>
+        </p:sp>
+      </p:grpSp>
+      <p:sp>
+        <p:nvSpPr>
+          <p:cNvPr id="14" name="Rectangle 13">
+            <a:extLst>
+              <a:ext uri="{FF2B5EF4-FFF2-40B4-BE49-F238E27FC236}">
+                <a16:creationId xmlns:a16="http://schemas.microsoft.com/office/drawing/2014/main" id="{E659831F-0D9A-4C63-9EBB-8435B85A440F}"/>
+              </a:ext>
+              <a:ext uri="{C183D7F6-B498-43B3-948B-1728B52AA6E4}">
+                <adec:decorative xmlns:adec="http://schemas.microsoft.com/office/drawing/2017/decorative" val="1"/>
+              </a:ext>
+            </a:extLst>
+          </p:cNvPr>
+          <p:cNvSpPr>
+            <a:spLocks noGrp="1" noRot="1" noChangeAspect="1" noMove="1" noResize="1" noEditPoints="1" noAdjustHandles="1" noChangeArrowheads="1" noChangeShapeType="1" noTextEdit="1"/>
+          </p:cNvSpPr>
+          <p:nvPr>
+            <p:extLst>
+              <p:ext uri="{386F3935-93C4-4BCD-93E2-E3B085C9AB24}">
+                <p16:designElem xmlns:p16="http://schemas.microsoft.com/office/powerpoint/2015/main" val="1"/>
+              </p:ext>
+            </p:extLst>
+          </p:nvPr>
+        </p:nvSpPr>
+        <p:spPr>
+          <a:xfrm>
+            <a:off x="0" y="2203079"/>
+            <a:ext cx="11383362" cy="4147845"/>
+          </a:xfrm>
+          <a:prstGeom prst="rect">
+            <a:avLst/>
+          </a:prstGeom>
+          <a:solidFill>
+            <a:schemeClr val="bg1"/>
+          </a:solidFill>
+          <a:ln>
+            <a:noFill/>
+          </a:ln>
+          <a:effectLst>
+            <a:outerShdw blurRad="139700" dist="127000" dir="5400000" algn="t" rotWithShape="0">
+              <a:prstClr val="black">
+                <a:alpha val="15000"/>
+              </a:prstClr>
+            </a:outerShdw>
+          </a:effectLst>
+        </p:spPr>
+        <p:style>
+          <a:lnRef idx="2">
+            <a:schemeClr val="accent1">
+              <a:shade val="50000"/>
+            </a:schemeClr>
+          </a:lnRef>
+          <a:fillRef idx="1">
+            <a:schemeClr val="accent1"/>
+          </a:fillRef>
+          <a:effectRef idx="0">
+            <a:schemeClr val="accent1"/>
+          </a:effectRef>
+          <a:fontRef idx="minor">
+            <a:schemeClr val="lt1"/>
+          </a:fontRef>
+        </p:style>
+        <p:txBody>
+          <a:bodyPr rtlCol="0" anchor="ctr"/>
+          <a:lstStyle/>
+          <a:p>
+            <a:pPr algn="ctr"/>
+            <a:endParaRPr lang="en-US"/>
+          </a:p>
+        </p:txBody>
+      </p:sp>
+      <p:sp>
+        <p:nvSpPr>
+          <p:cNvPr id="3" name="Content Placeholder 2">
+            <a:extLst>
+              <a:ext uri="{FF2B5EF4-FFF2-40B4-BE49-F238E27FC236}">
+                <a16:creationId xmlns:a16="http://schemas.microsoft.com/office/drawing/2014/main" id="{F1DE7267-06E2-4378-B2D9-26CF7A5842C2}"/>
+              </a:ext>
+            </a:extLst>
+          </p:cNvPr>
+          <p:cNvSpPr>
+            <a:spLocks noGrp="1"/>
+          </p:cNvSpPr>
+          <p:nvPr>
+            <p:ph idx="1"/>
+          </p:nvPr>
+        </p:nvSpPr>
+        <p:spPr>
+          <a:xfrm>
+            <a:off x="793660" y="2599509"/>
+            <a:ext cx="10143668" cy="3435531"/>
+          </a:xfrm>
+        </p:spPr>
+        <p:txBody>
+          <a:bodyPr anchor="ctr">
+            <a:normAutofit/>
+          </a:bodyPr>
+          <a:lstStyle/>
+          <a:p>
+            <a:r>
+              <a:rPr lang="en-US" sz="2400"/>
+              <a:t>System Overview</a:t>
+            </a:r>
+          </a:p>
+          <a:p>
+            <a:r>
+              <a:rPr lang="en-US" sz="2400"/>
+              <a:t>Pivot Arm and Lower Pivot</a:t>
+            </a:r>
+          </a:p>
+          <a:p>
+            <a:r>
+              <a:rPr lang="en-US" sz="2400"/>
+              <a:t>Upper Pivot</a:t>
+            </a:r>
+          </a:p>
+          <a:p>
+            <a:endParaRPr lang="en-US" sz="2400"/>
+          </a:p>
+        </p:txBody>
+      </p:sp>
+    </p:spTree>
+    <p:extLst>
+      <p:ext uri="{BB962C8B-B14F-4D97-AF65-F5344CB8AC3E}">
+        <p14:creationId xmlns:p14="http://schemas.microsoft.com/office/powerpoint/2010/main" val="3148421081"/>
+      </p:ext>
+    </p:extLst>
+  </p:cSld>
+  <p:clrMapOvr>
+    <a:masterClrMapping/>
+  </p:clrMapOvr>
+</p:sld>
+</file>
+
+<file path=ppt/slides/slide3.xml><?xml version="1.0" encoding="utf-8"?>
+<p:sld xmlns:a="http://schemas.openxmlformats.org/drawingml/2006/main" xmlns:r="http://schemas.openxmlformats.org/officeDocument/2006/relationships" xmlns:p="http://schemas.openxmlformats.org/presentationml/2006/main">
+  <p:cSld>
+    <p:bg>
+      <p:bgPr>
+        <a:solidFill>
+          <a:schemeClr val="bg1"/>
+        </a:solidFill>
+        <a:effectLst/>
+      </p:bgPr>
+    </p:bg>
+    <p:spTree>
+      <p:nvGrpSpPr>
+        <p:cNvPr id="1" name=""/>
+        <p:cNvGrpSpPr/>
+        <p:nvPr/>
+      </p:nvGrpSpPr>
+      <p:grpSpPr>
+        <a:xfrm>
+          <a:off x="0" y="0"/>
+          <a:ext cx="0" cy="0"/>
+          <a:chOff x="0" y="0"/>
+          <a:chExt cx="0" cy="0"/>
+        </a:xfrm>
+      </p:grpSpPr>
+      <p:sp useBgFill="1">
+        <p:nvSpPr>
+          <p:cNvPr id="11" name="Rectangle 10">
+            <a:extLst>
+              <a:ext uri="{FF2B5EF4-FFF2-40B4-BE49-F238E27FC236}">
+                <a16:creationId xmlns:a16="http://schemas.microsoft.com/office/drawing/2014/main" id="{201CC55D-ED54-4C5C-95E6-10947BD1103B}"/>
+              </a:ext>
+              <a:ext uri="{C183D7F6-B498-43B3-948B-1728B52AA6E4}">
+                <adec:decorative xmlns:adec="http://schemas.microsoft.com/office/drawing/2017/decorative" val="1"/>
+              </a:ext>
+            </a:extLst>
+          </p:cNvPr>
+          <p:cNvSpPr>
+            <a:spLocks noGrp="1" noRot="1" noChangeAspect="1" noMove="1" noResize="1" noEditPoints="1" noAdjustHandles="1" noChangeArrowheads="1" noChangeShapeType="1" noTextEdit="1"/>
+          </p:cNvSpPr>
+          <p:nvPr>
+            <p:extLst>
+              <p:ext uri="{386F3935-93C4-4BCD-93E2-E3B085C9AB24}">
+                <p16:designElem xmlns:p16="http://schemas.microsoft.com/office/powerpoint/2015/main" val="1"/>
+              </p:ext>
+            </p:extLst>
+          </p:nvPr>
+        </p:nvSpPr>
+        <p:spPr>
+          <a:xfrm>
+            <a:off x="0" y="0"/>
+            <a:ext cx="12191999" cy="6857365"/>
+          </a:xfrm>
+          <a:prstGeom prst="rect">
+            <a:avLst/>
+          </a:prstGeom>
+          <a:ln>
+            <a:noFill/>
+          </a:ln>
+        </p:spPr>
+        <p:style>
+          <a:lnRef idx="2">
+            <a:schemeClr val="accent1">
+              <a:shade val="50000"/>
+            </a:schemeClr>
+          </a:lnRef>
+          <a:fillRef idx="1">
+            <a:schemeClr val="accent1"/>
+          </a:fillRef>
+          <a:effectRef idx="0">
+            <a:schemeClr val="accent1"/>
+          </a:effectRef>
+          <a:fontRef idx="minor">
+            <a:schemeClr val="lt1"/>
+          </a:fontRef>
+        </p:style>
+        <p:txBody>
+          <a:bodyPr rtlCol="0" anchor="ctr"/>
+          <a:lstStyle/>
+          <a:p>
+            <a:pPr algn="ctr"/>
+            <a:endParaRPr lang="en-US"/>
+          </a:p>
+        </p:txBody>
+      </p:sp>
+      <p:sp>
+        <p:nvSpPr>
+          <p:cNvPr id="2" name="Title 1">
+            <a:extLst>
+              <a:ext uri="{FF2B5EF4-FFF2-40B4-BE49-F238E27FC236}">
+                <a16:creationId xmlns:a16="http://schemas.microsoft.com/office/drawing/2014/main" id="{994F4346-5B8F-4279-B76F-C4BC80AA1BDC}"/>
+              </a:ext>
+            </a:extLst>
+          </p:cNvPr>
+          <p:cNvSpPr>
+            <a:spLocks noGrp="1"/>
+          </p:cNvSpPr>
+          <p:nvPr>
+            <p:ph type="title"/>
+          </p:nvPr>
+        </p:nvSpPr>
+        <p:spPr>
+          <a:xfrm>
+            <a:off x="589560" y="856180"/>
+            <a:ext cx="4560584" cy="1128068"/>
+          </a:xfrm>
+        </p:spPr>
+        <p:txBody>
+          <a:bodyPr vert="horz" lIns="91440" tIns="45720" rIns="91440" bIns="45720" rtlCol="0" anchor="ctr">
+            <a:normAutofit/>
+          </a:bodyPr>
+          <a:lstStyle/>
+          <a:p>
+            <a:r>
+              <a:rPr lang="en-US" sz="4000"/>
+              <a:t>System Overview</a:t>
+            </a:r>
+          </a:p>
+        </p:txBody>
+      </p:sp>
+      <p:grpSp>
+        <p:nvGrpSpPr>
+          <p:cNvPr id="13" name="Group 12">
+            <a:extLst>
+              <a:ext uri="{FF2B5EF4-FFF2-40B4-BE49-F238E27FC236}">
+                <a16:creationId xmlns:a16="http://schemas.microsoft.com/office/drawing/2014/main" id="{1DE889C7-FAD6-4397-98E2-05D503484459}"/>
+              </a:ext>
+              <a:ext uri="{C183D7F6-B498-43B3-948B-1728B52AA6E4}">
+                <adec:decorative xmlns:adec="http://schemas.microsoft.com/office/drawing/2017/decorative" val="1"/>
+              </a:ext>
+            </a:extLst>
+          </p:cNvPr>
+          <p:cNvGrpSpPr>
+            <a:grpSpLocks noGrp="1" noUngrp="1" noRot="1" noChangeAspect="1" noMove="1" noResize="1"/>
+          </p:cNvGrpSpPr>
+          <p:nvPr>
+            <p:extLst>
+              <p:ext uri="{386F3935-93C4-4BCD-93E2-E3B085C9AB24}">
+                <p16:designElem xmlns:p16="http://schemas.microsoft.com/office/powerpoint/2015/main" val="1"/>
+              </p:ext>
+            </p:extLst>
+          </p:nvPr>
+        </p:nvGrpSpPr>
+        <p:grpSpPr>
+          <a:xfrm>
+            <a:off x="0" y="1083484"/>
+            <a:ext cx="355196" cy="673460"/>
+            <a:chOff x="0" y="823811"/>
+            <a:chExt cx="355196" cy="673460"/>
+          </a:xfrm>
+        </p:grpSpPr>
+        <p:sp>
+          <p:nvSpPr>
+            <p:cNvPr id="14" name="Rectangle 13">
+              <a:extLst>
+                <a:ext uri="{FF2B5EF4-FFF2-40B4-BE49-F238E27FC236}">
+                  <a16:creationId xmlns:a16="http://schemas.microsoft.com/office/drawing/2014/main" id="{F399A70F-F8CD-4992-9EF5-6CF15472E73F}"/>
+                </a:ext>
+                <a:ext uri="{C183D7F6-B498-43B3-948B-1728B52AA6E4}">
+                  <adec:decorative xmlns:adec="http://schemas.microsoft.com/office/drawing/2017/decorative" val="1"/>
+                </a:ext>
+              </a:extLst>
+            </p:cNvPr>
+            <p:cNvSpPr/>
+            <p:nvPr>
+              <p:extLst>
+                <p:ext uri="{386F3935-93C4-4BCD-93E2-E3B085C9AB24}">
+                  <p16:designElem xmlns:p16="http://schemas.microsoft.com/office/powerpoint/2015/main" val="1"/>
+                </p:ext>
+              </p:extLst>
+            </p:nvPr>
+          </p:nvSpPr>
+          <p:spPr>
+            <a:xfrm>
+              <a:off x="0" y="823811"/>
+              <a:ext cx="87363" cy="673460"/>
+            </a:xfrm>
+            <a:prstGeom prst="rect">
+              <a:avLst/>
+            </a:prstGeom>
+            <a:solidFill>
+              <a:schemeClr val="accent4"/>
+            </a:solidFill>
+            <a:ln>
+              <a:noFill/>
+            </a:ln>
+          </p:spPr>
+          <p:style>
+            <a:lnRef idx="2">
+              <a:schemeClr val="accent1">
+                <a:shade val="50000"/>
+              </a:schemeClr>
+            </a:lnRef>
+            <a:fillRef idx="1">
+              <a:schemeClr val="accent1"/>
+            </a:fillRef>
+            <a:effectRef idx="0">
+              <a:schemeClr val="accent1"/>
+            </a:effectRef>
+            <a:fontRef idx="minor">
+              <a:schemeClr val="lt1"/>
+            </a:fontRef>
+          </p:style>
+          <p:txBody>
+            <a:bodyPr rtlCol="0" anchor="ctr"/>
+            <a:lstStyle/>
+            <a:p>
+              <a:pPr algn="ctr"/>
+              <a:endParaRPr lang="en-US"/>
+            </a:p>
+          </p:txBody>
+        </p:sp>
+        <p:sp>
+          <p:nvSpPr>
+            <p:cNvPr id="15" name="Rectangle 14">
+              <a:extLst>
+                <a:ext uri="{FF2B5EF4-FFF2-40B4-BE49-F238E27FC236}">
+                  <a16:creationId xmlns:a16="http://schemas.microsoft.com/office/drawing/2014/main" id="{48F4FEDC-6D80-458C-A665-075D9B9500FD}"/>
+                </a:ext>
+                <a:ext uri="{C183D7F6-B498-43B3-948B-1728B52AA6E4}">
+                  <adec:decorative xmlns:adec="http://schemas.microsoft.com/office/drawing/2017/decorative" val="1"/>
+                </a:ext>
+              </a:extLst>
+            </p:cNvPr>
+            <p:cNvSpPr/>
+            <p:nvPr>
+              <p:extLst>
+                <p:ext uri="{386F3935-93C4-4BCD-93E2-E3B085C9AB24}">
+                  <p16:designElem xmlns:p16="http://schemas.microsoft.com/office/powerpoint/2015/main" val="1"/>
+                </p:ext>
+              </p:extLst>
+            </p:nvPr>
+          </p:nvSpPr>
+          <p:spPr>
+            <a:xfrm>
+              <a:off x="159341" y="823811"/>
+              <a:ext cx="195855" cy="673460"/>
+            </a:xfrm>
+            <a:prstGeom prst="rect">
+              <a:avLst/>
+            </a:prstGeom>
+            <a:solidFill>
+              <a:schemeClr val="accent4"/>
+            </a:solidFill>
+            <a:ln>
+              <a:noFill/>
+            </a:ln>
+          </p:spPr>
+          <p:style>
+            <a:lnRef idx="2">
+              <a:schemeClr val="accent1">
+                <a:shade val="50000"/>
+              </a:schemeClr>
+            </a:lnRef>
+            <a:fillRef idx="1">
+              <a:schemeClr val="accent1"/>
+            </a:fillRef>
+            <a:effectRef idx="0">
+              <a:schemeClr val="accent1"/>
+            </a:effectRef>
+            <a:fontRef idx="minor">
+              <a:schemeClr val="lt1"/>
+            </a:fontRef>
+          </p:style>
+          <p:txBody>
+            <a:bodyPr rtlCol="0" anchor="ctr"/>
+            <a:lstStyle/>
+            <a:p>
+              <a:pPr algn="ctr"/>
+              <a:endParaRPr lang="en-US"/>
+            </a:p>
+          </p:txBody>
+        </p:sp>
+      </p:grpSp>
+      <p:sp>
+        <p:nvSpPr>
+          <p:cNvPr id="17" name="Rectangle 16">
+            <a:extLst>
+              <a:ext uri="{FF2B5EF4-FFF2-40B4-BE49-F238E27FC236}">
+                <a16:creationId xmlns:a16="http://schemas.microsoft.com/office/drawing/2014/main" id="{3873B707-463F-40B0-8227-E8CC6C67EB25}"/>
+              </a:ext>
+              <a:ext uri="{C183D7F6-B498-43B3-948B-1728B52AA6E4}">
+                <adec:decorative xmlns:adec="http://schemas.microsoft.com/office/drawing/2017/decorative" val="1"/>
+              </a:ext>
+            </a:extLst>
+          </p:cNvPr>
+          <p:cNvSpPr>
+            <a:spLocks noGrp="1" noRot="1" noChangeAspect="1" noMove="1" noResize="1" noEditPoints="1" noAdjustHandles="1" noChangeArrowheads="1" noChangeShapeType="1" noTextEdit="1"/>
+          </p:cNvSpPr>
+          <p:nvPr>
+            <p:extLst>
+              <p:ext uri="{386F3935-93C4-4BCD-93E2-E3B085C9AB24}">
+                <p16:designElem xmlns:p16="http://schemas.microsoft.com/office/powerpoint/2015/main" val="1"/>
+              </p:ext>
+            </p:extLst>
+          </p:nvPr>
+        </p:nvSpPr>
+        <p:spPr>
+          <a:xfrm flipH="1">
+            <a:off x="665085" y="2090569"/>
+            <a:ext cx="4297680" cy="27432"/>
+          </a:xfrm>
+          <a:prstGeom prst="rect">
+            <a:avLst/>
+          </a:prstGeom>
+          <a:solidFill>
+            <a:schemeClr val="accent4"/>
+          </a:solidFill>
+          <a:ln>
+            <a:noFill/>
+          </a:ln>
+        </p:spPr>
+        <p:style>
+          <a:lnRef idx="2">
+            <a:schemeClr val="accent1">
+              <a:shade val="50000"/>
+            </a:schemeClr>
+          </a:lnRef>
+          <a:fillRef idx="1">
+            <a:schemeClr val="accent1"/>
+          </a:fillRef>
+          <a:effectRef idx="0">
+            <a:schemeClr val="accent1"/>
+          </a:effectRef>
+          <a:fontRef idx="minor">
+            <a:schemeClr val="lt1"/>
+          </a:fontRef>
+        </p:style>
+        <p:txBody>
+          <a:bodyPr rtlCol="0" anchor="ctr"/>
+          <a:lstStyle/>
+          <a:p>
+            <a:pPr algn="ctr"/>
+            <a:endParaRPr lang="en-US"/>
+          </a:p>
+        </p:txBody>
+      </p:sp>
+      <p:sp>
+        <p:nvSpPr>
+          <p:cNvPr id="4" name="Content Placeholder 3">
+            <a:extLst>
+              <a:ext uri="{FF2B5EF4-FFF2-40B4-BE49-F238E27FC236}">
+                <a16:creationId xmlns:a16="http://schemas.microsoft.com/office/drawing/2014/main" id="{E55C1AD2-6806-43FA-8029-3B9DE7DBACFC}"/>
+              </a:ext>
+            </a:extLst>
+          </p:cNvPr>
+          <p:cNvSpPr>
+            <a:spLocks noGrp="1"/>
+          </p:cNvSpPr>
+          <p:nvPr>
             <p:ph sz="half" idx="1"/>
           </p:nvPr>
         </p:nvSpPr>
-        <p:spPr/>
-        <p:txBody>
-          <a:bodyPr/>
+        <p:spPr>
+          <a:xfrm>
+            <a:off x="590719" y="2330505"/>
+            <a:ext cx="4559425" cy="3979585"/>
+          </a:xfrm>
+        </p:spPr>
+        <p:txBody>
+          <a:bodyPr vert="horz" lIns="91440" tIns="45720" rIns="91440" bIns="45720" rtlCol="0" anchor="ctr">
+            <a:normAutofit lnSpcReduction="10000"/>
+          </a:bodyPr>
           <a:lstStyle/>
           <a:p>
             <a:r>
-              <a:rPr lang="en-US" dirty="0"/>
+              <a:rPr lang="en-US" sz="2000" dirty="0"/>
               <a:t>2 Nested Axes</a:t>
             </a:r>
           </a:p>
           <a:p>
             <a:r>
-              <a:rPr lang="en-US" dirty="0"/>
+              <a:rPr lang="en-US" sz="2000" dirty="0"/>
               <a:t>Renishaw RM22 13 bit encoders</a:t>
             </a:r>
           </a:p>
           <a:p>
             <a:r>
-              <a:rPr lang="en-US" dirty="0"/>
+              <a:rPr lang="en-US" sz="2000" dirty="0"/>
               <a:t>Mass ~ 7.4 </a:t>
             </a:r>
             <a:r>
-              <a:rPr lang="en-US" dirty="0" err="1"/>
+              <a:rPr lang="en-US" sz="2000" dirty="0" err="1"/>
               <a:t>lbs</a:t>
             </a:r>
-            <a:endParaRPr lang="en-US" dirty="0"/>
-          </a:p>
-          <a:p>
-            <a:endParaRPr lang="en-US" dirty="0"/>
+            <a:endParaRPr lang="en-US" sz="2000" dirty="0"/>
+          </a:p>
+          <a:p>
+            <a:pPr lvl="1"/>
+            <a:r>
+              <a:rPr lang="en-US" sz="1600" dirty="0"/>
+              <a:t>Reduced to 5.3 </a:t>
+            </a:r>
+            <a:r>
+              <a:rPr lang="en-US" sz="1600" dirty="0" err="1"/>
+              <a:t>lbs</a:t>
+            </a:r>
+            <a:endParaRPr lang="en-US" sz="1600" dirty="0"/>
+          </a:p>
+          <a:p>
+            <a:pPr lvl="1"/>
+            <a:r>
+              <a:rPr lang="en-US" sz="1600" dirty="0"/>
+              <a:t>All from rotational mass (4.4 </a:t>
+            </a:r>
+            <a:r>
+              <a:rPr lang="en-US" sz="1600" dirty="0" err="1"/>
+              <a:t>lbs</a:t>
+            </a:r>
+            <a:r>
+              <a:rPr lang="en-US" sz="1600" dirty="0"/>
+              <a:t> to 2.2 </a:t>
+            </a:r>
+            <a:r>
+              <a:rPr lang="en-US" sz="1600" dirty="0" err="1"/>
+              <a:t>lbs</a:t>
+            </a:r>
+            <a:r>
+              <a:rPr lang="en-US" sz="1600" dirty="0"/>
+              <a:t>).</a:t>
+            </a:r>
+          </a:p>
+          <a:p>
+            <a:r>
+              <a:rPr lang="en-US" sz="2000" dirty="0"/>
+              <a:t>Inertia about the rotational axis reduced </a:t>
+            </a:r>
+          </a:p>
+          <a:p>
+            <a:pPr lvl="1"/>
+            <a:r>
+              <a:rPr lang="en-US" sz="1600" dirty="0"/>
+              <a:t>33.04 </a:t>
+            </a:r>
+            <a:r>
+              <a:rPr lang="en-US" sz="1600" dirty="0" err="1"/>
+              <a:t>lb</a:t>
+            </a:r>
+            <a:r>
+              <a:rPr lang="en-US" sz="1600" dirty="0"/>
+              <a:t> in^2 vs 152 </a:t>
+            </a:r>
+            <a:r>
+              <a:rPr lang="en-US" sz="1600" dirty="0" err="1"/>
+              <a:t>lb</a:t>
+            </a:r>
+            <a:r>
+              <a:rPr lang="en-US" sz="1600" dirty="0"/>
+              <a:t> in^2</a:t>
+            </a:r>
+          </a:p>
+          <a:p>
+            <a:pPr lvl="1"/>
+            <a:r>
+              <a:rPr lang="en-US" sz="1600" dirty="0"/>
+              <a:t>Achieved by changing rod to PEEK.</a:t>
+            </a:r>
+          </a:p>
+          <a:p>
+            <a:pPr lvl="1"/>
+            <a:r>
+              <a:rPr lang="en-US" sz="1600" dirty="0"/>
+              <a:t>Investigating use of Carbon rod instead.</a:t>
+            </a:r>
+          </a:p>
+          <a:p>
+            <a:pPr lvl="2"/>
+            <a:r>
+              <a:rPr lang="en-US" sz="1200" dirty="0"/>
+              <a:t>Carbon will degrade in the presence of chlorine. Likely will get several test days at minimum before it becomes an issue.</a:t>
+            </a:r>
+          </a:p>
+          <a:p>
+            <a:pPr lvl="2"/>
+            <a:r>
+              <a:rPr lang="en-US" sz="1200" dirty="0"/>
+              <a:t>High stiffness when compared to plastic options.</a:t>
+            </a:r>
+          </a:p>
+          <a:p>
+            <a:pPr lvl="2"/>
+            <a:endParaRPr lang="en-US" sz="1200" dirty="0"/>
+          </a:p>
+          <a:p>
+            <a:endParaRPr lang="en-US" sz="2000" dirty="0"/>
+          </a:p>
+        </p:txBody>
+      </p:sp>
+      <p:sp>
+        <p:nvSpPr>
+          <p:cNvPr id="19" name="Rectangle 18">
+            <a:extLst>
+              <a:ext uri="{FF2B5EF4-FFF2-40B4-BE49-F238E27FC236}">
+                <a16:creationId xmlns:a16="http://schemas.microsoft.com/office/drawing/2014/main" id="{C13237C8-E62C-4F0D-A318-BD6FB6C2D138}"/>
+              </a:ext>
+              <a:ext uri="{C183D7F6-B498-43B3-948B-1728B52AA6E4}">
+                <adec:decorative xmlns:adec="http://schemas.microsoft.com/office/drawing/2017/decorative" val="1"/>
+              </a:ext>
+            </a:extLst>
+          </p:cNvPr>
+          <p:cNvSpPr>
+            <a:spLocks noGrp="1" noRot="1" noChangeAspect="1" noMove="1" noResize="1" noEditPoints="1" noAdjustHandles="1" noChangeArrowheads="1" noChangeShapeType="1" noTextEdit="1"/>
+          </p:cNvSpPr>
+          <p:nvPr>
+            <p:extLst>
+              <p:ext uri="{386F3935-93C4-4BCD-93E2-E3B085C9AB24}">
+                <p16:designElem xmlns:p16="http://schemas.microsoft.com/office/powerpoint/2015/main" val="1"/>
+              </p:ext>
+            </p:extLst>
+          </p:nvPr>
+        </p:nvSpPr>
+        <p:spPr>
+          <a:xfrm flipH="1">
+            <a:off x="10697670" y="0"/>
+            <a:ext cx="1494330" cy="6858000"/>
+          </a:xfrm>
+          <a:prstGeom prst="rect">
+            <a:avLst/>
+          </a:prstGeom>
+          <a:solidFill>
+            <a:schemeClr val="accent4"/>
+          </a:solidFill>
+          <a:ln>
+            <a:noFill/>
+          </a:ln>
+        </p:spPr>
+        <p:style>
+          <a:lnRef idx="2">
+            <a:schemeClr val="accent1">
+              <a:shade val="50000"/>
+            </a:schemeClr>
+          </a:lnRef>
+          <a:fillRef idx="1">
+            <a:schemeClr val="accent1"/>
+          </a:fillRef>
+          <a:effectRef idx="0">
+            <a:schemeClr val="accent1"/>
+          </a:effectRef>
+          <a:fontRef idx="minor">
+            <a:schemeClr val="lt1"/>
+          </a:fontRef>
+        </p:style>
+        <p:txBody>
+          <a:bodyPr rtlCol="0" anchor="ctr"/>
+          <a:lstStyle/>
+          <a:p>
+            <a:pPr algn="ctr"/>
+            <a:endParaRPr lang="en-US"/>
+          </a:p>
+        </p:txBody>
+      </p:sp>
+      <p:sp>
+        <p:nvSpPr>
+          <p:cNvPr id="21" name="Rectangle 20">
+            <a:extLst>
+              <a:ext uri="{FF2B5EF4-FFF2-40B4-BE49-F238E27FC236}">
+                <a16:creationId xmlns:a16="http://schemas.microsoft.com/office/drawing/2014/main" id="{19C9EAEA-39D0-4B0E-A0EB-51E7B26740B1}"/>
+              </a:ext>
+              <a:ext uri="{C183D7F6-B498-43B3-948B-1728B52AA6E4}">
+                <adec:decorative xmlns:adec="http://schemas.microsoft.com/office/drawing/2017/decorative" val="1"/>
+              </a:ext>
+            </a:extLst>
+          </p:cNvPr>
+          <p:cNvSpPr>
+            <a:spLocks noGrp="1" noRot="1" noChangeAspect="1" noMove="1" noResize="1" noEditPoints="1" noAdjustHandles="1" noChangeArrowheads="1" noChangeShapeType="1" noTextEdit="1"/>
+          </p:cNvSpPr>
+          <p:nvPr>
+            <p:extLst>
+              <p:ext uri="{386F3935-93C4-4BCD-93E2-E3B085C9AB24}">
+                <p16:designElem xmlns:p16="http://schemas.microsoft.com/office/powerpoint/2015/main" val="1"/>
+              </p:ext>
+            </p:extLst>
+          </p:nvPr>
+        </p:nvSpPr>
+        <p:spPr>
+          <a:xfrm>
+            <a:off x="5685810" y="513853"/>
+            <a:ext cx="6009366" cy="5834577"/>
+          </a:xfrm>
+          <a:prstGeom prst="rect">
+            <a:avLst/>
+          </a:prstGeom>
+          <a:solidFill>
+            <a:schemeClr val="bg1"/>
+          </a:solidFill>
+          <a:ln>
+            <a:noFill/>
+          </a:ln>
+          <a:effectLst>
+            <a:outerShdw blurRad="139700" dist="127000" dir="5400000" algn="t" rotWithShape="0">
+              <a:prstClr val="black">
+                <a:alpha val="15000"/>
+              </a:prstClr>
+            </a:outerShdw>
+          </a:effectLst>
+        </p:spPr>
+        <p:style>
+          <a:lnRef idx="2">
+            <a:schemeClr val="accent1">
+              <a:shade val="50000"/>
+            </a:schemeClr>
+          </a:lnRef>
+          <a:fillRef idx="1">
+            <a:schemeClr val="accent1"/>
+          </a:fillRef>
+          <a:effectRef idx="0">
+            <a:schemeClr val="accent1"/>
+          </a:effectRef>
+          <a:fontRef idx="minor">
+            <a:schemeClr val="lt1"/>
+          </a:fontRef>
+        </p:style>
+        <p:txBody>
+          <a:bodyPr rtlCol="0" anchor="ctr"/>
+          <a:lstStyle/>
+          <a:p>
+            <a:pPr algn="ctr"/>
+            <a:endParaRPr lang="en-US"/>
           </a:p>
         </p:txBody>
       </p:sp>
@@ -3609,16 +7701,15 @@
             <p:ph sz="half" idx="2"/>
           </p:nvPr>
         </p:nvPicPr>
-        <p:blipFill>
+        <p:blipFill rotWithShape="1">
           <a:blip r:embed="rId2"/>
-          <a:stretch>
-            <a:fillRect/>
-          </a:stretch>
+          <a:srcRect t="3224" r="2" b="36191"/>
+          <a:stretch/>
         </p:blipFill>
         <p:spPr>
           <a:xfrm>
-            <a:off x="7402050" y="1825625"/>
-            <a:ext cx="2721900" cy="4351338"/>
+            <a:off x="5977788" y="799352"/>
+            <a:ext cx="5425410" cy="5259296"/>
           </a:xfrm>
           <a:prstGeom prst="rect">
             <a:avLst/>
@@ -3641,6 +7732,14 @@
 <file path=ppt/slides/slide4.xml><?xml version="1.0" encoding="utf-8"?>
 <p:sld xmlns:a="http://schemas.openxmlformats.org/drawingml/2006/main" xmlns:r="http://schemas.openxmlformats.org/officeDocument/2006/relationships" xmlns:p="http://schemas.openxmlformats.org/presentationml/2006/main">
   <p:cSld>
+    <p:bg>
+      <p:bgPr>
+        <a:solidFill>
+          <a:schemeClr val="bg1"/>
+        </a:solidFill>
+        <a:effectLst/>
+      </p:bgPr>
+    </p:bg>
     <p:spTree>
       <p:nvGrpSpPr>
         <p:cNvPr id="1" name=""/>
@@ -3655,6 +7754,66 @@
           <a:chExt cx="0" cy="0"/>
         </a:xfrm>
       </p:grpSpPr>
+      <p:sp useBgFill="1">
+        <p:nvSpPr>
+          <p:cNvPr id="13" name="Rectangle 12">
+            <a:extLst>
+              <a:ext uri="{FF2B5EF4-FFF2-40B4-BE49-F238E27FC236}">
+                <a16:creationId xmlns:a16="http://schemas.microsoft.com/office/drawing/2014/main" id="{201CC55D-ED54-4C5C-95E6-10947BD1103B}"/>
+              </a:ext>
+              <a:ext uri="{C183D7F6-B498-43B3-948B-1728B52AA6E4}">
+                <adec:decorative xmlns:adec="http://schemas.microsoft.com/office/drawing/2017/decorative" val="1"/>
+              </a:ext>
+            </a:extLst>
+          </p:cNvPr>
+          <p:cNvSpPr>
+            <a:spLocks noGrp="1" noRot="1" noChangeAspect="1" noMove="1" noResize="1" noEditPoints="1" noAdjustHandles="1" noChangeArrowheads="1" noChangeShapeType="1" noTextEdit="1"/>
+          </p:cNvSpPr>
+          <p:nvPr>
+            <p:extLst>
+              <p:ext uri="{386F3935-93C4-4BCD-93E2-E3B085C9AB24}">
+                <p16:designElem xmlns:p16="http://schemas.microsoft.com/office/powerpoint/2015/main" val="1"/>
+              </p:ext>
+            </p:extLst>
+          </p:nvPr>
+        </p:nvSpPr>
+        <p:spPr>
+          <a:xfrm>
+            <a:off x="0" y="0"/>
+            <a:ext cx="12191999" cy="6857365"/>
+          </a:xfrm>
+          <a:prstGeom prst="rect">
+            <a:avLst/>
+          </a:prstGeom>
+          <a:ln>
+            <a:noFill/>
+          </a:ln>
+        </p:spPr>
+        <p:style>
+          <a:lnRef idx="2">
+            <a:schemeClr val="accent1">
+              <a:shade val="50000"/>
+            </a:schemeClr>
+          </a:lnRef>
+          <a:fillRef idx="1">
+            <a:schemeClr val="accent1"/>
+          </a:fillRef>
+          <a:effectRef idx="0">
+            <a:schemeClr val="accent1"/>
+          </a:effectRef>
+          <a:fontRef idx="minor">
+            <a:schemeClr val="lt1"/>
+          </a:fontRef>
+        </p:style>
+        <p:txBody>
+          <a:bodyPr rtlCol="0" anchor="ctr"/>
+          <a:lstStyle/>
+          <a:p>
+            <a:pPr algn="ctr"/>
+            <a:endParaRPr lang="en-US"/>
+          </a:p>
+        </p:txBody>
+      </p:sp>
       <p:sp>
         <p:nvSpPr>
           <p:cNvPr id="2" name="Title 1">
@@ -3671,15 +7830,239 @@
             <p:ph type="title"/>
           </p:nvPr>
         </p:nvSpPr>
-        <p:spPr/>
-        <p:txBody>
-          <a:bodyPr/>
+        <p:spPr>
+          <a:xfrm>
+            <a:off x="589560" y="856180"/>
+            <a:ext cx="4560584" cy="1128068"/>
+          </a:xfrm>
+        </p:spPr>
+        <p:txBody>
+          <a:bodyPr vert="horz" lIns="91440" tIns="45720" rIns="91440" bIns="45720" rtlCol="0" anchor="ctr">
+            <a:normAutofit/>
+          </a:bodyPr>
           <a:lstStyle/>
           <a:p>
             <a:r>
-              <a:rPr lang="en-US" dirty="0"/>
+              <a:rPr lang="en-US" sz="4000"/>
               <a:t>Lower Pivot and Arm</a:t>
             </a:r>
+          </a:p>
+        </p:txBody>
+      </p:sp>
+      <p:grpSp>
+        <p:nvGrpSpPr>
+          <p:cNvPr id="15" name="Group 14">
+            <a:extLst>
+              <a:ext uri="{FF2B5EF4-FFF2-40B4-BE49-F238E27FC236}">
+                <a16:creationId xmlns:a16="http://schemas.microsoft.com/office/drawing/2014/main" id="{1DE889C7-FAD6-4397-98E2-05D503484459}"/>
+              </a:ext>
+              <a:ext uri="{C183D7F6-B498-43B3-948B-1728B52AA6E4}">
+                <adec:decorative xmlns:adec="http://schemas.microsoft.com/office/drawing/2017/decorative" val="1"/>
+              </a:ext>
+            </a:extLst>
+          </p:cNvPr>
+          <p:cNvGrpSpPr>
+            <a:grpSpLocks noGrp="1" noUngrp="1" noRot="1" noChangeAspect="1" noMove="1" noResize="1"/>
+          </p:cNvGrpSpPr>
+          <p:nvPr>
+            <p:extLst>
+              <p:ext uri="{386F3935-93C4-4BCD-93E2-E3B085C9AB24}">
+                <p16:designElem xmlns:p16="http://schemas.microsoft.com/office/powerpoint/2015/main" val="1"/>
+              </p:ext>
+            </p:extLst>
+          </p:nvPr>
+        </p:nvGrpSpPr>
+        <p:grpSpPr>
+          <a:xfrm>
+            <a:off x="0" y="1083484"/>
+            <a:ext cx="355196" cy="673460"/>
+            <a:chOff x="0" y="823811"/>
+            <a:chExt cx="355196" cy="673460"/>
+          </a:xfrm>
+        </p:grpSpPr>
+        <p:sp>
+          <p:nvSpPr>
+            <p:cNvPr id="16" name="Rectangle 15">
+              <a:extLst>
+                <a:ext uri="{FF2B5EF4-FFF2-40B4-BE49-F238E27FC236}">
+                  <a16:creationId xmlns:a16="http://schemas.microsoft.com/office/drawing/2014/main" id="{F399A70F-F8CD-4992-9EF5-6CF15472E73F}"/>
+                </a:ext>
+                <a:ext uri="{C183D7F6-B498-43B3-948B-1728B52AA6E4}">
+                  <adec:decorative xmlns:adec="http://schemas.microsoft.com/office/drawing/2017/decorative" val="1"/>
+                </a:ext>
+              </a:extLst>
+            </p:cNvPr>
+            <p:cNvSpPr/>
+            <p:nvPr>
+              <p:extLst>
+                <p:ext uri="{386F3935-93C4-4BCD-93E2-E3B085C9AB24}">
+                  <p16:designElem xmlns:p16="http://schemas.microsoft.com/office/powerpoint/2015/main" val="1"/>
+                </p:ext>
+              </p:extLst>
+            </p:nvPr>
+          </p:nvSpPr>
+          <p:spPr>
+            <a:xfrm>
+              <a:off x="0" y="823811"/>
+              <a:ext cx="87363" cy="673460"/>
+            </a:xfrm>
+            <a:prstGeom prst="rect">
+              <a:avLst/>
+            </a:prstGeom>
+            <a:solidFill>
+              <a:schemeClr val="accent4"/>
+            </a:solidFill>
+            <a:ln>
+              <a:noFill/>
+            </a:ln>
+          </p:spPr>
+          <p:style>
+            <a:lnRef idx="2">
+              <a:schemeClr val="accent1">
+                <a:shade val="50000"/>
+              </a:schemeClr>
+            </a:lnRef>
+            <a:fillRef idx="1">
+              <a:schemeClr val="accent1"/>
+            </a:fillRef>
+            <a:effectRef idx="0">
+              <a:schemeClr val="accent1"/>
+            </a:effectRef>
+            <a:fontRef idx="minor">
+              <a:schemeClr val="lt1"/>
+            </a:fontRef>
+          </p:style>
+          <p:txBody>
+            <a:bodyPr rtlCol="0" anchor="ctr"/>
+            <a:lstStyle/>
+            <a:p>
+              <a:pPr algn="ctr"/>
+              <a:endParaRPr lang="en-US"/>
+            </a:p>
+          </p:txBody>
+        </p:sp>
+        <p:sp>
+          <p:nvSpPr>
+            <p:cNvPr id="17" name="Rectangle 16">
+              <a:extLst>
+                <a:ext uri="{FF2B5EF4-FFF2-40B4-BE49-F238E27FC236}">
+                  <a16:creationId xmlns:a16="http://schemas.microsoft.com/office/drawing/2014/main" id="{48F4FEDC-6D80-458C-A665-075D9B9500FD}"/>
+                </a:ext>
+                <a:ext uri="{C183D7F6-B498-43B3-948B-1728B52AA6E4}">
+                  <adec:decorative xmlns:adec="http://schemas.microsoft.com/office/drawing/2017/decorative" val="1"/>
+                </a:ext>
+              </a:extLst>
+            </p:cNvPr>
+            <p:cNvSpPr/>
+            <p:nvPr>
+              <p:extLst>
+                <p:ext uri="{386F3935-93C4-4BCD-93E2-E3B085C9AB24}">
+                  <p16:designElem xmlns:p16="http://schemas.microsoft.com/office/powerpoint/2015/main" val="1"/>
+                </p:ext>
+              </p:extLst>
+            </p:nvPr>
+          </p:nvSpPr>
+          <p:spPr>
+            <a:xfrm>
+              <a:off x="159341" y="823811"/>
+              <a:ext cx="195855" cy="673460"/>
+            </a:xfrm>
+            <a:prstGeom prst="rect">
+              <a:avLst/>
+            </a:prstGeom>
+            <a:solidFill>
+              <a:schemeClr val="accent4"/>
+            </a:solidFill>
+            <a:ln>
+              <a:noFill/>
+            </a:ln>
+          </p:spPr>
+          <p:style>
+            <a:lnRef idx="2">
+              <a:schemeClr val="accent1">
+                <a:shade val="50000"/>
+              </a:schemeClr>
+            </a:lnRef>
+            <a:fillRef idx="1">
+              <a:schemeClr val="accent1"/>
+            </a:fillRef>
+            <a:effectRef idx="0">
+              <a:schemeClr val="accent1"/>
+            </a:effectRef>
+            <a:fontRef idx="minor">
+              <a:schemeClr val="lt1"/>
+            </a:fontRef>
+          </p:style>
+          <p:txBody>
+            <a:bodyPr rtlCol="0" anchor="ctr"/>
+            <a:lstStyle/>
+            <a:p>
+              <a:pPr algn="ctr"/>
+              <a:endParaRPr lang="en-US"/>
+            </a:p>
+          </p:txBody>
+        </p:sp>
+      </p:grpSp>
+      <p:sp>
+        <p:nvSpPr>
+          <p:cNvPr id="19" name="Rectangle 18">
+            <a:extLst>
+              <a:ext uri="{FF2B5EF4-FFF2-40B4-BE49-F238E27FC236}">
+                <a16:creationId xmlns:a16="http://schemas.microsoft.com/office/drawing/2014/main" id="{3873B707-463F-40B0-8227-E8CC6C67EB25}"/>
+              </a:ext>
+              <a:ext uri="{C183D7F6-B498-43B3-948B-1728B52AA6E4}">
+                <adec:decorative xmlns:adec="http://schemas.microsoft.com/office/drawing/2017/decorative" val="1"/>
+              </a:ext>
+            </a:extLst>
+          </p:cNvPr>
+          <p:cNvSpPr>
+            <a:spLocks noGrp="1" noRot="1" noChangeAspect="1" noMove="1" noResize="1" noEditPoints="1" noAdjustHandles="1" noChangeArrowheads="1" noChangeShapeType="1" noTextEdit="1"/>
+          </p:cNvSpPr>
+          <p:nvPr>
+            <p:extLst>
+              <p:ext uri="{386F3935-93C4-4BCD-93E2-E3B085C9AB24}">
+                <p16:designElem xmlns:p16="http://schemas.microsoft.com/office/powerpoint/2015/main" val="1"/>
+              </p:ext>
+            </p:extLst>
+          </p:nvPr>
+        </p:nvSpPr>
+        <p:spPr>
+          <a:xfrm flipH="1">
+            <a:off x="665085" y="2090569"/>
+            <a:ext cx="4297680" cy="27432"/>
+          </a:xfrm>
+          <a:prstGeom prst="rect">
+            <a:avLst/>
+          </a:prstGeom>
+          <a:solidFill>
+            <a:schemeClr val="accent4"/>
+          </a:solidFill>
+          <a:ln>
+            <a:noFill/>
+          </a:ln>
+        </p:spPr>
+        <p:style>
+          <a:lnRef idx="2">
+            <a:schemeClr val="accent1">
+              <a:shade val="50000"/>
+            </a:schemeClr>
+          </a:lnRef>
+          <a:fillRef idx="1">
+            <a:schemeClr val="accent1"/>
+          </a:fillRef>
+          <a:effectRef idx="0">
+            <a:schemeClr val="accent1"/>
+          </a:effectRef>
+          <a:fontRef idx="minor">
+            <a:schemeClr val="lt1"/>
+          </a:fontRef>
+        </p:style>
+        <p:txBody>
+          <a:bodyPr rtlCol="0" anchor="ctr"/>
+          <a:lstStyle/>
+          <a:p>
+            <a:pPr algn="ctr"/>
+            <a:endParaRPr lang="en-US"/>
           </a:p>
         </p:txBody>
       </p:sp>
@@ -3699,53 +8082,191 @@
             <p:ph sz="half" idx="1"/>
           </p:nvPr>
         </p:nvSpPr>
-        <p:spPr/>
-        <p:txBody>
-          <a:bodyPr>
-            <a:normAutofit fontScale="92500" lnSpcReduction="10000"/>
+        <p:spPr>
+          <a:xfrm>
+            <a:off x="590719" y="2330505"/>
+            <a:ext cx="4559425" cy="3979585"/>
+          </a:xfrm>
+        </p:spPr>
+        <p:txBody>
+          <a:bodyPr vert="horz" lIns="91440" tIns="45720" rIns="91440" bIns="45720" rtlCol="0" anchor="ctr">
+            <a:normAutofit/>
           </a:bodyPr>
           <a:lstStyle/>
           <a:p>
             <a:r>
-              <a:rPr lang="en-US" dirty="0"/>
-              <a:t>All 316 Construction	</a:t>
-            </a:r>
-          </a:p>
-          <a:p>
-            <a:r>
-              <a:rPr lang="en-US" dirty="0"/>
+              <a:rPr lang="en-US" sz="1900" dirty="0"/>
+              <a:t>316 side braces, PEEK or Carbon tether arm.	</a:t>
+            </a:r>
+          </a:p>
+          <a:p>
+            <a:r>
+              <a:rPr lang="en-US" sz="1900" dirty="0"/>
               <a:t>Bearings are Acetal raceway with 316 balls</a:t>
             </a:r>
           </a:p>
           <a:p>
             <a:pPr lvl="1"/>
             <a:r>
-              <a:rPr lang="en-US" dirty="0"/>
+              <a:rPr lang="en-US" sz="1900" dirty="0"/>
               <a:t>Low strength and speed, but high corrosion resistance.</a:t>
             </a:r>
           </a:p>
           <a:p>
             <a:pPr lvl="1"/>
             <a:r>
-              <a:rPr lang="en-US" dirty="0"/>
+              <a:rPr lang="en-US" sz="1900" dirty="0"/>
               <a:t>Potential improvement if transitioned to ceramic bearings, but high cost.</a:t>
             </a:r>
           </a:p>
           <a:p>
             <a:pPr lvl="1"/>
             <a:r>
-              <a:rPr lang="en-US" dirty="0"/>
+              <a:rPr lang="en-US" sz="1900" dirty="0"/>
               <a:t>Bearings rated to 30 lbf static, 50 lbf dynamic.</a:t>
             </a:r>
           </a:p>
           <a:p>
             <a:r>
-              <a:rPr lang="en-US" dirty="0"/>
+              <a:rPr lang="en-US" sz="1900" dirty="0"/>
               <a:t>Design preloads the pivot on arm against the passive side of the assembly.</a:t>
             </a:r>
           </a:p>
           <a:p>
-            <a:endParaRPr lang="en-US" dirty="0"/>
+            <a:endParaRPr lang="en-US" sz="1900" dirty="0"/>
+          </a:p>
+        </p:txBody>
+      </p:sp>
+      <p:sp>
+        <p:nvSpPr>
+          <p:cNvPr id="21" name="Rectangle 20">
+            <a:extLst>
+              <a:ext uri="{FF2B5EF4-FFF2-40B4-BE49-F238E27FC236}">
+                <a16:creationId xmlns:a16="http://schemas.microsoft.com/office/drawing/2014/main" id="{C13237C8-E62C-4F0D-A318-BD6FB6C2D138}"/>
+              </a:ext>
+              <a:ext uri="{C183D7F6-B498-43B3-948B-1728B52AA6E4}">
+                <adec:decorative xmlns:adec="http://schemas.microsoft.com/office/drawing/2017/decorative" val="1"/>
+              </a:ext>
+            </a:extLst>
+          </p:cNvPr>
+          <p:cNvSpPr>
+            <a:spLocks noGrp="1" noRot="1" noChangeAspect="1" noMove="1" noResize="1" noEditPoints="1" noAdjustHandles="1" noChangeArrowheads="1" noChangeShapeType="1" noTextEdit="1"/>
+          </p:cNvSpPr>
+          <p:nvPr>
+            <p:extLst>
+              <p:ext uri="{386F3935-93C4-4BCD-93E2-E3B085C9AB24}">
+                <p16:designElem xmlns:p16="http://schemas.microsoft.com/office/powerpoint/2015/main" val="1"/>
+              </p:ext>
+            </p:extLst>
+          </p:nvPr>
+        </p:nvSpPr>
+        <p:spPr>
+          <a:xfrm flipH="1">
+            <a:off x="10697670" y="0"/>
+            <a:ext cx="1494330" cy="6858000"/>
+          </a:xfrm>
+          <a:prstGeom prst="rect">
+            <a:avLst/>
+          </a:prstGeom>
+          <a:solidFill>
+            <a:schemeClr val="accent4"/>
+          </a:solidFill>
+          <a:ln>
+            <a:noFill/>
+          </a:ln>
+        </p:spPr>
+        <p:style>
+          <a:lnRef idx="2">
+            <a:schemeClr val="accent1">
+              <a:shade val="50000"/>
+            </a:schemeClr>
+          </a:lnRef>
+          <a:fillRef idx="1">
+            <a:schemeClr val="accent1"/>
+          </a:fillRef>
+          <a:effectRef idx="0">
+            <a:schemeClr val="accent1"/>
+          </a:effectRef>
+          <a:fontRef idx="minor">
+            <a:schemeClr val="lt1"/>
+          </a:fontRef>
+        </p:style>
+        <p:txBody>
+          <a:bodyPr rtlCol="0" anchor="ctr"/>
+          <a:lstStyle/>
+          <a:p>
+            <a:pPr algn="ctr"/>
+            <a:endParaRPr lang="en-US"/>
+          </a:p>
+        </p:txBody>
+      </p:sp>
+      <p:sp>
+        <p:nvSpPr>
+          <p:cNvPr id="23" name="Rectangle 22">
+            <a:extLst>
+              <a:ext uri="{FF2B5EF4-FFF2-40B4-BE49-F238E27FC236}">
+                <a16:creationId xmlns:a16="http://schemas.microsoft.com/office/drawing/2014/main" id="{19C9EAEA-39D0-4B0E-A0EB-51E7B26740B1}"/>
+              </a:ext>
+              <a:ext uri="{C183D7F6-B498-43B3-948B-1728B52AA6E4}">
+                <adec:decorative xmlns:adec="http://schemas.microsoft.com/office/drawing/2017/decorative" val="1"/>
+              </a:ext>
+            </a:extLst>
+          </p:cNvPr>
+          <p:cNvSpPr>
+            <a:spLocks noGrp="1" noRot="1" noChangeAspect="1" noMove="1" noResize="1" noEditPoints="1" noAdjustHandles="1" noChangeArrowheads="1" noChangeShapeType="1" noTextEdit="1"/>
+          </p:cNvSpPr>
+          <p:nvPr>
+            <p:extLst>
+              <p:ext uri="{386F3935-93C4-4BCD-93E2-E3B085C9AB24}">
+                <p16:designElem xmlns:p16="http://schemas.microsoft.com/office/powerpoint/2015/main" val="1"/>
+              </p:ext>
+            </p:extLst>
+          </p:nvPr>
+        </p:nvSpPr>
+        <p:spPr>
+          <a:xfrm>
+            <a:off x="5685810" y="513853"/>
+            <a:ext cx="6009366" cy="5834577"/>
+          </a:xfrm>
+          <a:prstGeom prst="rect">
+            <a:avLst/>
+          </a:prstGeom>
+          <a:solidFill>
+            <a:schemeClr val="bg1"/>
+          </a:solidFill>
+          <a:ln>
+            <a:noFill/>
+          </a:ln>
+          <a:effectLst>
+            <a:outerShdw blurRad="139700" dist="127000" dir="5400000" algn="t" rotWithShape="0">
+              <a:prstClr val="black">
+                <a:alpha val="15000"/>
+              </a:prstClr>
+            </a:outerShdw>
+          </a:effectLst>
+        </p:spPr>
+        <p:style>
+          <a:lnRef idx="2">
+            <a:schemeClr val="accent1">
+              <a:shade val="50000"/>
+            </a:schemeClr>
+          </a:lnRef>
+          <a:fillRef idx="1">
+            <a:schemeClr val="accent1"/>
+          </a:fillRef>
+          <a:effectRef idx="0">
+            <a:schemeClr val="accent1"/>
+          </a:effectRef>
+          <a:fontRef idx="minor">
+            <a:schemeClr val="lt1"/>
+          </a:fontRef>
+        </p:style>
+        <p:txBody>
+          <a:bodyPr rtlCol="0" anchor="ctr"/>
+          <a:lstStyle/>
+          <a:p>
+            <a:pPr algn="ctr"/>
+            <a:endParaRPr lang="en-US"/>
           </a:p>
         </p:txBody>
       </p:sp>
@@ -3765,16 +8286,15 @@
             <p:ph sz="half" idx="2"/>
           </p:nvPr>
         </p:nvPicPr>
-        <p:blipFill>
+        <p:blipFill rotWithShape="1">
           <a:blip r:embed="rId2"/>
-          <a:stretch>
-            <a:fillRect/>
-          </a:stretch>
+          <a:srcRect l="11108" r="22612" b="-1"/>
+          <a:stretch/>
         </p:blipFill>
         <p:spPr>
           <a:xfrm>
-            <a:off x="6172200" y="2335571"/>
-            <a:ext cx="5181600" cy="3331446"/>
+            <a:off x="5977788" y="799352"/>
+            <a:ext cx="5425410" cy="5259296"/>
           </a:xfrm>
           <a:prstGeom prst="rect">
             <a:avLst/>
@@ -3821,10 +8341,10 @@
       </p:grpSpPr>
       <p:sp useBgFill="1">
         <p:nvSpPr>
-          <p:cNvPr id="12" name="Rectangle 11">
-            <a:extLst>
-              <a:ext uri="{FF2B5EF4-FFF2-40B4-BE49-F238E27FC236}">
-                <a16:creationId xmlns:a16="http://schemas.microsoft.com/office/drawing/2014/main" id="{F94AA2BD-2E3F-4B1D-8127-5744B8115311}"/>
+          <p:cNvPr id="21" name="Rectangle 20">
+            <a:extLst>
+              <a:ext uri="{FF2B5EF4-FFF2-40B4-BE49-F238E27FC236}">
+                <a16:creationId xmlns:a16="http://schemas.microsoft.com/office/drawing/2014/main" id="{201CC55D-ED54-4C5C-95E6-10947BD1103B}"/>
               </a:ext>
               <a:ext uri="{C183D7F6-B498-43B3-948B-1728B52AA6E4}">
                 <adec:decorative xmlns:adec="http://schemas.microsoft.com/office/drawing/2017/decorative" val="1"/>
@@ -3845,7 +8365,7 @@
         <p:spPr>
           <a:xfrm>
             <a:off x="0" y="0"/>
-            <a:ext cx="12192000" cy="6858000"/>
+            <a:ext cx="12191999" cy="6857365"/>
           </a:xfrm>
           <a:prstGeom prst="rect">
             <a:avLst/>
@@ -3897,38 +8417,38 @@
         </p:nvSpPr>
         <p:spPr>
           <a:xfrm>
-            <a:off x="411480" y="987552"/>
-            <a:ext cx="4485861" cy="1088136"/>
+            <a:off x="589560" y="856180"/>
+            <a:ext cx="4560584" cy="1128068"/>
           </a:xfrm>
         </p:spPr>
         <p:txBody>
-          <a:bodyPr vert="horz" lIns="91440" tIns="45720" rIns="91440" bIns="45720" rtlCol="0" anchor="b">
+          <a:bodyPr vert="horz" lIns="91440" tIns="45720" rIns="91440" bIns="45720" rtlCol="0" anchor="ctr">
             <a:normAutofit/>
           </a:bodyPr>
           <a:lstStyle/>
           <a:p>
             <a:r>
-              <a:rPr lang="en-US" sz="3400"/>
+              <a:rPr lang="en-US" sz="4000"/>
               <a:t>Lower Pivot and Arm</a:t>
             </a:r>
           </a:p>
         </p:txBody>
       </p:sp>
-      <p:sp>
-        <p:nvSpPr>
-          <p:cNvPr id="14" name="Rectangle 13">
-            <a:extLst>
-              <a:ext uri="{FF2B5EF4-FFF2-40B4-BE49-F238E27FC236}">
-                <a16:creationId xmlns:a16="http://schemas.microsoft.com/office/drawing/2014/main" id="{4BD02261-2DC8-4AA8-9E16-7751AE892445}"/>
+      <p:grpSp>
+        <p:nvGrpSpPr>
+          <p:cNvPr id="23" name="Group 22">
+            <a:extLst>
+              <a:ext uri="{FF2B5EF4-FFF2-40B4-BE49-F238E27FC236}">
+                <a16:creationId xmlns:a16="http://schemas.microsoft.com/office/drawing/2014/main" id="{1DE889C7-FAD6-4397-98E2-05D503484459}"/>
               </a:ext>
               <a:ext uri="{C183D7F6-B498-43B3-948B-1728B52AA6E4}">
                 <adec:decorative xmlns:adec="http://schemas.microsoft.com/office/drawing/2017/decorative" val="1"/>
               </a:ext>
             </a:extLst>
           </p:cNvPr>
-          <p:cNvSpPr>
-            <a:spLocks noGrp="1" noRot="1" noChangeAspect="1" noMove="1" noResize="1" noEditPoints="1" noAdjustHandles="1" noChangeArrowheads="1" noChangeShapeType="1" noTextEdit="1"/>
-          </p:cNvSpPr>
+          <p:cNvGrpSpPr>
+            <a:grpSpLocks noGrp="1" noUngrp="1" noRot="1" noChangeAspect="1" noMove="1" noResize="1"/>
+          </p:cNvGrpSpPr>
           <p:nvPr>
             <p:extLst>
               <p:ext uri="{386F3935-93C4-4BCD-93E2-E3B085C9AB24}">
@@ -3936,17 +8456,171 @@
               </p:ext>
             </p:extLst>
           </p:nvPr>
+        </p:nvGrpSpPr>
+        <p:grpSpPr>
+          <a:xfrm>
+            <a:off x="0" y="1083484"/>
+            <a:ext cx="355196" cy="673460"/>
+            <a:chOff x="0" y="823811"/>
+            <a:chExt cx="355196" cy="673460"/>
+          </a:xfrm>
+        </p:grpSpPr>
+        <p:sp>
+          <p:nvSpPr>
+            <p:cNvPr id="24" name="Rectangle 23">
+              <a:extLst>
+                <a:ext uri="{FF2B5EF4-FFF2-40B4-BE49-F238E27FC236}">
+                  <a16:creationId xmlns:a16="http://schemas.microsoft.com/office/drawing/2014/main" id="{F399A70F-F8CD-4992-9EF5-6CF15472E73F}"/>
+                </a:ext>
+                <a:ext uri="{C183D7F6-B498-43B3-948B-1728B52AA6E4}">
+                  <adec:decorative xmlns:adec="http://schemas.microsoft.com/office/drawing/2017/decorative" val="1"/>
+                </a:ext>
+              </a:extLst>
+            </p:cNvPr>
+            <p:cNvSpPr/>
+            <p:nvPr>
+              <p:extLst>
+                <p:ext uri="{386F3935-93C4-4BCD-93E2-E3B085C9AB24}">
+                  <p16:designElem xmlns:p16="http://schemas.microsoft.com/office/powerpoint/2015/main" val="1"/>
+                </p:ext>
+              </p:extLst>
+            </p:nvPr>
+          </p:nvSpPr>
+          <p:spPr>
+            <a:xfrm>
+              <a:off x="0" y="823811"/>
+              <a:ext cx="87363" cy="673460"/>
+            </a:xfrm>
+            <a:prstGeom prst="rect">
+              <a:avLst/>
+            </a:prstGeom>
+            <a:solidFill>
+              <a:schemeClr val="accent4"/>
+            </a:solidFill>
+            <a:ln>
+              <a:noFill/>
+            </a:ln>
+          </p:spPr>
+          <p:style>
+            <a:lnRef idx="2">
+              <a:schemeClr val="accent1">
+                <a:shade val="50000"/>
+              </a:schemeClr>
+            </a:lnRef>
+            <a:fillRef idx="1">
+              <a:schemeClr val="accent1"/>
+            </a:fillRef>
+            <a:effectRef idx="0">
+              <a:schemeClr val="accent1"/>
+            </a:effectRef>
+            <a:fontRef idx="minor">
+              <a:schemeClr val="lt1"/>
+            </a:fontRef>
+          </p:style>
+          <p:txBody>
+            <a:bodyPr rtlCol="0" anchor="ctr"/>
+            <a:lstStyle/>
+            <a:p>
+              <a:pPr algn="ctr"/>
+              <a:endParaRPr lang="en-US"/>
+            </a:p>
+          </p:txBody>
+        </p:sp>
+        <p:sp>
+          <p:nvSpPr>
+            <p:cNvPr id="25" name="Rectangle 24">
+              <a:extLst>
+                <a:ext uri="{FF2B5EF4-FFF2-40B4-BE49-F238E27FC236}">
+                  <a16:creationId xmlns:a16="http://schemas.microsoft.com/office/drawing/2014/main" id="{48F4FEDC-6D80-458C-A665-075D9B9500FD}"/>
+                </a:ext>
+                <a:ext uri="{C183D7F6-B498-43B3-948B-1728B52AA6E4}">
+                  <adec:decorative xmlns:adec="http://schemas.microsoft.com/office/drawing/2017/decorative" val="1"/>
+                </a:ext>
+              </a:extLst>
+            </p:cNvPr>
+            <p:cNvSpPr/>
+            <p:nvPr>
+              <p:extLst>
+                <p:ext uri="{386F3935-93C4-4BCD-93E2-E3B085C9AB24}">
+                  <p16:designElem xmlns:p16="http://schemas.microsoft.com/office/powerpoint/2015/main" val="1"/>
+                </p:ext>
+              </p:extLst>
+            </p:nvPr>
+          </p:nvSpPr>
+          <p:spPr>
+            <a:xfrm>
+              <a:off x="159341" y="823811"/>
+              <a:ext cx="195855" cy="673460"/>
+            </a:xfrm>
+            <a:prstGeom prst="rect">
+              <a:avLst/>
+            </a:prstGeom>
+            <a:solidFill>
+              <a:schemeClr val="accent4"/>
+            </a:solidFill>
+            <a:ln>
+              <a:noFill/>
+            </a:ln>
+          </p:spPr>
+          <p:style>
+            <a:lnRef idx="2">
+              <a:schemeClr val="accent1">
+                <a:shade val="50000"/>
+              </a:schemeClr>
+            </a:lnRef>
+            <a:fillRef idx="1">
+              <a:schemeClr val="accent1"/>
+            </a:fillRef>
+            <a:effectRef idx="0">
+              <a:schemeClr val="accent1"/>
+            </a:effectRef>
+            <a:fontRef idx="minor">
+              <a:schemeClr val="lt1"/>
+            </a:fontRef>
+          </p:style>
+          <p:txBody>
+            <a:bodyPr rtlCol="0" anchor="ctr"/>
+            <a:lstStyle/>
+            <a:p>
+              <a:pPr algn="ctr"/>
+              <a:endParaRPr lang="en-US"/>
+            </a:p>
+          </p:txBody>
+        </p:sp>
+      </p:grpSp>
+      <p:sp>
+        <p:nvSpPr>
+          <p:cNvPr id="27" name="Rectangle 26">
+            <a:extLst>
+              <a:ext uri="{FF2B5EF4-FFF2-40B4-BE49-F238E27FC236}">
+                <a16:creationId xmlns:a16="http://schemas.microsoft.com/office/drawing/2014/main" id="{3873B707-463F-40B0-8227-E8CC6C67EB25}"/>
+              </a:ext>
+              <a:ext uri="{C183D7F6-B498-43B3-948B-1728B52AA6E4}">
+                <adec:decorative xmlns:adec="http://schemas.microsoft.com/office/drawing/2017/decorative" val="1"/>
+              </a:ext>
+            </a:extLst>
+          </p:cNvPr>
+          <p:cNvSpPr>
+            <a:spLocks noGrp="1" noRot="1" noChangeAspect="1" noMove="1" noResize="1" noEditPoints="1" noAdjustHandles="1" noChangeArrowheads="1" noChangeShapeType="1" noTextEdit="1"/>
+          </p:cNvSpPr>
+          <p:nvPr>
+            <p:extLst>
+              <p:ext uri="{386F3935-93C4-4BCD-93E2-E3B085C9AB24}">
+                <p16:designElem xmlns:p16="http://schemas.microsoft.com/office/powerpoint/2015/main" val="1"/>
+              </p:ext>
+            </p:extLst>
+          </p:nvPr>
         </p:nvSpPr>
         <p:spPr>
-          <a:xfrm rot="5400000">
-            <a:off x="649223" y="387939"/>
-            <a:ext cx="73152" cy="548640"/>
+          <a:xfrm flipH="1">
+            <a:off x="665085" y="2090569"/>
+            <a:ext cx="4297680" cy="27432"/>
           </a:xfrm>
           <a:prstGeom prst="rect">
             <a:avLst/>
           </a:prstGeom>
           <a:solidFill>
-            <a:schemeClr val="accent2"/>
+            <a:schemeClr val="accent4"/>
           </a:solidFill>
           <a:ln>
             <a:noFill/>
@@ -3973,21 +8647,67 @@
           <a:lstStyle/>
           <a:p>
             <a:pPr algn="ctr"/>
-            <a:endParaRPr lang="en-US">
-              <a:solidFill>
-                <a:prstClr val="white"/>
-              </a:solidFill>
-              <a:latin typeface="Calibri" panose="020F0502020204030204"/>
-            </a:endParaRPr>
+            <a:endParaRPr lang="en-US"/>
           </a:p>
         </p:txBody>
       </p:sp>
       <p:sp>
         <p:nvSpPr>
-          <p:cNvPr id="16" name="Rectangle 15">
-            <a:extLst>
-              <a:ext uri="{FF2B5EF4-FFF2-40B4-BE49-F238E27FC236}">
-                <a16:creationId xmlns:a16="http://schemas.microsoft.com/office/drawing/2014/main" id="{3D752CF2-2291-40B5-B462-C17B174C10BC}"/>
+          <p:cNvPr id="4" name="Content Placeholder 3">
+            <a:extLst>
+              <a:ext uri="{FF2B5EF4-FFF2-40B4-BE49-F238E27FC236}">
+                <a16:creationId xmlns:a16="http://schemas.microsoft.com/office/drawing/2014/main" id="{8A97F6AC-205F-411A-9161-05E56403910D}"/>
+              </a:ext>
+            </a:extLst>
+          </p:cNvPr>
+          <p:cNvSpPr>
+            <a:spLocks noGrp="1"/>
+          </p:cNvSpPr>
+          <p:nvPr>
+            <p:ph sz="half" idx="1"/>
+          </p:nvPr>
+        </p:nvSpPr>
+        <p:spPr>
+          <a:xfrm>
+            <a:off x="590719" y="2330505"/>
+            <a:ext cx="4559425" cy="3979585"/>
+          </a:xfrm>
+        </p:spPr>
+        <p:txBody>
+          <a:bodyPr vert="horz" lIns="91440" tIns="45720" rIns="91440" bIns="45720" rtlCol="0" anchor="ctr">
+            <a:normAutofit/>
+          </a:bodyPr>
+          <a:lstStyle/>
+          <a:p>
+            <a:r>
+              <a:rPr lang="en-US" sz="2000" dirty="0"/>
+              <a:t>Tether Arm is attached to the pivot using a 1/8” 316 shoulder bolt cross-drilled through the pivot and the arm.</a:t>
+            </a:r>
+          </a:p>
+          <a:p>
+            <a:pPr lvl="1"/>
+            <a:r>
+              <a:rPr lang="en-US" sz="2000" dirty="0"/>
+              <a:t>Reliably and repeatably attach the arm and the pivot.</a:t>
+            </a:r>
+          </a:p>
+          <a:p>
+            <a:r>
+              <a:rPr lang="en-US" sz="2000" dirty="0"/>
+              <a:t>Similar method is used at the far end of the tether arm to attach the tether guide.</a:t>
+            </a:r>
+          </a:p>
+          <a:p>
+            <a:endParaRPr lang="en-US" sz="2000" dirty="0"/>
+          </a:p>
+        </p:txBody>
+      </p:sp>
+      <p:sp>
+        <p:nvSpPr>
+          <p:cNvPr id="29" name="Rectangle 28">
+            <a:extLst>
+              <a:ext uri="{FF2B5EF4-FFF2-40B4-BE49-F238E27FC236}">
+                <a16:creationId xmlns:a16="http://schemas.microsoft.com/office/drawing/2014/main" id="{C13237C8-E62C-4F0D-A318-BD6FB6C2D138}"/>
               </a:ext>
               <a:ext uri="{C183D7F6-B498-43B3-948B-1728B52AA6E4}">
                 <adec:decorative xmlns:adec="http://schemas.microsoft.com/office/drawing/2017/decorative" val="1"/>
@@ -4006,20 +8726,19 @@
           </p:nvPr>
         </p:nvSpPr>
         <p:spPr>
-          <a:xfrm>
-            <a:off x="411480" y="2286000"/>
-            <a:ext cx="4389120" cy="18288"/>
+          <a:xfrm flipH="1">
+            <a:off x="10697670" y="0"/>
+            <a:ext cx="1494330" cy="6858000"/>
           </a:xfrm>
           <a:prstGeom prst="rect">
             <a:avLst/>
           </a:prstGeom>
           <a:solidFill>
-            <a:srgbClr val="D5D5D5"/>
+            <a:schemeClr val="accent4"/>
           </a:solidFill>
-          <a:ln w="3175">
+          <a:ln>
             <a:noFill/>
           </a:ln>
-          <a:effectLst/>
         </p:spPr>
         <p:style>
           <a:lnRef idx="2">
@@ -4042,63 +8761,77 @@
           <a:lstStyle/>
           <a:p>
             <a:pPr algn="ctr"/>
-            <a:endParaRPr lang="en-US">
-              <a:solidFill>
-                <a:prstClr val="white"/>
-              </a:solidFill>
-              <a:latin typeface="Calibri" panose="020F0502020204030204"/>
-            </a:endParaRPr>
+            <a:endParaRPr lang="en-US"/>
           </a:p>
         </p:txBody>
       </p:sp>
       <p:sp>
         <p:nvSpPr>
-          <p:cNvPr id="4" name="Content Placeholder 3">
-            <a:extLst>
-              <a:ext uri="{FF2B5EF4-FFF2-40B4-BE49-F238E27FC236}">
-                <a16:creationId xmlns:a16="http://schemas.microsoft.com/office/drawing/2014/main" id="{8A97F6AC-205F-411A-9161-05E56403910D}"/>
+          <p:cNvPr id="31" name="Rectangle 30">
+            <a:extLst>
+              <a:ext uri="{FF2B5EF4-FFF2-40B4-BE49-F238E27FC236}">
+                <a16:creationId xmlns:a16="http://schemas.microsoft.com/office/drawing/2014/main" id="{19C9EAEA-39D0-4B0E-A0EB-51E7B26740B1}"/>
+              </a:ext>
+              <a:ext uri="{C183D7F6-B498-43B3-948B-1728B52AA6E4}">
+                <adec:decorative xmlns:adec="http://schemas.microsoft.com/office/drawing/2017/decorative" val="1"/>
               </a:ext>
             </a:extLst>
           </p:cNvPr>
           <p:cNvSpPr>
-            <a:spLocks noGrp="1"/>
+            <a:spLocks noGrp="1" noRot="1" noChangeAspect="1" noMove="1" noResize="1" noEditPoints="1" noAdjustHandles="1" noChangeArrowheads="1" noChangeShapeType="1" noTextEdit="1"/>
           </p:cNvSpPr>
           <p:nvPr>
-            <p:ph sz="half" idx="1"/>
+            <p:extLst>
+              <p:ext uri="{386F3935-93C4-4BCD-93E2-E3B085C9AB24}">
+                <p16:designElem xmlns:p16="http://schemas.microsoft.com/office/powerpoint/2015/main" val="1"/>
+              </p:ext>
+            </p:extLst>
           </p:nvPr>
         </p:nvSpPr>
         <p:spPr>
           <a:xfrm>
-            <a:off x="411479" y="2688336"/>
-            <a:ext cx="4498848" cy="3584448"/>
+            <a:off x="5685810" y="513853"/>
+            <a:ext cx="6009366" cy="5834577"/>
           </a:xfrm>
+          <a:prstGeom prst="rect">
+            <a:avLst/>
+          </a:prstGeom>
+          <a:solidFill>
+            <a:schemeClr val="bg1"/>
+          </a:solidFill>
+          <a:ln>
+            <a:noFill/>
+          </a:ln>
+          <a:effectLst>
+            <a:outerShdw blurRad="139700" dist="127000" dir="5400000" algn="t" rotWithShape="0">
+              <a:prstClr val="black">
+                <a:alpha val="15000"/>
+              </a:prstClr>
+            </a:outerShdw>
+          </a:effectLst>
         </p:spPr>
-        <p:txBody>
-          <a:bodyPr vert="horz" lIns="91440" tIns="45720" rIns="91440" bIns="45720" rtlCol="0" anchor="t">
-            <a:normAutofit/>
-          </a:bodyPr>
+        <p:style>
+          <a:lnRef idx="2">
+            <a:schemeClr val="accent1">
+              <a:shade val="50000"/>
+            </a:schemeClr>
+          </a:lnRef>
+          <a:fillRef idx="1">
+            <a:schemeClr val="accent1"/>
+          </a:fillRef>
+          <a:effectRef idx="0">
+            <a:schemeClr val="accent1"/>
+          </a:effectRef>
+          <a:fontRef idx="minor">
+            <a:schemeClr val="lt1"/>
+          </a:fontRef>
+        </p:style>
+        <p:txBody>
+          <a:bodyPr rtlCol="0" anchor="ctr"/>
           <a:lstStyle/>
           <a:p>
-            <a:r>
-              <a:rPr lang="en-US" sz="1800" dirty="0"/>
-              <a:t>Tether Arm is attached to the pivot using a ¼” 316 shoulder bolt cross-drilled through the pivot and the arm.</a:t>
-            </a:r>
-          </a:p>
-          <a:p>
-            <a:pPr lvl="1"/>
-            <a:r>
-              <a:rPr lang="en-US" sz="1800" dirty="0"/>
-              <a:t>Reliably and repeatably attach the arm and the pivot.</a:t>
-            </a:r>
-          </a:p>
-          <a:p>
-            <a:r>
-              <a:rPr lang="en-US" sz="1800" dirty="0"/>
-              <a:t>Similar method is used at the far end of the tether arm to attach the tether guide.</a:t>
-            </a:r>
-          </a:p>
-          <a:p>
-            <a:endParaRPr lang="en-US" sz="1800" dirty="0"/>
+            <a:pPr algn="ctr"/>
+            <a:endParaRPr lang="en-US"/>
           </a:p>
         </p:txBody>
       </p:sp>
@@ -4118,16 +8851,15 @@
             <p:ph sz="half" idx="2"/>
           </p:nvPr>
         </p:nvPicPr>
-        <p:blipFill>
+        <p:blipFill rotWithShape="1">
           <a:blip r:embed="rId2"/>
-          <a:stretch>
-            <a:fillRect/>
-          </a:stretch>
+          <a:srcRect l="15131" r="14464" b="1"/>
+          <a:stretch/>
         </p:blipFill>
         <p:spPr>
           <a:xfrm>
-            <a:off x="6172200" y="2230633"/>
-            <a:ext cx="5181600" cy="3541321"/>
+            <a:off x="5977788" y="799352"/>
+            <a:ext cx="5425410" cy="5259296"/>
           </a:xfrm>
           <a:prstGeom prst="rect">
             <a:avLst/>
@@ -4174,10 +8906,10 @@
       </p:grpSpPr>
       <p:sp useBgFill="1">
         <p:nvSpPr>
-          <p:cNvPr id="18" name="Rectangle 17">
-            <a:extLst>
-              <a:ext uri="{FF2B5EF4-FFF2-40B4-BE49-F238E27FC236}">
-                <a16:creationId xmlns:a16="http://schemas.microsoft.com/office/drawing/2014/main" id="{231BF440-39FA-4087-84CC-2EEC0BBDAF29}"/>
+          <p:cNvPr id="41" name="Rectangle 40">
+            <a:extLst>
+              <a:ext uri="{FF2B5EF4-FFF2-40B4-BE49-F238E27FC236}">
+                <a16:creationId xmlns:a16="http://schemas.microsoft.com/office/drawing/2014/main" id="{6ECA6DCB-B7E1-40A9-9524-540C6DA40B1B}"/>
               </a:ext>
               <a:ext uri="{C183D7F6-B498-43B3-948B-1728B52AA6E4}">
                 <adec:decorative xmlns:adec="http://schemas.microsoft.com/office/drawing/2017/decorative" val="1"/>
@@ -4198,7 +8930,7 @@
         <p:spPr>
           <a:xfrm>
             <a:off x="0" y="0"/>
-            <a:ext cx="12192000" cy="6858000"/>
+            <a:ext cx="12191999" cy="6857365"/>
           </a:xfrm>
           <a:prstGeom prst="rect">
             <a:avLst/>
@@ -4232,432 +8964,6 @@
           </a:p>
         </p:txBody>
       </p:sp>
-      <p:pic>
-        <p:nvPicPr>
-          <p:cNvPr id="13" name="Picture 12">
-            <a:extLst>
-              <a:ext uri="{FF2B5EF4-FFF2-40B4-BE49-F238E27FC236}">
-                <a16:creationId xmlns:a16="http://schemas.microsoft.com/office/drawing/2014/main" id="{488E3C25-18D8-417D-99C3-A9B053B95365}"/>
-              </a:ext>
-            </a:extLst>
-          </p:cNvPr>
-          <p:cNvPicPr>
-            <a:picLocks noChangeAspect="1"/>
-          </p:cNvPicPr>
-          <p:nvPr/>
-        </p:nvPicPr>
-        <p:blipFill rotWithShape="1">
-          <a:blip r:embed="rId2"/>
-          <a:srcRect t="22984" r="-2" b="11009"/>
-          <a:stretch/>
-        </p:blipFill>
-        <p:spPr>
-          <a:xfrm>
-            <a:off x="4883025" y="10"/>
-            <a:ext cx="7308975" cy="3364982"/>
-          </a:xfrm>
-          <a:custGeom>
-            <a:avLst/>
-            <a:gdLst/>
-            <a:ahLst/>
-            <a:cxnLst/>
-            <a:rect l="l" t="t" r="r" b="b"/>
-            <a:pathLst>
-              <a:path w="7308975" h="3364992">
-                <a:moveTo>
-                  <a:pt x="0" y="0"/>
-                </a:moveTo>
-                <a:lnTo>
-                  <a:pt x="7308975" y="0"/>
-                </a:lnTo>
-                <a:lnTo>
-                  <a:pt x="7308975" y="3364992"/>
-                </a:lnTo>
-                <a:lnTo>
-                  <a:pt x="1210305" y="3364992"/>
-                </a:lnTo>
-                <a:lnTo>
-                  <a:pt x="1192705" y="2943200"/>
-                </a:lnTo>
-                <a:cubicBezTo>
-                  <a:pt x="1098874" y="1825108"/>
-                  <a:pt x="684692" y="821621"/>
-                  <a:pt x="62981" y="69271"/>
-                </a:cubicBezTo>
-                <a:close/>
-              </a:path>
-            </a:pathLst>
-          </a:custGeom>
-        </p:spPr>
-      </p:pic>
-      <p:pic>
-        <p:nvPicPr>
-          <p:cNvPr id="9" name="Content Placeholder 8">
-            <a:extLst>
-              <a:ext uri="{FF2B5EF4-FFF2-40B4-BE49-F238E27FC236}">
-                <a16:creationId xmlns:a16="http://schemas.microsoft.com/office/drawing/2014/main" id="{88A0E3D6-2C05-47B7-BFCC-C9844A299C92}"/>
-              </a:ext>
-            </a:extLst>
-          </p:cNvPr>
-          <p:cNvPicPr>
-            <a:picLocks noGrp="1" noChangeAspect="1"/>
-          </p:cNvPicPr>
-          <p:nvPr>
-            <p:ph sz="half" idx="2"/>
-          </p:nvPr>
-        </p:nvPicPr>
-        <p:blipFill rotWithShape="1">
-          <a:blip r:embed="rId3"/>
-          <a:srcRect l="-2" t="4160" b="42305"/>
-          <a:stretch/>
-        </p:blipFill>
-        <p:spPr>
-          <a:xfrm>
-            <a:off x="4883025" y="3493008"/>
-            <a:ext cx="7308975" cy="3364992"/>
-          </a:xfrm>
-          <a:custGeom>
-            <a:avLst/>
-            <a:gdLst/>
-            <a:ahLst/>
-            <a:cxnLst/>
-            <a:rect l="l" t="t" r="r" b="b"/>
-            <a:pathLst>
-              <a:path w="7308975" h="3364992">
-                <a:moveTo>
-                  <a:pt x="1210305" y="0"/>
-                </a:moveTo>
-                <a:lnTo>
-                  <a:pt x="7308975" y="0"/>
-                </a:lnTo>
-                <a:lnTo>
-                  <a:pt x="7308975" y="3364992"/>
-                </a:lnTo>
-                <a:lnTo>
-                  <a:pt x="0" y="3364992"/>
-                </a:lnTo>
-                <a:lnTo>
-                  <a:pt x="62981" y="3295722"/>
-                </a:lnTo>
-                <a:cubicBezTo>
-                  <a:pt x="684692" y="2543371"/>
-                  <a:pt x="1098874" y="1539884"/>
-                  <a:pt x="1192705" y="421793"/>
-                </a:cubicBezTo>
-                <a:close/>
-              </a:path>
-            </a:pathLst>
-          </a:custGeom>
-        </p:spPr>
-      </p:pic>
-      <p:sp useBgFill="1">
-        <p:nvSpPr>
-          <p:cNvPr id="20" name="Freeform: Shape 19">
-            <a:extLst>
-              <a:ext uri="{FF2B5EF4-FFF2-40B4-BE49-F238E27FC236}">
-                <a16:creationId xmlns:a16="http://schemas.microsoft.com/office/drawing/2014/main" id="{F04E4CBA-303B-48BD-8451-C2701CB0EEBF}"/>
-              </a:ext>
-              <a:ext uri="{C183D7F6-B498-43B3-948B-1728B52AA6E4}">
-                <adec:decorative xmlns:adec="http://schemas.microsoft.com/office/drawing/2017/decorative" val="1"/>
-              </a:ext>
-            </a:extLst>
-          </p:cNvPr>
-          <p:cNvSpPr>
-            <a:spLocks noGrp="1" noRot="1" noChangeAspect="1" noMove="1" noResize="1" noEditPoints="1" noAdjustHandles="1" noChangeArrowheads="1" noChangeShapeType="1" noTextEdit="1"/>
-          </p:cNvSpPr>
-          <p:nvPr>
-            <p:extLst>
-              <p:ext uri="{386F3935-93C4-4BCD-93E2-E3B085C9AB24}">
-                <p16:designElem xmlns:p16="http://schemas.microsoft.com/office/powerpoint/2015/main" val="1"/>
-              </p:ext>
-            </p:extLst>
-          </p:nvPr>
-        </p:nvSpPr>
-        <p:spPr>
-          <a:xfrm>
-            <a:off x="0" y="0"/>
-            <a:ext cx="6096001" cy="6858000"/>
-          </a:xfrm>
-          <a:custGeom>
-            <a:avLst/>
-            <a:gdLst>
-              <a:gd name="connsiteX0" fmla="*/ 0 w 6096001"/>
-              <a:gd name="connsiteY0" fmla="*/ 0 h 6858000"/>
-              <a:gd name="connsiteX1" fmla="*/ 4883024 w 6096001"/>
-              <a:gd name="connsiteY1" fmla="*/ 0 h 6858000"/>
-              <a:gd name="connsiteX2" fmla="*/ 4946006 w 6096001"/>
-              <a:gd name="connsiteY2" fmla="*/ 69271 h 6858000"/>
-              <a:gd name="connsiteX3" fmla="*/ 6096001 w 6096001"/>
-              <a:gd name="connsiteY3" fmla="*/ 3429000 h 6858000"/>
-              <a:gd name="connsiteX4" fmla="*/ 4946006 w 6096001"/>
-              <a:gd name="connsiteY4" fmla="*/ 6788730 h 6858000"/>
-              <a:gd name="connsiteX5" fmla="*/ 4883024 w 6096001"/>
-              <a:gd name="connsiteY5" fmla="*/ 6858000 h 6858000"/>
-              <a:gd name="connsiteX6" fmla="*/ 0 w 6096001"/>
-              <a:gd name="connsiteY6" fmla="*/ 6858000 h 6858000"/>
-            </a:gdLst>
-            <a:ahLst/>
-            <a:cxnLst>
-              <a:cxn ang="0">
-                <a:pos x="connsiteX0" y="connsiteY0"/>
-              </a:cxn>
-              <a:cxn ang="0">
-                <a:pos x="connsiteX1" y="connsiteY1"/>
-              </a:cxn>
-              <a:cxn ang="0">
-                <a:pos x="connsiteX2" y="connsiteY2"/>
-              </a:cxn>
-              <a:cxn ang="0">
-                <a:pos x="connsiteX3" y="connsiteY3"/>
-              </a:cxn>
-              <a:cxn ang="0">
-                <a:pos x="connsiteX4" y="connsiteY4"/>
-              </a:cxn>
-              <a:cxn ang="0">
-                <a:pos x="connsiteX5" y="connsiteY5"/>
-              </a:cxn>
-              <a:cxn ang="0">
-                <a:pos x="connsiteX6" y="connsiteY6"/>
-              </a:cxn>
-            </a:cxnLst>
-            <a:rect l="l" t="t" r="r" b="b"/>
-            <a:pathLst>
-              <a:path w="6096001" h="6858000">
-                <a:moveTo>
-                  <a:pt x="0" y="0"/>
-                </a:moveTo>
-                <a:lnTo>
-                  <a:pt x="4883024" y="0"/>
-                </a:lnTo>
-                <a:lnTo>
-                  <a:pt x="4946006" y="69271"/>
-                </a:lnTo>
-                <a:cubicBezTo>
-                  <a:pt x="5656532" y="929100"/>
-                  <a:pt x="6096001" y="2116944"/>
-                  <a:pt x="6096001" y="3429000"/>
-                </a:cubicBezTo>
-                <a:cubicBezTo>
-                  <a:pt x="6096001" y="4741056"/>
-                  <a:pt x="5656532" y="5928900"/>
-                  <a:pt x="4946006" y="6788730"/>
-                </a:cubicBezTo>
-                <a:lnTo>
-                  <a:pt x="4883024" y="6858000"/>
-                </a:lnTo>
-                <a:lnTo>
-                  <a:pt x="0" y="6858000"/>
-                </a:lnTo>
-                <a:close/>
-              </a:path>
-            </a:pathLst>
-          </a:custGeom>
-          <a:ln w="9525">
-            <a:solidFill>
-              <a:srgbClr val="EFEFEF"/>
-            </a:solidFill>
-          </a:ln>
-          <a:effectLst>
-            <a:outerShdw blurRad="50800" dist="38100" algn="l" rotWithShape="0">
-              <a:schemeClr val="bg1">
-                <a:lumMod val="85000"/>
-                <a:alpha val="30000"/>
-              </a:schemeClr>
-            </a:outerShdw>
-          </a:effectLst>
-        </p:spPr>
-        <p:style>
-          <a:lnRef idx="2">
-            <a:schemeClr val="accent1">
-              <a:shade val="50000"/>
-            </a:schemeClr>
-          </a:lnRef>
-          <a:fillRef idx="1">
-            <a:schemeClr val="accent1"/>
-          </a:fillRef>
-          <a:effectRef idx="0">
-            <a:schemeClr val="accent1"/>
-          </a:effectRef>
-          <a:fontRef idx="minor">
-            <a:schemeClr val="lt1"/>
-          </a:fontRef>
-        </p:style>
-        <p:txBody>
-          <a:bodyPr wrap="square" rtlCol="0" anchor="ctr">
-            <a:noAutofit/>
-          </a:bodyPr>
-          <a:lstStyle/>
-          <a:p>
-            <a:pPr marL="0" marR="0" lvl="0" indent="0" algn="ctr" defTabSz="914400" rtl="0" eaLnBrk="1" fontAlgn="auto" latinLnBrk="0" hangingPunct="1">
-              <a:lnSpc>
-                <a:spcPct val="100000"/>
-              </a:lnSpc>
-              <a:spcBef>
-                <a:spcPts val="0"/>
-              </a:spcBef>
-              <a:spcAft>
-                <a:spcPts val="0"/>
-              </a:spcAft>
-              <a:buClrTx/>
-              <a:buSzTx/>
-              <a:buFontTx/>
-              <a:buNone/>
-              <a:tabLst/>
-              <a:defRPr/>
-            </a:pPr>
-            <a:endParaRPr kumimoji="0" lang="en-US" sz="1800" b="0" i="0" u="none" strike="noStrike" kern="1200" cap="none" spc="0" normalizeH="0" baseline="0" noProof="0">
-              <a:ln>
-                <a:noFill/>
-              </a:ln>
-              <a:solidFill>
-                <a:prstClr val="white"/>
-              </a:solidFill>
-              <a:effectLst/>
-              <a:uLnTx/>
-              <a:uFillTx/>
-              <a:latin typeface="Calibri" panose="020F0502020204030204"/>
-              <a:ea typeface="+mn-ea"/>
-              <a:cs typeface="+mn-cs"/>
-            </a:endParaRPr>
-          </a:p>
-        </p:txBody>
-      </p:sp>
-      <p:sp useBgFill="1">
-        <p:nvSpPr>
-          <p:cNvPr id="22" name="Freeform: Shape 21">
-            <a:extLst>
-              <a:ext uri="{FF2B5EF4-FFF2-40B4-BE49-F238E27FC236}">
-                <a16:creationId xmlns:a16="http://schemas.microsoft.com/office/drawing/2014/main" id="{F6CA58B3-AFCC-4A40-9882-50D5080879B0}"/>
-              </a:ext>
-              <a:ext uri="{C183D7F6-B498-43B3-948B-1728B52AA6E4}">
-                <adec:decorative xmlns:adec="http://schemas.microsoft.com/office/drawing/2017/decorative" val="1"/>
-              </a:ext>
-            </a:extLst>
-          </p:cNvPr>
-          <p:cNvSpPr>
-            <a:spLocks noGrp="1" noRot="1" noChangeAspect="1" noMove="1" noResize="1" noEditPoints="1" noAdjustHandles="1" noChangeArrowheads="1" noChangeShapeType="1" noTextEdit="1"/>
-          </p:cNvSpPr>
-          <p:nvPr>
-            <p:extLst>
-              <p:ext uri="{386F3935-93C4-4BCD-93E2-E3B085C9AB24}">
-                <p16:designElem xmlns:p16="http://schemas.microsoft.com/office/powerpoint/2015/main" val="1"/>
-              </p:ext>
-            </p:extLst>
-          </p:nvPr>
-        </p:nvSpPr>
-        <p:spPr>
-          <a:xfrm>
-            <a:off x="1" y="0"/>
-            <a:ext cx="6087332" cy="6858000"/>
-          </a:xfrm>
-          <a:custGeom>
-            <a:avLst/>
-            <a:gdLst>
-              <a:gd name="connsiteX0" fmla="*/ 0 w 6087332"/>
-              <a:gd name="connsiteY0" fmla="*/ 0 h 6858000"/>
-              <a:gd name="connsiteX1" fmla="*/ 4874355 w 6087332"/>
-              <a:gd name="connsiteY1" fmla="*/ 0 h 6858000"/>
-              <a:gd name="connsiteX2" fmla="*/ 4937337 w 6087332"/>
-              <a:gd name="connsiteY2" fmla="*/ 69271 h 6858000"/>
-              <a:gd name="connsiteX3" fmla="*/ 6087332 w 6087332"/>
-              <a:gd name="connsiteY3" fmla="*/ 3429000 h 6858000"/>
-              <a:gd name="connsiteX4" fmla="*/ 4937337 w 6087332"/>
-              <a:gd name="connsiteY4" fmla="*/ 6788730 h 6858000"/>
-              <a:gd name="connsiteX5" fmla="*/ 4874355 w 6087332"/>
-              <a:gd name="connsiteY5" fmla="*/ 6858000 h 6858000"/>
-              <a:gd name="connsiteX6" fmla="*/ 0 w 6087332"/>
-              <a:gd name="connsiteY6" fmla="*/ 6858000 h 6858000"/>
-            </a:gdLst>
-            <a:ahLst/>
-            <a:cxnLst>
-              <a:cxn ang="0">
-                <a:pos x="connsiteX0" y="connsiteY0"/>
-              </a:cxn>
-              <a:cxn ang="0">
-                <a:pos x="connsiteX1" y="connsiteY1"/>
-              </a:cxn>
-              <a:cxn ang="0">
-                <a:pos x="connsiteX2" y="connsiteY2"/>
-              </a:cxn>
-              <a:cxn ang="0">
-                <a:pos x="connsiteX3" y="connsiteY3"/>
-              </a:cxn>
-              <a:cxn ang="0">
-                <a:pos x="connsiteX4" y="connsiteY4"/>
-              </a:cxn>
-              <a:cxn ang="0">
-                <a:pos x="connsiteX5" y="connsiteY5"/>
-              </a:cxn>
-              <a:cxn ang="0">
-                <a:pos x="connsiteX6" y="connsiteY6"/>
-              </a:cxn>
-            </a:cxnLst>
-            <a:rect l="l" t="t" r="r" b="b"/>
-            <a:pathLst>
-              <a:path w="6087332" h="6858000">
-                <a:moveTo>
-                  <a:pt x="0" y="0"/>
-                </a:moveTo>
-                <a:lnTo>
-                  <a:pt x="4874355" y="0"/>
-                </a:lnTo>
-                <a:lnTo>
-                  <a:pt x="4937337" y="69271"/>
-                </a:lnTo>
-                <a:cubicBezTo>
-                  <a:pt x="5647863" y="929100"/>
-                  <a:pt x="6087332" y="2116944"/>
-                  <a:pt x="6087332" y="3429000"/>
-                </a:cubicBezTo>
-                <a:cubicBezTo>
-                  <a:pt x="6087332" y="4741056"/>
-                  <a:pt x="5647863" y="5928900"/>
-                  <a:pt x="4937337" y="6788730"/>
-                </a:cubicBezTo>
-                <a:lnTo>
-                  <a:pt x="4874355" y="6858000"/>
-                </a:lnTo>
-                <a:lnTo>
-                  <a:pt x="0" y="6858000"/>
-                </a:lnTo>
-                <a:close/>
-              </a:path>
-            </a:pathLst>
-          </a:custGeom>
-          <a:ln>
-            <a:noFill/>
-          </a:ln>
-        </p:spPr>
-        <p:style>
-          <a:lnRef idx="2">
-            <a:schemeClr val="accent1">
-              <a:shade val="50000"/>
-            </a:schemeClr>
-          </a:lnRef>
-          <a:fillRef idx="1">
-            <a:schemeClr val="accent1"/>
-          </a:fillRef>
-          <a:effectRef idx="0">
-            <a:schemeClr val="accent1"/>
-          </a:effectRef>
-          <a:fontRef idx="minor">
-            <a:schemeClr val="lt1"/>
-          </a:fontRef>
-        </p:style>
-        <p:txBody>
-          <a:bodyPr rtlCol="0" anchor="ctr"/>
-          <a:lstStyle/>
-          <a:p>
-            <a:pPr algn="ctr"/>
-            <a:endParaRPr lang="en-US">
-              <a:solidFill>
-                <a:prstClr val="white"/>
-              </a:solidFill>
-              <a:latin typeface="Calibri" panose="020F0502020204030204"/>
-            </a:endParaRPr>
-          </a:p>
-        </p:txBody>
-      </p:sp>
       <p:sp>
         <p:nvSpPr>
           <p:cNvPr id="2" name="Title 1">
@@ -4676,8 +8982,8 @@
         </p:nvSpPr>
         <p:spPr>
           <a:xfrm>
-            <a:off x="448056" y="859536"/>
-            <a:ext cx="4832802" cy="1243584"/>
+            <a:off x="589560" y="856180"/>
+            <a:ext cx="5279408" cy="1128068"/>
           </a:xfrm>
         </p:spPr>
         <p:txBody>
@@ -4687,7 +8993,7 @@
           <a:lstStyle/>
           <a:p>
             <a:r>
-              <a:rPr lang="en-US" sz="3400" kern="1200">
+              <a:rPr lang="en-US" sz="4000" kern="1200">
                 <a:solidFill>
                   <a:schemeClr val="tx1"/>
                 </a:solidFill>
@@ -4700,21 +9006,21 @@
           </a:p>
         </p:txBody>
       </p:sp>
-      <p:sp>
-        <p:nvSpPr>
-          <p:cNvPr id="24" name="Rectangle 23">
-            <a:extLst>
-              <a:ext uri="{FF2B5EF4-FFF2-40B4-BE49-F238E27FC236}">
-                <a16:creationId xmlns:a16="http://schemas.microsoft.com/office/drawing/2014/main" id="{75C56826-D4E5-42ED-8529-079651CB3005}"/>
+      <p:grpSp>
+        <p:nvGrpSpPr>
+          <p:cNvPr id="43" name="Group 42">
+            <a:extLst>
+              <a:ext uri="{FF2B5EF4-FFF2-40B4-BE49-F238E27FC236}">
+                <a16:creationId xmlns:a16="http://schemas.microsoft.com/office/drawing/2014/main" id="{1DE889C7-FAD6-4397-98E2-05D503484459}"/>
               </a:ext>
               <a:ext uri="{C183D7F6-B498-43B3-948B-1728B52AA6E4}">
                 <adec:decorative xmlns:adec="http://schemas.microsoft.com/office/drawing/2017/decorative" val="1"/>
               </a:ext>
             </a:extLst>
           </p:cNvPr>
-          <p:cNvSpPr>
-            <a:spLocks noGrp="1" noRot="1" noChangeAspect="1" noMove="1" noResize="1" noEditPoints="1" noAdjustHandles="1" noChangeArrowheads="1" noChangeShapeType="1" noTextEdit="1"/>
-          </p:cNvSpPr>
+          <p:cNvGrpSpPr>
+            <a:grpSpLocks noGrp="1" noUngrp="1" noRot="1" noChangeAspect="1" noMove="1" noResize="1"/>
+          </p:cNvGrpSpPr>
           <p:nvPr>
             <p:extLst>
               <p:ext uri="{386F3935-93C4-4BCD-93E2-E3B085C9AB24}">
@@ -4722,17 +9028,171 @@
               </p:ext>
             </p:extLst>
           </p:nvPr>
+        </p:nvGrpSpPr>
+        <p:grpSpPr>
+          <a:xfrm>
+            <a:off x="0" y="1083484"/>
+            <a:ext cx="355196" cy="673460"/>
+            <a:chOff x="0" y="823811"/>
+            <a:chExt cx="355196" cy="673460"/>
+          </a:xfrm>
+        </p:grpSpPr>
+        <p:sp>
+          <p:nvSpPr>
+            <p:cNvPr id="44" name="Rectangle 43">
+              <a:extLst>
+                <a:ext uri="{FF2B5EF4-FFF2-40B4-BE49-F238E27FC236}">
+                  <a16:creationId xmlns:a16="http://schemas.microsoft.com/office/drawing/2014/main" id="{F399A70F-F8CD-4992-9EF5-6CF15472E73F}"/>
+                </a:ext>
+                <a:ext uri="{C183D7F6-B498-43B3-948B-1728B52AA6E4}">
+                  <adec:decorative xmlns:adec="http://schemas.microsoft.com/office/drawing/2017/decorative" val="1"/>
+                </a:ext>
+              </a:extLst>
+            </p:cNvPr>
+            <p:cNvSpPr/>
+            <p:nvPr>
+              <p:extLst>
+                <p:ext uri="{386F3935-93C4-4BCD-93E2-E3B085C9AB24}">
+                  <p16:designElem xmlns:p16="http://schemas.microsoft.com/office/powerpoint/2015/main" val="1"/>
+                </p:ext>
+              </p:extLst>
+            </p:nvPr>
+          </p:nvSpPr>
+          <p:spPr>
+            <a:xfrm>
+              <a:off x="0" y="823811"/>
+              <a:ext cx="87363" cy="673460"/>
+            </a:xfrm>
+            <a:prstGeom prst="rect">
+              <a:avLst/>
+            </a:prstGeom>
+            <a:solidFill>
+              <a:schemeClr val="accent4"/>
+            </a:solidFill>
+            <a:ln>
+              <a:noFill/>
+            </a:ln>
+          </p:spPr>
+          <p:style>
+            <a:lnRef idx="2">
+              <a:schemeClr val="accent1">
+                <a:shade val="50000"/>
+              </a:schemeClr>
+            </a:lnRef>
+            <a:fillRef idx="1">
+              <a:schemeClr val="accent1"/>
+            </a:fillRef>
+            <a:effectRef idx="0">
+              <a:schemeClr val="accent1"/>
+            </a:effectRef>
+            <a:fontRef idx="minor">
+              <a:schemeClr val="lt1"/>
+            </a:fontRef>
+          </p:style>
+          <p:txBody>
+            <a:bodyPr rtlCol="0" anchor="ctr"/>
+            <a:lstStyle/>
+            <a:p>
+              <a:pPr algn="ctr"/>
+              <a:endParaRPr lang="en-US"/>
+            </a:p>
+          </p:txBody>
+        </p:sp>
+        <p:sp>
+          <p:nvSpPr>
+            <p:cNvPr id="45" name="Rectangle 44">
+              <a:extLst>
+                <a:ext uri="{FF2B5EF4-FFF2-40B4-BE49-F238E27FC236}">
+                  <a16:creationId xmlns:a16="http://schemas.microsoft.com/office/drawing/2014/main" id="{48F4FEDC-6D80-458C-A665-075D9B9500FD}"/>
+                </a:ext>
+                <a:ext uri="{C183D7F6-B498-43B3-948B-1728B52AA6E4}">
+                  <adec:decorative xmlns:adec="http://schemas.microsoft.com/office/drawing/2017/decorative" val="1"/>
+                </a:ext>
+              </a:extLst>
+            </p:cNvPr>
+            <p:cNvSpPr/>
+            <p:nvPr>
+              <p:extLst>
+                <p:ext uri="{386F3935-93C4-4BCD-93E2-E3B085C9AB24}">
+                  <p16:designElem xmlns:p16="http://schemas.microsoft.com/office/powerpoint/2015/main" val="1"/>
+                </p:ext>
+              </p:extLst>
+            </p:nvPr>
+          </p:nvSpPr>
+          <p:spPr>
+            <a:xfrm>
+              <a:off x="159341" y="823811"/>
+              <a:ext cx="195855" cy="673460"/>
+            </a:xfrm>
+            <a:prstGeom prst="rect">
+              <a:avLst/>
+            </a:prstGeom>
+            <a:solidFill>
+              <a:schemeClr val="accent4"/>
+            </a:solidFill>
+            <a:ln>
+              <a:noFill/>
+            </a:ln>
+          </p:spPr>
+          <p:style>
+            <a:lnRef idx="2">
+              <a:schemeClr val="accent1">
+                <a:shade val="50000"/>
+              </a:schemeClr>
+            </a:lnRef>
+            <a:fillRef idx="1">
+              <a:schemeClr val="accent1"/>
+            </a:fillRef>
+            <a:effectRef idx="0">
+              <a:schemeClr val="accent1"/>
+            </a:effectRef>
+            <a:fontRef idx="minor">
+              <a:schemeClr val="lt1"/>
+            </a:fontRef>
+          </p:style>
+          <p:txBody>
+            <a:bodyPr rtlCol="0" anchor="ctr"/>
+            <a:lstStyle/>
+            <a:p>
+              <a:pPr algn="ctr"/>
+              <a:endParaRPr lang="en-US"/>
+            </a:p>
+          </p:txBody>
+        </p:sp>
+      </p:grpSp>
+      <p:sp>
+        <p:nvSpPr>
+          <p:cNvPr id="47" name="Rectangle 46">
+            <a:extLst>
+              <a:ext uri="{FF2B5EF4-FFF2-40B4-BE49-F238E27FC236}">
+                <a16:creationId xmlns:a16="http://schemas.microsoft.com/office/drawing/2014/main" id="{3873B707-463F-40B0-8227-E8CC6C67EB25}"/>
+              </a:ext>
+              <a:ext uri="{C183D7F6-B498-43B3-948B-1728B52AA6E4}">
+                <adec:decorative xmlns:adec="http://schemas.microsoft.com/office/drawing/2017/decorative" val="1"/>
+              </a:ext>
+            </a:extLst>
+          </p:cNvPr>
+          <p:cNvSpPr>
+            <a:spLocks noGrp="1" noRot="1" noChangeAspect="1" noMove="1" noResize="1" noEditPoints="1" noAdjustHandles="1" noChangeArrowheads="1" noChangeShapeType="1" noTextEdit="1"/>
+          </p:cNvSpPr>
+          <p:nvPr>
+            <p:extLst>
+              <p:ext uri="{386F3935-93C4-4BCD-93E2-E3B085C9AB24}">
+                <p16:designElem xmlns:p16="http://schemas.microsoft.com/office/powerpoint/2015/main" val="1"/>
+              </p:ext>
+            </p:extLst>
+          </p:nvPr>
         </p:nvSpPr>
         <p:spPr>
-          <a:xfrm>
-            <a:off x="0" y="1152144"/>
-            <a:ext cx="128016" cy="653903"/>
+          <a:xfrm flipH="1">
+            <a:off x="665085" y="2123821"/>
+            <a:ext cx="4975066" cy="27432"/>
           </a:xfrm>
           <a:prstGeom prst="rect">
             <a:avLst/>
           </a:prstGeom>
           <a:solidFill>
-            <a:schemeClr val="accent2"/>
+            <a:schemeClr val="accent4"/>
           </a:solidFill>
           <a:ln>
             <a:noFill/>
@@ -4759,21 +9219,77 @@
           <a:lstStyle/>
           <a:p>
             <a:pPr algn="ctr"/>
-            <a:endParaRPr lang="en-US">
-              <a:solidFill>
-                <a:prstClr val="white"/>
-              </a:solidFill>
-              <a:latin typeface="Calibri" panose="020F0502020204030204"/>
-            </a:endParaRPr>
-          </a:p>
-        </p:txBody>
-      </p:sp>
-      <p:sp useBgFill="1">
-        <p:nvSpPr>
-          <p:cNvPr id="26" name="Rectangle 25">
-            <a:extLst>
-              <a:ext uri="{FF2B5EF4-FFF2-40B4-BE49-F238E27FC236}">
-                <a16:creationId xmlns:a16="http://schemas.microsoft.com/office/drawing/2014/main" id="{82095FCE-EF05-4443-B97A-85DEE3A5CA17}"/>
+            <a:endParaRPr lang="en-US"/>
+          </a:p>
+        </p:txBody>
+      </p:sp>
+      <p:sp>
+        <p:nvSpPr>
+          <p:cNvPr id="36" name="Content Placeholder 2">
+            <a:extLst>
+              <a:ext uri="{FF2B5EF4-FFF2-40B4-BE49-F238E27FC236}">
+                <a16:creationId xmlns:a16="http://schemas.microsoft.com/office/drawing/2014/main" id="{23951950-4156-4EC6-8332-3EE861435D63}"/>
+              </a:ext>
+            </a:extLst>
+          </p:cNvPr>
+          <p:cNvSpPr>
+            <a:spLocks noGrp="1"/>
+          </p:cNvSpPr>
+          <p:nvPr>
+            <p:ph sz="half" idx="1"/>
+          </p:nvPr>
+        </p:nvSpPr>
+        <p:spPr>
+          <a:xfrm>
+            <a:off x="590719" y="2330505"/>
+            <a:ext cx="5278066" cy="3979585"/>
+          </a:xfrm>
+        </p:spPr>
+        <p:txBody>
+          <a:bodyPr vert="horz" lIns="91440" tIns="45720" rIns="91440" bIns="45720" rtlCol="0" anchor="ctr">
+            <a:normAutofit/>
+          </a:bodyPr>
+          <a:lstStyle/>
+          <a:p>
+            <a:r>
+              <a:rPr lang="en-US" sz="2000" dirty="0"/>
+              <a:t>Each half of the pivot joint is attached to the pivot for the upper axis.</a:t>
+            </a:r>
+          </a:p>
+          <a:p>
+            <a:pPr lvl="1"/>
+            <a:r>
+              <a:rPr lang="en-US" sz="1600" dirty="0"/>
+              <a:t>Lightening holes present to minimize rotating mass.</a:t>
+            </a:r>
+          </a:p>
+          <a:p>
+            <a:r>
+              <a:rPr lang="en-US" sz="2000" dirty="0"/>
+              <a:t>Single piece manufactured from 316. </a:t>
+            </a:r>
+          </a:p>
+          <a:p>
+            <a:pPr lvl="1"/>
+            <a:r>
+              <a:rPr lang="en-US" sz="2000" dirty="0"/>
+              <a:t>Doweled in place with 316 dowels.</a:t>
+            </a:r>
+          </a:p>
+          <a:p>
+            <a:r>
+              <a:rPr lang="en-US" sz="2000" dirty="0"/>
+              <a:t>Doweled on one side</a:t>
+            </a:r>
+          </a:p>
+        </p:txBody>
+      </p:sp>
+      <p:sp>
+        <p:nvSpPr>
+          <p:cNvPr id="49" name="Rectangle 48">
+            <a:extLst>
+              <a:ext uri="{FF2B5EF4-FFF2-40B4-BE49-F238E27FC236}">
+                <a16:creationId xmlns:a16="http://schemas.microsoft.com/office/drawing/2014/main" id="{C13237C8-E62C-4F0D-A318-BD6FB6C2D138}"/>
               </a:ext>
               <a:ext uri="{C183D7F6-B498-43B3-948B-1728B52AA6E4}">
                 <adec:decorative xmlns:adec="http://schemas.microsoft.com/office/drawing/2017/decorative" val="1"/>
@@ -4792,17 +9308,19 @@
           </p:nvPr>
         </p:nvSpPr>
         <p:spPr>
-          <a:xfrm>
-            <a:off x="449544" y="2194560"/>
-            <a:ext cx="4892040" cy="18288"/>
+          <a:xfrm flipH="1">
+            <a:off x="10697670" y="0"/>
+            <a:ext cx="1494330" cy="6858000"/>
           </a:xfrm>
           <a:prstGeom prst="rect">
             <a:avLst/>
           </a:prstGeom>
-          <a:ln w="3175">
+          <a:solidFill>
+            <a:schemeClr val="accent4"/>
+          </a:solidFill>
+          <a:ln>
             <a:noFill/>
           </a:ln>
-          <a:effectLst/>
         </p:spPr>
         <p:style>
           <a:lnRef idx="2">
@@ -4824,46 +9342,17 @@
           <a:bodyPr rtlCol="0" anchor="ctr"/>
           <a:lstStyle/>
           <a:p>
-            <a:pPr marL="0" marR="0" lvl="0" indent="0" algn="ctr" defTabSz="914400" rtl="0" eaLnBrk="1" fontAlgn="auto" latinLnBrk="0" hangingPunct="1">
-              <a:lnSpc>
-                <a:spcPct val="100000"/>
-              </a:lnSpc>
-              <a:spcBef>
-                <a:spcPts val="0"/>
-              </a:spcBef>
-              <a:spcAft>
-                <a:spcPts val="0"/>
-              </a:spcAft>
-              <a:buClrTx/>
-              <a:buSzTx/>
-              <a:buFontTx/>
-              <a:buNone/>
-              <a:tabLst/>
-              <a:defRPr/>
-            </a:pPr>
-            <a:endParaRPr kumimoji="0" lang="en-US" sz="1800" b="0" i="0" u="none" strike="noStrike" kern="1200" cap="none" spc="0" normalizeH="0" baseline="0" noProof="0">
-              <a:ln>
-                <a:noFill/>
-              </a:ln>
-              <a:solidFill>
-                <a:prstClr val="white"/>
-              </a:solidFill>
-              <a:effectLst/>
-              <a:uLnTx/>
-              <a:uFillTx/>
-              <a:latin typeface="Calibri" panose="020F0502020204030204"/>
-              <a:ea typeface="+mn-ea"/>
-              <a:cs typeface="+mn-cs"/>
-            </a:endParaRPr>
+            <a:pPr algn="ctr"/>
+            <a:endParaRPr lang="en-US"/>
           </a:p>
         </p:txBody>
       </p:sp>
       <p:sp>
         <p:nvSpPr>
-          <p:cNvPr id="35" name="Rectangle 27">
-            <a:extLst>
-              <a:ext uri="{FF2B5EF4-FFF2-40B4-BE49-F238E27FC236}">
-                <a16:creationId xmlns:a16="http://schemas.microsoft.com/office/drawing/2014/main" id="{CA00AE6B-AA30-4CF8-BA6F-339B780AD76C}"/>
+          <p:cNvPr id="51" name="Rectangle 50">
+            <a:extLst>
+              <a:ext uri="{FF2B5EF4-FFF2-40B4-BE49-F238E27FC236}">
+                <a16:creationId xmlns:a16="http://schemas.microsoft.com/office/drawing/2014/main" id="{19C9EAEA-39D0-4B0E-A0EB-51E7B26740B1}"/>
               </a:ext>
               <a:ext uri="{C183D7F6-B498-43B3-948B-1728B52AA6E4}">
                 <adec:decorative xmlns:adec="http://schemas.microsoft.com/office/drawing/2017/decorative" val="1"/>
@@ -4883,19 +9372,25 @@
         </p:nvSpPr>
         <p:spPr>
           <a:xfrm>
-            <a:off x="449544" y="2194560"/>
-            <a:ext cx="4892040" cy="18288"/>
+            <a:off x="6849687" y="357447"/>
+            <a:ext cx="4845488" cy="2923587"/>
           </a:xfrm>
           <a:prstGeom prst="rect">
             <a:avLst/>
           </a:prstGeom>
           <a:solidFill>
-            <a:srgbClr val="D5D5D5"/>
+            <a:schemeClr val="bg1"/>
           </a:solidFill>
-          <a:ln w="3175">
+          <a:ln>
             <a:noFill/>
           </a:ln>
-          <a:effectLst/>
+          <a:effectLst>
+            <a:outerShdw blurRad="139700" dist="127000" dir="5400000" algn="t" rotWithShape="0">
+              <a:prstClr val="black">
+                <a:alpha val="15000"/>
+              </a:prstClr>
+            </a:outerShdw>
+          </a:effectLst>
         </p:spPr>
         <p:style>
           <a:lnRef idx="2">
@@ -4918,84 +9413,146 @@
           <a:lstStyle/>
           <a:p>
             <a:pPr algn="ctr"/>
-            <a:endParaRPr lang="en-US">
-              <a:solidFill>
-                <a:prstClr val="white"/>
-              </a:solidFill>
-              <a:latin typeface="Calibri" panose="020F0502020204030204"/>
-            </a:endParaRPr>
-          </a:p>
-        </p:txBody>
-      </p:sp>
-      <p:sp>
-        <p:nvSpPr>
-          <p:cNvPr id="36" name="Content Placeholder 2">
-            <a:extLst>
-              <a:ext uri="{FF2B5EF4-FFF2-40B4-BE49-F238E27FC236}">
-                <a16:creationId xmlns:a16="http://schemas.microsoft.com/office/drawing/2014/main" id="{23951950-4156-4EC6-8332-3EE861435D63}"/>
-              </a:ext>
-            </a:extLst>
-          </p:cNvPr>
-          <p:cNvSpPr>
-            <a:spLocks noGrp="1"/>
-          </p:cNvSpPr>
-          <p:nvPr>
-            <p:ph sz="half" idx="1"/>
-          </p:nvPr>
-        </p:nvSpPr>
+            <a:endParaRPr lang="en-US"/>
+          </a:p>
+        </p:txBody>
+      </p:sp>
+      <p:pic>
+        <p:nvPicPr>
+          <p:cNvPr id="9" name="Content Placeholder 8">
+            <a:extLst>
+              <a:ext uri="{FF2B5EF4-FFF2-40B4-BE49-F238E27FC236}">
+                <a16:creationId xmlns:a16="http://schemas.microsoft.com/office/drawing/2014/main" id="{88A0E3D6-2C05-47B7-BFCC-C9844A299C92}"/>
+              </a:ext>
+            </a:extLst>
+          </p:cNvPr>
+          <p:cNvPicPr>
+            <a:picLocks noGrp="1" noChangeAspect="1"/>
+          </p:cNvPicPr>
+          <p:nvPr>
+            <p:ph sz="half" idx="2"/>
+          </p:nvPr>
+        </p:nvPicPr>
+        <p:blipFill rotWithShape="1">
+          <a:blip r:embed="rId2"/>
+          <a:srcRect t="13082" r="4" b="20318"/>
+          <a:stretch/>
+        </p:blipFill>
         <p:spPr>
           <a:xfrm>
-            <a:off x="448056" y="2512611"/>
-            <a:ext cx="4832803" cy="3664351"/>
+            <a:off x="7083423" y="581892"/>
+            <a:ext cx="4397433" cy="2518756"/>
           </a:xfrm>
+          <a:prstGeom prst="rect">
+            <a:avLst/>
+          </a:prstGeom>
         </p:spPr>
-        <p:txBody>
-          <a:bodyPr vert="horz" lIns="91440" tIns="45720" rIns="91440" bIns="45720" rtlCol="0">
-            <a:normAutofit/>
-          </a:bodyPr>
+      </p:pic>
+      <p:sp>
+        <p:nvSpPr>
+          <p:cNvPr id="53" name="Rectangle 52">
+            <a:extLst>
+              <a:ext uri="{FF2B5EF4-FFF2-40B4-BE49-F238E27FC236}">
+                <a16:creationId xmlns:a16="http://schemas.microsoft.com/office/drawing/2014/main" id="{8CB5D2D7-DF65-4E86-BFBA-FFB9B5ACEB64}"/>
+              </a:ext>
+              <a:ext uri="{C183D7F6-B498-43B3-948B-1728B52AA6E4}">
+                <adec:decorative xmlns:adec="http://schemas.microsoft.com/office/drawing/2017/decorative" val="1"/>
+              </a:ext>
+            </a:extLst>
+          </p:cNvPr>
+          <p:cNvSpPr>
+            <a:spLocks noGrp="1" noRot="1" noChangeAspect="1" noMove="1" noResize="1" noEditPoints="1" noAdjustHandles="1" noChangeArrowheads="1" noChangeShapeType="1" noTextEdit="1"/>
+          </p:cNvSpPr>
+          <p:nvPr>
+            <p:extLst>
+              <p:ext uri="{386F3935-93C4-4BCD-93E2-E3B085C9AB24}">
+                <p16:designElem xmlns:p16="http://schemas.microsoft.com/office/powerpoint/2015/main" val="1"/>
+              </p:ext>
+            </p:extLst>
+          </p:nvPr>
+        </p:nvSpPr>
+        <p:spPr>
+          <a:xfrm>
+            <a:off x="6849687" y="3505479"/>
+            <a:ext cx="4845488" cy="2923587"/>
+          </a:xfrm>
+          <a:prstGeom prst="rect">
+            <a:avLst/>
+          </a:prstGeom>
+          <a:solidFill>
+            <a:schemeClr val="bg1"/>
+          </a:solidFill>
+          <a:ln>
+            <a:noFill/>
+          </a:ln>
+          <a:effectLst>
+            <a:outerShdw blurRad="139700" dist="127000" dir="5400000" algn="t" rotWithShape="0">
+              <a:prstClr val="black">
+                <a:alpha val="15000"/>
+              </a:prstClr>
+            </a:outerShdw>
+          </a:effectLst>
+        </p:spPr>
+        <p:style>
+          <a:lnRef idx="2">
+            <a:schemeClr val="accent1">
+              <a:shade val="50000"/>
+            </a:schemeClr>
+          </a:lnRef>
+          <a:fillRef idx="1">
+            <a:schemeClr val="accent1"/>
+          </a:fillRef>
+          <a:effectRef idx="0">
+            <a:schemeClr val="accent1"/>
+          </a:effectRef>
+          <a:fontRef idx="minor">
+            <a:schemeClr val="lt1"/>
+          </a:fontRef>
+        </p:style>
+        <p:txBody>
+          <a:bodyPr rtlCol="0" anchor="ctr"/>
           <a:lstStyle/>
           <a:p>
-            <a:r>
-              <a:rPr lang="en-US" sz="2000" dirty="0"/>
-              <a:t>Each half of the pivot joint is attached to the pivot for the upper axis.</a:t>
-            </a:r>
-          </a:p>
-          <a:p>
-            <a:r>
-              <a:rPr lang="en-US" sz="2000" dirty="0"/>
-              <a:t>Single </a:t>
-            </a:r>
-            <a:r>
-              <a:rPr lang="en-US" sz="2000" dirty="0" err="1"/>
-              <a:t>peice</a:t>
-            </a:r>
-            <a:r>
-              <a:rPr lang="en-US" sz="2000" dirty="0"/>
-              <a:t> manufactured from 316. </a:t>
-            </a:r>
-          </a:p>
-          <a:p>
-            <a:pPr lvl="1"/>
-            <a:r>
-              <a:rPr lang="en-US" sz="2000" dirty="0"/>
-              <a:t>Doweled in place with 316 dowels.</a:t>
-            </a:r>
-          </a:p>
-          <a:p>
-            <a:r>
-              <a:rPr lang="en-US" sz="2000" dirty="0"/>
-              <a:t>Still deciding whether to dowel on both sides or one.</a:t>
-            </a:r>
-          </a:p>
-          <a:p>
-            <a:pPr lvl="1"/>
-            <a:r>
-              <a:rPr lang="en-US" sz="2000" dirty="0"/>
-              <a:t>Will likely dowel on one side and let lower shaft align opposite side.</a:t>
-            </a:r>
-          </a:p>
-        </p:txBody>
-      </p:sp>
+            <a:pPr algn="ctr"/>
+            <a:endParaRPr lang="en-US"/>
+          </a:p>
+        </p:txBody>
+      </p:sp>
+      <p:pic>
+        <p:nvPicPr>
+          <p:cNvPr id="13" name="Picture 12">
+            <a:extLst>
+              <a:ext uri="{FF2B5EF4-FFF2-40B4-BE49-F238E27FC236}">
+                <a16:creationId xmlns:a16="http://schemas.microsoft.com/office/drawing/2014/main" id="{488E3C25-18D8-417D-99C3-A9B053B95365}"/>
+              </a:ext>
+            </a:extLst>
+          </p:cNvPr>
+          <p:cNvPicPr>
+            <a:picLocks noChangeAspect="1"/>
+          </p:cNvPicPr>
+          <p:nvPr/>
+        </p:nvPicPr>
+        <p:blipFill rotWithShape="1">
+          <a:blip r:embed="rId3">
+            <a:extLst>
+              <a:ext uri="{28A0092B-C50C-407E-A947-70E740481C1C}">
+                <a14:useLocalDpi xmlns:a14="http://schemas.microsoft.com/office/drawing/2010/main" val="0"/>
+              </a:ext>
+            </a:extLst>
+          </a:blip>
+          <a:srcRect/>
+          <a:stretch/>
+        </p:blipFill>
+        <p:spPr>
+          <a:xfrm>
+            <a:off x="8062537" y="3707894"/>
+            <a:ext cx="2437341" cy="2518756"/>
+          </a:xfrm>
+          <a:prstGeom prst="rect">
+            <a:avLst/>
+          </a:prstGeom>
+        </p:spPr>
+      </p:pic>
     </p:spTree>
     <p:extLst>
       <p:ext uri="{BB962C8B-B14F-4D97-AF65-F5344CB8AC3E}">
@@ -5012,6 +9569,14 @@
 <file path=ppt/slides/slide7.xml><?xml version="1.0" encoding="utf-8"?>
 <p:sld xmlns:a="http://schemas.openxmlformats.org/drawingml/2006/main" xmlns:r="http://schemas.openxmlformats.org/officeDocument/2006/relationships" xmlns:p="http://schemas.openxmlformats.org/presentationml/2006/main">
   <p:cSld>
+    <p:bg>
+      <p:bgPr>
+        <a:solidFill>
+          <a:schemeClr val="bg1"/>
+        </a:solidFill>
+        <a:effectLst/>
+      </p:bgPr>
+    </p:bg>
     <p:spTree>
       <p:nvGrpSpPr>
         <p:cNvPr id="1" name=""/>
@@ -5026,6 +9591,66 @@
           <a:chExt cx="0" cy="0"/>
         </a:xfrm>
       </p:grpSpPr>
+      <p:sp useBgFill="1">
+        <p:nvSpPr>
+          <p:cNvPr id="24" name="Rectangle 12">
+            <a:extLst>
+              <a:ext uri="{FF2B5EF4-FFF2-40B4-BE49-F238E27FC236}">
+                <a16:creationId xmlns:a16="http://schemas.microsoft.com/office/drawing/2014/main" id="{201CC55D-ED54-4C5C-95E6-10947BD1103B}"/>
+              </a:ext>
+              <a:ext uri="{C183D7F6-B498-43B3-948B-1728B52AA6E4}">
+                <adec:decorative xmlns:adec="http://schemas.microsoft.com/office/drawing/2017/decorative" val="1"/>
+              </a:ext>
+            </a:extLst>
+          </p:cNvPr>
+          <p:cNvSpPr>
+            <a:spLocks noGrp="1" noRot="1" noChangeAspect="1" noMove="1" noResize="1" noEditPoints="1" noAdjustHandles="1" noChangeArrowheads="1" noChangeShapeType="1" noTextEdit="1"/>
+          </p:cNvSpPr>
+          <p:nvPr>
+            <p:extLst>
+              <p:ext uri="{386F3935-93C4-4BCD-93E2-E3B085C9AB24}">
+                <p16:designElem xmlns:p16="http://schemas.microsoft.com/office/powerpoint/2015/main" val="1"/>
+              </p:ext>
+            </p:extLst>
+          </p:nvPr>
+        </p:nvSpPr>
+        <p:spPr>
+          <a:xfrm>
+            <a:off x="0" y="0"/>
+            <a:ext cx="12191999" cy="6857365"/>
+          </a:xfrm>
+          <a:prstGeom prst="rect">
+            <a:avLst/>
+          </a:prstGeom>
+          <a:ln>
+            <a:noFill/>
+          </a:ln>
+        </p:spPr>
+        <p:style>
+          <a:lnRef idx="2">
+            <a:schemeClr val="accent1">
+              <a:shade val="50000"/>
+            </a:schemeClr>
+          </a:lnRef>
+          <a:fillRef idx="1">
+            <a:schemeClr val="accent1"/>
+          </a:fillRef>
+          <a:effectRef idx="0">
+            <a:schemeClr val="accent1"/>
+          </a:effectRef>
+          <a:fontRef idx="minor">
+            <a:schemeClr val="lt1"/>
+          </a:fontRef>
+        </p:style>
+        <p:txBody>
+          <a:bodyPr rtlCol="0" anchor="ctr"/>
+          <a:lstStyle/>
+          <a:p>
+            <a:pPr algn="ctr"/>
+            <a:endParaRPr lang="en-US"/>
+          </a:p>
+        </p:txBody>
+      </p:sp>
       <p:sp>
         <p:nvSpPr>
           <p:cNvPr id="2" name="Title 1">
@@ -5042,15 +9667,239 @@
             <p:ph type="title"/>
           </p:nvPr>
         </p:nvSpPr>
-        <p:spPr/>
-        <p:txBody>
-          <a:bodyPr/>
+        <p:spPr>
+          <a:xfrm>
+            <a:off x="589560" y="856180"/>
+            <a:ext cx="4560584" cy="1128068"/>
+          </a:xfrm>
+        </p:spPr>
+        <p:txBody>
+          <a:bodyPr vert="horz" lIns="91440" tIns="45720" rIns="91440" bIns="45720" rtlCol="0" anchor="ctr">
+            <a:normAutofit/>
+          </a:bodyPr>
           <a:lstStyle/>
           <a:p>
             <a:r>
-              <a:rPr lang="en-US" dirty="0"/>
+              <a:rPr lang="en-US" sz="4000"/>
               <a:t>Upper Pivot</a:t>
             </a:r>
+          </a:p>
+        </p:txBody>
+      </p:sp>
+      <p:grpSp>
+        <p:nvGrpSpPr>
+          <p:cNvPr id="25" name="Group 14">
+            <a:extLst>
+              <a:ext uri="{FF2B5EF4-FFF2-40B4-BE49-F238E27FC236}">
+                <a16:creationId xmlns:a16="http://schemas.microsoft.com/office/drawing/2014/main" id="{1DE889C7-FAD6-4397-98E2-05D503484459}"/>
+              </a:ext>
+              <a:ext uri="{C183D7F6-B498-43B3-948B-1728B52AA6E4}">
+                <adec:decorative xmlns:adec="http://schemas.microsoft.com/office/drawing/2017/decorative" val="1"/>
+              </a:ext>
+            </a:extLst>
+          </p:cNvPr>
+          <p:cNvGrpSpPr>
+            <a:grpSpLocks noGrp="1" noUngrp="1" noRot="1" noChangeAspect="1" noMove="1" noResize="1"/>
+          </p:cNvGrpSpPr>
+          <p:nvPr>
+            <p:extLst>
+              <p:ext uri="{386F3935-93C4-4BCD-93E2-E3B085C9AB24}">
+                <p16:designElem xmlns:p16="http://schemas.microsoft.com/office/powerpoint/2015/main" val="1"/>
+              </p:ext>
+            </p:extLst>
+          </p:nvPr>
+        </p:nvGrpSpPr>
+        <p:grpSpPr>
+          <a:xfrm>
+            <a:off x="0" y="1083484"/>
+            <a:ext cx="355196" cy="673460"/>
+            <a:chOff x="0" y="823811"/>
+            <a:chExt cx="355196" cy="673460"/>
+          </a:xfrm>
+        </p:grpSpPr>
+        <p:sp>
+          <p:nvSpPr>
+            <p:cNvPr id="26" name="Rectangle 15">
+              <a:extLst>
+                <a:ext uri="{FF2B5EF4-FFF2-40B4-BE49-F238E27FC236}">
+                  <a16:creationId xmlns:a16="http://schemas.microsoft.com/office/drawing/2014/main" id="{F399A70F-F8CD-4992-9EF5-6CF15472E73F}"/>
+                </a:ext>
+                <a:ext uri="{C183D7F6-B498-43B3-948B-1728B52AA6E4}">
+                  <adec:decorative xmlns:adec="http://schemas.microsoft.com/office/drawing/2017/decorative" val="1"/>
+                </a:ext>
+              </a:extLst>
+            </p:cNvPr>
+            <p:cNvSpPr/>
+            <p:nvPr>
+              <p:extLst>
+                <p:ext uri="{386F3935-93C4-4BCD-93E2-E3B085C9AB24}">
+                  <p16:designElem xmlns:p16="http://schemas.microsoft.com/office/powerpoint/2015/main" val="1"/>
+                </p:ext>
+              </p:extLst>
+            </p:nvPr>
+          </p:nvSpPr>
+          <p:spPr>
+            <a:xfrm>
+              <a:off x="0" y="823811"/>
+              <a:ext cx="87363" cy="673460"/>
+            </a:xfrm>
+            <a:prstGeom prst="rect">
+              <a:avLst/>
+            </a:prstGeom>
+            <a:solidFill>
+              <a:schemeClr val="accent4"/>
+            </a:solidFill>
+            <a:ln>
+              <a:noFill/>
+            </a:ln>
+          </p:spPr>
+          <p:style>
+            <a:lnRef idx="2">
+              <a:schemeClr val="accent1">
+                <a:shade val="50000"/>
+              </a:schemeClr>
+            </a:lnRef>
+            <a:fillRef idx="1">
+              <a:schemeClr val="accent1"/>
+            </a:fillRef>
+            <a:effectRef idx="0">
+              <a:schemeClr val="accent1"/>
+            </a:effectRef>
+            <a:fontRef idx="minor">
+              <a:schemeClr val="lt1"/>
+            </a:fontRef>
+          </p:style>
+          <p:txBody>
+            <a:bodyPr rtlCol="0" anchor="ctr"/>
+            <a:lstStyle/>
+            <a:p>
+              <a:pPr algn="ctr"/>
+              <a:endParaRPr lang="en-US"/>
+            </a:p>
+          </p:txBody>
+        </p:sp>
+        <p:sp>
+          <p:nvSpPr>
+            <p:cNvPr id="27" name="Rectangle 16">
+              <a:extLst>
+                <a:ext uri="{FF2B5EF4-FFF2-40B4-BE49-F238E27FC236}">
+                  <a16:creationId xmlns:a16="http://schemas.microsoft.com/office/drawing/2014/main" id="{48F4FEDC-6D80-458C-A665-075D9B9500FD}"/>
+                </a:ext>
+                <a:ext uri="{C183D7F6-B498-43B3-948B-1728B52AA6E4}">
+                  <adec:decorative xmlns:adec="http://schemas.microsoft.com/office/drawing/2017/decorative" val="1"/>
+                </a:ext>
+              </a:extLst>
+            </p:cNvPr>
+            <p:cNvSpPr/>
+            <p:nvPr>
+              <p:extLst>
+                <p:ext uri="{386F3935-93C4-4BCD-93E2-E3B085C9AB24}">
+                  <p16:designElem xmlns:p16="http://schemas.microsoft.com/office/powerpoint/2015/main" val="1"/>
+                </p:ext>
+              </p:extLst>
+            </p:nvPr>
+          </p:nvSpPr>
+          <p:spPr>
+            <a:xfrm>
+              <a:off x="159341" y="823811"/>
+              <a:ext cx="195855" cy="673460"/>
+            </a:xfrm>
+            <a:prstGeom prst="rect">
+              <a:avLst/>
+            </a:prstGeom>
+            <a:solidFill>
+              <a:schemeClr val="accent4"/>
+            </a:solidFill>
+            <a:ln>
+              <a:noFill/>
+            </a:ln>
+          </p:spPr>
+          <p:style>
+            <a:lnRef idx="2">
+              <a:schemeClr val="accent1">
+                <a:shade val="50000"/>
+              </a:schemeClr>
+            </a:lnRef>
+            <a:fillRef idx="1">
+              <a:schemeClr val="accent1"/>
+            </a:fillRef>
+            <a:effectRef idx="0">
+              <a:schemeClr val="accent1"/>
+            </a:effectRef>
+            <a:fontRef idx="minor">
+              <a:schemeClr val="lt1"/>
+            </a:fontRef>
+          </p:style>
+          <p:txBody>
+            <a:bodyPr rtlCol="0" anchor="ctr"/>
+            <a:lstStyle/>
+            <a:p>
+              <a:pPr algn="ctr"/>
+              <a:endParaRPr lang="en-US"/>
+            </a:p>
+          </p:txBody>
+        </p:sp>
+      </p:grpSp>
+      <p:sp>
+        <p:nvSpPr>
+          <p:cNvPr id="28" name="Rectangle 18">
+            <a:extLst>
+              <a:ext uri="{FF2B5EF4-FFF2-40B4-BE49-F238E27FC236}">
+                <a16:creationId xmlns:a16="http://schemas.microsoft.com/office/drawing/2014/main" id="{3873B707-463F-40B0-8227-E8CC6C67EB25}"/>
+              </a:ext>
+              <a:ext uri="{C183D7F6-B498-43B3-948B-1728B52AA6E4}">
+                <adec:decorative xmlns:adec="http://schemas.microsoft.com/office/drawing/2017/decorative" val="1"/>
+              </a:ext>
+            </a:extLst>
+          </p:cNvPr>
+          <p:cNvSpPr>
+            <a:spLocks noGrp="1" noRot="1" noChangeAspect="1" noMove="1" noResize="1" noEditPoints="1" noAdjustHandles="1" noChangeArrowheads="1" noChangeShapeType="1" noTextEdit="1"/>
+          </p:cNvSpPr>
+          <p:nvPr>
+            <p:extLst>
+              <p:ext uri="{386F3935-93C4-4BCD-93E2-E3B085C9AB24}">
+                <p16:designElem xmlns:p16="http://schemas.microsoft.com/office/powerpoint/2015/main" val="1"/>
+              </p:ext>
+            </p:extLst>
+          </p:nvPr>
+        </p:nvSpPr>
+        <p:spPr>
+          <a:xfrm flipH="1">
+            <a:off x="665085" y="2090569"/>
+            <a:ext cx="4297680" cy="27432"/>
+          </a:xfrm>
+          <a:prstGeom prst="rect">
+            <a:avLst/>
+          </a:prstGeom>
+          <a:solidFill>
+            <a:schemeClr val="accent4"/>
+          </a:solidFill>
+          <a:ln>
+            <a:noFill/>
+          </a:ln>
+        </p:spPr>
+        <p:style>
+          <a:lnRef idx="2">
+            <a:schemeClr val="accent1">
+              <a:shade val="50000"/>
+            </a:schemeClr>
+          </a:lnRef>
+          <a:fillRef idx="1">
+            <a:schemeClr val="accent1"/>
+          </a:fillRef>
+          <a:effectRef idx="0">
+            <a:schemeClr val="accent1"/>
+          </a:effectRef>
+          <a:fontRef idx="minor">
+            <a:schemeClr val="lt1"/>
+          </a:fontRef>
+        </p:style>
+        <p:txBody>
+          <a:bodyPr rtlCol="0" anchor="ctr"/>
+          <a:lstStyle/>
+          <a:p>
+            <a:pPr algn="ctr"/>
+            <a:endParaRPr lang="en-US"/>
           </a:p>
         </p:txBody>
       </p:sp>
@@ -5070,30 +9919,176 @@
             <p:ph sz="half" idx="1"/>
           </p:nvPr>
         </p:nvSpPr>
-        <p:spPr/>
-        <p:txBody>
-          <a:bodyPr/>
+        <p:spPr>
+          <a:xfrm>
+            <a:off x="590719" y="2330505"/>
+            <a:ext cx="4559425" cy="3979585"/>
+          </a:xfrm>
+        </p:spPr>
+        <p:txBody>
+          <a:bodyPr vert="horz" lIns="91440" tIns="45720" rIns="91440" bIns="45720" rtlCol="0" anchor="ctr">
+            <a:normAutofit/>
+          </a:bodyPr>
           <a:lstStyle/>
           <a:p>
             <a:r>
-              <a:rPr lang="en-US" dirty="0"/>
+              <a:rPr lang="en-US" sz="2000" dirty="0"/>
               <a:t>Same bearing layout as lower pivot arm.</a:t>
             </a:r>
           </a:p>
           <a:p>
             <a:r>
-              <a:rPr lang="en-US" dirty="0"/>
+              <a:rPr lang="en-US" sz="2000" dirty="0"/>
               <a:t>Drilled and tapped holes for attaching an aluminum anode on each side.</a:t>
             </a:r>
+          </a:p>
+          <a:p>
+            <a:r>
+              <a:rPr lang="en-US" sz="2000" dirty="0"/>
+              <a:t>Center Pivot hollowed out to reduce inertia.</a:t>
+            </a:r>
+          </a:p>
+        </p:txBody>
+      </p:sp>
+      <p:sp>
+        <p:nvSpPr>
+          <p:cNvPr id="29" name="Rectangle 20">
+            <a:extLst>
+              <a:ext uri="{FF2B5EF4-FFF2-40B4-BE49-F238E27FC236}">
+                <a16:creationId xmlns:a16="http://schemas.microsoft.com/office/drawing/2014/main" id="{C13237C8-E62C-4F0D-A318-BD6FB6C2D138}"/>
+              </a:ext>
+              <a:ext uri="{C183D7F6-B498-43B3-948B-1728B52AA6E4}">
+                <adec:decorative xmlns:adec="http://schemas.microsoft.com/office/drawing/2017/decorative" val="1"/>
+              </a:ext>
+            </a:extLst>
+          </p:cNvPr>
+          <p:cNvSpPr>
+            <a:spLocks noGrp="1" noRot="1" noChangeAspect="1" noMove="1" noResize="1" noEditPoints="1" noAdjustHandles="1" noChangeArrowheads="1" noChangeShapeType="1" noTextEdit="1"/>
+          </p:cNvSpPr>
+          <p:nvPr>
+            <p:extLst>
+              <p:ext uri="{386F3935-93C4-4BCD-93E2-E3B085C9AB24}">
+                <p16:designElem xmlns:p16="http://schemas.microsoft.com/office/powerpoint/2015/main" val="1"/>
+              </p:ext>
+            </p:extLst>
+          </p:nvPr>
+        </p:nvSpPr>
+        <p:spPr>
+          <a:xfrm flipH="1">
+            <a:off x="10697670" y="0"/>
+            <a:ext cx="1494330" cy="6858000"/>
+          </a:xfrm>
+          <a:prstGeom prst="rect">
+            <a:avLst/>
+          </a:prstGeom>
+          <a:solidFill>
+            <a:schemeClr val="accent4"/>
+          </a:solidFill>
+          <a:ln>
+            <a:noFill/>
+          </a:ln>
+        </p:spPr>
+        <p:style>
+          <a:lnRef idx="2">
+            <a:schemeClr val="accent1">
+              <a:shade val="50000"/>
+            </a:schemeClr>
+          </a:lnRef>
+          <a:fillRef idx="1">
+            <a:schemeClr val="accent1"/>
+          </a:fillRef>
+          <a:effectRef idx="0">
+            <a:schemeClr val="accent1"/>
+          </a:effectRef>
+          <a:fontRef idx="minor">
+            <a:schemeClr val="lt1"/>
+          </a:fontRef>
+        </p:style>
+        <p:txBody>
+          <a:bodyPr rtlCol="0" anchor="ctr"/>
+          <a:lstStyle/>
+          <a:p>
+            <a:pPr algn="ctr"/>
+            <a:endParaRPr lang="en-US"/>
+          </a:p>
+        </p:txBody>
+      </p:sp>
+      <p:sp>
+        <p:nvSpPr>
+          <p:cNvPr id="23" name="Rectangle 22">
+            <a:extLst>
+              <a:ext uri="{FF2B5EF4-FFF2-40B4-BE49-F238E27FC236}">
+                <a16:creationId xmlns:a16="http://schemas.microsoft.com/office/drawing/2014/main" id="{19C9EAEA-39D0-4B0E-A0EB-51E7B26740B1}"/>
+              </a:ext>
+              <a:ext uri="{C183D7F6-B498-43B3-948B-1728B52AA6E4}">
+                <adec:decorative xmlns:adec="http://schemas.microsoft.com/office/drawing/2017/decorative" val="1"/>
+              </a:ext>
+            </a:extLst>
+          </p:cNvPr>
+          <p:cNvSpPr>
+            <a:spLocks noGrp="1" noRot="1" noChangeAspect="1" noMove="1" noResize="1" noEditPoints="1" noAdjustHandles="1" noChangeArrowheads="1" noChangeShapeType="1" noTextEdit="1"/>
+          </p:cNvSpPr>
+          <p:nvPr>
+            <p:extLst>
+              <p:ext uri="{386F3935-93C4-4BCD-93E2-E3B085C9AB24}">
+                <p16:designElem xmlns:p16="http://schemas.microsoft.com/office/powerpoint/2015/main" val="1"/>
+              </p:ext>
+            </p:extLst>
+          </p:nvPr>
+        </p:nvSpPr>
+        <p:spPr>
+          <a:xfrm>
+            <a:off x="5685810" y="513853"/>
+            <a:ext cx="6009366" cy="5834577"/>
+          </a:xfrm>
+          <a:prstGeom prst="rect">
+            <a:avLst/>
+          </a:prstGeom>
+          <a:solidFill>
+            <a:schemeClr val="bg1"/>
+          </a:solidFill>
+          <a:ln>
+            <a:noFill/>
+          </a:ln>
+          <a:effectLst>
+            <a:outerShdw blurRad="139700" dist="127000" dir="5400000" algn="t" rotWithShape="0">
+              <a:prstClr val="black">
+                <a:alpha val="15000"/>
+              </a:prstClr>
+            </a:outerShdw>
+          </a:effectLst>
+        </p:spPr>
+        <p:style>
+          <a:lnRef idx="2">
+            <a:schemeClr val="accent1">
+              <a:shade val="50000"/>
+            </a:schemeClr>
+          </a:lnRef>
+          <a:fillRef idx="1">
+            <a:schemeClr val="accent1"/>
+          </a:fillRef>
+          <a:effectRef idx="0">
+            <a:schemeClr val="accent1"/>
+          </a:effectRef>
+          <a:fontRef idx="minor">
+            <a:schemeClr val="lt1"/>
+          </a:fontRef>
+        </p:style>
+        <p:txBody>
+          <a:bodyPr rtlCol="0" anchor="ctr"/>
+          <a:lstStyle/>
+          <a:p>
+            <a:pPr algn="ctr"/>
+            <a:endParaRPr lang="en-US"/>
           </a:p>
         </p:txBody>
       </p:sp>
       <p:pic>
         <p:nvPicPr>
-          <p:cNvPr id="8" name="Content Placeholder 7">
-            <a:extLst>
-              <a:ext uri="{FF2B5EF4-FFF2-40B4-BE49-F238E27FC236}">
-                <a16:creationId xmlns:a16="http://schemas.microsoft.com/office/drawing/2014/main" id="{6E845811-9509-4B3B-BA63-E20A45DDA8E2}"/>
+          <p:cNvPr id="6" name="Content Placeholder 5">
+            <a:extLst>
+              <a:ext uri="{FF2B5EF4-FFF2-40B4-BE49-F238E27FC236}">
+                <a16:creationId xmlns:a16="http://schemas.microsoft.com/office/drawing/2014/main" id="{41D2FD31-3FC3-496B-A652-12BF78DD2B14}"/>
               </a:ext>
             </a:extLst>
           </p:cNvPr>
@@ -5112,8 +10107,8 @@
         </p:blipFill>
         <p:spPr>
           <a:xfrm>
-            <a:off x="6705313" y="2000765"/>
-            <a:ext cx="4115374" cy="4001058"/>
+            <a:off x="6597979" y="1420214"/>
+            <a:ext cx="4710339" cy="4160921"/>
           </a:xfrm>
           <a:prstGeom prst="rect">
             <a:avLst/>
@@ -5122,10 +10117,10 @@
       </p:pic>
       <p:cxnSp>
         <p:nvCxnSpPr>
-          <p:cNvPr id="10" name="Straight Arrow Connector 9">
-            <a:extLst>
-              <a:ext uri="{FF2B5EF4-FFF2-40B4-BE49-F238E27FC236}">
-                <a16:creationId xmlns:a16="http://schemas.microsoft.com/office/drawing/2014/main" id="{A22E6447-4CC8-48D9-909A-D961944BC467}"/>
+          <p:cNvPr id="20" name="Straight Arrow Connector 19">
+            <a:extLst>
+              <a:ext uri="{FF2B5EF4-FFF2-40B4-BE49-F238E27FC236}">
+                <a16:creationId xmlns:a16="http://schemas.microsoft.com/office/drawing/2014/main" id="{165C622D-7286-4106-825C-E2B9A275298F}"/>
               </a:ext>
             </a:extLst>
           </p:cNvPr>
@@ -5134,7 +10129,7 @@
         </p:nvCxnSpPr>
         <p:spPr>
           <a:xfrm flipH="1">
-            <a:off x="10376899" y="2691829"/>
+            <a:off x="10789666" y="1868168"/>
             <a:ext cx="236305" cy="462337"/>
           </a:xfrm>
           <a:prstGeom prst="straightConnector1">
@@ -5161,10 +10156,10 @@
       </p:cxnSp>
       <p:sp>
         <p:nvSpPr>
-          <p:cNvPr id="11" name="TextBox 10">
-            <a:extLst>
-              <a:ext uri="{FF2B5EF4-FFF2-40B4-BE49-F238E27FC236}">
-                <a16:creationId xmlns:a16="http://schemas.microsoft.com/office/drawing/2014/main" id="{CCE89BAF-2985-4133-9390-347BAB0C27B0}"/>
+          <p:cNvPr id="22" name="TextBox 21">
+            <a:extLst>
+              <a:ext uri="{FF2B5EF4-FFF2-40B4-BE49-F238E27FC236}">
+                <a16:creationId xmlns:a16="http://schemas.microsoft.com/office/drawing/2014/main" id="{0D31F9D0-0153-46B5-893A-16BC3D084BEA}"/>
               </a:ext>
             </a:extLst>
           </p:cNvPr>
@@ -5173,7 +10168,7 @@
         </p:nvSpPr>
         <p:spPr>
           <a:xfrm>
-            <a:off x="10284903" y="2256639"/>
+            <a:off x="10697670" y="1432978"/>
             <a:ext cx="1221297" cy="369332"/>
           </a:xfrm>
           <a:prstGeom prst="rect">
@@ -5208,6 +10203,587 @@
 </file>
 
 <file path=ppt/slides/slide8.xml><?xml version="1.0" encoding="utf-8"?>
+<p:sld xmlns:a="http://schemas.openxmlformats.org/drawingml/2006/main" xmlns:r="http://schemas.openxmlformats.org/officeDocument/2006/relationships" xmlns:p="http://schemas.openxmlformats.org/presentationml/2006/main">
+  <p:cSld>
+    <p:bg>
+      <p:bgPr>
+        <a:solidFill>
+          <a:schemeClr val="bg1"/>
+        </a:solidFill>
+        <a:effectLst/>
+      </p:bgPr>
+    </p:bg>
+    <p:spTree>
+      <p:nvGrpSpPr>
+        <p:cNvPr id="1" name=""/>
+        <p:cNvGrpSpPr/>
+        <p:nvPr/>
+      </p:nvGrpSpPr>
+      <p:grpSpPr>
+        <a:xfrm>
+          <a:off x="0" y="0"/>
+          <a:ext cx="0" cy="0"/>
+          <a:chOff x="0" y="0"/>
+          <a:chExt cx="0" cy="0"/>
+        </a:xfrm>
+      </p:grpSpPr>
+      <p:sp useBgFill="1">
+        <p:nvSpPr>
+          <p:cNvPr id="12" name="Rectangle 11">
+            <a:extLst>
+              <a:ext uri="{FF2B5EF4-FFF2-40B4-BE49-F238E27FC236}">
+                <a16:creationId xmlns:a16="http://schemas.microsoft.com/office/drawing/2014/main" id="{201CC55D-ED54-4C5C-95E6-10947BD1103B}"/>
+              </a:ext>
+              <a:ext uri="{C183D7F6-B498-43B3-948B-1728B52AA6E4}">
+                <adec:decorative xmlns:adec="http://schemas.microsoft.com/office/drawing/2017/decorative" val="1"/>
+              </a:ext>
+            </a:extLst>
+          </p:cNvPr>
+          <p:cNvSpPr>
+            <a:spLocks noGrp="1" noRot="1" noChangeAspect="1" noMove="1" noResize="1" noEditPoints="1" noAdjustHandles="1" noChangeArrowheads="1" noChangeShapeType="1" noTextEdit="1"/>
+          </p:cNvSpPr>
+          <p:nvPr>
+            <p:extLst>
+              <p:ext uri="{386F3935-93C4-4BCD-93E2-E3B085C9AB24}">
+                <p16:designElem xmlns:p16="http://schemas.microsoft.com/office/powerpoint/2015/main" val="1"/>
+              </p:ext>
+            </p:extLst>
+          </p:nvPr>
+        </p:nvSpPr>
+        <p:spPr>
+          <a:xfrm>
+            <a:off x="0" y="0"/>
+            <a:ext cx="12191999" cy="6857365"/>
+          </a:xfrm>
+          <a:prstGeom prst="rect">
+            <a:avLst/>
+          </a:prstGeom>
+          <a:ln>
+            <a:noFill/>
+          </a:ln>
+        </p:spPr>
+        <p:style>
+          <a:lnRef idx="2">
+            <a:schemeClr val="accent1">
+              <a:shade val="50000"/>
+            </a:schemeClr>
+          </a:lnRef>
+          <a:fillRef idx="1">
+            <a:schemeClr val="accent1"/>
+          </a:fillRef>
+          <a:effectRef idx="0">
+            <a:schemeClr val="accent1"/>
+          </a:effectRef>
+          <a:fontRef idx="minor">
+            <a:schemeClr val="lt1"/>
+          </a:fontRef>
+        </p:style>
+        <p:txBody>
+          <a:bodyPr rtlCol="0" anchor="ctr"/>
+          <a:lstStyle/>
+          <a:p>
+            <a:pPr algn="ctr"/>
+            <a:endParaRPr lang="en-US"/>
+          </a:p>
+        </p:txBody>
+      </p:sp>
+      <p:sp>
+        <p:nvSpPr>
+          <p:cNvPr id="2" name="Title 1">
+            <a:extLst>
+              <a:ext uri="{FF2B5EF4-FFF2-40B4-BE49-F238E27FC236}">
+                <a16:creationId xmlns:a16="http://schemas.microsoft.com/office/drawing/2014/main" id="{78B48FFB-D878-4B36-88FC-E45568D9E96B}"/>
+              </a:ext>
+            </a:extLst>
+          </p:cNvPr>
+          <p:cNvSpPr>
+            <a:spLocks noGrp="1"/>
+          </p:cNvSpPr>
+          <p:nvPr>
+            <p:ph type="title"/>
+          </p:nvPr>
+        </p:nvSpPr>
+        <p:spPr>
+          <a:xfrm>
+            <a:off x="589560" y="856180"/>
+            <a:ext cx="4560584" cy="1128068"/>
+          </a:xfrm>
+        </p:spPr>
+        <p:txBody>
+          <a:bodyPr vert="horz" lIns="91440" tIns="45720" rIns="91440" bIns="45720" rtlCol="0" anchor="ctr">
+            <a:normAutofit/>
+          </a:bodyPr>
+          <a:lstStyle/>
+          <a:p>
+            <a:r>
+              <a:rPr lang="en-US" sz="4000"/>
+              <a:t>Upper Pivot</a:t>
+            </a:r>
+          </a:p>
+        </p:txBody>
+      </p:sp>
+      <p:grpSp>
+        <p:nvGrpSpPr>
+          <p:cNvPr id="14" name="Group 13">
+            <a:extLst>
+              <a:ext uri="{FF2B5EF4-FFF2-40B4-BE49-F238E27FC236}">
+                <a16:creationId xmlns:a16="http://schemas.microsoft.com/office/drawing/2014/main" id="{1DE889C7-FAD6-4397-98E2-05D503484459}"/>
+              </a:ext>
+              <a:ext uri="{C183D7F6-B498-43B3-948B-1728B52AA6E4}">
+                <adec:decorative xmlns:adec="http://schemas.microsoft.com/office/drawing/2017/decorative" val="1"/>
+              </a:ext>
+            </a:extLst>
+          </p:cNvPr>
+          <p:cNvGrpSpPr>
+            <a:grpSpLocks noGrp="1" noUngrp="1" noRot="1" noChangeAspect="1" noMove="1" noResize="1"/>
+          </p:cNvGrpSpPr>
+          <p:nvPr>
+            <p:extLst>
+              <p:ext uri="{386F3935-93C4-4BCD-93E2-E3B085C9AB24}">
+                <p16:designElem xmlns:p16="http://schemas.microsoft.com/office/powerpoint/2015/main" val="1"/>
+              </p:ext>
+            </p:extLst>
+          </p:nvPr>
+        </p:nvGrpSpPr>
+        <p:grpSpPr>
+          <a:xfrm>
+            <a:off x="0" y="1083484"/>
+            <a:ext cx="355196" cy="673460"/>
+            <a:chOff x="0" y="823811"/>
+            <a:chExt cx="355196" cy="673460"/>
+          </a:xfrm>
+        </p:grpSpPr>
+        <p:sp>
+          <p:nvSpPr>
+            <p:cNvPr id="15" name="Rectangle 14">
+              <a:extLst>
+                <a:ext uri="{FF2B5EF4-FFF2-40B4-BE49-F238E27FC236}">
+                  <a16:creationId xmlns:a16="http://schemas.microsoft.com/office/drawing/2014/main" id="{F399A70F-F8CD-4992-9EF5-6CF15472E73F}"/>
+                </a:ext>
+                <a:ext uri="{C183D7F6-B498-43B3-948B-1728B52AA6E4}">
+                  <adec:decorative xmlns:adec="http://schemas.microsoft.com/office/drawing/2017/decorative" val="1"/>
+                </a:ext>
+              </a:extLst>
+            </p:cNvPr>
+            <p:cNvSpPr/>
+            <p:nvPr>
+              <p:extLst>
+                <p:ext uri="{386F3935-93C4-4BCD-93E2-E3B085C9AB24}">
+                  <p16:designElem xmlns:p16="http://schemas.microsoft.com/office/powerpoint/2015/main" val="1"/>
+                </p:ext>
+              </p:extLst>
+            </p:nvPr>
+          </p:nvSpPr>
+          <p:spPr>
+            <a:xfrm>
+              <a:off x="0" y="823811"/>
+              <a:ext cx="87363" cy="673460"/>
+            </a:xfrm>
+            <a:prstGeom prst="rect">
+              <a:avLst/>
+            </a:prstGeom>
+            <a:solidFill>
+              <a:schemeClr val="accent4"/>
+            </a:solidFill>
+            <a:ln>
+              <a:noFill/>
+            </a:ln>
+          </p:spPr>
+          <p:style>
+            <a:lnRef idx="2">
+              <a:schemeClr val="accent1">
+                <a:shade val="50000"/>
+              </a:schemeClr>
+            </a:lnRef>
+            <a:fillRef idx="1">
+              <a:schemeClr val="accent1"/>
+            </a:fillRef>
+            <a:effectRef idx="0">
+              <a:schemeClr val="accent1"/>
+            </a:effectRef>
+            <a:fontRef idx="minor">
+              <a:schemeClr val="lt1"/>
+            </a:fontRef>
+          </p:style>
+          <p:txBody>
+            <a:bodyPr rtlCol="0" anchor="ctr"/>
+            <a:lstStyle/>
+            <a:p>
+              <a:pPr algn="ctr"/>
+              <a:endParaRPr lang="en-US"/>
+            </a:p>
+          </p:txBody>
+        </p:sp>
+        <p:sp>
+          <p:nvSpPr>
+            <p:cNvPr id="16" name="Rectangle 15">
+              <a:extLst>
+                <a:ext uri="{FF2B5EF4-FFF2-40B4-BE49-F238E27FC236}">
+                  <a16:creationId xmlns:a16="http://schemas.microsoft.com/office/drawing/2014/main" id="{48F4FEDC-6D80-458C-A665-075D9B9500FD}"/>
+                </a:ext>
+                <a:ext uri="{C183D7F6-B498-43B3-948B-1728B52AA6E4}">
+                  <adec:decorative xmlns:adec="http://schemas.microsoft.com/office/drawing/2017/decorative" val="1"/>
+                </a:ext>
+              </a:extLst>
+            </p:cNvPr>
+            <p:cNvSpPr/>
+            <p:nvPr>
+              <p:extLst>
+                <p:ext uri="{386F3935-93C4-4BCD-93E2-E3B085C9AB24}">
+                  <p16:designElem xmlns:p16="http://schemas.microsoft.com/office/powerpoint/2015/main" val="1"/>
+                </p:ext>
+              </p:extLst>
+            </p:nvPr>
+          </p:nvSpPr>
+          <p:spPr>
+            <a:xfrm>
+              <a:off x="159341" y="823811"/>
+              <a:ext cx="195855" cy="673460"/>
+            </a:xfrm>
+            <a:prstGeom prst="rect">
+              <a:avLst/>
+            </a:prstGeom>
+            <a:solidFill>
+              <a:schemeClr val="accent4"/>
+            </a:solidFill>
+            <a:ln>
+              <a:noFill/>
+            </a:ln>
+          </p:spPr>
+          <p:style>
+            <a:lnRef idx="2">
+              <a:schemeClr val="accent1">
+                <a:shade val="50000"/>
+              </a:schemeClr>
+            </a:lnRef>
+            <a:fillRef idx="1">
+              <a:schemeClr val="accent1"/>
+            </a:fillRef>
+            <a:effectRef idx="0">
+              <a:schemeClr val="accent1"/>
+            </a:effectRef>
+            <a:fontRef idx="minor">
+              <a:schemeClr val="lt1"/>
+            </a:fontRef>
+          </p:style>
+          <p:txBody>
+            <a:bodyPr rtlCol="0" anchor="ctr"/>
+            <a:lstStyle/>
+            <a:p>
+              <a:pPr algn="ctr"/>
+              <a:endParaRPr lang="en-US"/>
+            </a:p>
+          </p:txBody>
+        </p:sp>
+      </p:grpSp>
+      <p:sp>
+        <p:nvSpPr>
+          <p:cNvPr id="18" name="Rectangle 17">
+            <a:extLst>
+              <a:ext uri="{FF2B5EF4-FFF2-40B4-BE49-F238E27FC236}">
+                <a16:creationId xmlns:a16="http://schemas.microsoft.com/office/drawing/2014/main" id="{3873B707-463F-40B0-8227-E8CC6C67EB25}"/>
+              </a:ext>
+              <a:ext uri="{C183D7F6-B498-43B3-948B-1728B52AA6E4}">
+                <adec:decorative xmlns:adec="http://schemas.microsoft.com/office/drawing/2017/decorative" val="1"/>
+              </a:ext>
+            </a:extLst>
+          </p:cNvPr>
+          <p:cNvSpPr>
+            <a:spLocks noGrp="1" noRot="1" noChangeAspect="1" noMove="1" noResize="1" noEditPoints="1" noAdjustHandles="1" noChangeArrowheads="1" noChangeShapeType="1" noTextEdit="1"/>
+          </p:cNvSpPr>
+          <p:nvPr>
+            <p:extLst>
+              <p:ext uri="{386F3935-93C4-4BCD-93E2-E3B085C9AB24}">
+                <p16:designElem xmlns:p16="http://schemas.microsoft.com/office/powerpoint/2015/main" val="1"/>
+              </p:ext>
+            </p:extLst>
+          </p:nvPr>
+        </p:nvSpPr>
+        <p:spPr>
+          <a:xfrm flipH="1">
+            <a:off x="665085" y="2090569"/>
+            <a:ext cx="4297680" cy="27432"/>
+          </a:xfrm>
+          <a:prstGeom prst="rect">
+            <a:avLst/>
+          </a:prstGeom>
+          <a:solidFill>
+            <a:schemeClr val="accent4"/>
+          </a:solidFill>
+          <a:ln>
+            <a:noFill/>
+          </a:ln>
+        </p:spPr>
+        <p:style>
+          <a:lnRef idx="2">
+            <a:schemeClr val="accent1">
+              <a:shade val="50000"/>
+            </a:schemeClr>
+          </a:lnRef>
+          <a:fillRef idx="1">
+            <a:schemeClr val="accent1"/>
+          </a:fillRef>
+          <a:effectRef idx="0">
+            <a:schemeClr val="accent1"/>
+          </a:effectRef>
+          <a:fontRef idx="minor">
+            <a:schemeClr val="lt1"/>
+          </a:fontRef>
+        </p:style>
+        <p:txBody>
+          <a:bodyPr rtlCol="0" anchor="ctr"/>
+          <a:lstStyle/>
+          <a:p>
+            <a:pPr algn="ctr"/>
+            <a:endParaRPr lang="en-US"/>
+          </a:p>
+        </p:txBody>
+      </p:sp>
+      <p:sp>
+        <p:nvSpPr>
+          <p:cNvPr id="3" name="Content Placeholder 2">
+            <a:extLst>
+              <a:ext uri="{FF2B5EF4-FFF2-40B4-BE49-F238E27FC236}">
+                <a16:creationId xmlns:a16="http://schemas.microsoft.com/office/drawing/2014/main" id="{6676B8BD-DDAC-4C57-A4EB-9D7670C4A2D9}"/>
+              </a:ext>
+            </a:extLst>
+          </p:cNvPr>
+          <p:cNvSpPr>
+            <a:spLocks noGrp="1"/>
+          </p:cNvSpPr>
+          <p:nvPr>
+            <p:ph sz="half" idx="1"/>
+          </p:nvPr>
+        </p:nvSpPr>
+        <p:spPr>
+          <a:xfrm>
+            <a:off x="590719" y="2330505"/>
+            <a:ext cx="4559425" cy="3979585"/>
+          </a:xfrm>
+        </p:spPr>
+        <p:txBody>
+          <a:bodyPr vert="horz" lIns="91440" tIns="45720" rIns="91440" bIns="45720" rtlCol="0" anchor="ctr">
+            <a:normAutofit/>
+          </a:bodyPr>
+          <a:lstStyle/>
+          <a:p>
+            <a:r>
+              <a:rPr lang="en-US" sz="2000"/>
+              <a:t>Each side of pivot plate is doweled into place.</a:t>
+            </a:r>
+          </a:p>
+          <a:p>
+            <a:r>
+              <a:rPr lang="en-US" sz="2000"/>
+              <a:t>4 Holes for attaching to cart or boom.</a:t>
+            </a:r>
+          </a:p>
+          <a:p>
+            <a:pPr lvl="1"/>
+            <a:r>
+              <a:rPr lang="en-US" sz="2000"/>
+              <a:t>To be designed by Dillon Herbert for DOE or TBD for Manta Ray.</a:t>
+            </a:r>
+          </a:p>
+          <a:p>
+            <a:r>
+              <a:rPr lang="en-US" sz="2000"/>
+              <a:t>Mass of stationary upper pivot components is of minimal concern</a:t>
+            </a:r>
+          </a:p>
+          <a:p>
+            <a:pPr lvl="1"/>
+            <a:r>
+              <a:rPr lang="en-US" sz="2000"/>
+              <a:t>Does not contribute to the dynamic response of the sensor.</a:t>
+            </a:r>
+          </a:p>
+          <a:p>
+            <a:endParaRPr lang="en-US" sz="2000"/>
+          </a:p>
+          <a:p>
+            <a:endParaRPr lang="en-US" sz="2000"/>
+          </a:p>
+        </p:txBody>
+      </p:sp>
+      <p:sp>
+        <p:nvSpPr>
+          <p:cNvPr id="20" name="Rectangle 19">
+            <a:extLst>
+              <a:ext uri="{FF2B5EF4-FFF2-40B4-BE49-F238E27FC236}">
+                <a16:creationId xmlns:a16="http://schemas.microsoft.com/office/drawing/2014/main" id="{C13237C8-E62C-4F0D-A318-BD6FB6C2D138}"/>
+              </a:ext>
+              <a:ext uri="{C183D7F6-B498-43B3-948B-1728B52AA6E4}">
+                <adec:decorative xmlns:adec="http://schemas.microsoft.com/office/drawing/2017/decorative" val="1"/>
+              </a:ext>
+            </a:extLst>
+          </p:cNvPr>
+          <p:cNvSpPr>
+            <a:spLocks noGrp="1" noRot="1" noChangeAspect="1" noMove="1" noResize="1" noEditPoints="1" noAdjustHandles="1" noChangeArrowheads="1" noChangeShapeType="1" noTextEdit="1"/>
+          </p:cNvSpPr>
+          <p:nvPr>
+            <p:extLst>
+              <p:ext uri="{386F3935-93C4-4BCD-93E2-E3B085C9AB24}">
+                <p16:designElem xmlns:p16="http://schemas.microsoft.com/office/powerpoint/2015/main" val="1"/>
+              </p:ext>
+            </p:extLst>
+          </p:nvPr>
+        </p:nvSpPr>
+        <p:spPr>
+          <a:xfrm flipH="1">
+            <a:off x="10697670" y="0"/>
+            <a:ext cx="1494330" cy="6858000"/>
+          </a:xfrm>
+          <a:prstGeom prst="rect">
+            <a:avLst/>
+          </a:prstGeom>
+          <a:solidFill>
+            <a:schemeClr val="accent4"/>
+          </a:solidFill>
+          <a:ln>
+            <a:noFill/>
+          </a:ln>
+        </p:spPr>
+        <p:style>
+          <a:lnRef idx="2">
+            <a:schemeClr val="accent1">
+              <a:shade val="50000"/>
+            </a:schemeClr>
+          </a:lnRef>
+          <a:fillRef idx="1">
+            <a:schemeClr val="accent1"/>
+          </a:fillRef>
+          <a:effectRef idx="0">
+            <a:schemeClr val="accent1"/>
+          </a:effectRef>
+          <a:fontRef idx="minor">
+            <a:schemeClr val="lt1"/>
+          </a:fontRef>
+        </p:style>
+        <p:txBody>
+          <a:bodyPr rtlCol="0" anchor="ctr"/>
+          <a:lstStyle/>
+          <a:p>
+            <a:pPr algn="ctr"/>
+            <a:endParaRPr lang="en-US"/>
+          </a:p>
+        </p:txBody>
+      </p:sp>
+      <p:sp>
+        <p:nvSpPr>
+          <p:cNvPr id="22" name="Rectangle 21">
+            <a:extLst>
+              <a:ext uri="{FF2B5EF4-FFF2-40B4-BE49-F238E27FC236}">
+                <a16:creationId xmlns:a16="http://schemas.microsoft.com/office/drawing/2014/main" id="{19C9EAEA-39D0-4B0E-A0EB-51E7B26740B1}"/>
+              </a:ext>
+              <a:ext uri="{C183D7F6-B498-43B3-948B-1728B52AA6E4}">
+                <adec:decorative xmlns:adec="http://schemas.microsoft.com/office/drawing/2017/decorative" val="1"/>
+              </a:ext>
+            </a:extLst>
+          </p:cNvPr>
+          <p:cNvSpPr>
+            <a:spLocks noGrp="1" noRot="1" noChangeAspect="1" noMove="1" noResize="1" noEditPoints="1" noAdjustHandles="1" noChangeArrowheads="1" noChangeShapeType="1" noTextEdit="1"/>
+          </p:cNvSpPr>
+          <p:nvPr>
+            <p:extLst>
+              <p:ext uri="{386F3935-93C4-4BCD-93E2-E3B085C9AB24}">
+                <p16:designElem xmlns:p16="http://schemas.microsoft.com/office/powerpoint/2015/main" val="1"/>
+              </p:ext>
+            </p:extLst>
+          </p:nvPr>
+        </p:nvSpPr>
+        <p:spPr>
+          <a:xfrm>
+            <a:off x="5685810" y="513853"/>
+            <a:ext cx="6009366" cy="5834577"/>
+          </a:xfrm>
+          <a:prstGeom prst="rect">
+            <a:avLst/>
+          </a:prstGeom>
+          <a:solidFill>
+            <a:schemeClr val="bg1"/>
+          </a:solidFill>
+          <a:ln>
+            <a:noFill/>
+          </a:ln>
+          <a:effectLst>
+            <a:outerShdw blurRad="139700" dist="127000" dir="5400000" algn="t" rotWithShape="0">
+              <a:prstClr val="black">
+                <a:alpha val="15000"/>
+              </a:prstClr>
+            </a:outerShdw>
+          </a:effectLst>
+        </p:spPr>
+        <p:style>
+          <a:lnRef idx="2">
+            <a:schemeClr val="accent1">
+              <a:shade val="50000"/>
+            </a:schemeClr>
+          </a:lnRef>
+          <a:fillRef idx="1">
+            <a:schemeClr val="accent1"/>
+          </a:fillRef>
+          <a:effectRef idx="0">
+            <a:schemeClr val="accent1"/>
+          </a:effectRef>
+          <a:fontRef idx="minor">
+            <a:schemeClr val="lt1"/>
+          </a:fontRef>
+        </p:style>
+        <p:txBody>
+          <a:bodyPr rtlCol="0" anchor="ctr"/>
+          <a:lstStyle/>
+          <a:p>
+            <a:pPr algn="ctr"/>
+            <a:endParaRPr lang="en-US"/>
+          </a:p>
+        </p:txBody>
+      </p:sp>
+      <p:pic>
+        <p:nvPicPr>
+          <p:cNvPr id="7" name="Content Placeholder 6">
+            <a:extLst>
+              <a:ext uri="{FF2B5EF4-FFF2-40B4-BE49-F238E27FC236}">
+                <a16:creationId xmlns:a16="http://schemas.microsoft.com/office/drawing/2014/main" id="{D4E43476-53E0-4DCA-BF1E-74BC3A77AEB5}"/>
+              </a:ext>
+            </a:extLst>
+          </p:cNvPr>
+          <p:cNvPicPr>
+            <a:picLocks noGrp="1" noChangeAspect="1"/>
+          </p:cNvPicPr>
+          <p:nvPr>
+            <p:ph sz="half" idx="2"/>
+          </p:nvPr>
+        </p:nvPicPr>
+        <p:blipFill rotWithShape="1">
+          <a:blip r:embed="rId2"/>
+          <a:srcRect l="2864" r="3516" b="-3"/>
+          <a:stretch/>
+        </p:blipFill>
+        <p:spPr>
+          <a:xfrm>
+            <a:off x="5977788" y="799352"/>
+            <a:ext cx="5425410" cy="5259296"/>
+          </a:xfrm>
+          <a:prstGeom prst="rect">
+            <a:avLst/>
+          </a:prstGeom>
+        </p:spPr>
+      </p:pic>
+    </p:spTree>
+    <p:extLst>
+      <p:ext uri="{BB962C8B-B14F-4D97-AF65-F5344CB8AC3E}">
+        <p14:creationId xmlns:p14="http://schemas.microsoft.com/office/powerpoint/2010/main" val="1984350779"/>
+      </p:ext>
+    </p:extLst>
+  </p:cSld>
+  <p:clrMapOvr>
+    <a:masterClrMapping/>
+  </p:clrMapOvr>
+</p:sld>
+</file>
+
+<file path=ppt/slides/slide9.xml><?xml version="1.0" encoding="utf-8"?>
 <p:sld xmlns:a="http://schemas.openxmlformats.org/drawingml/2006/main" xmlns:r="http://schemas.openxmlformats.org/officeDocument/2006/relationships" xmlns:p="http://schemas.openxmlformats.org/presentationml/2006/main">
   <p:cSld>
     <p:spTree>
@@ -5229,7 +10805,7 @@
           <p:cNvPr id="2" name="Title 1">
             <a:extLst>
               <a:ext uri="{FF2B5EF4-FFF2-40B4-BE49-F238E27FC236}">
-                <a16:creationId xmlns:a16="http://schemas.microsoft.com/office/drawing/2014/main" id="{78B48FFB-D878-4B36-88FC-E45568D9E96B}"/>
+                <a16:creationId xmlns:a16="http://schemas.microsoft.com/office/drawing/2014/main" id="{807EFDC9-1CDE-45EA-9F31-AB47466F30C8}"/>
               </a:ext>
             </a:extLst>
           </p:cNvPr>
@@ -5247,165 +10823,251 @@
           <a:p>
             <a:r>
               <a:rPr lang="en-US" dirty="0"/>
-              <a:t>Upper Pivot</a:t>
-            </a:r>
-          </a:p>
-        </p:txBody>
-      </p:sp>
-      <p:sp>
-        <p:nvSpPr>
-          <p:cNvPr id="3" name="Content Placeholder 2">
-            <a:extLst>
-              <a:ext uri="{FF2B5EF4-FFF2-40B4-BE49-F238E27FC236}">
-                <a16:creationId xmlns:a16="http://schemas.microsoft.com/office/drawing/2014/main" id="{6676B8BD-DDAC-4C57-A4EB-9D7670C4A2D9}"/>
-              </a:ext>
-            </a:extLst>
-          </p:cNvPr>
-          <p:cNvSpPr>
-            <a:spLocks noGrp="1"/>
-          </p:cNvSpPr>
-          <p:nvPr>
-            <p:ph sz="half" idx="1"/>
-          </p:nvPr>
-        </p:nvSpPr>
-        <p:spPr/>
-        <p:txBody>
-          <a:bodyPr/>
-          <a:lstStyle/>
-          <a:p>
-            <a:r>
-              <a:rPr lang="en-US" dirty="0"/>
-              <a:t>Each side of pivot plate is doweled into place.</a:t>
-            </a:r>
-          </a:p>
-          <a:p>
-            <a:r>
-              <a:rPr lang="en-US" dirty="0"/>
-              <a:t>4 Holes for attaching to cart or boom.</a:t>
-            </a:r>
-          </a:p>
-          <a:p>
-            <a:pPr lvl="1"/>
-            <a:r>
-              <a:rPr lang="en-US" dirty="0"/>
-              <a:t>To be designed by Dillon Herbert for DOE or TBD for Manta Ray.</a:t>
-            </a:r>
-          </a:p>
-          <a:p>
-            <a:endParaRPr lang="en-US" dirty="0"/>
-          </a:p>
-        </p:txBody>
-      </p:sp>
-      <p:cxnSp>
-        <p:nvCxnSpPr>
-          <p:cNvPr id="10" name="Straight Arrow Connector 9">
-            <a:extLst>
-              <a:ext uri="{FF2B5EF4-FFF2-40B4-BE49-F238E27FC236}">
-                <a16:creationId xmlns:a16="http://schemas.microsoft.com/office/drawing/2014/main" id="{A22E6447-4CC8-48D9-909A-D961944BC467}"/>
-              </a:ext>
-            </a:extLst>
-          </p:cNvPr>
-          <p:cNvCxnSpPr/>
-          <p:nvPr/>
-        </p:nvCxnSpPr>
-        <p:spPr>
-          <a:xfrm flipH="1">
-            <a:off x="10376899" y="2691829"/>
-            <a:ext cx="236305" cy="462337"/>
-          </a:xfrm>
-          <a:prstGeom prst="straightConnector1">
-            <a:avLst/>
-          </a:prstGeom>
-          <a:ln>
-            <a:tailEnd type="triangle"/>
-          </a:ln>
-        </p:spPr>
-        <p:style>
-          <a:lnRef idx="1">
-            <a:schemeClr val="accent1"/>
-          </a:lnRef>
-          <a:fillRef idx="0">
-            <a:schemeClr val="accent1"/>
-          </a:fillRef>
-          <a:effectRef idx="0">
-            <a:schemeClr val="accent1"/>
-          </a:effectRef>
-          <a:fontRef idx="minor">
-            <a:schemeClr val="tx1"/>
-          </a:fontRef>
-        </p:style>
-      </p:cxnSp>
-      <p:sp>
-        <p:nvSpPr>
-          <p:cNvPr id="11" name="TextBox 10">
-            <a:extLst>
-              <a:ext uri="{FF2B5EF4-FFF2-40B4-BE49-F238E27FC236}">
-                <a16:creationId xmlns:a16="http://schemas.microsoft.com/office/drawing/2014/main" id="{CCE89BAF-2985-4133-9390-347BAB0C27B0}"/>
-              </a:ext>
-            </a:extLst>
-          </p:cNvPr>
-          <p:cNvSpPr txBox="1"/>
-          <p:nvPr/>
-        </p:nvSpPr>
-        <p:spPr>
-          <a:xfrm>
-            <a:off x="10284903" y="2256639"/>
-            <a:ext cx="1221297" cy="369332"/>
-          </a:xfrm>
-          <a:prstGeom prst="rect">
-            <a:avLst/>
-          </a:prstGeom>
-          <a:noFill/>
-        </p:spPr>
-        <p:txBody>
-          <a:bodyPr wrap="square" rtlCol="0">
-            <a:spAutoFit/>
-          </a:bodyPr>
-          <a:lstStyle/>
-          <a:p>
-            <a:r>
-              <a:rPr lang="en-US" dirty="0"/>
-              <a:t>Anode</a:t>
-            </a:r>
-          </a:p>
-        </p:txBody>
-      </p:sp>
-      <p:pic>
-        <p:nvPicPr>
-          <p:cNvPr id="7" name="Content Placeholder 6">
-            <a:extLst>
-              <a:ext uri="{FF2B5EF4-FFF2-40B4-BE49-F238E27FC236}">
-                <a16:creationId xmlns:a16="http://schemas.microsoft.com/office/drawing/2014/main" id="{D4E43476-53E0-4DCA-BF1E-74BC3A77AEB5}"/>
-              </a:ext>
-            </a:extLst>
-          </p:cNvPr>
-          <p:cNvPicPr>
-            <a:picLocks noGrp="1" noChangeAspect="1"/>
-          </p:cNvPicPr>
-          <p:nvPr>
-            <p:ph sz="half" idx="2"/>
-          </p:nvPr>
-        </p:nvPicPr>
-        <p:blipFill>
-          <a:blip r:embed="rId2"/>
-          <a:stretch>
-            <a:fillRect/>
-          </a:stretch>
-        </p:blipFill>
-        <p:spPr>
-          <a:xfrm>
-            <a:off x="6364748" y="1825625"/>
-            <a:ext cx="4796503" cy="4351338"/>
-          </a:xfrm>
-          <a:prstGeom prst="rect">
-            <a:avLst/>
-          </a:prstGeom>
-        </p:spPr>
-      </p:pic>
+              <a:t>Center of Mass/Buoyancy Questions</a:t>
+            </a:r>
+          </a:p>
+        </p:txBody>
+      </p:sp>
+      <mc:AlternateContent xmlns:mc="http://schemas.openxmlformats.org/markup-compatibility/2006">
+        <mc:Choice xmlns:a14="http://schemas.microsoft.com/office/drawing/2010/main" Requires="a14">
+          <p:sp>
+            <p:nvSpPr>
+              <p:cNvPr id="4" name="Content Placeholder 3">
+                <a:extLst>
+                  <a:ext uri="{FF2B5EF4-FFF2-40B4-BE49-F238E27FC236}">
+                    <a16:creationId xmlns:a16="http://schemas.microsoft.com/office/drawing/2014/main" id="{F5CDC8E3-5B98-4F80-8963-6B55CBF9413C}"/>
+                  </a:ext>
+                </a:extLst>
+              </p:cNvPr>
+              <p:cNvSpPr>
+                <a:spLocks noGrp="1"/>
+              </p:cNvSpPr>
+              <p:nvPr>
+                <p:ph idx="1"/>
+              </p:nvPr>
+            </p:nvSpPr>
+            <p:spPr/>
+            <p:txBody>
+              <a:bodyPr/>
+              <a:lstStyle/>
+              <a:p>
+                <a:r>
+                  <a:rPr lang="en-US" dirty="0"/>
+                  <a:t>Assumptions for FBD derivation</a:t>
+                </a:r>
+              </a:p>
+              <a:p>
+                <a:pPr lvl="1"/>
+                <a:r>
+                  <a:rPr lang="en-US" dirty="0"/>
+                  <a:t>Steady level flight – this is suitable for tow mode operation.</a:t>
+                </a:r>
+              </a:p>
+              <a:p>
+                <a:pPr lvl="1"/>
+                <a:r>
+                  <a:rPr lang="en-US" dirty="0"/>
+                  <a:t>In flight operation, @ 30 degrees of elevation, CM/CB deviations will effect both yaw and pitch.</a:t>
+                </a:r>
+              </a:p>
+              <a:p>
+                <a:pPr lvl="2"/>
+                <a14:m>
+                  <m:oMath xmlns:m="http://schemas.openxmlformats.org/officeDocument/2006/math">
+                    <m:sSub>
+                      <m:sSubPr>
+                        <m:ctrlPr>
+                          <a:rPr lang="en-US" b="0" i="1" smtClean="0">
+                            <a:latin typeface="Cambria Math" panose="02040503050406030204" pitchFamily="18" charset="0"/>
+                          </a:rPr>
+                        </m:ctrlPr>
+                      </m:sSubPr>
+                      <m:e>
+                        <m:r>
+                          <a:rPr lang="en-US" b="0" i="1" smtClean="0">
+                            <a:latin typeface="Cambria Math" panose="02040503050406030204" pitchFamily="18" charset="0"/>
+                          </a:rPr>
+                          <m:t>𝐹</m:t>
+                        </m:r>
+                      </m:e>
+                      <m:sub>
+                        <m:r>
+                          <a:rPr lang="en-US" b="0" i="1" smtClean="0">
+                            <a:latin typeface="Cambria Math" panose="02040503050406030204" pitchFamily="18" charset="0"/>
+                          </a:rPr>
+                          <m:t>𝐵</m:t>
+                        </m:r>
+                      </m:sub>
+                    </m:sSub>
+                    <m:r>
+                      <a:rPr lang="en-US" b="0" i="1" smtClean="0">
+                        <a:latin typeface="Cambria Math" panose="02040503050406030204" pitchFamily="18" charset="0"/>
+                      </a:rPr>
+                      <m:t>=</m:t>
+                    </m:r>
+                    <m:d>
+                      <m:dPr>
+                        <m:ctrlPr>
+                          <a:rPr lang="en-US" b="0" i="1" smtClean="0">
+                            <a:latin typeface="Cambria Math" panose="02040503050406030204" pitchFamily="18" charset="0"/>
+                          </a:rPr>
+                        </m:ctrlPr>
+                      </m:dPr>
+                      <m:e>
+                        <m:r>
+                          <a:rPr lang="en-US" b="0" i="1" smtClean="0">
+                            <a:latin typeface="Cambria Math" panose="02040503050406030204" pitchFamily="18" charset="0"/>
+                          </a:rPr>
+                          <m:t>1+</m:t>
+                        </m:r>
+                        <m:r>
+                          <a:rPr lang="en-US" b="0" i="1" smtClean="0">
+                            <a:latin typeface="Cambria Math" panose="02040503050406030204" pitchFamily="18" charset="0"/>
+                          </a:rPr>
+                          <m:t>𝛾</m:t>
+                        </m:r>
+                      </m:e>
+                    </m:d>
+                    <m:r>
+                      <a:rPr lang="en-US" b="0" i="1" smtClean="0">
+                        <a:latin typeface="Cambria Math" panose="02040503050406030204" pitchFamily="18" charset="0"/>
+                      </a:rPr>
+                      <m:t>𝑚𝑔</m:t>
+                    </m:r>
+                    <m:d>
+                      <m:dPr>
+                        <m:ctrlPr>
+                          <a:rPr lang="en-US" b="0" i="1" smtClean="0">
+                            <a:latin typeface="Cambria Math" panose="02040503050406030204" pitchFamily="18" charset="0"/>
+                          </a:rPr>
+                        </m:ctrlPr>
+                      </m:dPr>
+                      <m:e>
+                        <m:func>
+                          <m:funcPr>
+                            <m:ctrlPr>
+                              <a:rPr lang="en-US" b="0" i="1" smtClean="0">
+                                <a:latin typeface="Cambria Math" panose="02040503050406030204" pitchFamily="18" charset="0"/>
+                              </a:rPr>
+                            </m:ctrlPr>
+                          </m:funcPr>
+                          <m:fName>
+                            <m:r>
+                              <m:rPr>
+                                <m:sty m:val="p"/>
+                              </m:rPr>
+                              <a:rPr lang="en-US" b="0" i="0" smtClean="0">
+                                <a:latin typeface="Cambria Math" panose="02040503050406030204" pitchFamily="18" charset="0"/>
+                              </a:rPr>
+                              <m:t>sin</m:t>
+                            </m:r>
+                          </m:fName>
+                          <m:e>
+                            <m:r>
+                              <a:rPr lang="en-US" b="0" i="1" smtClean="0">
+                                <a:latin typeface="Cambria Math" panose="02040503050406030204" pitchFamily="18" charset="0"/>
+                              </a:rPr>
+                              <m:t>𝜃</m:t>
+                            </m:r>
+                            <m:r>
+                              <a:rPr lang="en-US" b="0" i="1" smtClean="0">
+                                <a:latin typeface="Cambria Math" panose="02040503050406030204" pitchFamily="18" charset="0"/>
+                              </a:rPr>
+                              <m:t>𝑗</m:t>
+                            </m:r>
+                          </m:e>
+                        </m:func>
+                        <m:r>
+                          <a:rPr lang="en-US" b="0" i="1" smtClean="0">
+                            <a:latin typeface="Cambria Math" panose="02040503050406030204" pitchFamily="18" charset="0"/>
+                          </a:rPr>
+                          <m:t>+</m:t>
+                        </m:r>
+                        <m:r>
+                          <a:rPr lang="en-US" b="0" i="1" smtClean="0">
+                            <a:latin typeface="Cambria Math" panose="02040503050406030204" pitchFamily="18" charset="0"/>
+                          </a:rPr>
+                          <m:t>𝑐𝑜𝑠</m:t>
+                        </m:r>
+                        <m:r>
+                          <a:rPr lang="en-US" b="0" i="1" smtClean="0">
+                            <a:latin typeface="Cambria Math" panose="02040503050406030204" pitchFamily="18" charset="0"/>
+                          </a:rPr>
+                          <m:t>𝜃</m:t>
+                        </m:r>
+                        <m:r>
+                          <a:rPr lang="en-US" b="0" i="1" smtClean="0">
+                            <a:latin typeface="Cambria Math" panose="02040503050406030204" pitchFamily="18" charset="0"/>
+                          </a:rPr>
+                          <m:t>𝑘</m:t>
+                        </m:r>
+                      </m:e>
+                    </m:d>
+                  </m:oMath>
+                </a14:m>
+                <a:endParaRPr lang="en-US" dirty="0"/>
+              </a:p>
+              <a:p>
+                <a:pPr lvl="1"/>
+                <a:r>
+                  <a:rPr lang="en-US" dirty="0"/>
+                  <a:t>General thrust still applies, but with control authority moving to the rudder.</a:t>
+                </a:r>
+              </a:p>
+              <a:p>
+                <a:pPr lvl="1"/>
+                <a:r>
+                  <a:rPr lang="en-US" dirty="0"/>
+                  <a:t>I haven’t taken a flight dynamics course, so I’m neglecting coupling, which may have a large effect.</a:t>
+                </a:r>
+              </a:p>
+            </p:txBody>
+          </p:sp>
+        </mc:Choice>
+        <mc:Fallback>
+          <p:sp>
+            <p:nvSpPr>
+              <p:cNvPr id="4" name="Content Placeholder 3">
+                <a:extLst>
+                  <a:ext uri="{FF2B5EF4-FFF2-40B4-BE49-F238E27FC236}">
+                    <a16:creationId xmlns:a16="http://schemas.microsoft.com/office/drawing/2014/main" id="{F5CDC8E3-5B98-4F80-8963-6B55CBF9413C}"/>
+                  </a:ext>
+                </a:extLst>
+              </p:cNvPr>
+              <p:cNvSpPr>
+                <a:spLocks noGrp="1" noRot="1" noChangeAspect="1" noMove="1" noResize="1" noEditPoints="1" noAdjustHandles="1" noChangeArrowheads="1" noChangeShapeType="1" noTextEdit="1"/>
+              </p:cNvSpPr>
+              <p:nvPr>
+                <p:ph idx="1"/>
+              </p:nvPr>
+            </p:nvSpPr>
+            <p:spPr>
+              <a:blipFill>
+                <a:blip r:embed="rId2"/>
+                <a:stretch>
+                  <a:fillRect l="-1043" t="-2241"/>
+                </a:stretch>
+              </a:blipFill>
+            </p:spPr>
+            <p:txBody>
+              <a:bodyPr/>
+              <a:lstStyle/>
+              <a:p>
+                <a:r>
+                  <a:rPr lang="en-US">
+                    <a:noFill/>
+                  </a:rPr>
+                  <a:t> </a:t>
+                </a:r>
+              </a:p>
+            </p:txBody>
+          </p:sp>
+        </mc:Fallback>
+      </mc:AlternateContent>
     </p:spTree>
     <p:extLst>
       <p:ext uri="{BB962C8B-B14F-4D97-AF65-F5344CB8AC3E}">
-        <p14:creationId xmlns:p14="http://schemas.microsoft.com/office/powerpoint/2010/main" val="1984350779"/>
+        <p14:creationId xmlns:p14="http://schemas.microsoft.com/office/powerpoint/2010/main" val="2032268139"/>
       </p:ext>
     </p:extLst>
   </p:cSld>

--- a/documentation/kiteCAD/solidworks/Line Angle Sensor/Line Angle Sensor Design.pptx
+++ b/documentation/kiteCAD/solidworks/Line Angle Sensor/Line Angle Sensor Design.pptx
@@ -5,17 +5,10 @@
     <p:sldMasterId id="2147483648" r:id="rId1"/>
   </p:sldMasterIdLst>
   <p:sldIdLst>
-    <p:sldId id="256" r:id="rId2"/>
-    <p:sldId id="258" r:id="rId3"/>
-    <p:sldId id="261" r:id="rId4"/>
-    <p:sldId id="257" r:id="rId5"/>
-    <p:sldId id="259" r:id="rId6"/>
-    <p:sldId id="260" r:id="rId7"/>
-    <p:sldId id="262" r:id="rId8"/>
-    <p:sldId id="263" r:id="rId9"/>
-    <p:sldId id="267" r:id="rId10"/>
-    <p:sldId id="266" r:id="rId11"/>
-    <p:sldId id="264" r:id="rId12"/>
+    <p:sldId id="261" r:id="rId2"/>
+    <p:sldId id="259" r:id="rId3"/>
+    <p:sldId id="260" r:id="rId4"/>
+    <p:sldId id="262" r:id="rId5"/>
   </p:sldIdLst>
   <p:sldSz cx="12192000" cy="6858000"/>
   <p:notesSz cx="6858000" cy="9144000"/>
@@ -269,7 +262,7 @@
           <a:p>
             <a:fld id="{63F6F521-D239-482F-8F93-B8BD4D6E2FCE}" type="datetimeFigureOut">
               <a:rPr lang="en-US" smtClean="0"/>
-              <a:t>9/9/2020</a:t>
+              <a:t>9/24/2020</a:t>
             </a:fld>
             <a:endParaRPr lang="en-US"/>
           </a:p>
@@ -467,7 +460,7 @@
           <a:p>
             <a:fld id="{63F6F521-D239-482F-8F93-B8BD4D6E2FCE}" type="datetimeFigureOut">
               <a:rPr lang="en-US" smtClean="0"/>
-              <a:t>9/9/2020</a:t>
+              <a:t>9/24/2020</a:t>
             </a:fld>
             <a:endParaRPr lang="en-US"/>
           </a:p>
@@ -675,7 +668,7 @@
           <a:p>
             <a:fld id="{63F6F521-D239-482F-8F93-B8BD4D6E2FCE}" type="datetimeFigureOut">
               <a:rPr lang="en-US" smtClean="0"/>
-              <a:t>9/9/2020</a:t>
+              <a:t>9/24/2020</a:t>
             </a:fld>
             <a:endParaRPr lang="en-US"/>
           </a:p>
@@ -873,7 +866,7 @@
           <a:p>
             <a:fld id="{63F6F521-D239-482F-8F93-B8BD4D6E2FCE}" type="datetimeFigureOut">
               <a:rPr lang="en-US" smtClean="0"/>
-              <a:t>9/9/2020</a:t>
+              <a:t>9/24/2020</a:t>
             </a:fld>
             <a:endParaRPr lang="en-US"/>
           </a:p>
@@ -1148,7 +1141,7 @@
           <a:p>
             <a:fld id="{63F6F521-D239-482F-8F93-B8BD4D6E2FCE}" type="datetimeFigureOut">
               <a:rPr lang="en-US" smtClean="0"/>
-              <a:t>9/9/2020</a:t>
+              <a:t>9/24/2020</a:t>
             </a:fld>
             <a:endParaRPr lang="en-US"/>
           </a:p>
@@ -1413,7 +1406,7 @@
           <a:p>
             <a:fld id="{63F6F521-D239-482F-8F93-B8BD4D6E2FCE}" type="datetimeFigureOut">
               <a:rPr lang="en-US" smtClean="0"/>
-              <a:t>9/9/2020</a:t>
+              <a:t>9/24/2020</a:t>
             </a:fld>
             <a:endParaRPr lang="en-US"/>
           </a:p>
@@ -1825,7 +1818,7 @@
           <a:p>
             <a:fld id="{63F6F521-D239-482F-8F93-B8BD4D6E2FCE}" type="datetimeFigureOut">
               <a:rPr lang="en-US" smtClean="0"/>
-              <a:t>9/9/2020</a:t>
+              <a:t>9/24/2020</a:t>
             </a:fld>
             <a:endParaRPr lang="en-US"/>
           </a:p>
@@ -1966,7 +1959,7 @@
           <a:p>
             <a:fld id="{63F6F521-D239-482F-8F93-B8BD4D6E2FCE}" type="datetimeFigureOut">
               <a:rPr lang="en-US" smtClean="0"/>
-              <a:t>9/9/2020</a:t>
+              <a:t>9/24/2020</a:t>
             </a:fld>
             <a:endParaRPr lang="en-US"/>
           </a:p>
@@ -2079,7 +2072,7 @@
           <a:p>
             <a:fld id="{63F6F521-D239-482F-8F93-B8BD4D6E2FCE}" type="datetimeFigureOut">
               <a:rPr lang="en-US" smtClean="0"/>
-              <a:t>9/9/2020</a:t>
+              <a:t>9/24/2020</a:t>
             </a:fld>
             <a:endParaRPr lang="en-US"/>
           </a:p>
@@ -2390,7 +2383,7 @@
           <a:p>
             <a:fld id="{63F6F521-D239-482F-8F93-B8BD4D6E2FCE}" type="datetimeFigureOut">
               <a:rPr lang="en-US" smtClean="0"/>
-              <a:t>9/9/2020</a:t>
+              <a:t>9/24/2020</a:t>
             </a:fld>
             <a:endParaRPr lang="en-US"/>
           </a:p>
@@ -2678,7 +2671,7 @@
           <a:p>
             <a:fld id="{63F6F521-D239-482F-8F93-B8BD4D6E2FCE}" type="datetimeFigureOut">
               <a:rPr lang="en-US" smtClean="0"/>
-              <a:t>9/9/2020</a:t>
+              <a:t>9/24/2020</a:t>
             </a:fld>
             <a:endParaRPr lang="en-US"/>
           </a:p>
@@ -2919,7 +2912,7 @@
           <a:p>
             <a:fld id="{63F6F521-D239-482F-8F93-B8BD4D6E2FCE}" type="datetimeFigureOut">
               <a:rPr lang="en-US" smtClean="0"/>
-              <a:t>9/9/2020</a:t>
+              <a:t>9/24/2020</a:t>
             </a:fld>
             <a:endParaRPr lang="en-US"/>
           </a:p>
@@ -3346,3751 +3339,6 @@
       </p:grpSpPr>
       <p:sp useBgFill="1">
         <p:nvSpPr>
-          <p:cNvPr id="8" name="Rectangle 7">
-            <a:extLst>
-              <a:ext uri="{FF2B5EF4-FFF2-40B4-BE49-F238E27FC236}">
-                <a16:creationId xmlns:a16="http://schemas.microsoft.com/office/drawing/2014/main" id="{A7895A40-19A4-42D6-9D30-DBC1E8002635}"/>
-              </a:ext>
-              <a:ext uri="{C183D7F6-B498-43B3-948B-1728B52AA6E4}">
-                <adec:decorative xmlns:adec="http://schemas.microsoft.com/office/drawing/2017/decorative" val="1"/>
-              </a:ext>
-            </a:extLst>
-          </p:cNvPr>
-          <p:cNvSpPr>
-            <a:spLocks noGrp="1" noRot="1" noChangeAspect="1" noMove="1" noResize="1" noEditPoints="1" noAdjustHandles="1" noChangeArrowheads="1" noChangeShapeType="1" noTextEdit="1"/>
-          </p:cNvSpPr>
-          <p:nvPr>
-            <p:extLst>
-              <p:ext uri="{386F3935-93C4-4BCD-93E2-E3B085C9AB24}">
-                <p16:designElem xmlns:p16="http://schemas.microsoft.com/office/powerpoint/2015/main" val="1"/>
-              </p:ext>
-            </p:extLst>
-          </p:nvPr>
-        </p:nvSpPr>
-        <p:spPr>
-          <a:xfrm>
-            <a:off x="0" y="0"/>
-            <a:ext cx="12191999" cy="6857365"/>
-          </a:xfrm>
-          <a:prstGeom prst="rect">
-            <a:avLst/>
-          </a:prstGeom>
-          <a:ln>
-            <a:noFill/>
-          </a:ln>
-        </p:spPr>
-        <p:style>
-          <a:lnRef idx="2">
-            <a:schemeClr val="accent1">
-              <a:shade val="50000"/>
-            </a:schemeClr>
-          </a:lnRef>
-          <a:fillRef idx="1">
-            <a:schemeClr val="accent1"/>
-          </a:fillRef>
-          <a:effectRef idx="0">
-            <a:schemeClr val="accent1"/>
-          </a:effectRef>
-          <a:fontRef idx="minor">
-            <a:schemeClr val="lt1"/>
-          </a:fontRef>
-        </p:style>
-        <p:txBody>
-          <a:bodyPr rtlCol="0" anchor="ctr"/>
-          <a:lstStyle/>
-          <a:p>
-            <a:pPr algn="ctr"/>
-            <a:endParaRPr lang="en-US"/>
-          </a:p>
-        </p:txBody>
-      </p:sp>
-      <p:sp>
-        <p:nvSpPr>
-          <p:cNvPr id="10" name="Rectangle 9">
-            <a:extLst>
-              <a:ext uri="{FF2B5EF4-FFF2-40B4-BE49-F238E27FC236}">
-                <a16:creationId xmlns:a16="http://schemas.microsoft.com/office/drawing/2014/main" id="{02F429C4-ABC9-46FC-818A-B5429CDE4A96}"/>
-              </a:ext>
-              <a:ext uri="{C183D7F6-B498-43B3-948B-1728B52AA6E4}">
-                <adec:decorative xmlns:adec="http://schemas.microsoft.com/office/drawing/2017/decorative" val="1"/>
-              </a:ext>
-            </a:extLst>
-          </p:cNvPr>
-          <p:cNvSpPr>
-            <a:spLocks noGrp="1" noRot="1" noChangeAspect="1" noMove="1" noResize="1" noEditPoints="1" noAdjustHandles="1" noChangeArrowheads="1" noChangeShapeType="1" noTextEdit="1"/>
-          </p:cNvSpPr>
-          <p:nvPr>
-            <p:extLst>
-              <p:ext uri="{386F3935-93C4-4BCD-93E2-E3B085C9AB24}">
-                <p16:designElem xmlns:p16="http://schemas.microsoft.com/office/powerpoint/2015/main" val="1"/>
-              </p:ext>
-            </p:extLst>
-          </p:nvPr>
-        </p:nvSpPr>
-        <p:spPr>
-          <a:xfrm rot="5400000">
-            <a:off x="-1270325" y="3369273"/>
-            <a:ext cx="3200400" cy="152382"/>
-          </a:xfrm>
-          <a:prstGeom prst="rect">
-            <a:avLst/>
-          </a:prstGeom>
-          <a:solidFill>
-            <a:schemeClr val="accent4"/>
-          </a:solidFill>
-          <a:ln>
-            <a:noFill/>
-          </a:ln>
-        </p:spPr>
-        <p:style>
-          <a:lnRef idx="2">
-            <a:schemeClr val="accent1">
-              <a:shade val="50000"/>
-            </a:schemeClr>
-          </a:lnRef>
-          <a:fillRef idx="1">
-            <a:schemeClr val="accent1"/>
-          </a:fillRef>
-          <a:effectRef idx="0">
-            <a:schemeClr val="accent1"/>
-          </a:effectRef>
-          <a:fontRef idx="minor">
-            <a:schemeClr val="lt1"/>
-          </a:fontRef>
-        </p:style>
-        <p:txBody>
-          <a:bodyPr rtlCol="0" anchor="ctr"/>
-          <a:lstStyle/>
-          <a:p>
-            <a:pPr algn="ctr"/>
-            <a:endParaRPr lang="en-US"/>
-          </a:p>
-        </p:txBody>
-      </p:sp>
-      <p:sp>
-        <p:nvSpPr>
-          <p:cNvPr id="12" name="Rectangle 11">
-            <a:extLst>
-              <a:ext uri="{FF2B5EF4-FFF2-40B4-BE49-F238E27FC236}">
-                <a16:creationId xmlns:a16="http://schemas.microsoft.com/office/drawing/2014/main" id="{2CEF98E4-3709-4952-8F42-2305CCE34FA3}"/>
-              </a:ext>
-              <a:ext uri="{C183D7F6-B498-43B3-948B-1728B52AA6E4}">
-                <adec:decorative xmlns:adec="http://schemas.microsoft.com/office/drawing/2017/decorative" val="1"/>
-              </a:ext>
-            </a:extLst>
-          </p:cNvPr>
-          <p:cNvSpPr>
-            <a:spLocks noGrp="1" noRot="1" noChangeAspect="1" noMove="1" noResize="1" noEditPoints="1" noAdjustHandles="1" noChangeArrowheads="1" noChangeShapeType="1" noTextEdit="1"/>
-          </p:cNvSpPr>
-          <p:nvPr>
-            <p:extLst>
-              <p:ext uri="{386F3935-93C4-4BCD-93E2-E3B085C9AB24}">
-                <p16:designElem xmlns:p16="http://schemas.microsoft.com/office/powerpoint/2015/main" val="1"/>
-              </p:ext>
-            </p:extLst>
-          </p:nvPr>
-        </p:nvSpPr>
-        <p:spPr>
-          <a:xfrm rot="16200000">
-            <a:off x="6374475" y="1040470"/>
-            <a:ext cx="6858003" cy="4777047"/>
-          </a:xfrm>
-          <a:prstGeom prst="rect">
-            <a:avLst/>
-          </a:prstGeom>
-          <a:solidFill>
-            <a:schemeClr val="accent4"/>
-          </a:solidFill>
-          <a:ln>
-            <a:noFill/>
-          </a:ln>
-        </p:spPr>
-        <p:style>
-          <a:lnRef idx="2">
-            <a:schemeClr val="accent1">
-              <a:shade val="50000"/>
-            </a:schemeClr>
-          </a:lnRef>
-          <a:fillRef idx="1">
-            <a:schemeClr val="accent1"/>
-          </a:fillRef>
-          <a:effectRef idx="0">
-            <a:schemeClr val="accent1"/>
-          </a:effectRef>
-          <a:fontRef idx="minor">
-            <a:schemeClr val="lt1"/>
-          </a:fontRef>
-        </p:style>
-        <p:txBody>
-          <a:bodyPr rtlCol="0" anchor="ctr"/>
-          <a:lstStyle/>
-          <a:p>
-            <a:pPr algn="ctr"/>
-            <a:endParaRPr lang="en-US" dirty="0"/>
-          </a:p>
-        </p:txBody>
-      </p:sp>
-      <p:sp>
-        <p:nvSpPr>
-          <p:cNvPr id="14" name="Rectangle 13">
-            <a:extLst>
-              <a:ext uri="{FF2B5EF4-FFF2-40B4-BE49-F238E27FC236}">
-                <a16:creationId xmlns:a16="http://schemas.microsoft.com/office/drawing/2014/main" id="{F10BCCF5-D685-47FF-B675-647EAEB72C8E}"/>
-              </a:ext>
-              <a:ext uri="{C183D7F6-B498-43B3-948B-1728B52AA6E4}">
-                <adec:decorative xmlns:adec="http://schemas.microsoft.com/office/drawing/2017/decorative" val="1"/>
-              </a:ext>
-            </a:extLst>
-          </p:cNvPr>
-          <p:cNvSpPr>
-            <a:spLocks noGrp="1" noRot="1" noChangeAspect="1" noMove="1" noResize="1" noEditPoints="1" noAdjustHandles="1" noChangeArrowheads="1" noChangeShapeType="1" noTextEdit="1"/>
-          </p:cNvSpPr>
-          <p:nvPr>
-            <p:extLst>
-              <p:ext uri="{386F3935-93C4-4BCD-93E2-E3B085C9AB24}">
-                <p16:designElem xmlns:p16="http://schemas.microsoft.com/office/powerpoint/2015/main" val="1"/>
-              </p:ext>
-            </p:extLst>
-          </p:nvPr>
-        </p:nvSpPr>
-        <p:spPr>
-          <a:xfrm>
-            <a:off x="387914" y="857786"/>
-            <a:ext cx="11067024" cy="5208932"/>
-          </a:xfrm>
-          <a:prstGeom prst="rect">
-            <a:avLst/>
-          </a:prstGeom>
-          <a:solidFill>
-            <a:schemeClr val="bg1"/>
-          </a:solidFill>
-          <a:ln>
-            <a:noFill/>
-          </a:ln>
-          <a:effectLst>
-            <a:outerShdw blurRad="139700" dist="127000" dir="5400000" algn="t" rotWithShape="0">
-              <a:prstClr val="black">
-                <a:alpha val="15000"/>
-              </a:prstClr>
-            </a:outerShdw>
-          </a:effectLst>
-        </p:spPr>
-        <p:style>
-          <a:lnRef idx="2">
-            <a:schemeClr val="accent1">
-              <a:shade val="50000"/>
-            </a:schemeClr>
-          </a:lnRef>
-          <a:fillRef idx="1">
-            <a:schemeClr val="accent1"/>
-          </a:fillRef>
-          <a:effectRef idx="0">
-            <a:schemeClr val="accent1"/>
-          </a:effectRef>
-          <a:fontRef idx="minor">
-            <a:schemeClr val="lt1"/>
-          </a:fontRef>
-        </p:style>
-        <p:txBody>
-          <a:bodyPr rtlCol="0" anchor="ctr"/>
-          <a:lstStyle/>
-          <a:p>
-            <a:pPr algn="ctr"/>
-            <a:endParaRPr lang="en-US"/>
-          </a:p>
-        </p:txBody>
-      </p:sp>
-      <p:sp>
-        <p:nvSpPr>
-          <p:cNvPr id="2" name="Title 1">
-            <a:extLst>
-              <a:ext uri="{FF2B5EF4-FFF2-40B4-BE49-F238E27FC236}">
-                <a16:creationId xmlns:a16="http://schemas.microsoft.com/office/drawing/2014/main" id="{7AF388AB-9EE7-48BA-AF29-1CA2ADD8C334}"/>
-              </a:ext>
-            </a:extLst>
-          </p:cNvPr>
-          <p:cNvSpPr>
-            <a:spLocks noGrp="1"/>
-          </p:cNvSpPr>
-          <p:nvPr>
-            <p:ph type="ctrTitle"/>
-          </p:nvPr>
-        </p:nvSpPr>
-        <p:spPr>
-          <a:xfrm>
-            <a:off x="987689" y="3071183"/>
-            <a:ext cx="9910296" cy="2590027"/>
-          </a:xfrm>
-        </p:spPr>
-        <p:txBody>
-          <a:bodyPr anchor="t">
-            <a:normAutofit/>
-          </a:bodyPr>
-          <a:lstStyle/>
-          <a:p>
-            <a:pPr algn="l"/>
-            <a:r>
-              <a:rPr lang="en-US" sz="8000"/>
-              <a:t>Line Angle Sensor Design</a:t>
-            </a:r>
-          </a:p>
-        </p:txBody>
-      </p:sp>
-      <p:sp>
-        <p:nvSpPr>
-          <p:cNvPr id="3" name="Subtitle 2">
-            <a:extLst>
-              <a:ext uri="{FF2B5EF4-FFF2-40B4-BE49-F238E27FC236}">
-                <a16:creationId xmlns:a16="http://schemas.microsoft.com/office/drawing/2014/main" id="{64F26798-D3AE-4A8A-B1B1-17AAD2D7A137}"/>
-              </a:ext>
-            </a:extLst>
-          </p:cNvPr>
-          <p:cNvSpPr>
-            <a:spLocks noGrp="1"/>
-          </p:cNvSpPr>
-          <p:nvPr>
-            <p:ph type="subTitle" idx="1"/>
-          </p:nvPr>
-        </p:nvSpPr>
-        <p:spPr>
-          <a:xfrm>
-            <a:off x="987688" y="1553518"/>
-            <a:ext cx="9910295" cy="1281733"/>
-          </a:xfrm>
-        </p:spPr>
-        <p:txBody>
-          <a:bodyPr anchor="b">
-            <a:normAutofit/>
-          </a:bodyPr>
-          <a:lstStyle/>
-          <a:p>
-            <a:pPr algn="l"/>
-            <a:endParaRPr lang="en-US"/>
-          </a:p>
-        </p:txBody>
-      </p:sp>
-      <p:sp>
-        <p:nvSpPr>
-          <p:cNvPr id="16" name="Rectangle 15">
-            <a:extLst>
-              <a:ext uri="{FF2B5EF4-FFF2-40B4-BE49-F238E27FC236}">
-                <a16:creationId xmlns:a16="http://schemas.microsoft.com/office/drawing/2014/main" id="{B0EE8A42-107A-4D4C-8D56-BBAE95C7FC0D}"/>
-              </a:ext>
-              <a:ext uri="{C183D7F6-B498-43B3-948B-1728B52AA6E4}">
-                <adec:decorative xmlns:adec="http://schemas.microsoft.com/office/drawing/2017/decorative" val="1"/>
-              </a:ext>
-            </a:extLst>
-          </p:cNvPr>
-          <p:cNvSpPr>
-            <a:spLocks noGrp="1" noRot="1" noChangeAspect="1" noMove="1" noResize="1" noEditPoints="1" noAdjustHandles="1" noChangeArrowheads="1" noChangeShapeType="1" noTextEdit="1"/>
-          </p:cNvSpPr>
-          <p:nvPr>
-            <p:extLst>
-              <p:ext uri="{386F3935-93C4-4BCD-93E2-E3B085C9AB24}">
-                <p16:designElem xmlns:p16="http://schemas.microsoft.com/office/powerpoint/2015/main" val="1"/>
-              </p:ext>
-            </p:extLst>
-          </p:nvPr>
-        </p:nvSpPr>
-        <p:spPr>
-          <a:xfrm rot="5400000">
-            <a:off x="-1524009" y="3366125"/>
-            <a:ext cx="3200400" cy="152382"/>
-          </a:xfrm>
-          <a:prstGeom prst="rect">
-            <a:avLst/>
-          </a:prstGeom>
-          <a:solidFill>
-            <a:schemeClr val="accent4"/>
-          </a:solidFill>
-          <a:ln>
-            <a:noFill/>
-          </a:ln>
-        </p:spPr>
-        <p:style>
-          <a:lnRef idx="2">
-            <a:schemeClr val="accent1">
-              <a:shade val="50000"/>
-            </a:schemeClr>
-          </a:lnRef>
-          <a:fillRef idx="1">
-            <a:schemeClr val="accent1"/>
-          </a:fillRef>
-          <a:effectRef idx="0">
-            <a:schemeClr val="accent1"/>
-          </a:effectRef>
-          <a:fontRef idx="minor">
-            <a:schemeClr val="lt1"/>
-          </a:fontRef>
-        </p:style>
-        <p:txBody>
-          <a:bodyPr rtlCol="0" anchor="ctr"/>
-          <a:lstStyle/>
-          <a:p>
-            <a:pPr algn="ctr"/>
-            <a:endParaRPr lang="en-US"/>
-          </a:p>
-        </p:txBody>
-      </p:sp>
-    </p:spTree>
-    <p:extLst>
-      <p:ext uri="{BB962C8B-B14F-4D97-AF65-F5344CB8AC3E}">
-        <p14:creationId xmlns:p14="http://schemas.microsoft.com/office/powerpoint/2010/main" val="3560425645"/>
-      </p:ext>
-    </p:extLst>
-  </p:cSld>
-  <p:clrMapOvr>
-    <a:masterClrMapping/>
-  </p:clrMapOvr>
-</p:sld>
-</file>
-
-<file path=ppt/slides/slide10.xml><?xml version="1.0" encoding="utf-8"?>
-<p:sld xmlns:a="http://schemas.openxmlformats.org/drawingml/2006/main" xmlns:r="http://schemas.openxmlformats.org/officeDocument/2006/relationships" xmlns:p="http://schemas.openxmlformats.org/presentationml/2006/main">
-  <p:cSld>
-    <p:spTree>
-      <p:nvGrpSpPr>
-        <p:cNvPr id="1" name=""/>
-        <p:cNvGrpSpPr/>
-        <p:nvPr/>
-      </p:nvGrpSpPr>
-      <p:grpSpPr>
-        <a:xfrm>
-          <a:off x="0" y="0"/>
-          <a:ext cx="0" cy="0"/>
-          <a:chOff x="0" y="0"/>
-          <a:chExt cx="0" cy="0"/>
-        </a:xfrm>
-      </p:grpSpPr>
-      <p:sp>
-        <p:nvSpPr>
-          <p:cNvPr id="2" name="Title 1">
-            <a:extLst>
-              <a:ext uri="{FF2B5EF4-FFF2-40B4-BE49-F238E27FC236}">
-                <a16:creationId xmlns:a16="http://schemas.microsoft.com/office/drawing/2014/main" id="{FEBD4D98-652B-47B6-A147-858F4DF1505F}"/>
-              </a:ext>
-            </a:extLst>
-          </p:cNvPr>
-          <p:cNvSpPr>
-            <a:spLocks noGrp="1"/>
-          </p:cNvSpPr>
-          <p:nvPr>
-            <p:ph type="title"/>
-          </p:nvPr>
-        </p:nvSpPr>
-        <p:spPr/>
-        <p:txBody>
-          <a:bodyPr/>
-          <a:lstStyle/>
-          <a:p>
-            <a:r>
-              <a:rPr lang="en-US" dirty="0"/>
-              <a:t>Center of Mass/Buoyancy Questions with regards to Upright vs Inverted Flight</a:t>
-            </a:r>
-          </a:p>
-        </p:txBody>
-      </p:sp>
-      <mc:AlternateContent xmlns:mc="http://schemas.openxmlformats.org/markup-compatibility/2006">
-        <mc:Choice xmlns:a14="http://schemas.microsoft.com/office/drawing/2010/main" Requires="a14">
-          <p:sp>
-            <p:nvSpPr>
-              <p:cNvPr id="3" name="Content Placeholder 2">
-                <a:extLst>
-                  <a:ext uri="{FF2B5EF4-FFF2-40B4-BE49-F238E27FC236}">
-                    <a16:creationId xmlns:a16="http://schemas.microsoft.com/office/drawing/2014/main" id="{1BF04C79-F6F6-4B24-9635-F5630AB014DD}"/>
-                  </a:ext>
-                </a:extLst>
-              </p:cNvPr>
-              <p:cNvSpPr>
-                <a:spLocks noGrp="1"/>
-              </p:cNvSpPr>
-              <p:nvPr>
-                <p:ph sz="half" idx="1"/>
-              </p:nvPr>
-            </p:nvSpPr>
-            <p:spPr/>
-            <p:txBody>
-              <a:bodyPr>
-                <a:normAutofit/>
-              </a:bodyPr>
-              <a:lstStyle/>
-              <a:p>
-                <a:r>
-                  <a:rPr lang="en-US" dirty="0">
-                    <a:latin typeface="Cambria Math" panose="02040503050406030204" pitchFamily="18" charset="0"/>
-                  </a:rPr>
-                  <a:t>Upright Flight</a:t>
-                </a:r>
-                <a:endParaRPr lang="en-US" b="0" dirty="0">
-                  <a:latin typeface="Cambria Math" panose="02040503050406030204" pitchFamily="18" charset="0"/>
-                </a:endParaRPr>
-              </a:p>
-              <a:p>
-                <a:pPr lvl="1"/>
-                <a14:m>
-                  <m:oMath xmlns:m="http://schemas.openxmlformats.org/officeDocument/2006/math">
-                    <m:sSub>
-                      <m:sSubPr>
-                        <m:ctrlPr>
-                          <a:rPr lang="en-US" b="0" i="1" smtClean="0">
-                            <a:latin typeface="Cambria Math" panose="02040503050406030204" pitchFamily="18" charset="0"/>
-                          </a:rPr>
-                        </m:ctrlPr>
-                      </m:sSubPr>
-                      <m:e>
-                        <m:r>
-                          <a:rPr lang="en-US" b="0" i="1" smtClean="0">
-                            <a:latin typeface="Cambria Math" panose="02040503050406030204" pitchFamily="18" charset="0"/>
-                          </a:rPr>
-                          <m:t>𝑎</m:t>
-                        </m:r>
-                      </m:e>
-                      <m:sub>
-                        <m:r>
-                          <a:rPr lang="en-US" b="0" i="1" smtClean="0">
-                            <a:latin typeface="Cambria Math" panose="02040503050406030204" pitchFamily="18" charset="0"/>
-                          </a:rPr>
-                          <m:t>𝑧</m:t>
-                        </m:r>
-                      </m:sub>
-                    </m:sSub>
-                    <m:r>
-                      <a:rPr lang="en-US" b="0" i="1" smtClean="0">
-                        <a:latin typeface="Cambria Math" panose="02040503050406030204" pitchFamily="18" charset="0"/>
-                      </a:rPr>
-                      <m:t>=</m:t>
-                    </m:r>
-                    <m:f>
-                      <m:fPr>
-                        <m:ctrlPr>
-                          <a:rPr lang="en-US" b="0" i="1" smtClean="0">
-                            <a:latin typeface="Cambria Math" panose="02040503050406030204" pitchFamily="18" charset="0"/>
-                          </a:rPr>
-                        </m:ctrlPr>
-                      </m:fPr>
-                      <m:num>
-                        <m:r>
-                          <a:rPr lang="en-US" b="0" i="1" smtClean="0">
-                            <a:latin typeface="Cambria Math" panose="02040503050406030204" pitchFamily="18" charset="0"/>
-                          </a:rPr>
-                          <m:t>1</m:t>
-                        </m:r>
-                      </m:num>
-                      <m:den>
-                        <m:r>
-                          <a:rPr lang="en-US" b="0" i="1" smtClean="0">
-                            <a:latin typeface="Cambria Math" panose="02040503050406030204" pitchFamily="18" charset="0"/>
-                          </a:rPr>
-                          <m:t>𝑚</m:t>
-                        </m:r>
-                      </m:den>
-                    </m:f>
-                    <m:d>
-                      <m:dPr>
-                        <m:begChr m:val="["/>
-                        <m:endChr m:val="]"/>
-                        <m:ctrlPr>
-                          <a:rPr lang="en-US" b="0" i="1" smtClean="0">
-                            <a:latin typeface="Cambria Math" panose="02040503050406030204" pitchFamily="18" charset="0"/>
-                          </a:rPr>
-                        </m:ctrlPr>
-                      </m:dPr>
-                      <m:e>
-                        <m:sSub>
-                          <m:sSubPr>
-                            <m:ctrlPr>
-                              <a:rPr lang="en-US" b="0" i="1" smtClean="0">
-                                <a:latin typeface="Cambria Math" panose="02040503050406030204" pitchFamily="18" charset="0"/>
-                              </a:rPr>
-                            </m:ctrlPr>
-                          </m:sSubPr>
-                          <m:e>
-                            <m:r>
-                              <a:rPr lang="en-US" b="0" i="1" smtClean="0">
-                                <a:latin typeface="Cambria Math" panose="02040503050406030204" pitchFamily="18" charset="0"/>
-                              </a:rPr>
-                              <m:t>𝐹</m:t>
-                            </m:r>
-                          </m:e>
-                          <m:sub>
-                            <m:r>
-                              <a:rPr lang="en-US" b="0" i="1" smtClean="0">
-                                <a:latin typeface="Cambria Math" panose="02040503050406030204" pitchFamily="18" charset="0"/>
-                              </a:rPr>
-                              <m:t>h</m:t>
-                            </m:r>
-                          </m:sub>
-                        </m:sSub>
-                        <m:r>
-                          <a:rPr lang="en-US" b="0" i="1" smtClean="0">
-                            <a:latin typeface="Cambria Math" panose="02040503050406030204" pitchFamily="18" charset="0"/>
-                          </a:rPr>
-                          <m:t>+</m:t>
-                        </m:r>
-                        <m:sSub>
-                          <m:sSubPr>
-                            <m:ctrlPr>
-                              <a:rPr lang="en-US" b="0" i="1" smtClean="0">
-                                <a:latin typeface="Cambria Math" panose="02040503050406030204" pitchFamily="18" charset="0"/>
-                              </a:rPr>
-                            </m:ctrlPr>
-                          </m:sSubPr>
-                          <m:e>
-                            <m:r>
-                              <a:rPr lang="en-US" b="0" i="1" smtClean="0">
-                                <a:latin typeface="Cambria Math" panose="02040503050406030204" pitchFamily="18" charset="0"/>
-                              </a:rPr>
-                              <m:t>𝐹</m:t>
-                            </m:r>
-                          </m:e>
-                          <m:sub>
-                            <m:r>
-                              <a:rPr lang="en-US" b="0" i="1" smtClean="0">
-                                <a:latin typeface="Cambria Math" panose="02040503050406030204" pitchFamily="18" charset="0"/>
-                              </a:rPr>
-                              <m:t>𝐿</m:t>
-                            </m:r>
-                          </m:sub>
-                        </m:sSub>
-                        <m:r>
-                          <a:rPr lang="en-US" b="0" i="1" smtClean="0">
-                            <a:latin typeface="Cambria Math" panose="02040503050406030204" pitchFamily="18" charset="0"/>
-                          </a:rPr>
-                          <m:t>−</m:t>
-                        </m:r>
-                        <m:sSub>
-                          <m:sSubPr>
-                            <m:ctrlPr>
-                              <a:rPr lang="en-US" b="0" i="1" smtClean="0">
-                                <a:latin typeface="Cambria Math" panose="02040503050406030204" pitchFamily="18" charset="0"/>
-                              </a:rPr>
-                            </m:ctrlPr>
-                          </m:sSubPr>
-                          <m:e>
-                            <m:r>
-                              <a:rPr lang="en-US" b="0" i="1" smtClean="0">
-                                <a:latin typeface="Cambria Math" panose="02040503050406030204" pitchFamily="18" charset="0"/>
-                              </a:rPr>
-                              <m:t>𝐹</m:t>
-                            </m:r>
-                          </m:e>
-                          <m:sub>
-                            <m:r>
-                              <a:rPr lang="en-US" b="0" i="1" smtClean="0">
-                                <a:latin typeface="Cambria Math" panose="02040503050406030204" pitchFamily="18" charset="0"/>
-                              </a:rPr>
-                              <m:t>𝑡h𝑟</m:t>
-                            </m:r>
-                          </m:sub>
-                        </m:sSub>
-                      </m:e>
-                    </m:d>
-                    <m:r>
-                      <a:rPr lang="en-US" b="0" i="1" smtClean="0">
-                        <a:latin typeface="Cambria Math" panose="02040503050406030204" pitchFamily="18" charset="0"/>
-                      </a:rPr>
-                      <m:t>+</m:t>
-                    </m:r>
-                    <m:r>
-                      <a:rPr lang="en-US" b="0" i="1" smtClean="0">
-                        <a:latin typeface="Cambria Math" panose="02040503050406030204" pitchFamily="18" charset="0"/>
-                      </a:rPr>
-                      <m:t>𝛾</m:t>
-                    </m:r>
-                    <m:r>
-                      <a:rPr lang="en-US" b="0" i="1" smtClean="0">
-                        <a:latin typeface="Cambria Math" panose="02040503050406030204" pitchFamily="18" charset="0"/>
-                      </a:rPr>
-                      <m:t>𝑔</m:t>
-                    </m:r>
-                  </m:oMath>
-                </a14:m>
-                <a:endParaRPr lang="en-US" b="0" dirty="0"/>
-              </a:p>
-              <a:p>
-                <a:pPr lvl="1"/>
-                <a14:m>
-                  <m:oMath xmlns:m="http://schemas.openxmlformats.org/officeDocument/2006/math">
-                    <m:r>
-                      <a:rPr lang="en-US" b="0" i="1" smtClean="0">
-                        <a:latin typeface="Cambria Math" panose="02040503050406030204" pitchFamily="18" charset="0"/>
-                      </a:rPr>
-                      <m:t>𝐽</m:t>
-                    </m:r>
-                    <m:sSub>
-                      <m:sSubPr>
-                        <m:ctrlPr>
-                          <a:rPr lang="en-US" b="0" i="1" smtClean="0">
-                            <a:latin typeface="Cambria Math" panose="02040503050406030204" pitchFamily="18" charset="0"/>
-                          </a:rPr>
-                        </m:ctrlPr>
-                      </m:sSubPr>
-                      <m:e>
-                        <m:r>
-                          <a:rPr lang="en-US" b="0" i="1" smtClean="0">
-                            <a:latin typeface="Cambria Math" panose="02040503050406030204" pitchFamily="18" charset="0"/>
-                          </a:rPr>
-                          <m:t>𝛼</m:t>
-                        </m:r>
-                      </m:e>
-                      <m:sub>
-                        <m:r>
-                          <a:rPr lang="en-US" b="0" i="1" smtClean="0">
-                            <a:latin typeface="Cambria Math" panose="02040503050406030204" pitchFamily="18" charset="0"/>
-                          </a:rPr>
-                          <m:t>𝑦</m:t>
-                        </m:r>
-                      </m:sub>
-                    </m:sSub>
-                    <m:r>
-                      <a:rPr lang="en-US" b="0" i="1" smtClean="0">
-                        <a:latin typeface="Cambria Math" panose="02040503050406030204" pitchFamily="18" charset="0"/>
-                      </a:rPr>
-                      <m:t>=</m:t>
-                    </m:r>
-                    <m:sSub>
-                      <m:sSubPr>
-                        <m:ctrlPr>
-                          <a:rPr lang="en-US" b="0" i="1" smtClean="0">
-                            <a:latin typeface="Cambria Math" panose="02040503050406030204" pitchFamily="18" charset="0"/>
-                          </a:rPr>
-                        </m:ctrlPr>
-                      </m:sSubPr>
-                      <m:e>
-                        <m:r>
-                          <a:rPr lang="en-US" b="0" i="1" smtClean="0">
-                            <a:latin typeface="Cambria Math" panose="02040503050406030204" pitchFamily="18" charset="0"/>
-                          </a:rPr>
-                          <m:t>𝐹</m:t>
-                        </m:r>
-                      </m:e>
-                      <m:sub>
-                        <m:r>
-                          <a:rPr lang="en-US" b="0" i="1" smtClean="0">
-                            <a:latin typeface="Cambria Math" panose="02040503050406030204" pitchFamily="18" charset="0"/>
-                          </a:rPr>
-                          <m:t>h</m:t>
-                        </m:r>
-                      </m:sub>
-                    </m:sSub>
-                    <m:sSub>
-                      <m:sSubPr>
-                        <m:ctrlPr>
-                          <a:rPr lang="en-US" b="0" i="1" smtClean="0">
-                            <a:latin typeface="Cambria Math" panose="02040503050406030204" pitchFamily="18" charset="0"/>
-                          </a:rPr>
-                        </m:ctrlPr>
-                      </m:sSubPr>
-                      <m:e>
-                        <m:r>
-                          <a:rPr lang="en-US" b="0" i="1" smtClean="0">
-                            <a:latin typeface="Cambria Math" panose="02040503050406030204" pitchFamily="18" charset="0"/>
-                          </a:rPr>
-                          <m:t>𝑙</m:t>
-                        </m:r>
-                      </m:e>
-                      <m:sub>
-                        <m:r>
-                          <a:rPr lang="en-US" b="0" i="1" smtClean="0">
-                            <a:latin typeface="Cambria Math" panose="02040503050406030204" pitchFamily="18" charset="0"/>
-                          </a:rPr>
-                          <m:t>h</m:t>
-                        </m:r>
-                      </m:sub>
-                    </m:sSub>
-                    <m:r>
-                      <a:rPr lang="en-US" b="0" i="1" smtClean="0">
-                        <a:latin typeface="Cambria Math" panose="02040503050406030204" pitchFamily="18" charset="0"/>
-                      </a:rPr>
-                      <m:t>+</m:t>
-                    </m:r>
-                    <m:sSub>
-                      <m:sSubPr>
-                        <m:ctrlPr>
-                          <a:rPr lang="en-US" b="0" i="1" smtClean="0">
-                            <a:latin typeface="Cambria Math" panose="02040503050406030204" pitchFamily="18" charset="0"/>
-                          </a:rPr>
-                        </m:ctrlPr>
-                      </m:sSubPr>
-                      <m:e>
-                        <m:r>
-                          <a:rPr lang="en-US" b="0" i="1" smtClean="0">
-                            <a:latin typeface="Cambria Math" panose="02040503050406030204" pitchFamily="18" charset="0"/>
-                          </a:rPr>
-                          <m:t>𝐹</m:t>
-                        </m:r>
-                      </m:e>
-                      <m:sub>
-                        <m:r>
-                          <a:rPr lang="en-US" b="0" i="1" smtClean="0">
-                            <a:latin typeface="Cambria Math" panose="02040503050406030204" pitchFamily="18" charset="0"/>
-                          </a:rPr>
-                          <m:t>𝐿</m:t>
-                        </m:r>
-                      </m:sub>
-                    </m:sSub>
-                    <m:sSub>
-                      <m:sSubPr>
-                        <m:ctrlPr>
-                          <a:rPr lang="en-US" b="0" i="1" smtClean="0">
-                            <a:latin typeface="Cambria Math" panose="02040503050406030204" pitchFamily="18" charset="0"/>
-                          </a:rPr>
-                        </m:ctrlPr>
-                      </m:sSubPr>
-                      <m:e>
-                        <m:r>
-                          <a:rPr lang="en-US" b="0" i="1" smtClean="0">
-                            <a:latin typeface="Cambria Math" panose="02040503050406030204" pitchFamily="18" charset="0"/>
-                          </a:rPr>
-                          <m:t>𝑙</m:t>
-                        </m:r>
-                      </m:e>
-                      <m:sub>
-                        <m:r>
-                          <a:rPr lang="en-US" b="0" i="1" smtClean="0">
-                            <a:latin typeface="Cambria Math" panose="02040503050406030204" pitchFamily="18" charset="0"/>
-                          </a:rPr>
-                          <m:t>𝑤</m:t>
-                        </m:r>
-                      </m:sub>
-                    </m:sSub>
-                    <m:r>
-                      <a:rPr lang="en-US" b="0" i="1" smtClean="0">
-                        <a:latin typeface="Cambria Math" panose="02040503050406030204" pitchFamily="18" charset="0"/>
-                      </a:rPr>
-                      <m:t>+</m:t>
-                    </m:r>
-                    <m:sSub>
-                      <m:sSubPr>
-                        <m:ctrlPr>
-                          <a:rPr lang="en-US" b="0" i="1" smtClean="0">
-                            <a:latin typeface="Cambria Math" panose="02040503050406030204" pitchFamily="18" charset="0"/>
-                          </a:rPr>
-                        </m:ctrlPr>
-                      </m:sSubPr>
-                      <m:e>
-                        <m:r>
-                          <a:rPr lang="en-US" b="0" i="1" smtClean="0">
-                            <a:latin typeface="Cambria Math" panose="02040503050406030204" pitchFamily="18" charset="0"/>
-                          </a:rPr>
-                          <m:t>𝐹</m:t>
-                        </m:r>
-                      </m:e>
-                      <m:sub>
-                        <m:r>
-                          <a:rPr lang="en-US" b="0" i="1" smtClean="0">
-                            <a:latin typeface="Cambria Math" panose="02040503050406030204" pitchFamily="18" charset="0"/>
-                          </a:rPr>
-                          <m:t>𝑡h𝑟</m:t>
-                        </m:r>
-                      </m:sub>
-                    </m:sSub>
-                    <m:sSub>
-                      <m:sSubPr>
-                        <m:ctrlPr>
-                          <a:rPr lang="en-US" b="0" i="1" smtClean="0">
-                            <a:latin typeface="Cambria Math" panose="02040503050406030204" pitchFamily="18" charset="0"/>
-                          </a:rPr>
-                        </m:ctrlPr>
-                      </m:sSubPr>
-                      <m:e>
-                        <m:r>
-                          <a:rPr lang="en-US" b="0" i="1" smtClean="0">
-                            <a:latin typeface="Cambria Math" panose="02040503050406030204" pitchFamily="18" charset="0"/>
-                          </a:rPr>
-                          <m:t>𝑙</m:t>
-                        </m:r>
-                      </m:e>
-                      <m:sub>
-                        <m:r>
-                          <a:rPr lang="en-US" b="0" i="1" smtClean="0">
-                            <a:latin typeface="Cambria Math" panose="02040503050406030204" pitchFamily="18" charset="0"/>
-                          </a:rPr>
-                          <m:t>𝑡</m:t>
-                        </m:r>
-                      </m:sub>
-                    </m:sSub>
-                    <m:r>
-                      <a:rPr lang="en-US" b="0" i="1" smtClean="0">
-                        <a:latin typeface="Cambria Math" panose="02040503050406030204" pitchFamily="18" charset="0"/>
-                      </a:rPr>
-                      <m:t>+</m:t>
-                    </m:r>
-                    <m:d>
-                      <m:dPr>
-                        <m:ctrlPr>
-                          <a:rPr lang="en-US" b="0" i="1" smtClean="0">
-                            <a:latin typeface="Cambria Math" panose="02040503050406030204" pitchFamily="18" charset="0"/>
-                          </a:rPr>
-                        </m:ctrlPr>
-                      </m:dPr>
-                      <m:e>
-                        <m:r>
-                          <a:rPr lang="en-US" b="0" i="1" smtClean="0">
-                            <a:latin typeface="Cambria Math" panose="02040503050406030204" pitchFamily="18" charset="0"/>
-                          </a:rPr>
-                          <m:t>1+</m:t>
-                        </m:r>
-                        <m:r>
-                          <a:rPr lang="en-US" b="0" i="1" smtClean="0">
-                            <a:latin typeface="Cambria Math" panose="02040503050406030204" pitchFamily="18" charset="0"/>
-                          </a:rPr>
-                          <m:t>𝛾</m:t>
-                        </m:r>
-                      </m:e>
-                    </m:d>
-                    <m:r>
-                      <a:rPr lang="en-US" b="0" i="1" smtClean="0">
-                        <a:latin typeface="Cambria Math" panose="02040503050406030204" pitchFamily="18" charset="0"/>
-                      </a:rPr>
-                      <m:t>𝑚𝑔</m:t>
-                    </m:r>
-                    <m:sSub>
-                      <m:sSubPr>
-                        <m:ctrlPr>
-                          <a:rPr lang="en-US" b="0" i="1" smtClean="0">
-                            <a:latin typeface="Cambria Math" panose="02040503050406030204" pitchFamily="18" charset="0"/>
-                          </a:rPr>
-                        </m:ctrlPr>
-                      </m:sSubPr>
-                      <m:e>
-                        <m:r>
-                          <a:rPr lang="en-US" b="0" i="1" smtClean="0">
-                            <a:latin typeface="Cambria Math" panose="02040503050406030204" pitchFamily="18" charset="0"/>
-                          </a:rPr>
-                          <m:t>𝑙</m:t>
-                        </m:r>
-                      </m:e>
-                      <m:sub>
-                        <m:r>
-                          <a:rPr lang="en-US" b="0" i="1" smtClean="0">
-                            <a:latin typeface="Cambria Math" panose="02040503050406030204" pitchFamily="18" charset="0"/>
-                          </a:rPr>
-                          <m:t>𝑏</m:t>
-                        </m:r>
-                      </m:sub>
-                    </m:sSub>
-                  </m:oMath>
-                </a14:m>
-                <a:endParaRPr lang="en-US" b="0" dirty="0"/>
-              </a:p>
-              <a:p>
-                <a:r>
-                  <a:rPr lang="en-US" dirty="0"/>
-                  <a:t>Inverted Flight</a:t>
-                </a:r>
-              </a:p>
-              <a:p>
-                <a:pPr lvl="1"/>
-                <a14:m>
-                  <m:oMath xmlns:m="http://schemas.openxmlformats.org/officeDocument/2006/math">
-                    <m:sSub>
-                      <m:sSubPr>
-                        <m:ctrlPr>
-                          <a:rPr lang="en-US" b="0" i="1" smtClean="0">
-                            <a:latin typeface="Cambria Math" panose="02040503050406030204" pitchFamily="18" charset="0"/>
-                          </a:rPr>
-                        </m:ctrlPr>
-                      </m:sSubPr>
-                      <m:e>
-                        <m:r>
-                          <a:rPr lang="en-US" b="0" i="1" smtClean="0">
-                            <a:latin typeface="Cambria Math" panose="02040503050406030204" pitchFamily="18" charset="0"/>
-                          </a:rPr>
-                          <m:t>𝑎</m:t>
-                        </m:r>
-                      </m:e>
-                      <m:sub>
-                        <m:r>
-                          <a:rPr lang="en-US" b="0" i="1" smtClean="0">
-                            <a:latin typeface="Cambria Math" panose="02040503050406030204" pitchFamily="18" charset="0"/>
-                          </a:rPr>
-                          <m:t>𝑧</m:t>
-                        </m:r>
-                      </m:sub>
-                    </m:sSub>
-                    <m:r>
-                      <a:rPr lang="en-US" b="0" i="1" smtClean="0">
-                        <a:latin typeface="Cambria Math" panose="02040503050406030204" pitchFamily="18" charset="0"/>
-                      </a:rPr>
-                      <m:t>=</m:t>
-                    </m:r>
-                    <m:f>
-                      <m:fPr>
-                        <m:ctrlPr>
-                          <a:rPr lang="en-US" b="0" i="1" smtClean="0">
-                            <a:latin typeface="Cambria Math" panose="02040503050406030204" pitchFamily="18" charset="0"/>
-                          </a:rPr>
-                        </m:ctrlPr>
-                      </m:fPr>
-                      <m:num>
-                        <m:r>
-                          <a:rPr lang="en-US" b="0" i="1" smtClean="0">
-                            <a:latin typeface="Cambria Math" panose="02040503050406030204" pitchFamily="18" charset="0"/>
-                          </a:rPr>
-                          <m:t>−1</m:t>
-                        </m:r>
-                      </m:num>
-                      <m:den>
-                        <m:r>
-                          <a:rPr lang="en-US" b="0" i="1" smtClean="0">
-                            <a:latin typeface="Cambria Math" panose="02040503050406030204" pitchFamily="18" charset="0"/>
-                          </a:rPr>
-                          <m:t>𝑚</m:t>
-                        </m:r>
-                      </m:den>
-                    </m:f>
-                    <m:d>
-                      <m:dPr>
-                        <m:begChr m:val="["/>
-                        <m:endChr m:val="]"/>
-                        <m:ctrlPr>
-                          <a:rPr lang="en-US" b="0" i="1" smtClean="0">
-                            <a:latin typeface="Cambria Math" panose="02040503050406030204" pitchFamily="18" charset="0"/>
-                          </a:rPr>
-                        </m:ctrlPr>
-                      </m:dPr>
-                      <m:e>
-                        <m:sSub>
-                          <m:sSubPr>
-                            <m:ctrlPr>
-                              <a:rPr lang="en-US" b="0" i="1" smtClean="0">
-                                <a:latin typeface="Cambria Math" panose="02040503050406030204" pitchFamily="18" charset="0"/>
-                              </a:rPr>
-                            </m:ctrlPr>
-                          </m:sSubPr>
-                          <m:e>
-                            <m:r>
-                              <a:rPr lang="en-US" b="0" i="1" smtClean="0">
-                                <a:latin typeface="Cambria Math" panose="02040503050406030204" pitchFamily="18" charset="0"/>
-                              </a:rPr>
-                              <m:t>𝐹</m:t>
-                            </m:r>
-                          </m:e>
-                          <m:sub>
-                            <m:r>
-                              <a:rPr lang="en-US" b="0" i="1" smtClean="0">
-                                <a:latin typeface="Cambria Math" panose="02040503050406030204" pitchFamily="18" charset="0"/>
-                              </a:rPr>
-                              <m:t>h</m:t>
-                            </m:r>
-                          </m:sub>
-                        </m:sSub>
-                        <m:r>
-                          <a:rPr lang="en-US" b="0" i="1" smtClean="0">
-                            <a:latin typeface="Cambria Math" panose="02040503050406030204" pitchFamily="18" charset="0"/>
-                          </a:rPr>
-                          <m:t>+</m:t>
-                        </m:r>
-                        <m:sSub>
-                          <m:sSubPr>
-                            <m:ctrlPr>
-                              <a:rPr lang="en-US" b="0" i="1" smtClean="0">
-                                <a:latin typeface="Cambria Math" panose="02040503050406030204" pitchFamily="18" charset="0"/>
-                              </a:rPr>
-                            </m:ctrlPr>
-                          </m:sSubPr>
-                          <m:e>
-                            <m:r>
-                              <a:rPr lang="en-US" b="0" i="1" smtClean="0">
-                                <a:latin typeface="Cambria Math" panose="02040503050406030204" pitchFamily="18" charset="0"/>
-                              </a:rPr>
-                              <m:t>𝐹</m:t>
-                            </m:r>
-                          </m:e>
-                          <m:sub>
-                            <m:r>
-                              <a:rPr lang="en-US" b="0" i="1" smtClean="0">
-                                <a:latin typeface="Cambria Math" panose="02040503050406030204" pitchFamily="18" charset="0"/>
-                              </a:rPr>
-                              <m:t>𝐿</m:t>
-                            </m:r>
-                          </m:sub>
-                        </m:sSub>
-                        <m:r>
-                          <a:rPr lang="en-US" b="0" i="1" smtClean="0">
-                            <a:latin typeface="Cambria Math" panose="02040503050406030204" pitchFamily="18" charset="0"/>
-                          </a:rPr>
-                          <m:t>−</m:t>
-                        </m:r>
-                        <m:sSub>
-                          <m:sSubPr>
-                            <m:ctrlPr>
-                              <a:rPr lang="en-US" b="0" i="1" smtClean="0">
-                                <a:latin typeface="Cambria Math" panose="02040503050406030204" pitchFamily="18" charset="0"/>
-                              </a:rPr>
-                            </m:ctrlPr>
-                          </m:sSubPr>
-                          <m:e>
-                            <m:r>
-                              <a:rPr lang="en-US" b="0" i="1" smtClean="0">
-                                <a:latin typeface="Cambria Math" panose="02040503050406030204" pitchFamily="18" charset="0"/>
-                              </a:rPr>
-                              <m:t>𝐹</m:t>
-                            </m:r>
-                          </m:e>
-                          <m:sub>
-                            <m:r>
-                              <a:rPr lang="en-US" b="0" i="1" smtClean="0">
-                                <a:latin typeface="Cambria Math" panose="02040503050406030204" pitchFamily="18" charset="0"/>
-                              </a:rPr>
-                              <m:t>𝑡h𝑟</m:t>
-                            </m:r>
-                          </m:sub>
-                        </m:sSub>
-                      </m:e>
-                    </m:d>
-                    <m:r>
-                      <a:rPr lang="en-US" b="0" i="1" smtClean="0">
-                        <a:latin typeface="Cambria Math" panose="02040503050406030204" pitchFamily="18" charset="0"/>
-                      </a:rPr>
-                      <m:t>+</m:t>
-                    </m:r>
-                    <m:r>
-                      <a:rPr lang="en-US" b="0" i="1" smtClean="0">
-                        <a:latin typeface="Cambria Math" panose="02040503050406030204" pitchFamily="18" charset="0"/>
-                      </a:rPr>
-                      <m:t>𝛾</m:t>
-                    </m:r>
-                    <m:r>
-                      <a:rPr lang="en-US" b="0" i="1" smtClean="0">
-                        <a:latin typeface="Cambria Math" panose="02040503050406030204" pitchFamily="18" charset="0"/>
-                      </a:rPr>
-                      <m:t>𝑔</m:t>
-                    </m:r>
-                  </m:oMath>
-                </a14:m>
-                <a:endParaRPr lang="en-US" b="0" dirty="0"/>
-              </a:p>
-              <a:p>
-                <a:pPr lvl="1"/>
-                <a14:m>
-                  <m:oMath xmlns:m="http://schemas.openxmlformats.org/officeDocument/2006/math">
-                    <m:r>
-                      <a:rPr lang="en-US" b="0" i="1" smtClean="0">
-                        <a:latin typeface="Cambria Math" panose="02040503050406030204" pitchFamily="18" charset="0"/>
-                      </a:rPr>
-                      <m:t>𝐽</m:t>
-                    </m:r>
-                    <m:sSub>
-                      <m:sSubPr>
-                        <m:ctrlPr>
-                          <a:rPr lang="en-US" b="0" i="1" smtClean="0">
-                            <a:latin typeface="Cambria Math" panose="02040503050406030204" pitchFamily="18" charset="0"/>
-                          </a:rPr>
-                        </m:ctrlPr>
-                      </m:sSubPr>
-                      <m:e>
-                        <m:r>
-                          <a:rPr lang="en-US" b="0" i="1" smtClean="0">
-                            <a:latin typeface="Cambria Math" panose="02040503050406030204" pitchFamily="18" charset="0"/>
-                          </a:rPr>
-                          <m:t>𝛼</m:t>
-                        </m:r>
-                      </m:e>
-                      <m:sub>
-                        <m:r>
-                          <a:rPr lang="en-US" b="0" i="1" smtClean="0">
-                            <a:latin typeface="Cambria Math" panose="02040503050406030204" pitchFamily="18" charset="0"/>
-                          </a:rPr>
-                          <m:t>𝑦</m:t>
-                        </m:r>
-                      </m:sub>
-                    </m:sSub>
-                    <m:r>
-                      <a:rPr lang="en-US" b="0" i="1" smtClean="0">
-                        <a:latin typeface="Cambria Math" panose="02040503050406030204" pitchFamily="18" charset="0"/>
-                      </a:rPr>
-                      <m:t>=</m:t>
-                    </m:r>
-                    <m:sSub>
-                      <m:sSubPr>
-                        <m:ctrlPr>
-                          <a:rPr lang="en-US" b="0" i="1" smtClean="0">
-                            <a:latin typeface="Cambria Math" panose="02040503050406030204" pitchFamily="18" charset="0"/>
-                          </a:rPr>
-                        </m:ctrlPr>
-                      </m:sSubPr>
-                      <m:e>
-                        <m:r>
-                          <a:rPr lang="en-US" b="0" i="1" smtClean="0">
-                            <a:latin typeface="Cambria Math" panose="02040503050406030204" pitchFamily="18" charset="0"/>
-                          </a:rPr>
-                          <m:t>−[</m:t>
-                        </m:r>
-                        <m:r>
-                          <a:rPr lang="en-US" b="0" i="1" smtClean="0">
-                            <a:latin typeface="Cambria Math" panose="02040503050406030204" pitchFamily="18" charset="0"/>
-                          </a:rPr>
-                          <m:t>𝐹</m:t>
-                        </m:r>
-                      </m:e>
-                      <m:sub>
-                        <m:r>
-                          <a:rPr lang="en-US" b="0" i="1" smtClean="0">
-                            <a:latin typeface="Cambria Math" panose="02040503050406030204" pitchFamily="18" charset="0"/>
-                          </a:rPr>
-                          <m:t>h</m:t>
-                        </m:r>
-                      </m:sub>
-                    </m:sSub>
-                    <m:sSub>
-                      <m:sSubPr>
-                        <m:ctrlPr>
-                          <a:rPr lang="en-US" b="0" i="1" smtClean="0">
-                            <a:latin typeface="Cambria Math" panose="02040503050406030204" pitchFamily="18" charset="0"/>
-                          </a:rPr>
-                        </m:ctrlPr>
-                      </m:sSubPr>
-                      <m:e>
-                        <m:r>
-                          <a:rPr lang="en-US" b="0" i="1" smtClean="0">
-                            <a:latin typeface="Cambria Math" panose="02040503050406030204" pitchFamily="18" charset="0"/>
-                          </a:rPr>
-                          <m:t>𝑙</m:t>
-                        </m:r>
-                      </m:e>
-                      <m:sub>
-                        <m:r>
-                          <a:rPr lang="en-US" b="0" i="1" smtClean="0">
-                            <a:latin typeface="Cambria Math" panose="02040503050406030204" pitchFamily="18" charset="0"/>
-                          </a:rPr>
-                          <m:t>h</m:t>
-                        </m:r>
-                      </m:sub>
-                    </m:sSub>
-                    <m:r>
-                      <a:rPr lang="en-US" b="0" i="1" smtClean="0">
-                        <a:latin typeface="Cambria Math" panose="02040503050406030204" pitchFamily="18" charset="0"/>
-                      </a:rPr>
-                      <m:t>+</m:t>
-                    </m:r>
-                    <m:sSub>
-                      <m:sSubPr>
-                        <m:ctrlPr>
-                          <a:rPr lang="en-US" b="0" i="1" smtClean="0">
-                            <a:latin typeface="Cambria Math" panose="02040503050406030204" pitchFamily="18" charset="0"/>
-                          </a:rPr>
-                        </m:ctrlPr>
-                      </m:sSubPr>
-                      <m:e>
-                        <m:r>
-                          <a:rPr lang="en-US" b="0" i="1" smtClean="0">
-                            <a:latin typeface="Cambria Math" panose="02040503050406030204" pitchFamily="18" charset="0"/>
-                          </a:rPr>
-                          <m:t>𝐹</m:t>
-                        </m:r>
-                      </m:e>
-                      <m:sub>
-                        <m:r>
-                          <a:rPr lang="en-US" b="0" i="1" smtClean="0">
-                            <a:latin typeface="Cambria Math" panose="02040503050406030204" pitchFamily="18" charset="0"/>
-                          </a:rPr>
-                          <m:t>𝐿</m:t>
-                        </m:r>
-                      </m:sub>
-                    </m:sSub>
-                    <m:sSub>
-                      <m:sSubPr>
-                        <m:ctrlPr>
-                          <a:rPr lang="en-US" b="0" i="1" smtClean="0">
-                            <a:latin typeface="Cambria Math" panose="02040503050406030204" pitchFamily="18" charset="0"/>
-                          </a:rPr>
-                        </m:ctrlPr>
-                      </m:sSubPr>
-                      <m:e>
-                        <m:r>
-                          <a:rPr lang="en-US" b="0" i="1" smtClean="0">
-                            <a:latin typeface="Cambria Math" panose="02040503050406030204" pitchFamily="18" charset="0"/>
-                          </a:rPr>
-                          <m:t>𝑙</m:t>
-                        </m:r>
-                      </m:e>
-                      <m:sub>
-                        <m:r>
-                          <a:rPr lang="en-US" b="0" i="1" smtClean="0">
-                            <a:latin typeface="Cambria Math" panose="02040503050406030204" pitchFamily="18" charset="0"/>
-                          </a:rPr>
-                          <m:t>𝑤</m:t>
-                        </m:r>
-                      </m:sub>
-                    </m:sSub>
-                    <m:r>
-                      <a:rPr lang="en-US" b="0" i="1" smtClean="0">
-                        <a:latin typeface="Cambria Math" panose="02040503050406030204" pitchFamily="18" charset="0"/>
-                      </a:rPr>
-                      <m:t>+</m:t>
-                    </m:r>
-                    <m:sSub>
-                      <m:sSubPr>
-                        <m:ctrlPr>
-                          <a:rPr lang="en-US" b="0" i="1" smtClean="0">
-                            <a:latin typeface="Cambria Math" panose="02040503050406030204" pitchFamily="18" charset="0"/>
-                          </a:rPr>
-                        </m:ctrlPr>
-                      </m:sSubPr>
-                      <m:e>
-                        <m:r>
-                          <a:rPr lang="en-US" b="0" i="1" smtClean="0">
-                            <a:latin typeface="Cambria Math" panose="02040503050406030204" pitchFamily="18" charset="0"/>
-                          </a:rPr>
-                          <m:t>𝐹</m:t>
-                        </m:r>
-                      </m:e>
-                      <m:sub>
-                        <m:r>
-                          <a:rPr lang="en-US" b="0" i="1" smtClean="0">
-                            <a:latin typeface="Cambria Math" panose="02040503050406030204" pitchFamily="18" charset="0"/>
-                          </a:rPr>
-                          <m:t>𝑡h𝑟</m:t>
-                        </m:r>
-                      </m:sub>
-                    </m:sSub>
-                    <m:sSub>
-                      <m:sSubPr>
-                        <m:ctrlPr>
-                          <a:rPr lang="en-US" b="0" i="1" smtClean="0">
-                            <a:latin typeface="Cambria Math" panose="02040503050406030204" pitchFamily="18" charset="0"/>
-                          </a:rPr>
-                        </m:ctrlPr>
-                      </m:sSubPr>
-                      <m:e>
-                        <m:r>
-                          <a:rPr lang="en-US" b="0" i="1" smtClean="0">
-                            <a:latin typeface="Cambria Math" panose="02040503050406030204" pitchFamily="18" charset="0"/>
-                          </a:rPr>
-                          <m:t>𝑙</m:t>
-                        </m:r>
-                      </m:e>
-                      <m:sub>
-                        <m:r>
-                          <a:rPr lang="en-US" b="0" i="1" smtClean="0">
-                            <a:latin typeface="Cambria Math" panose="02040503050406030204" pitchFamily="18" charset="0"/>
-                          </a:rPr>
-                          <m:t>𝑡</m:t>
-                        </m:r>
-                      </m:sub>
-                    </m:sSub>
-                    <m:r>
-                      <a:rPr lang="en-US" b="0" i="1" smtClean="0">
-                        <a:latin typeface="Cambria Math" panose="02040503050406030204" pitchFamily="18" charset="0"/>
-                      </a:rPr>
-                      <m:t>]+</m:t>
-                    </m:r>
-                    <m:d>
-                      <m:dPr>
-                        <m:ctrlPr>
-                          <a:rPr lang="en-US" b="0" i="1" smtClean="0">
-                            <a:latin typeface="Cambria Math" panose="02040503050406030204" pitchFamily="18" charset="0"/>
-                          </a:rPr>
-                        </m:ctrlPr>
-                      </m:dPr>
-                      <m:e>
-                        <m:r>
-                          <a:rPr lang="en-US" b="0" i="1" smtClean="0">
-                            <a:latin typeface="Cambria Math" panose="02040503050406030204" pitchFamily="18" charset="0"/>
-                          </a:rPr>
-                          <m:t>1+</m:t>
-                        </m:r>
-                        <m:r>
-                          <a:rPr lang="en-US" b="0" i="1" smtClean="0">
-                            <a:latin typeface="Cambria Math" panose="02040503050406030204" pitchFamily="18" charset="0"/>
-                          </a:rPr>
-                          <m:t>𝛾</m:t>
-                        </m:r>
-                      </m:e>
-                    </m:d>
-                    <m:r>
-                      <a:rPr lang="en-US" b="0" i="1" smtClean="0">
-                        <a:latin typeface="Cambria Math" panose="02040503050406030204" pitchFamily="18" charset="0"/>
-                      </a:rPr>
-                      <m:t>𝑚𝑔</m:t>
-                    </m:r>
-                    <m:sSub>
-                      <m:sSubPr>
-                        <m:ctrlPr>
-                          <a:rPr lang="en-US" b="0" i="1" smtClean="0">
-                            <a:latin typeface="Cambria Math" panose="02040503050406030204" pitchFamily="18" charset="0"/>
-                          </a:rPr>
-                        </m:ctrlPr>
-                      </m:sSubPr>
-                      <m:e>
-                        <m:r>
-                          <a:rPr lang="en-US" b="0" i="1" smtClean="0">
-                            <a:latin typeface="Cambria Math" panose="02040503050406030204" pitchFamily="18" charset="0"/>
-                          </a:rPr>
-                          <m:t>𝑙</m:t>
-                        </m:r>
-                      </m:e>
-                      <m:sub>
-                        <m:r>
-                          <a:rPr lang="en-US" b="0" i="1" smtClean="0">
-                            <a:latin typeface="Cambria Math" panose="02040503050406030204" pitchFamily="18" charset="0"/>
-                          </a:rPr>
-                          <m:t>𝑏</m:t>
-                        </m:r>
-                      </m:sub>
-                    </m:sSub>
-                  </m:oMath>
-                </a14:m>
-                <a:endParaRPr lang="en-US" dirty="0"/>
-              </a:p>
-            </p:txBody>
-          </p:sp>
-        </mc:Choice>
-        <mc:Fallback>
-          <p:sp>
-            <p:nvSpPr>
-              <p:cNvPr id="3" name="Content Placeholder 2">
-                <a:extLst>
-                  <a:ext uri="{FF2B5EF4-FFF2-40B4-BE49-F238E27FC236}">
-                    <a16:creationId xmlns:a16="http://schemas.microsoft.com/office/drawing/2014/main" id="{1BF04C79-F6F6-4B24-9635-F5630AB014DD}"/>
-                  </a:ext>
-                </a:extLst>
-              </p:cNvPr>
-              <p:cNvSpPr>
-                <a:spLocks noGrp="1" noRot="1" noChangeAspect="1" noMove="1" noResize="1" noEditPoints="1" noAdjustHandles="1" noChangeArrowheads="1" noChangeShapeType="1" noTextEdit="1"/>
-              </p:cNvSpPr>
-              <p:nvPr>
-                <p:ph sz="half" idx="1"/>
-              </p:nvPr>
-            </p:nvSpPr>
-            <p:spPr>
-              <a:blipFill>
-                <a:blip r:embed="rId2"/>
-                <a:stretch>
-                  <a:fillRect l="-2118" t="-2381"/>
-                </a:stretch>
-              </a:blipFill>
-            </p:spPr>
-            <p:txBody>
-              <a:bodyPr/>
-              <a:lstStyle/>
-              <a:p>
-                <a:r>
-                  <a:rPr lang="en-US">
-                    <a:noFill/>
-                  </a:rPr>
-                  <a:t> </a:t>
-                </a:r>
-              </a:p>
-            </p:txBody>
-          </p:sp>
-        </mc:Fallback>
-      </mc:AlternateContent>
-      <mc:AlternateContent xmlns:mc="http://schemas.openxmlformats.org/markup-compatibility/2006">
-        <mc:Choice xmlns:a14="http://schemas.microsoft.com/office/drawing/2010/main" Requires="a14">
-          <p:sp>
-            <p:nvSpPr>
-              <p:cNvPr id="5" name="Content Placeholder 4">
-                <a:extLst>
-                  <a:ext uri="{FF2B5EF4-FFF2-40B4-BE49-F238E27FC236}">
-                    <a16:creationId xmlns:a16="http://schemas.microsoft.com/office/drawing/2014/main" id="{AB5E8946-AAB1-4412-BD74-B62574AC39E4}"/>
-                  </a:ext>
-                </a:extLst>
-              </p:cNvPr>
-              <p:cNvSpPr>
-                <a:spLocks noGrp="1"/>
-              </p:cNvSpPr>
-              <p:nvPr>
-                <p:ph sz="half" idx="2"/>
-              </p:nvPr>
-            </p:nvSpPr>
-            <p:spPr/>
-            <p:txBody>
-              <a:bodyPr>
-                <a:normAutofit/>
-              </a:bodyPr>
-              <a:lstStyle/>
-              <a:p>
-                <a14:m>
-                  <m:oMath xmlns:m="http://schemas.openxmlformats.org/officeDocument/2006/math">
-                    <m:sSub>
-                      <m:sSubPr>
-                        <m:ctrlPr>
-                          <a:rPr lang="en-US" b="0" i="1" smtClean="0">
-                            <a:latin typeface="Cambria Math" panose="02040503050406030204" pitchFamily="18" charset="0"/>
-                          </a:rPr>
-                        </m:ctrlPr>
-                      </m:sSubPr>
-                      <m:e>
-                        <m:r>
-                          <a:rPr lang="en-US" b="0" i="1" smtClean="0">
-                            <a:latin typeface="Cambria Math" panose="02040503050406030204" pitchFamily="18" charset="0"/>
-                          </a:rPr>
-                          <m:t>𝑙</m:t>
-                        </m:r>
-                      </m:e>
-                      <m:sub>
-                        <m:r>
-                          <a:rPr lang="en-US" b="0" i="1" smtClean="0">
-                            <a:latin typeface="Cambria Math" panose="02040503050406030204" pitchFamily="18" charset="0"/>
-                          </a:rPr>
-                          <m:t>𝑏</m:t>
-                        </m:r>
-                      </m:sub>
-                    </m:sSub>
-                  </m:oMath>
-                </a14:m>
-                <a:r>
-                  <a:rPr lang="en-US" b="0" dirty="0"/>
-                  <a:t> = 0 (CM/CB Collocated)</a:t>
-                </a:r>
-              </a:p>
-              <a:p>
-                <a:pPr lvl="1"/>
-                <a:r>
-                  <a:rPr lang="en-US" b="0" dirty="0"/>
-                  <a:t>No effect on pitch dynamics</a:t>
-                </a:r>
-              </a:p>
-              <a:p>
-                <a:pPr lvl="1"/>
-                <a:r>
-                  <a:rPr lang="en-US" dirty="0"/>
-                  <a:t>Inverted flight will flip the sign on the </a:t>
-                </a:r>
-                <a14:m>
-                  <m:oMath xmlns:m="http://schemas.openxmlformats.org/officeDocument/2006/math">
-                    <m:r>
-                      <a:rPr lang="en-US" b="0" i="1" smtClean="0">
-                        <a:latin typeface="Cambria Math" panose="02040503050406030204" pitchFamily="18" charset="0"/>
-                      </a:rPr>
-                      <m:t>𝛾</m:t>
-                    </m:r>
-                    <m:r>
-                      <a:rPr lang="en-US" b="0" i="1" smtClean="0">
-                        <a:latin typeface="Cambria Math" panose="02040503050406030204" pitchFamily="18" charset="0"/>
-                      </a:rPr>
-                      <m:t>𝑔</m:t>
-                    </m:r>
-                  </m:oMath>
-                </a14:m>
-                <a:r>
-                  <a:rPr lang="en-US" b="0" dirty="0"/>
-                  <a:t> term</a:t>
-                </a:r>
-              </a:p>
-              <a:p>
-                <a:pPr lvl="2"/>
-                <a:r>
-                  <a:rPr lang="en-US" dirty="0"/>
-                  <a:t>Inverting net buoyancy results in keeping the same relative sign, but changing its relative effect (no 1/m scaling term)</a:t>
-                </a:r>
-              </a:p>
-              <a:p>
-                <a:pPr lvl="2"/>
-                <a:r>
-                  <a:rPr lang="en-US" dirty="0"/>
-                  <a:t>Switching from positive to negative net buoyancy would increase the net effect</a:t>
-                </a:r>
-              </a:p>
-              <a:p>
-                <a:endParaRPr lang="en-US" dirty="0"/>
-              </a:p>
-            </p:txBody>
-          </p:sp>
-        </mc:Choice>
-        <mc:Fallback>
-          <p:sp>
-            <p:nvSpPr>
-              <p:cNvPr id="5" name="Content Placeholder 4">
-                <a:extLst>
-                  <a:ext uri="{FF2B5EF4-FFF2-40B4-BE49-F238E27FC236}">
-                    <a16:creationId xmlns:a16="http://schemas.microsoft.com/office/drawing/2014/main" id="{AB5E8946-AAB1-4412-BD74-B62574AC39E4}"/>
-                  </a:ext>
-                </a:extLst>
-              </p:cNvPr>
-              <p:cNvSpPr>
-                <a:spLocks noGrp="1" noRot="1" noChangeAspect="1" noMove="1" noResize="1" noEditPoints="1" noAdjustHandles="1" noChangeArrowheads="1" noChangeShapeType="1" noTextEdit="1"/>
-              </p:cNvSpPr>
-              <p:nvPr>
-                <p:ph sz="half" idx="2"/>
-              </p:nvPr>
-            </p:nvSpPr>
-            <p:spPr>
-              <a:blipFill>
-                <a:blip r:embed="rId3"/>
-                <a:stretch>
-                  <a:fillRect t="-2241" r="-1412"/>
-                </a:stretch>
-              </a:blipFill>
-            </p:spPr>
-            <p:txBody>
-              <a:bodyPr/>
-              <a:lstStyle/>
-              <a:p>
-                <a:r>
-                  <a:rPr lang="en-US">
-                    <a:noFill/>
-                  </a:rPr>
-                  <a:t> </a:t>
-                </a:r>
-              </a:p>
-            </p:txBody>
-          </p:sp>
-        </mc:Fallback>
-      </mc:AlternateContent>
-      <mc:AlternateContent xmlns:mc="http://schemas.openxmlformats.org/markup-compatibility/2006">
-        <mc:Choice xmlns:a14="http://schemas.microsoft.com/office/drawing/2010/main" Requires="a14">
-          <p:sp>
-            <p:nvSpPr>
-              <p:cNvPr id="6" name="TextBox 5">
-                <a:extLst>
-                  <a:ext uri="{FF2B5EF4-FFF2-40B4-BE49-F238E27FC236}">
-                    <a16:creationId xmlns:a16="http://schemas.microsoft.com/office/drawing/2014/main" id="{35C09FF8-8B36-48CE-9AF5-24F7BDE0A71B}"/>
-                  </a:ext>
-                </a:extLst>
-              </p:cNvPr>
-              <p:cNvSpPr txBox="1"/>
-              <p:nvPr/>
-            </p:nvSpPr>
-            <p:spPr>
-              <a:xfrm>
-                <a:off x="-394282" y="5427676"/>
-                <a:ext cx="3506598" cy="1354217"/>
-              </a:xfrm>
-              <a:prstGeom prst="rect">
-                <a:avLst/>
-              </a:prstGeom>
-              <a:noFill/>
-            </p:spPr>
-            <p:txBody>
-              <a:bodyPr wrap="square" rtlCol="0">
-                <a:spAutoFit/>
-              </a:bodyPr>
-              <a:lstStyle/>
-              <a:p>
-                <a:pPr lvl="1"/>
-                <a14:m>
-                  <m:oMath xmlns:m="http://schemas.openxmlformats.org/officeDocument/2006/math">
-                    <m:sSub>
-                      <m:sSubPr>
-                        <m:ctrlPr>
-                          <a:rPr lang="en-US" sz="1600" b="0" i="1" smtClean="0">
-                            <a:latin typeface="Cambria Math" panose="02040503050406030204" pitchFamily="18" charset="0"/>
-                          </a:rPr>
-                        </m:ctrlPr>
-                      </m:sSubPr>
-                      <m:e>
-                        <m:r>
-                          <a:rPr lang="en-US" sz="1600" b="0" i="1" smtClean="0">
-                            <a:latin typeface="Cambria Math" panose="02040503050406030204" pitchFamily="18" charset="0"/>
-                          </a:rPr>
-                          <m:t>𝐹</m:t>
-                        </m:r>
-                      </m:e>
-                      <m:sub>
-                        <m:r>
-                          <a:rPr lang="en-US" sz="1600" b="0" i="1" smtClean="0">
-                            <a:latin typeface="Cambria Math" panose="02040503050406030204" pitchFamily="18" charset="0"/>
-                          </a:rPr>
-                          <m:t>h</m:t>
-                        </m:r>
-                      </m:sub>
-                    </m:sSub>
-                  </m:oMath>
-                </a14:m>
-                <a:r>
-                  <a:rPr lang="en-US" sz="1600" b="0" dirty="0"/>
-                  <a:t> - H-Stab Lift</a:t>
-                </a:r>
-              </a:p>
-              <a:p>
-                <a:pPr lvl="1"/>
-                <a14:m>
-                  <m:oMath xmlns:m="http://schemas.openxmlformats.org/officeDocument/2006/math">
-                    <m:sSub>
-                      <m:sSubPr>
-                        <m:ctrlPr>
-                          <a:rPr lang="en-US" sz="1600" b="0" i="1" smtClean="0">
-                            <a:latin typeface="Cambria Math" panose="02040503050406030204" pitchFamily="18" charset="0"/>
-                          </a:rPr>
-                        </m:ctrlPr>
-                      </m:sSubPr>
-                      <m:e>
-                        <m:r>
-                          <a:rPr lang="en-US" sz="1600" b="0" i="1" smtClean="0">
-                            <a:latin typeface="Cambria Math" panose="02040503050406030204" pitchFamily="18" charset="0"/>
-                          </a:rPr>
-                          <m:t>𝐹</m:t>
-                        </m:r>
-                      </m:e>
-                      <m:sub>
-                        <m:r>
-                          <a:rPr lang="en-US" sz="1600" b="0" i="1" smtClean="0">
-                            <a:latin typeface="Cambria Math" panose="02040503050406030204" pitchFamily="18" charset="0"/>
-                          </a:rPr>
-                          <m:t>𝑙</m:t>
-                        </m:r>
-                      </m:sub>
-                    </m:sSub>
-                  </m:oMath>
-                </a14:m>
-                <a:r>
-                  <a:rPr lang="en-US" sz="1600" b="0" dirty="0"/>
-                  <a:t> - Wing Lift</a:t>
-                </a:r>
-              </a:p>
-              <a:p>
-                <a:pPr lvl="1"/>
-                <a14:m>
-                  <m:oMath xmlns:m="http://schemas.openxmlformats.org/officeDocument/2006/math">
-                    <m:sSub>
-                      <m:sSubPr>
-                        <m:ctrlPr>
-                          <a:rPr lang="en-US" sz="1600" b="0" i="1" smtClean="0">
-                            <a:latin typeface="Cambria Math" panose="02040503050406030204" pitchFamily="18" charset="0"/>
-                          </a:rPr>
-                        </m:ctrlPr>
-                      </m:sSubPr>
-                      <m:e>
-                        <m:r>
-                          <a:rPr lang="en-US" sz="1600" b="0" i="1" smtClean="0">
-                            <a:latin typeface="Cambria Math" panose="02040503050406030204" pitchFamily="18" charset="0"/>
-                          </a:rPr>
-                          <m:t>𝐹</m:t>
-                        </m:r>
-                      </m:e>
-                      <m:sub>
-                        <m:r>
-                          <a:rPr lang="en-US" sz="1600" b="0" i="1" smtClean="0">
-                            <a:latin typeface="Cambria Math" panose="02040503050406030204" pitchFamily="18" charset="0"/>
-                          </a:rPr>
-                          <m:t>𝑡h𝑟</m:t>
-                        </m:r>
-                      </m:sub>
-                    </m:sSub>
-                  </m:oMath>
-                </a14:m>
-                <a:r>
-                  <a:rPr lang="en-US" sz="1600" b="0" dirty="0"/>
-                  <a:t> - Tether Force</a:t>
-                </a:r>
-              </a:p>
-              <a:p>
-                <a:pPr lvl="1"/>
-                <a14:m>
-                  <m:oMath xmlns:m="http://schemas.openxmlformats.org/officeDocument/2006/math">
-                    <m:r>
-                      <a:rPr lang="en-US" sz="1600" b="0" i="1" smtClean="0">
-                        <a:latin typeface="Cambria Math" panose="02040503050406030204" pitchFamily="18" charset="0"/>
-                      </a:rPr>
-                      <m:t>𝛾</m:t>
-                    </m:r>
-                  </m:oMath>
-                </a14:m>
-                <a:r>
-                  <a:rPr lang="en-US" sz="1600" b="0" dirty="0"/>
-                  <a:t> – percent buoyancy</a:t>
-                </a:r>
-                <a:endParaRPr lang="en-US" sz="1600" b="0" i="1" dirty="0">
-                  <a:latin typeface="Cambria Math" panose="02040503050406030204" pitchFamily="18" charset="0"/>
-                </a:endParaRPr>
-              </a:p>
-              <a:p>
-                <a:pPr lvl="1"/>
-                <a14:m>
-                  <m:oMath xmlns:m="http://schemas.openxmlformats.org/officeDocument/2006/math">
-                    <m:sSub>
-                      <m:sSubPr>
-                        <m:ctrlPr>
-                          <a:rPr lang="en-US" sz="1600" b="0" i="1" smtClean="0">
-                            <a:latin typeface="Cambria Math" panose="02040503050406030204" pitchFamily="18" charset="0"/>
-                          </a:rPr>
-                        </m:ctrlPr>
-                      </m:sSubPr>
-                      <m:e>
-                        <m:r>
-                          <a:rPr lang="en-US" sz="1600" b="0" i="1" smtClean="0">
-                            <a:latin typeface="Cambria Math" panose="02040503050406030204" pitchFamily="18" charset="0"/>
-                          </a:rPr>
-                          <m:t>𝑙</m:t>
-                        </m:r>
-                      </m:e>
-                      <m:sub>
-                        <m:r>
-                          <a:rPr lang="en-US" sz="1600" b="0" i="1" smtClean="0">
-                            <a:latin typeface="Cambria Math" panose="02040503050406030204" pitchFamily="18" charset="0"/>
-                          </a:rPr>
-                          <m:t>𝑖</m:t>
-                        </m:r>
-                      </m:sub>
-                    </m:sSub>
-                  </m:oMath>
-                </a14:m>
-                <a:r>
-                  <a:rPr lang="en-US" sz="1600" b="0" dirty="0"/>
-                  <a:t> - respective lever arm</a:t>
-                </a:r>
-                <a:endParaRPr lang="en-US" sz="1600" dirty="0"/>
-              </a:p>
-            </p:txBody>
-          </p:sp>
-        </mc:Choice>
-        <mc:Fallback>
-          <p:sp>
-            <p:nvSpPr>
-              <p:cNvPr id="6" name="TextBox 5">
-                <a:extLst>
-                  <a:ext uri="{FF2B5EF4-FFF2-40B4-BE49-F238E27FC236}">
-                    <a16:creationId xmlns:a16="http://schemas.microsoft.com/office/drawing/2014/main" id="{35C09FF8-8B36-48CE-9AF5-24F7BDE0A71B}"/>
-                  </a:ext>
-                </a:extLst>
-              </p:cNvPr>
-              <p:cNvSpPr txBox="1">
-                <a:spLocks noRot="1" noChangeAspect="1" noMove="1" noResize="1" noEditPoints="1" noAdjustHandles="1" noChangeArrowheads="1" noChangeShapeType="1" noTextEdit="1"/>
-              </p:cNvSpPr>
-              <p:nvPr/>
-            </p:nvSpPr>
-            <p:spPr>
-              <a:xfrm>
-                <a:off x="-394282" y="5427676"/>
-                <a:ext cx="3506598" cy="1354217"/>
-              </a:xfrm>
-              <a:prstGeom prst="rect">
-                <a:avLst/>
-              </a:prstGeom>
-              <a:blipFill>
-                <a:blip r:embed="rId4"/>
-                <a:stretch>
-                  <a:fillRect t="-1345" b="-2242"/>
-                </a:stretch>
-              </a:blipFill>
-            </p:spPr>
-            <p:txBody>
-              <a:bodyPr/>
-              <a:lstStyle/>
-              <a:p>
-                <a:r>
-                  <a:rPr lang="en-US">
-                    <a:noFill/>
-                  </a:rPr>
-                  <a:t> </a:t>
-                </a:r>
-              </a:p>
-            </p:txBody>
-          </p:sp>
-        </mc:Fallback>
-      </mc:AlternateContent>
-    </p:spTree>
-    <p:extLst>
-      <p:ext uri="{BB962C8B-B14F-4D97-AF65-F5344CB8AC3E}">
-        <p14:creationId xmlns:p14="http://schemas.microsoft.com/office/powerpoint/2010/main" val="1748739854"/>
-      </p:ext>
-    </p:extLst>
-  </p:cSld>
-  <p:clrMapOvr>
-    <a:masterClrMapping/>
-  </p:clrMapOvr>
-</p:sld>
-</file>
-
-<file path=ppt/slides/slide11.xml><?xml version="1.0" encoding="utf-8"?>
-<p:sld xmlns:a="http://schemas.openxmlformats.org/drawingml/2006/main" xmlns:r="http://schemas.openxmlformats.org/officeDocument/2006/relationships" xmlns:p="http://schemas.openxmlformats.org/presentationml/2006/main">
-  <p:cSld>
-    <p:spTree>
-      <p:nvGrpSpPr>
-        <p:cNvPr id="1" name=""/>
-        <p:cNvGrpSpPr/>
-        <p:nvPr/>
-      </p:nvGrpSpPr>
-      <p:grpSpPr>
-        <a:xfrm>
-          <a:off x="0" y="0"/>
-          <a:ext cx="0" cy="0"/>
-          <a:chOff x="0" y="0"/>
-          <a:chExt cx="0" cy="0"/>
-        </a:xfrm>
-      </p:grpSpPr>
-      <p:sp>
-        <p:nvSpPr>
-          <p:cNvPr id="2" name="Title 1">
-            <a:extLst>
-              <a:ext uri="{FF2B5EF4-FFF2-40B4-BE49-F238E27FC236}">
-                <a16:creationId xmlns:a16="http://schemas.microsoft.com/office/drawing/2014/main" id="{FEBD4D98-652B-47B6-A147-858F4DF1505F}"/>
-              </a:ext>
-            </a:extLst>
-          </p:cNvPr>
-          <p:cNvSpPr>
-            <a:spLocks noGrp="1"/>
-          </p:cNvSpPr>
-          <p:nvPr>
-            <p:ph type="title"/>
-          </p:nvPr>
-        </p:nvSpPr>
-        <p:spPr/>
-        <p:txBody>
-          <a:bodyPr/>
-          <a:lstStyle/>
-          <a:p>
-            <a:r>
-              <a:rPr lang="en-US" dirty="0"/>
-              <a:t>Center of Mass/Buoyancy Questions with regards to Upright vs Inverted Flight</a:t>
-            </a:r>
-          </a:p>
-        </p:txBody>
-      </p:sp>
-      <mc:AlternateContent xmlns:mc="http://schemas.openxmlformats.org/markup-compatibility/2006">
-        <mc:Choice xmlns:a14="http://schemas.microsoft.com/office/drawing/2010/main" Requires="a14">
-          <p:sp>
-            <p:nvSpPr>
-              <p:cNvPr id="3" name="Content Placeholder 2">
-                <a:extLst>
-                  <a:ext uri="{FF2B5EF4-FFF2-40B4-BE49-F238E27FC236}">
-                    <a16:creationId xmlns:a16="http://schemas.microsoft.com/office/drawing/2014/main" id="{1BF04C79-F6F6-4B24-9635-F5630AB014DD}"/>
-                  </a:ext>
-                </a:extLst>
-              </p:cNvPr>
-              <p:cNvSpPr>
-                <a:spLocks noGrp="1"/>
-              </p:cNvSpPr>
-              <p:nvPr>
-                <p:ph sz="half" idx="1"/>
-              </p:nvPr>
-            </p:nvSpPr>
-            <p:spPr/>
-            <p:txBody>
-              <a:bodyPr>
-                <a:normAutofit/>
-              </a:bodyPr>
-              <a:lstStyle/>
-              <a:p>
-                <a:r>
-                  <a:rPr lang="en-US" dirty="0">
-                    <a:latin typeface="Cambria Math" panose="02040503050406030204" pitchFamily="18" charset="0"/>
-                  </a:rPr>
-                  <a:t>Upright Flight</a:t>
-                </a:r>
-                <a:endParaRPr lang="en-US" b="0" dirty="0">
-                  <a:latin typeface="Cambria Math" panose="02040503050406030204" pitchFamily="18" charset="0"/>
-                </a:endParaRPr>
-              </a:p>
-              <a:p>
-                <a:pPr lvl="1"/>
-                <a14:m>
-                  <m:oMath xmlns:m="http://schemas.openxmlformats.org/officeDocument/2006/math">
-                    <m:sSub>
-                      <m:sSubPr>
-                        <m:ctrlPr>
-                          <a:rPr lang="en-US" b="0" i="1" smtClean="0">
-                            <a:latin typeface="Cambria Math" panose="02040503050406030204" pitchFamily="18" charset="0"/>
-                          </a:rPr>
-                        </m:ctrlPr>
-                      </m:sSubPr>
-                      <m:e>
-                        <m:r>
-                          <a:rPr lang="en-US" b="0" i="1" smtClean="0">
-                            <a:latin typeface="Cambria Math" panose="02040503050406030204" pitchFamily="18" charset="0"/>
-                          </a:rPr>
-                          <m:t>𝑎</m:t>
-                        </m:r>
-                      </m:e>
-                      <m:sub>
-                        <m:r>
-                          <a:rPr lang="en-US" b="0" i="1" smtClean="0">
-                            <a:latin typeface="Cambria Math" panose="02040503050406030204" pitchFamily="18" charset="0"/>
-                          </a:rPr>
-                          <m:t>𝑧</m:t>
-                        </m:r>
-                      </m:sub>
-                    </m:sSub>
-                    <m:r>
-                      <a:rPr lang="en-US" b="0" i="1" smtClean="0">
-                        <a:latin typeface="Cambria Math" panose="02040503050406030204" pitchFamily="18" charset="0"/>
-                      </a:rPr>
-                      <m:t>=</m:t>
-                    </m:r>
-                    <m:f>
-                      <m:fPr>
-                        <m:ctrlPr>
-                          <a:rPr lang="en-US" b="0" i="1" smtClean="0">
-                            <a:latin typeface="Cambria Math" panose="02040503050406030204" pitchFamily="18" charset="0"/>
-                          </a:rPr>
-                        </m:ctrlPr>
-                      </m:fPr>
-                      <m:num>
-                        <m:r>
-                          <a:rPr lang="en-US" b="0" i="1" smtClean="0">
-                            <a:latin typeface="Cambria Math" panose="02040503050406030204" pitchFamily="18" charset="0"/>
-                          </a:rPr>
-                          <m:t>1</m:t>
-                        </m:r>
-                      </m:num>
-                      <m:den>
-                        <m:r>
-                          <a:rPr lang="en-US" b="0" i="1" smtClean="0">
-                            <a:latin typeface="Cambria Math" panose="02040503050406030204" pitchFamily="18" charset="0"/>
-                          </a:rPr>
-                          <m:t>𝑚</m:t>
-                        </m:r>
-                      </m:den>
-                    </m:f>
-                    <m:d>
-                      <m:dPr>
-                        <m:begChr m:val="["/>
-                        <m:endChr m:val="]"/>
-                        <m:ctrlPr>
-                          <a:rPr lang="en-US" b="0" i="1" smtClean="0">
-                            <a:latin typeface="Cambria Math" panose="02040503050406030204" pitchFamily="18" charset="0"/>
-                          </a:rPr>
-                        </m:ctrlPr>
-                      </m:dPr>
-                      <m:e>
-                        <m:sSub>
-                          <m:sSubPr>
-                            <m:ctrlPr>
-                              <a:rPr lang="en-US" b="0" i="1" smtClean="0">
-                                <a:latin typeface="Cambria Math" panose="02040503050406030204" pitchFamily="18" charset="0"/>
-                              </a:rPr>
-                            </m:ctrlPr>
-                          </m:sSubPr>
-                          <m:e>
-                            <m:r>
-                              <a:rPr lang="en-US" b="0" i="1" smtClean="0">
-                                <a:latin typeface="Cambria Math" panose="02040503050406030204" pitchFamily="18" charset="0"/>
-                              </a:rPr>
-                              <m:t>𝐹</m:t>
-                            </m:r>
-                          </m:e>
-                          <m:sub>
-                            <m:r>
-                              <a:rPr lang="en-US" b="0" i="1" smtClean="0">
-                                <a:latin typeface="Cambria Math" panose="02040503050406030204" pitchFamily="18" charset="0"/>
-                              </a:rPr>
-                              <m:t>h</m:t>
-                            </m:r>
-                          </m:sub>
-                        </m:sSub>
-                        <m:r>
-                          <a:rPr lang="en-US" b="0" i="1" smtClean="0">
-                            <a:latin typeface="Cambria Math" panose="02040503050406030204" pitchFamily="18" charset="0"/>
-                          </a:rPr>
-                          <m:t>+</m:t>
-                        </m:r>
-                        <m:sSub>
-                          <m:sSubPr>
-                            <m:ctrlPr>
-                              <a:rPr lang="en-US" b="0" i="1" smtClean="0">
-                                <a:latin typeface="Cambria Math" panose="02040503050406030204" pitchFamily="18" charset="0"/>
-                              </a:rPr>
-                            </m:ctrlPr>
-                          </m:sSubPr>
-                          <m:e>
-                            <m:r>
-                              <a:rPr lang="en-US" b="0" i="1" smtClean="0">
-                                <a:latin typeface="Cambria Math" panose="02040503050406030204" pitchFamily="18" charset="0"/>
-                              </a:rPr>
-                              <m:t>𝐹</m:t>
-                            </m:r>
-                          </m:e>
-                          <m:sub>
-                            <m:r>
-                              <a:rPr lang="en-US" b="0" i="1" smtClean="0">
-                                <a:latin typeface="Cambria Math" panose="02040503050406030204" pitchFamily="18" charset="0"/>
-                              </a:rPr>
-                              <m:t>𝐿</m:t>
-                            </m:r>
-                          </m:sub>
-                        </m:sSub>
-                        <m:r>
-                          <a:rPr lang="en-US" b="0" i="1" smtClean="0">
-                            <a:latin typeface="Cambria Math" panose="02040503050406030204" pitchFamily="18" charset="0"/>
-                          </a:rPr>
-                          <m:t>−</m:t>
-                        </m:r>
-                        <m:sSub>
-                          <m:sSubPr>
-                            <m:ctrlPr>
-                              <a:rPr lang="en-US" b="0" i="1" smtClean="0">
-                                <a:latin typeface="Cambria Math" panose="02040503050406030204" pitchFamily="18" charset="0"/>
-                              </a:rPr>
-                            </m:ctrlPr>
-                          </m:sSubPr>
-                          <m:e>
-                            <m:r>
-                              <a:rPr lang="en-US" b="0" i="1" smtClean="0">
-                                <a:latin typeface="Cambria Math" panose="02040503050406030204" pitchFamily="18" charset="0"/>
-                              </a:rPr>
-                              <m:t>𝐹</m:t>
-                            </m:r>
-                          </m:e>
-                          <m:sub>
-                            <m:r>
-                              <a:rPr lang="en-US" b="0" i="1" smtClean="0">
-                                <a:latin typeface="Cambria Math" panose="02040503050406030204" pitchFamily="18" charset="0"/>
-                              </a:rPr>
-                              <m:t>𝑡h𝑟</m:t>
-                            </m:r>
-                          </m:sub>
-                        </m:sSub>
-                      </m:e>
-                    </m:d>
-                    <m:r>
-                      <a:rPr lang="en-US" b="0" i="1" smtClean="0">
-                        <a:latin typeface="Cambria Math" panose="02040503050406030204" pitchFamily="18" charset="0"/>
-                      </a:rPr>
-                      <m:t>+</m:t>
-                    </m:r>
-                    <m:r>
-                      <a:rPr lang="en-US" b="0" i="1" smtClean="0">
-                        <a:latin typeface="Cambria Math" panose="02040503050406030204" pitchFamily="18" charset="0"/>
-                      </a:rPr>
-                      <m:t>𝛾</m:t>
-                    </m:r>
-                    <m:r>
-                      <a:rPr lang="en-US" b="0" i="1" smtClean="0">
-                        <a:latin typeface="Cambria Math" panose="02040503050406030204" pitchFamily="18" charset="0"/>
-                      </a:rPr>
-                      <m:t>𝑔</m:t>
-                    </m:r>
-                  </m:oMath>
-                </a14:m>
-                <a:endParaRPr lang="en-US" b="0" dirty="0"/>
-              </a:p>
-              <a:p>
-                <a:pPr lvl="1"/>
-                <a14:m>
-                  <m:oMath xmlns:m="http://schemas.openxmlformats.org/officeDocument/2006/math">
-                    <m:r>
-                      <a:rPr lang="en-US" b="0" i="1" smtClean="0">
-                        <a:latin typeface="Cambria Math" panose="02040503050406030204" pitchFamily="18" charset="0"/>
-                      </a:rPr>
-                      <m:t>𝐽</m:t>
-                    </m:r>
-                    <m:sSub>
-                      <m:sSubPr>
-                        <m:ctrlPr>
-                          <a:rPr lang="en-US" b="0" i="1" smtClean="0">
-                            <a:latin typeface="Cambria Math" panose="02040503050406030204" pitchFamily="18" charset="0"/>
-                          </a:rPr>
-                        </m:ctrlPr>
-                      </m:sSubPr>
-                      <m:e>
-                        <m:r>
-                          <a:rPr lang="en-US" b="0" i="1" smtClean="0">
-                            <a:latin typeface="Cambria Math" panose="02040503050406030204" pitchFamily="18" charset="0"/>
-                          </a:rPr>
-                          <m:t>𝛼</m:t>
-                        </m:r>
-                      </m:e>
-                      <m:sub>
-                        <m:r>
-                          <a:rPr lang="en-US" b="0" i="1" smtClean="0">
-                            <a:latin typeface="Cambria Math" panose="02040503050406030204" pitchFamily="18" charset="0"/>
-                          </a:rPr>
-                          <m:t>𝑦</m:t>
-                        </m:r>
-                      </m:sub>
-                    </m:sSub>
-                    <m:r>
-                      <a:rPr lang="en-US" b="0" i="1" smtClean="0">
-                        <a:latin typeface="Cambria Math" panose="02040503050406030204" pitchFamily="18" charset="0"/>
-                      </a:rPr>
-                      <m:t>=</m:t>
-                    </m:r>
-                    <m:sSub>
-                      <m:sSubPr>
-                        <m:ctrlPr>
-                          <a:rPr lang="en-US" b="0" i="1" smtClean="0">
-                            <a:latin typeface="Cambria Math" panose="02040503050406030204" pitchFamily="18" charset="0"/>
-                          </a:rPr>
-                        </m:ctrlPr>
-                      </m:sSubPr>
-                      <m:e>
-                        <m:r>
-                          <a:rPr lang="en-US" b="0" i="1" smtClean="0">
-                            <a:latin typeface="Cambria Math" panose="02040503050406030204" pitchFamily="18" charset="0"/>
-                          </a:rPr>
-                          <m:t>𝐹</m:t>
-                        </m:r>
-                      </m:e>
-                      <m:sub>
-                        <m:r>
-                          <a:rPr lang="en-US" b="0" i="1" smtClean="0">
-                            <a:latin typeface="Cambria Math" panose="02040503050406030204" pitchFamily="18" charset="0"/>
-                          </a:rPr>
-                          <m:t>h</m:t>
-                        </m:r>
-                      </m:sub>
-                    </m:sSub>
-                    <m:sSub>
-                      <m:sSubPr>
-                        <m:ctrlPr>
-                          <a:rPr lang="en-US" b="0" i="1" smtClean="0">
-                            <a:latin typeface="Cambria Math" panose="02040503050406030204" pitchFamily="18" charset="0"/>
-                          </a:rPr>
-                        </m:ctrlPr>
-                      </m:sSubPr>
-                      <m:e>
-                        <m:r>
-                          <a:rPr lang="en-US" b="0" i="1" smtClean="0">
-                            <a:latin typeface="Cambria Math" panose="02040503050406030204" pitchFamily="18" charset="0"/>
-                          </a:rPr>
-                          <m:t>𝑙</m:t>
-                        </m:r>
-                      </m:e>
-                      <m:sub>
-                        <m:r>
-                          <a:rPr lang="en-US" b="0" i="1" smtClean="0">
-                            <a:latin typeface="Cambria Math" panose="02040503050406030204" pitchFamily="18" charset="0"/>
-                          </a:rPr>
-                          <m:t>h</m:t>
-                        </m:r>
-                      </m:sub>
-                    </m:sSub>
-                    <m:r>
-                      <a:rPr lang="en-US" b="0" i="1" smtClean="0">
-                        <a:latin typeface="Cambria Math" panose="02040503050406030204" pitchFamily="18" charset="0"/>
-                      </a:rPr>
-                      <m:t>+</m:t>
-                    </m:r>
-                    <m:sSub>
-                      <m:sSubPr>
-                        <m:ctrlPr>
-                          <a:rPr lang="en-US" b="0" i="1" smtClean="0">
-                            <a:latin typeface="Cambria Math" panose="02040503050406030204" pitchFamily="18" charset="0"/>
-                          </a:rPr>
-                        </m:ctrlPr>
-                      </m:sSubPr>
-                      <m:e>
-                        <m:r>
-                          <a:rPr lang="en-US" b="0" i="1" smtClean="0">
-                            <a:latin typeface="Cambria Math" panose="02040503050406030204" pitchFamily="18" charset="0"/>
-                          </a:rPr>
-                          <m:t>𝐹</m:t>
-                        </m:r>
-                      </m:e>
-                      <m:sub>
-                        <m:r>
-                          <a:rPr lang="en-US" b="0" i="1" smtClean="0">
-                            <a:latin typeface="Cambria Math" panose="02040503050406030204" pitchFamily="18" charset="0"/>
-                          </a:rPr>
-                          <m:t>𝐿</m:t>
-                        </m:r>
-                      </m:sub>
-                    </m:sSub>
-                    <m:sSub>
-                      <m:sSubPr>
-                        <m:ctrlPr>
-                          <a:rPr lang="en-US" b="0" i="1" smtClean="0">
-                            <a:latin typeface="Cambria Math" panose="02040503050406030204" pitchFamily="18" charset="0"/>
-                          </a:rPr>
-                        </m:ctrlPr>
-                      </m:sSubPr>
-                      <m:e>
-                        <m:r>
-                          <a:rPr lang="en-US" b="0" i="1" smtClean="0">
-                            <a:latin typeface="Cambria Math" panose="02040503050406030204" pitchFamily="18" charset="0"/>
-                          </a:rPr>
-                          <m:t>𝑙</m:t>
-                        </m:r>
-                      </m:e>
-                      <m:sub>
-                        <m:r>
-                          <a:rPr lang="en-US" b="0" i="1" smtClean="0">
-                            <a:latin typeface="Cambria Math" panose="02040503050406030204" pitchFamily="18" charset="0"/>
-                          </a:rPr>
-                          <m:t>𝑤</m:t>
-                        </m:r>
-                      </m:sub>
-                    </m:sSub>
-                    <m:r>
-                      <a:rPr lang="en-US" b="0" i="1" smtClean="0">
-                        <a:latin typeface="Cambria Math" panose="02040503050406030204" pitchFamily="18" charset="0"/>
-                      </a:rPr>
-                      <m:t>+</m:t>
-                    </m:r>
-                    <m:sSub>
-                      <m:sSubPr>
-                        <m:ctrlPr>
-                          <a:rPr lang="en-US" b="0" i="1" smtClean="0">
-                            <a:latin typeface="Cambria Math" panose="02040503050406030204" pitchFamily="18" charset="0"/>
-                          </a:rPr>
-                        </m:ctrlPr>
-                      </m:sSubPr>
-                      <m:e>
-                        <m:r>
-                          <a:rPr lang="en-US" b="0" i="1" smtClean="0">
-                            <a:latin typeface="Cambria Math" panose="02040503050406030204" pitchFamily="18" charset="0"/>
-                          </a:rPr>
-                          <m:t>𝐹</m:t>
-                        </m:r>
-                      </m:e>
-                      <m:sub>
-                        <m:r>
-                          <a:rPr lang="en-US" b="0" i="1" smtClean="0">
-                            <a:latin typeface="Cambria Math" panose="02040503050406030204" pitchFamily="18" charset="0"/>
-                          </a:rPr>
-                          <m:t>𝑡h𝑟</m:t>
-                        </m:r>
-                      </m:sub>
-                    </m:sSub>
-                    <m:sSub>
-                      <m:sSubPr>
-                        <m:ctrlPr>
-                          <a:rPr lang="en-US" b="0" i="1" smtClean="0">
-                            <a:latin typeface="Cambria Math" panose="02040503050406030204" pitchFamily="18" charset="0"/>
-                          </a:rPr>
-                        </m:ctrlPr>
-                      </m:sSubPr>
-                      <m:e>
-                        <m:r>
-                          <a:rPr lang="en-US" b="0" i="1" smtClean="0">
-                            <a:latin typeface="Cambria Math" panose="02040503050406030204" pitchFamily="18" charset="0"/>
-                          </a:rPr>
-                          <m:t>𝑙</m:t>
-                        </m:r>
-                      </m:e>
-                      <m:sub>
-                        <m:r>
-                          <a:rPr lang="en-US" b="0" i="1" smtClean="0">
-                            <a:latin typeface="Cambria Math" panose="02040503050406030204" pitchFamily="18" charset="0"/>
-                          </a:rPr>
-                          <m:t>𝑡</m:t>
-                        </m:r>
-                      </m:sub>
-                    </m:sSub>
-                    <m:r>
-                      <a:rPr lang="en-US" b="0" i="1" smtClean="0">
-                        <a:latin typeface="Cambria Math" panose="02040503050406030204" pitchFamily="18" charset="0"/>
-                      </a:rPr>
-                      <m:t>+</m:t>
-                    </m:r>
-                    <m:d>
-                      <m:dPr>
-                        <m:ctrlPr>
-                          <a:rPr lang="en-US" b="0" i="1" smtClean="0">
-                            <a:latin typeface="Cambria Math" panose="02040503050406030204" pitchFamily="18" charset="0"/>
-                          </a:rPr>
-                        </m:ctrlPr>
-                      </m:dPr>
-                      <m:e>
-                        <m:r>
-                          <a:rPr lang="en-US" b="0" i="1" smtClean="0">
-                            <a:latin typeface="Cambria Math" panose="02040503050406030204" pitchFamily="18" charset="0"/>
-                          </a:rPr>
-                          <m:t>1+</m:t>
-                        </m:r>
-                        <m:r>
-                          <a:rPr lang="en-US" b="0" i="1" smtClean="0">
-                            <a:latin typeface="Cambria Math" panose="02040503050406030204" pitchFamily="18" charset="0"/>
-                          </a:rPr>
-                          <m:t>𝛾</m:t>
-                        </m:r>
-                      </m:e>
-                    </m:d>
-                    <m:r>
-                      <a:rPr lang="en-US" b="0" i="1" smtClean="0">
-                        <a:latin typeface="Cambria Math" panose="02040503050406030204" pitchFamily="18" charset="0"/>
-                      </a:rPr>
-                      <m:t>𝑚𝑔</m:t>
-                    </m:r>
-                    <m:sSub>
-                      <m:sSubPr>
-                        <m:ctrlPr>
-                          <a:rPr lang="en-US" b="0" i="1" smtClean="0">
-                            <a:latin typeface="Cambria Math" panose="02040503050406030204" pitchFamily="18" charset="0"/>
-                          </a:rPr>
-                        </m:ctrlPr>
-                      </m:sSubPr>
-                      <m:e>
-                        <m:r>
-                          <a:rPr lang="en-US" b="0" i="1" smtClean="0">
-                            <a:latin typeface="Cambria Math" panose="02040503050406030204" pitchFamily="18" charset="0"/>
-                          </a:rPr>
-                          <m:t>𝑙</m:t>
-                        </m:r>
-                      </m:e>
-                      <m:sub>
-                        <m:r>
-                          <a:rPr lang="en-US" b="0" i="1" smtClean="0">
-                            <a:latin typeface="Cambria Math" panose="02040503050406030204" pitchFamily="18" charset="0"/>
-                          </a:rPr>
-                          <m:t>𝑏</m:t>
-                        </m:r>
-                      </m:sub>
-                    </m:sSub>
-                  </m:oMath>
-                </a14:m>
-                <a:endParaRPr lang="en-US" b="0" dirty="0"/>
-              </a:p>
-              <a:p>
-                <a:r>
-                  <a:rPr lang="en-US" dirty="0"/>
-                  <a:t>Inverted Flight</a:t>
-                </a:r>
-              </a:p>
-              <a:p>
-                <a:pPr lvl="1"/>
-                <a14:m>
-                  <m:oMath xmlns:m="http://schemas.openxmlformats.org/officeDocument/2006/math">
-                    <m:sSub>
-                      <m:sSubPr>
-                        <m:ctrlPr>
-                          <a:rPr lang="en-US" b="0" i="1" smtClean="0">
-                            <a:latin typeface="Cambria Math" panose="02040503050406030204" pitchFamily="18" charset="0"/>
-                          </a:rPr>
-                        </m:ctrlPr>
-                      </m:sSubPr>
-                      <m:e>
-                        <m:r>
-                          <a:rPr lang="en-US" b="0" i="1" smtClean="0">
-                            <a:latin typeface="Cambria Math" panose="02040503050406030204" pitchFamily="18" charset="0"/>
-                          </a:rPr>
-                          <m:t>𝑎</m:t>
-                        </m:r>
-                      </m:e>
-                      <m:sub>
-                        <m:r>
-                          <a:rPr lang="en-US" b="0" i="1" smtClean="0">
-                            <a:latin typeface="Cambria Math" panose="02040503050406030204" pitchFamily="18" charset="0"/>
-                          </a:rPr>
-                          <m:t>𝑧</m:t>
-                        </m:r>
-                      </m:sub>
-                    </m:sSub>
-                    <m:r>
-                      <a:rPr lang="en-US" b="0" i="1" smtClean="0">
-                        <a:latin typeface="Cambria Math" panose="02040503050406030204" pitchFamily="18" charset="0"/>
-                      </a:rPr>
-                      <m:t>=</m:t>
-                    </m:r>
-                    <m:f>
-                      <m:fPr>
-                        <m:ctrlPr>
-                          <a:rPr lang="en-US" b="0" i="1" smtClean="0">
-                            <a:latin typeface="Cambria Math" panose="02040503050406030204" pitchFamily="18" charset="0"/>
-                          </a:rPr>
-                        </m:ctrlPr>
-                      </m:fPr>
-                      <m:num>
-                        <m:r>
-                          <a:rPr lang="en-US" b="0" i="1" smtClean="0">
-                            <a:latin typeface="Cambria Math" panose="02040503050406030204" pitchFamily="18" charset="0"/>
-                          </a:rPr>
-                          <m:t>−</m:t>
-                        </m:r>
-                        <m:r>
-                          <a:rPr lang="en-US" b="0" i="1" smtClean="0">
-                            <a:latin typeface="Cambria Math" panose="02040503050406030204" pitchFamily="18" charset="0"/>
-                          </a:rPr>
-                          <m:t>1</m:t>
-                        </m:r>
-                      </m:num>
-                      <m:den>
-                        <m:r>
-                          <a:rPr lang="en-US" b="0" i="1" smtClean="0">
-                            <a:latin typeface="Cambria Math" panose="02040503050406030204" pitchFamily="18" charset="0"/>
-                          </a:rPr>
-                          <m:t>𝑚</m:t>
-                        </m:r>
-                      </m:den>
-                    </m:f>
-                    <m:d>
-                      <m:dPr>
-                        <m:begChr m:val="["/>
-                        <m:endChr m:val="]"/>
-                        <m:ctrlPr>
-                          <a:rPr lang="en-US" b="0" i="1" smtClean="0">
-                            <a:latin typeface="Cambria Math" panose="02040503050406030204" pitchFamily="18" charset="0"/>
-                          </a:rPr>
-                        </m:ctrlPr>
-                      </m:dPr>
-                      <m:e>
-                        <m:sSub>
-                          <m:sSubPr>
-                            <m:ctrlPr>
-                              <a:rPr lang="en-US" b="0" i="1" smtClean="0">
-                                <a:latin typeface="Cambria Math" panose="02040503050406030204" pitchFamily="18" charset="0"/>
-                              </a:rPr>
-                            </m:ctrlPr>
-                          </m:sSubPr>
-                          <m:e>
-                            <m:r>
-                              <a:rPr lang="en-US" b="0" i="1" smtClean="0">
-                                <a:latin typeface="Cambria Math" panose="02040503050406030204" pitchFamily="18" charset="0"/>
-                              </a:rPr>
-                              <m:t>𝐹</m:t>
-                            </m:r>
-                          </m:e>
-                          <m:sub>
-                            <m:r>
-                              <a:rPr lang="en-US" b="0" i="1" smtClean="0">
-                                <a:latin typeface="Cambria Math" panose="02040503050406030204" pitchFamily="18" charset="0"/>
-                              </a:rPr>
-                              <m:t>h</m:t>
-                            </m:r>
-                          </m:sub>
-                        </m:sSub>
-                        <m:r>
-                          <a:rPr lang="en-US" b="0" i="1" smtClean="0">
-                            <a:latin typeface="Cambria Math" panose="02040503050406030204" pitchFamily="18" charset="0"/>
-                          </a:rPr>
-                          <m:t>+</m:t>
-                        </m:r>
-                        <m:sSub>
-                          <m:sSubPr>
-                            <m:ctrlPr>
-                              <a:rPr lang="en-US" b="0" i="1" smtClean="0">
-                                <a:latin typeface="Cambria Math" panose="02040503050406030204" pitchFamily="18" charset="0"/>
-                              </a:rPr>
-                            </m:ctrlPr>
-                          </m:sSubPr>
-                          <m:e>
-                            <m:r>
-                              <a:rPr lang="en-US" b="0" i="1" smtClean="0">
-                                <a:latin typeface="Cambria Math" panose="02040503050406030204" pitchFamily="18" charset="0"/>
-                              </a:rPr>
-                              <m:t>𝐹</m:t>
-                            </m:r>
-                          </m:e>
-                          <m:sub>
-                            <m:r>
-                              <a:rPr lang="en-US" b="0" i="1" smtClean="0">
-                                <a:latin typeface="Cambria Math" panose="02040503050406030204" pitchFamily="18" charset="0"/>
-                              </a:rPr>
-                              <m:t>𝐿</m:t>
-                            </m:r>
-                          </m:sub>
-                        </m:sSub>
-                        <m:r>
-                          <a:rPr lang="en-US" b="0" i="1" smtClean="0">
-                            <a:latin typeface="Cambria Math" panose="02040503050406030204" pitchFamily="18" charset="0"/>
-                          </a:rPr>
-                          <m:t>−</m:t>
-                        </m:r>
-                        <m:sSub>
-                          <m:sSubPr>
-                            <m:ctrlPr>
-                              <a:rPr lang="en-US" b="0" i="1" smtClean="0">
-                                <a:latin typeface="Cambria Math" panose="02040503050406030204" pitchFamily="18" charset="0"/>
-                              </a:rPr>
-                            </m:ctrlPr>
-                          </m:sSubPr>
-                          <m:e>
-                            <m:r>
-                              <a:rPr lang="en-US" b="0" i="1" smtClean="0">
-                                <a:latin typeface="Cambria Math" panose="02040503050406030204" pitchFamily="18" charset="0"/>
-                              </a:rPr>
-                              <m:t>𝐹</m:t>
-                            </m:r>
-                          </m:e>
-                          <m:sub>
-                            <m:r>
-                              <a:rPr lang="en-US" b="0" i="1" smtClean="0">
-                                <a:latin typeface="Cambria Math" panose="02040503050406030204" pitchFamily="18" charset="0"/>
-                              </a:rPr>
-                              <m:t>𝑡h𝑟</m:t>
-                            </m:r>
-                          </m:sub>
-                        </m:sSub>
-                      </m:e>
-                    </m:d>
-                    <m:r>
-                      <a:rPr lang="en-US" b="0" i="1" smtClean="0">
-                        <a:latin typeface="Cambria Math" panose="02040503050406030204" pitchFamily="18" charset="0"/>
-                      </a:rPr>
-                      <m:t>+</m:t>
-                    </m:r>
-                    <m:r>
-                      <a:rPr lang="en-US" b="0" i="1" smtClean="0">
-                        <a:latin typeface="Cambria Math" panose="02040503050406030204" pitchFamily="18" charset="0"/>
-                      </a:rPr>
-                      <m:t>𝛾</m:t>
-                    </m:r>
-                    <m:r>
-                      <a:rPr lang="en-US" b="0" i="1" smtClean="0">
-                        <a:latin typeface="Cambria Math" panose="02040503050406030204" pitchFamily="18" charset="0"/>
-                      </a:rPr>
-                      <m:t>𝑔</m:t>
-                    </m:r>
-                  </m:oMath>
-                </a14:m>
-                <a:endParaRPr lang="en-US" b="0" dirty="0"/>
-              </a:p>
-              <a:p>
-                <a:pPr lvl="1"/>
-                <a14:m>
-                  <m:oMath xmlns:m="http://schemas.openxmlformats.org/officeDocument/2006/math">
-                    <m:r>
-                      <a:rPr lang="en-US" b="0" i="1" smtClean="0">
-                        <a:latin typeface="Cambria Math" panose="02040503050406030204" pitchFamily="18" charset="0"/>
-                      </a:rPr>
-                      <m:t>𝐽</m:t>
-                    </m:r>
-                    <m:sSub>
-                      <m:sSubPr>
-                        <m:ctrlPr>
-                          <a:rPr lang="en-US" b="0" i="1" smtClean="0">
-                            <a:latin typeface="Cambria Math" panose="02040503050406030204" pitchFamily="18" charset="0"/>
-                          </a:rPr>
-                        </m:ctrlPr>
-                      </m:sSubPr>
-                      <m:e>
-                        <m:r>
-                          <a:rPr lang="en-US" b="0" i="1" smtClean="0">
-                            <a:latin typeface="Cambria Math" panose="02040503050406030204" pitchFamily="18" charset="0"/>
-                          </a:rPr>
-                          <m:t>𝛼</m:t>
-                        </m:r>
-                      </m:e>
-                      <m:sub>
-                        <m:r>
-                          <a:rPr lang="en-US" b="0" i="1" smtClean="0">
-                            <a:latin typeface="Cambria Math" panose="02040503050406030204" pitchFamily="18" charset="0"/>
-                          </a:rPr>
-                          <m:t>𝑦</m:t>
-                        </m:r>
-                      </m:sub>
-                    </m:sSub>
-                    <m:r>
-                      <a:rPr lang="en-US" b="0" i="1" smtClean="0">
-                        <a:latin typeface="Cambria Math" panose="02040503050406030204" pitchFamily="18" charset="0"/>
-                      </a:rPr>
-                      <m:t>=</m:t>
-                    </m:r>
-                    <m:sSub>
-                      <m:sSubPr>
-                        <m:ctrlPr>
-                          <a:rPr lang="en-US" b="0" i="1" smtClean="0">
-                            <a:latin typeface="Cambria Math" panose="02040503050406030204" pitchFamily="18" charset="0"/>
-                          </a:rPr>
-                        </m:ctrlPr>
-                      </m:sSubPr>
-                      <m:e>
-                        <m:r>
-                          <a:rPr lang="en-US" b="0" i="1" smtClean="0">
-                            <a:latin typeface="Cambria Math" panose="02040503050406030204" pitchFamily="18" charset="0"/>
-                          </a:rPr>
-                          <m:t>−[</m:t>
-                        </m:r>
-                        <m:r>
-                          <a:rPr lang="en-US" b="0" i="1" smtClean="0">
-                            <a:latin typeface="Cambria Math" panose="02040503050406030204" pitchFamily="18" charset="0"/>
-                          </a:rPr>
-                          <m:t>𝐹</m:t>
-                        </m:r>
-                      </m:e>
-                      <m:sub>
-                        <m:r>
-                          <a:rPr lang="en-US" b="0" i="1" smtClean="0">
-                            <a:latin typeface="Cambria Math" panose="02040503050406030204" pitchFamily="18" charset="0"/>
-                          </a:rPr>
-                          <m:t>h</m:t>
-                        </m:r>
-                      </m:sub>
-                    </m:sSub>
-                    <m:sSub>
-                      <m:sSubPr>
-                        <m:ctrlPr>
-                          <a:rPr lang="en-US" b="0" i="1" smtClean="0">
-                            <a:latin typeface="Cambria Math" panose="02040503050406030204" pitchFamily="18" charset="0"/>
-                          </a:rPr>
-                        </m:ctrlPr>
-                      </m:sSubPr>
-                      <m:e>
-                        <m:r>
-                          <a:rPr lang="en-US" b="0" i="1" smtClean="0">
-                            <a:latin typeface="Cambria Math" panose="02040503050406030204" pitchFamily="18" charset="0"/>
-                          </a:rPr>
-                          <m:t>𝑙</m:t>
-                        </m:r>
-                      </m:e>
-                      <m:sub>
-                        <m:r>
-                          <a:rPr lang="en-US" b="0" i="1" smtClean="0">
-                            <a:latin typeface="Cambria Math" panose="02040503050406030204" pitchFamily="18" charset="0"/>
-                          </a:rPr>
-                          <m:t>h</m:t>
-                        </m:r>
-                      </m:sub>
-                    </m:sSub>
-                    <m:r>
-                      <a:rPr lang="en-US" b="0" i="1" smtClean="0">
-                        <a:latin typeface="Cambria Math" panose="02040503050406030204" pitchFamily="18" charset="0"/>
-                      </a:rPr>
-                      <m:t>+</m:t>
-                    </m:r>
-                    <m:sSub>
-                      <m:sSubPr>
-                        <m:ctrlPr>
-                          <a:rPr lang="en-US" b="0" i="1" smtClean="0">
-                            <a:latin typeface="Cambria Math" panose="02040503050406030204" pitchFamily="18" charset="0"/>
-                          </a:rPr>
-                        </m:ctrlPr>
-                      </m:sSubPr>
-                      <m:e>
-                        <m:r>
-                          <a:rPr lang="en-US" b="0" i="1" smtClean="0">
-                            <a:latin typeface="Cambria Math" panose="02040503050406030204" pitchFamily="18" charset="0"/>
-                          </a:rPr>
-                          <m:t>𝐹</m:t>
-                        </m:r>
-                      </m:e>
-                      <m:sub>
-                        <m:r>
-                          <a:rPr lang="en-US" b="0" i="1" smtClean="0">
-                            <a:latin typeface="Cambria Math" panose="02040503050406030204" pitchFamily="18" charset="0"/>
-                          </a:rPr>
-                          <m:t>𝐿</m:t>
-                        </m:r>
-                      </m:sub>
-                    </m:sSub>
-                    <m:sSub>
-                      <m:sSubPr>
-                        <m:ctrlPr>
-                          <a:rPr lang="en-US" b="0" i="1" smtClean="0">
-                            <a:latin typeface="Cambria Math" panose="02040503050406030204" pitchFamily="18" charset="0"/>
-                          </a:rPr>
-                        </m:ctrlPr>
-                      </m:sSubPr>
-                      <m:e>
-                        <m:r>
-                          <a:rPr lang="en-US" b="0" i="1" smtClean="0">
-                            <a:latin typeface="Cambria Math" panose="02040503050406030204" pitchFamily="18" charset="0"/>
-                          </a:rPr>
-                          <m:t>𝑙</m:t>
-                        </m:r>
-                      </m:e>
-                      <m:sub>
-                        <m:r>
-                          <a:rPr lang="en-US" b="0" i="1" smtClean="0">
-                            <a:latin typeface="Cambria Math" panose="02040503050406030204" pitchFamily="18" charset="0"/>
-                          </a:rPr>
-                          <m:t>𝑤</m:t>
-                        </m:r>
-                      </m:sub>
-                    </m:sSub>
-                    <m:r>
-                      <a:rPr lang="en-US" b="0" i="1" smtClean="0">
-                        <a:latin typeface="Cambria Math" panose="02040503050406030204" pitchFamily="18" charset="0"/>
-                      </a:rPr>
-                      <m:t>+</m:t>
-                    </m:r>
-                    <m:sSub>
-                      <m:sSubPr>
-                        <m:ctrlPr>
-                          <a:rPr lang="en-US" b="0" i="1" smtClean="0">
-                            <a:latin typeface="Cambria Math" panose="02040503050406030204" pitchFamily="18" charset="0"/>
-                          </a:rPr>
-                        </m:ctrlPr>
-                      </m:sSubPr>
-                      <m:e>
-                        <m:r>
-                          <a:rPr lang="en-US" b="0" i="1" smtClean="0">
-                            <a:latin typeface="Cambria Math" panose="02040503050406030204" pitchFamily="18" charset="0"/>
-                          </a:rPr>
-                          <m:t>𝐹</m:t>
-                        </m:r>
-                      </m:e>
-                      <m:sub>
-                        <m:r>
-                          <a:rPr lang="en-US" b="0" i="1" smtClean="0">
-                            <a:latin typeface="Cambria Math" panose="02040503050406030204" pitchFamily="18" charset="0"/>
-                          </a:rPr>
-                          <m:t>𝑡h𝑟</m:t>
-                        </m:r>
-                      </m:sub>
-                    </m:sSub>
-                    <m:sSub>
-                      <m:sSubPr>
-                        <m:ctrlPr>
-                          <a:rPr lang="en-US" b="0" i="1" smtClean="0">
-                            <a:latin typeface="Cambria Math" panose="02040503050406030204" pitchFamily="18" charset="0"/>
-                          </a:rPr>
-                        </m:ctrlPr>
-                      </m:sSubPr>
-                      <m:e>
-                        <m:r>
-                          <a:rPr lang="en-US" b="0" i="1" smtClean="0">
-                            <a:latin typeface="Cambria Math" panose="02040503050406030204" pitchFamily="18" charset="0"/>
-                          </a:rPr>
-                          <m:t>𝑙</m:t>
-                        </m:r>
-                      </m:e>
-                      <m:sub>
-                        <m:r>
-                          <a:rPr lang="en-US" b="0" i="1" smtClean="0">
-                            <a:latin typeface="Cambria Math" panose="02040503050406030204" pitchFamily="18" charset="0"/>
-                          </a:rPr>
-                          <m:t>𝑡</m:t>
-                        </m:r>
-                      </m:sub>
-                    </m:sSub>
-                    <m:r>
-                      <a:rPr lang="en-US" b="0" i="1" smtClean="0">
-                        <a:latin typeface="Cambria Math" panose="02040503050406030204" pitchFamily="18" charset="0"/>
-                      </a:rPr>
-                      <m:t>]</m:t>
-                    </m:r>
-                    <m:r>
-                      <a:rPr lang="en-US" b="0" i="1" smtClean="0">
-                        <a:latin typeface="Cambria Math" panose="02040503050406030204" pitchFamily="18" charset="0"/>
-                      </a:rPr>
-                      <m:t>+</m:t>
-                    </m:r>
-                    <m:d>
-                      <m:dPr>
-                        <m:ctrlPr>
-                          <a:rPr lang="en-US" b="0" i="1" smtClean="0">
-                            <a:latin typeface="Cambria Math" panose="02040503050406030204" pitchFamily="18" charset="0"/>
-                          </a:rPr>
-                        </m:ctrlPr>
-                      </m:dPr>
-                      <m:e>
-                        <m:r>
-                          <a:rPr lang="en-US" b="0" i="1" smtClean="0">
-                            <a:latin typeface="Cambria Math" panose="02040503050406030204" pitchFamily="18" charset="0"/>
-                          </a:rPr>
-                          <m:t>1+</m:t>
-                        </m:r>
-                        <m:r>
-                          <a:rPr lang="en-US" b="0" i="1" smtClean="0">
-                            <a:latin typeface="Cambria Math" panose="02040503050406030204" pitchFamily="18" charset="0"/>
-                          </a:rPr>
-                          <m:t>𝛾</m:t>
-                        </m:r>
-                      </m:e>
-                    </m:d>
-                    <m:r>
-                      <a:rPr lang="en-US" b="0" i="1" smtClean="0">
-                        <a:latin typeface="Cambria Math" panose="02040503050406030204" pitchFamily="18" charset="0"/>
-                      </a:rPr>
-                      <m:t>𝑚𝑔</m:t>
-                    </m:r>
-                    <m:sSub>
-                      <m:sSubPr>
-                        <m:ctrlPr>
-                          <a:rPr lang="en-US" b="0" i="1" smtClean="0">
-                            <a:latin typeface="Cambria Math" panose="02040503050406030204" pitchFamily="18" charset="0"/>
-                          </a:rPr>
-                        </m:ctrlPr>
-                      </m:sSubPr>
-                      <m:e>
-                        <m:r>
-                          <a:rPr lang="en-US" b="0" i="1" smtClean="0">
-                            <a:latin typeface="Cambria Math" panose="02040503050406030204" pitchFamily="18" charset="0"/>
-                          </a:rPr>
-                          <m:t>𝑙</m:t>
-                        </m:r>
-                      </m:e>
-                      <m:sub>
-                        <m:r>
-                          <a:rPr lang="en-US" b="0" i="1" smtClean="0">
-                            <a:latin typeface="Cambria Math" panose="02040503050406030204" pitchFamily="18" charset="0"/>
-                          </a:rPr>
-                          <m:t>𝑏</m:t>
-                        </m:r>
-                      </m:sub>
-                    </m:sSub>
-                  </m:oMath>
-                </a14:m>
-                <a:endParaRPr lang="en-US" dirty="0"/>
-              </a:p>
-            </p:txBody>
-          </p:sp>
-        </mc:Choice>
-        <mc:Fallback>
-          <p:sp>
-            <p:nvSpPr>
-              <p:cNvPr id="3" name="Content Placeholder 2">
-                <a:extLst>
-                  <a:ext uri="{FF2B5EF4-FFF2-40B4-BE49-F238E27FC236}">
-                    <a16:creationId xmlns:a16="http://schemas.microsoft.com/office/drawing/2014/main" id="{1BF04C79-F6F6-4B24-9635-F5630AB014DD}"/>
-                  </a:ext>
-                </a:extLst>
-              </p:cNvPr>
-              <p:cNvSpPr>
-                <a:spLocks noGrp="1" noRot="1" noChangeAspect="1" noMove="1" noResize="1" noEditPoints="1" noAdjustHandles="1" noChangeArrowheads="1" noChangeShapeType="1" noTextEdit="1"/>
-              </p:cNvSpPr>
-              <p:nvPr>
-                <p:ph sz="half" idx="1"/>
-              </p:nvPr>
-            </p:nvSpPr>
-            <p:spPr>
-              <a:blipFill>
-                <a:blip r:embed="rId2"/>
-                <a:stretch>
-                  <a:fillRect l="-2118" t="-2381"/>
-                </a:stretch>
-              </a:blipFill>
-            </p:spPr>
-            <p:txBody>
-              <a:bodyPr/>
-              <a:lstStyle/>
-              <a:p>
-                <a:r>
-                  <a:rPr lang="en-US">
-                    <a:noFill/>
-                  </a:rPr>
-                  <a:t> </a:t>
-                </a:r>
-              </a:p>
-            </p:txBody>
-          </p:sp>
-        </mc:Fallback>
-      </mc:AlternateContent>
-      <mc:AlternateContent xmlns:mc="http://schemas.openxmlformats.org/markup-compatibility/2006">
-        <mc:Choice xmlns:a14="http://schemas.microsoft.com/office/drawing/2010/main" Requires="a14">
-          <p:sp>
-            <p:nvSpPr>
-              <p:cNvPr id="5" name="Content Placeholder 4">
-                <a:extLst>
-                  <a:ext uri="{FF2B5EF4-FFF2-40B4-BE49-F238E27FC236}">
-                    <a16:creationId xmlns:a16="http://schemas.microsoft.com/office/drawing/2014/main" id="{AB5E8946-AAB1-4412-BD74-B62574AC39E4}"/>
-                  </a:ext>
-                </a:extLst>
-              </p:cNvPr>
-              <p:cNvSpPr>
-                <a:spLocks noGrp="1"/>
-              </p:cNvSpPr>
-              <p:nvPr>
-                <p:ph sz="half" idx="2"/>
-              </p:nvPr>
-            </p:nvSpPr>
-            <p:spPr/>
-            <p:txBody>
-              <a:bodyPr>
-                <a:normAutofit/>
-              </a:bodyPr>
-              <a:lstStyle/>
-              <a:p>
-                <a:r>
-                  <a:rPr lang="en-US" sz="2400" b="0" dirty="0"/>
-                  <a:t>If </a:t>
-                </a:r>
-                <a14:m>
-                  <m:oMath xmlns:m="http://schemas.openxmlformats.org/officeDocument/2006/math">
-                    <m:sSub>
-                      <m:sSubPr>
-                        <m:ctrlPr>
-                          <a:rPr lang="en-US" sz="2400" b="0" i="1" smtClean="0">
-                            <a:latin typeface="Cambria Math" panose="02040503050406030204" pitchFamily="18" charset="0"/>
-                          </a:rPr>
-                        </m:ctrlPr>
-                      </m:sSubPr>
-                      <m:e>
-                        <m:r>
-                          <a:rPr lang="en-US" sz="2400" b="0" i="1" smtClean="0">
-                            <a:latin typeface="Cambria Math" panose="02040503050406030204" pitchFamily="18" charset="0"/>
-                          </a:rPr>
-                          <m:t>𝑙</m:t>
-                        </m:r>
-                      </m:e>
-                      <m:sub>
-                        <m:r>
-                          <a:rPr lang="en-US" sz="2400" b="0" i="1" smtClean="0">
-                            <a:latin typeface="Cambria Math" panose="02040503050406030204" pitchFamily="18" charset="0"/>
-                          </a:rPr>
-                          <m:t>𝑏</m:t>
-                        </m:r>
-                      </m:sub>
-                    </m:sSub>
-                  </m:oMath>
-                </a14:m>
-                <a:r>
-                  <a:rPr lang="en-US" sz="2400" b="0" dirty="0"/>
-                  <a:t> ~= 0 (CM/CM not collocated)</a:t>
-                </a:r>
-                <a:r>
-                  <a:rPr lang="en-US" b="0" dirty="0"/>
-                  <a:t> </a:t>
-                </a:r>
-              </a:p>
-              <a:p>
-                <a:pPr lvl="1"/>
-                <a:r>
-                  <a:rPr lang="en-US" b="0" dirty="0"/>
-                  <a:t>Pitch dynamics are affected</a:t>
-                </a:r>
-              </a:p>
-              <a:p>
-                <a:pPr lvl="2"/>
-                <a:endParaRPr lang="en-US" b="0" dirty="0"/>
-              </a:p>
-              <a:p>
-                <a:pPr lvl="1"/>
-                <a:r>
-                  <a:rPr lang="en-US" dirty="0"/>
-                  <a:t>Inverted flight will flip the sign on the </a:t>
-                </a:r>
-                <a14:m>
-                  <m:oMath xmlns:m="http://schemas.openxmlformats.org/officeDocument/2006/math">
-                    <m:r>
-                      <a:rPr lang="en-US" b="0" i="1" smtClean="0">
-                        <a:latin typeface="Cambria Math" panose="02040503050406030204" pitchFamily="18" charset="0"/>
-                      </a:rPr>
-                      <m:t>𝛾</m:t>
-                    </m:r>
-                    <m:r>
-                      <a:rPr lang="en-US" b="0" i="1" smtClean="0">
-                        <a:latin typeface="Cambria Math" panose="02040503050406030204" pitchFamily="18" charset="0"/>
-                      </a:rPr>
-                      <m:t>𝑔</m:t>
-                    </m:r>
-                  </m:oMath>
-                </a14:m>
-                <a:r>
-                  <a:rPr lang="en-US" b="0" dirty="0"/>
-                  <a:t> term</a:t>
-                </a:r>
-              </a:p>
-              <a:p>
-                <a:pPr lvl="2"/>
-                <a:r>
-                  <a:rPr lang="en-US" dirty="0"/>
-                  <a:t>Inverting net buoyancy results in keeping the same relative sign, but changing its relative effect (no 1/m scaling term)</a:t>
-                </a:r>
-              </a:p>
-              <a:p>
-                <a:pPr lvl="2"/>
-                <a:r>
-                  <a:rPr lang="en-US" dirty="0"/>
-                  <a:t>Assuming slight positive buoyancy, increases the net effect of buoyancy</a:t>
-                </a:r>
-              </a:p>
-              <a:p>
-                <a:pPr marL="914400" lvl="2" indent="0">
-                  <a:buNone/>
-                </a:pPr>
-                <a:endParaRPr lang="en-US" dirty="0"/>
-              </a:p>
-              <a:p>
-                <a:endParaRPr lang="en-US" dirty="0"/>
-              </a:p>
-            </p:txBody>
-          </p:sp>
-        </mc:Choice>
-        <mc:Fallback>
-          <p:sp>
-            <p:nvSpPr>
-              <p:cNvPr id="5" name="Content Placeholder 4">
-                <a:extLst>
-                  <a:ext uri="{FF2B5EF4-FFF2-40B4-BE49-F238E27FC236}">
-                    <a16:creationId xmlns:a16="http://schemas.microsoft.com/office/drawing/2014/main" id="{AB5E8946-AAB1-4412-BD74-B62574AC39E4}"/>
-                  </a:ext>
-                </a:extLst>
-              </p:cNvPr>
-              <p:cNvSpPr>
-                <a:spLocks noGrp="1" noRot="1" noChangeAspect="1" noMove="1" noResize="1" noEditPoints="1" noAdjustHandles="1" noChangeArrowheads="1" noChangeShapeType="1" noTextEdit="1"/>
-              </p:cNvSpPr>
-              <p:nvPr>
-                <p:ph sz="half" idx="2"/>
-              </p:nvPr>
-            </p:nvSpPr>
-            <p:spPr>
-              <a:blipFill>
-                <a:blip r:embed="rId3"/>
-                <a:stretch>
-                  <a:fillRect l="-1647" t="-980"/>
-                </a:stretch>
-              </a:blipFill>
-            </p:spPr>
-            <p:txBody>
-              <a:bodyPr/>
-              <a:lstStyle/>
-              <a:p>
-                <a:r>
-                  <a:rPr lang="en-US">
-                    <a:noFill/>
-                  </a:rPr>
-                  <a:t> </a:t>
-                </a:r>
-              </a:p>
-            </p:txBody>
-          </p:sp>
-        </mc:Fallback>
-      </mc:AlternateContent>
-      <mc:AlternateContent xmlns:mc="http://schemas.openxmlformats.org/markup-compatibility/2006">
-        <mc:Choice xmlns:a14="http://schemas.microsoft.com/office/drawing/2010/main" Requires="a14">
-          <p:sp>
-            <p:nvSpPr>
-              <p:cNvPr id="6" name="TextBox 5">
-                <a:extLst>
-                  <a:ext uri="{FF2B5EF4-FFF2-40B4-BE49-F238E27FC236}">
-                    <a16:creationId xmlns:a16="http://schemas.microsoft.com/office/drawing/2014/main" id="{35C09FF8-8B36-48CE-9AF5-24F7BDE0A71B}"/>
-                  </a:ext>
-                </a:extLst>
-              </p:cNvPr>
-              <p:cNvSpPr txBox="1"/>
-              <p:nvPr/>
-            </p:nvSpPr>
-            <p:spPr>
-              <a:xfrm>
-                <a:off x="-394282" y="5427676"/>
-                <a:ext cx="3506598" cy="1354217"/>
-              </a:xfrm>
-              <a:prstGeom prst="rect">
-                <a:avLst/>
-              </a:prstGeom>
-              <a:noFill/>
-            </p:spPr>
-            <p:txBody>
-              <a:bodyPr wrap="square" rtlCol="0">
-                <a:spAutoFit/>
-              </a:bodyPr>
-              <a:lstStyle/>
-              <a:p>
-                <a:pPr lvl="1"/>
-                <a14:m>
-                  <m:oMath xmlns:m="http://schemas.openxmlformats.org/officeDocument/2006/math">
-                    <m:sSub>
-                      <m:sSubPr>
-                        <m:ctrlPr>
-                          <a:rPr lang="en-US" sz="1600" b="0" i="1" smtClean="0">
-                            <a:latin typeface="Cambria Math" panose="02040503050406030204" pitchFamily="18" charset="0"/>
-                          </a:rPr>
-                        </m:ctrlPr>
-                      </m:sSubPr>
-                      <m:e>
-                        <m:r>
-                          <a:rPr lang="en-US" sz="1600" b="0" i="1" smtClean="0">
-                            <a:latin typeface="Cambria Math" panose="02040503050406030204" pitchFamily="18" charset="0"/>
-                          </a:rPr>
-                          <m:t>𝐹</m:t>
-                        </m:r>
-                      </m:e>
-                      <m:sub>
-                        <m:r>
-                          <a:rPr lang="en-US" sz="1600" b="0" i="1" smtClean="0">
-                            <a:latin typeface="Cambria Math" panose="02040503050406030204" pitchFamily="18" charset="0"/>
-                          </a:rPr>
-                          <m:t>h</m:t>
-                        </m:r>
-                      </m:sub>
-                    </m:sSub>
-                  </m:oMath>
-                </a14:m>
-                <a:r>
-                  <a:rPr lang="en-US" sz="1600" b="0" dirty="0"/>
-                  <a:t> - H-Stab Lift</a:t>
-                </a:r>
-              </a:p>
-              <a:p>
-                <a:pPr lvl="1"/>
-                <a14:m>
-                  <m:oMath xmlns:m="http://schemas.openxmlformats.org/officeDocument/2006/math">
-                    <m:sSub>
-                      <m:sSubPr>
-                        <m:ctrlPr>
-                          <a:rPr lang="en-US" sz="1600" b="0" i="1" smtClean="0">
-                            <a:latin typeface="Cambria Math" panose="02040503050406030204" pitchFamily="18" charset="0"/>
-                          </a:rPr>
-                        </m:ctrlPr>
-                      </m:sSubPr>
-                      <m:e>
-                        <m:r>
-                          <a:rPr lang="en-US" sz="1600" b="0" i="1" smtClean="0">
-                            <a:latin typeface="Cambria Math" panose="02040503050406030204" pitchFamily="18" charset="0"/>
-                          </a:rPr>
-                          <m:t>𝐹</m:t>
-                        </m:r>
-                      </m:e>
-                      <m:sub>
-                        <m:r>
-                          <a:rPr lang="en-US" sz="1600" b="0" i="1" smtClean="0">
-                            <a:latin typeface="Cambria Math" panose="02040503050406030204" pitchFamily="18" charset="0"/>
-                          </a:rPr>
-                          <m:t>𝑙</m:t>
-                        </m:r>
-                      </m:sub>
-                    </m:sSub>
-                  </m:oMath>
-                </a14:m>
-                <a:r>
-                  <a:rPr lang="en-US" sz="1600" b="0" dirty="0"/>
-                  <a:t> - Wing Lift</a:t>
-                </a:r>
-              </a:p>
-              <a:p>
-                <a:pPr lvl="1"/>
-                <a14:m>
-                  <m:oMath xmlns:m="http://schemas.openxmlformats.org/officeDocument/2006/math">
-                    <m:sSub>
-                      <m:sSubPr>
-                        <m:ctrlPr>
-                          <a:rPr lang="en-US" sz="1600" b="0" i="1" smtClean="0">
-                            <a:latin typeface="Cambria Math" panose="02040503050406030204" pitchFamily="18" charset="0"/>
-                          </a:rPr>
-                        </m:ctrlPr>
-                      </m:sSubPr>
-                      <m:e>
-                        <m:r>
-                          <a:rPr lang="en-US" sz="1600" b="0" i="1" smtClean="0">
-                            <a:latin typeface="Cambria Math" panose="02040503050406030204" pitchFamily="18" charset="0"/>
-                          </a:rPr>
-                          <m:t>𝐹</m:t>
-                        </m:r>
-                      </m:e>
-                      <m:sub>
-                        <m:r>
-                          <a:rPr lang="en-US" sz="1600" b="0" i="1" smtClean="0">
-                            <a:latin typeface="Cambria Math" panose="02040503050406030204" pitchFamily="18" charset="0"/>
-                          </a:rPr>
-                          <m:t>𝑡h𝑟</m:t>
-                        </m:r>
-                      </m:sub>
-                    </m:sSub>
-                  </m:oMath>
-                </a14:m>
-                <a:r>
-                  <a:rPr lang="en-US" sz="1600" b="0" dirty="0"/>
-                  <a:t> - Tether Force</a:t>
-                </a:r>
-              </a:p>
-              <a:p>
-                <a:pPr lvl="1"/>
-                <a14:m>
-                  <m:oMath xmlns:m="http://schemas.openxmlformats.org/officeDocument/2006/math">
-                    <m:r>
-                      <a:rPr lang="en-US" sz="1600" b="0" i="1" smtClean="0">
-                        <a:latin typeface="Cambria Math" panose="02040503050406030204" pitchFamily="18" charset="0"/>
-                      </a:rPr>
-                      <m:t>𝛾</m:t>
-                    </m:r>
-                  </m:oMath>
-                </a14:m>
-                <a:r>
-                  <a:rPr lang="en-US" sz="1600" b="0" dirty="0"/>
-                  <a:t> – percent buoyancy</a:t>
-                </a:r>
-                <a:endParaRPr lang="en-US" sz="1600" b="0" i="1" dirty="0">
-                  <a:latin typeface="Cambria Math" panose="02040503050406030204" pitchFamily="18" charset="0"/>
-                </a:endParaRPr>
-              </a:p>
-              <a:p>
-                <a:pPr lvl="1"/>
-                <a14:m>
-                  <m:oMath xmlns:m="http://schemas.openxmlformats.org/officeDocument/2006/math">
-                    <m:sSub>
-                      <m:sSubPr>
-                        <m:ctrlPr>
-                          <a:rPr lang="en-US" sz="1600" b="0" i="1" smtClean="0">
-                            <a:latin typeface="Cambria Math" panose="02040503050406030204" pitchFamily="18" charset="0"/>
-                          </a:rPr>
-                        </m:ctrlPr>
-                      </m:sSubPr>
-                      <m:e>
-                        <m:r>
-                          <a:rPr lang="en-US" sz="1600" b="0" i="1" smtClean="0">
-                            <a:latin typeface="Cambria Math" panose="02040503050406030204" pitchFamily="18" charset="0"/>
-                          </a:rPr>
-                          <m:t>𝑙</m:t>
-                        </m:r>
-                      </m:e>
-                      <m:sub>
-                        <m:r>
-                          <a:rPr lang="en-US" sz="1600" b="0" i="1" smtClean="0">
-                            <a:latin typeface="Cambria Math" panose="02040503050406030204" pitchFamily="18" charset="0"/>
-                          </a:rPr>
-                          <m:t>𝑖</m:t>
-                        </m:r>
-                      </m:sub>
-                    </m:sSub>
-                  </m:oMath>
-                </a14:m>
-                <a:r>
-                  <a:rPr lang="en-US" sz="1600" b="0" dirty="0"/>
-                  <a:t> - respective lever arm</a:t>
-                </a:r>
-                <a:endParaRPr lang="en-US" sz="1600" dirty="0"/>
-              </a:p>
-            </p:txBody>
-          </p:sp>
-        </mc:Choice>
-        <mc:Fallback>
-          <p:sp>
-            <p:nvSpPr>
-              <p:cNvPr id="6" name="TextBox 5">
-                <a:extLst>
-                  <a:ext uri="{FF2B5EF4-FFF2-40B4-BE49-F238E27FC236}">
-                    <a16:creationId xmlns:a16="http://schemas.microsoft.com/office/drawing/2014/main" id="{35C09FF8-8B36-48CE-9AF5-24F7BDE0A71B}"/>
-                  </a:ext>
-                </a:extLst>
-              </p:cNvPr>
-              <p:cNvSpPr txBox="1">
-                <a:spLocks noRot="1" noChangeAspect="1" noMove="1" noResize="1" noEditPoints="1" noAdjustHandles="1" noChangeArrowheads="1" noChangeShapeType="1" noTextEdit="1"/>
-              </p:cNvSpPr>
-              <p:nvPr/>
-            </p:nvSpPr>
-            <p:spPr>
-              <a:xfrm>
-                <a:off x="-394282" y="5427676"/>
-                <a:ext cx="3506598" cy="1354217"/>
-              </a:xfrm>
-              <a:prstGeom prst="rect">
-                <a:avLst/>
-              </a:prstGeom>
-              <a:blipFill>
-                <a:blip r:embed="rId4"/>
-                <a:stretch>
-                  <a:fillRect t="-1345" b="-2242"/>
-                </a:stretch>
-              </a:blipFill>
-            </p:spPr>
-            <p:txBody>
-              <a:bodyPr/>
-              <a:lstStyle/>
-              <a:p>
-                <a:r>
-                  <a:rPr lang="en-US">
-                    <a:noFill/>
-                  </a:rPr>
-                  <a:t> </a:t>
-                </a:r>
-              </a:p>
-            </p:txBody>
-          </p:sp>
-        </mc:Fallback>
-      </mc:AlternateContent>
-    </p:spTree>
-    <p:extLst>
-      <p:ext uri="{BB962C8B-B14F-4D97-AF65-F5344CB8AC3E}">
-        <p14:creationId xmlns:p14="http://schemas.microsoft.com/office/powerpoint/2010/main" val="3496074965"/>
-      </p:ext>
-    </p:extLst>
-  </p:cSld>
-  <p:clrMapOvr>
-    <a:masterClrMapping/>
-  </p:clrMapOvr>
-</p:sld>
-</file>
-
-<file path=ppt/slides/slide2.xml><?xml version="1.0" encoding="utf-8"?>
-<p:sld xmlns:a="http://schemas.openxmlformats.org/drawingml/2006/main" xmlns:r="http://schemas.openxmlformats.org/officeDocument/2006/relationships" xmlns:p="http://schemas.openxmlformats.org/presentationml/2006/main">
-  <p:cSld>
-    <p:bg>
-      <p:bgPr>
-        <a:solidFill>
-          <a:schemeClr val="bg1"/>
-        </a:solidFill>
-        <a:effectLst/>
-      </p:bgPr>
-    </p:bg>
-    <p:spTree>
-      <p:nvGrpSpPr>
-        <p:cNvPr id="1" name=""/>
-        <p:cNvGrpSpPr/>
-        <p:nvPr/>
-      </p:nvGrpSpPr>
-      <p:grpSpPr>
-        <a:xfrm>
-          <a:off x="0" y="0"/>
-          <a:ext cx="0" cy="0"/>
-          <a:chOff x="0" y="0"/>
-          <a:chExt cx="0" cy="0"/>
-        </a:xfrm>
-      </p:grpSpPr>
-      <p:sp useBgFill="1">
-        <p:nvSpPr>
-          <p:cNvPr id="8" name="Rectangle 7">
-            <a:extLst>
-              <a:ext uri="{FF2B5EF4-FFF2-40B4-BE49-F238E27FC236}">
-                <a16:creationId xmlns:a16="http://schemas.microsoft.com/office/drawing/2014/main" id="{DBF61EA3-B236-439E-9C0B-340980D56BEE}"/>
-              </a:ext>
-              <a:ext uri="{C183D7F6-B498-43B3-948B-1728B52AA6E4}">
-                <adec:decorative xmlns:adec="http://schemas.microsoft.com/office/drawing/2017/decorative" val="1"/>
-              </a:ext>
-            </a:extLst>
-          </p:cNvPr>
-          <p:cNvSpPr>
-            <a:spLocks noGrp="1" noRot="1" noChangeAspect="1" noMove="1" noResize="1" noEditPoints="1" noAdjustHandles="1" noChangeArrowheads="1" noChangeShapeType="1" noTextEdit="1"/>
-          </p:cNvSpPr>
-          <p:nvPr>
-            <p:extLst>
-              <p:ext uri="{386F3935-93C4-4BCD-93E2-E3B085C9AB24}">
-                <p16:designElem xmlns:p16="http://schemas.microsoft.com/office/powerpoint/2015/main" val="1"/>
-              </p:ext>
-            </p:extLst>
-          </p:nvPr>
-        </p:nvSpPr>
-        <p:spPr>
-          <a:xfrm>
-            <a:off x="0" y="0"/>
-            <a:ext cx="12191999" cy="6857365"/>
-          </a:xfrm>
-          <a:prstGeom prst="rect">
-            <a:avLst/>
-          </a:prstGeom>
-          <a:ln>
-            <a:noFill/>
-          </a:ln>
-        </p:spPr>
-        <p:style>
-          <a:lnRef idx="2">
-            <a:schemeClr val="accent1">
-              <a:shade val="50000"/>
-            </a:schemeClr>
-          </a:lnRef>
-          <a:fillRef idx="1">
-            <a:schemeClr val="accent1"/>
-          </a:fillRef>
-          <a:effectRef idx="0">
-            <a:schemeClr val="accent1"/>
-          </a:effectRef>
-          <a:fontRef idx="minor">
-            <a:schemeClr val="lt1"/>
-          </a:fontRef>
-        </p:style>
-        <p:txBody>
-          <a:bodyPr rtlCol="0" anchor="ctr"/>
-          <a:lstStyle/>
-          <a:p>
-            <a:pPr algn="ctr"/>
-            <a:endParaRPr lang="en-US"/>
-          </a:p>
-        </p:txBody>
-      </p:sp>
-      <p:sp>
-        <p:nvSpPr>
-          <p:cNvPr id="2" name="Title 1">
-            <a:extLst>
-              <a:ext uri="{FF2B5EF4-FFF2-40B4-BE49-F238E27FC236}">
-                <a16:creationId xmlns:a16="http://schemas.microsoft.com/office/drawing/2014/main" id="{8F77F8A5-2169-48CF-985F-DDBE558D821F}"/>
-              </a:ext>
-            </a:extLst>
-          </p:cNvPr>
-          <p:cNvSpPr>
-            <a:spLocks noGrp="1"/>
-          </p:cNvSpPr>
-          <p:nvPr>
-            <p:ph type="title"/>
-          </p:nvPr>
-        </p:nvSpPr>
-        <p:spPr>
-          <a:xfrm>
-            <a:off x="808638" y="386930"/>
-            <a:ext cx="9236700" cy="1188950"/>
-          </a:xfrm>
-        </p:spPr>
-        <p:txBody>
-          <a:bodyPr anchor="b">
-            <a:normAutofit/>
-          </a:bodyPr>
-          <a:lstStyle/>
-          <a:p>
-            <a:r>
-              <a:rPr lang="en-US" sz="5400"/>
-              <a:t>Outline</a:t>
-            </a:r>
-          </a:p>
-        </p:txBody>
-      </p:sp>
-      <p:grpSp>
-        <p:nvGrpSpPr>
-          <p:cNvPr id="10" name="Group 9">
-            <a:extLst>
-              <a:ext uri="{FF2B5EF4-FFF2-40B4-BE49-F238E27FC236}">
-                <a16:creationId xmlns:a16="http://schemas.microsoft.com/office/drawing/2014/main" id="{28FAF094-D087-493F-8DF9-A486C2D6BBAA}"/>
-              </a:ext>
-              <a:ext uri="{C183D7F6-B498-43B3-948B-1728B52AA6E4}">
-                <adec:decorative xmlns:adec="http://schemas.microsoft.com/office/drawing/2017/decorative" val="1"/>
-              </a:ext>
-            </a:extLst>
-          </p:cNvPr>
-          <p:cNvGrpSpPr>
-            <a:grpSpLocks noGrp="1" noUngrp="1" noRot="1" noChangeAspect="1" noMove="1" noResize="1"/>
-          </p:cNvGrpSpPr>
-          <p:nvPr>
-            <p:extLst>
-              <p:ext uri="{386F3935-93C4-4BCD-93E2-E3B085C9AB24}">
-                <p16:designElem xmlns:p16="http://schemas.microsoft.com/office/powerpoint/2015/main" val="1"/>
-              </p:ext>
-            </p:extLst>
-          </p:nvPr>
-        </p:nvGrpSpPr>
-        <p:grpSpPr>
-          <a:xfrm>
-            <a:off x="-2" y="1998368"/>
-            <a:ext cx="11695083" cy="782176"/>
-            <a:chOff x="-2" y="1998368"/>
-            <a:chExt cx="11695083" cy="782176"/>
-          </a:xfrm>
-        </p:grpSpPr>
-        <p:sp>
-          <p:nvSpPr>
-            <p:cNvPr id="11" name="Rectangle 10">
-              <a:extLst>
-                <a:ext uri="{FF2B5EF4-FFF2-40B4-BE49-F238E27FC236}">
-                  <a16:creationId xmlns:a16="http://schemas.microsoft.com/office/drawing/2014/main" id="{8D7C88D8-5509-4514-925A-9CE148E5CBD6}"/>
-                </a:ext>
-                <a:ext uri="{C183D7F6-B498-43B3-948B-1728B52AA6E4}">
-                  <adec:decorative xmlns:adec="http://schemas.microsoft.com/office/drawing/2017/decorative" val="1"/>
-                </a:ext>
-              </a:extLst>
-            </p:cNvPr>
-            <p:cNvSpPr/>
-            <p:nvPr>
-              <p:extLst>
-                <p:ext uri="{386F3935-93C4-4BCD-93E2-E3B085C9AB24}">
-                  <p16:designElem xmlns:p16="http://schemas.microsoft.com/office/powerpoint/2015/main" val="1"/>
-                </p:ext>
-              </p:extLst>
-            </p:nvPr>
-          </p:nvSpPr>
-          <p:spPr>
-            <a:xfrm rot="5400000">
-              <a:off x="11228040" y="2313027"/>
-              <a:ext cx="781700" cy="152382"/>
-            </a:xfrm>
-            <a:prstGeom prst="rect">
-              <a:avLst/>
-            </a:prstGeom>
-            <a:solidFill>
-              <a:schemeClr val="accent4"/>
-            </a:solidFill>
-            <a:ln>
-              <a:noFill/>
-            </a:ln>
-          </p:spPr>
-          <p:style>
-            <a:lnRef idx="2">
-              <a:schemeClr val="accent1">
-                <a:shade val="50000"/>
-              </a:schemeClr>
-            </a:lnRef>
-            <a:fillRef idx="1">
-              <a:schemeClr val="accent1"/>
-            </a:fillRef>
-            <a:effectRef idx="0">
-              <a:schemeClr val="accent1"/>
-            </a:effectRef>
-            <a:fontRef idx="minor">
-              <a:schemeClr val="lt1"/>
-            </a:fontRef>
-          </p:style>
-          <p:txBody>
-            <a:bodyPr rtlCol="0" anchor="ctr"/>
-            <a:lstStyle/>
-            <a:p>
-              <a:pPr algn="ctr"/>
-              <a:endParaRPr lang="en-US"/>
-            </a:p>
-          </p:txBody>
-        </p:sp>
-        <p:sp>
-          <p:nvSpPr>
-            <p:cNvPr id="12" name="Rectangle 11">
-              <a:extLst>
-                <a:ext uri="{FF2B5EF4-FFF2-40B4-BE49-F238E27FC236}">
-                  <a16:creationId xmlns:a16="http://schemas.microsoft.com/office/drawing/2014/main" id="{7275593D-F75E-4426-AE3E-2CDEFD228D25}"/>
-                </a:ext>
-                <a:ext uri="{C183D7F6-B498-43B3-948B-1728B52AA6E4}">
-                  <adec:decorative xmlns:adec="http://schemas.microsoft.com/office/drawing/2017/decorative" val="1"/>
-                </a:ext>
-              </a:extLst>
-            </p:cNvPr>
-            <p:cNvSpPr/>
-            <p:nvPr>
-              <p:extLst>
-                <p:ext uri="{386F3935-93C4-4BCD-93E2-E3B085C9AB24}">
-                  <p16:designElem xmlns:p16="http://schemas.microsoft.com/office/powerpoint/2015/main" val="1"/>
-                </p:ext>
-              </p:extLst>
-            </p:nvPr>
-          </p:nvSpPr>
-          <p:spPr>
-            <a:xfrm flipH="1" flipV="1">
-              <a:off x="-2" y="1998845"/>
-              <a:ext cx="11454595" cy="781699"/>
-            </a:xfrm>
-            <a:prstGeom prst="rect">
-              <a:avLst/>
-            </a:prstGeom>
-            <a:solidFill>
-              <a:schemeClr val="accent4"/>
-            </a:solidFill>
-            <a:ln>
-              <a:noFill/>
-            </a:ln>
-          </p:spPr>
-          <p:style>
-            <a:lnRef idx="2">
-              <a:schemeClr val="accent1">
-                <a:shade val="50000"/>
-              </a:schemeClr>
-            </a:lnRef>
-            <a:fillRef idx="1">
-              <a:schemeClr val="accent1"/>
-            </a:fillRef>
-            <a:effectRef idx="0">
-              <a:schemeClr val="accent1"/>
-            </a:effectRef>
-            <a:fontRef idx="minor">
-              <a:schemeClr val="lt1"/>
-            </a:fontRef>
-          </p:style>
-          <p:txBody>
-            <a:bodyPr rtlCol="0" anchor="ctr"/>
-            <a:lstStyle/>
-            <a:p>
-              <a:pPr algn="ctr"/>
-              <a:endParaRPr lang="en-US"/>
-            </a:p>
-          </p:txBody>
-        </p:sp>
-      </p:grpSp>
-      <p:sp>
-        <p:nvSpPr>
-          <p:cNvPr id="14" name="Rectangle 13">
-            <a:extLst>
-              <a:ext uri="{FF2B5EF4-FFF2-40B4-BE49-F238E27FC236}">
-                <a16:creationId xmlns:a16="http://schemas.microsoft.com/office/drawing/2014/main" id="{E659831F-0D9A-4C63-9EBB-8435B85A440F}"/>
-              </a:ext>
-              <a:ext uri="{C183D7F6-B498-43B3-948B-1728B52AA6E4}">
-                <adec:decorative xmlns:adec="http://schemas.microsoft.com/office/drawing/2017/decorative" val="1"/>
-              </a:ext>
-            </a:extLst>
-          </p:cNvPr>
-          <p:cNvSpPr>
-            <a:spLocks noGrp="1" noRot="1" noChangeAspect="1" noMove="1" noResize="1" noEditPoints="1" noAdjustHandles="1" noChangeArrowheads="1" noChangeShapeType="1" noTextEdit="1"/>
-          </p:cNvSpPr>
-          <p:nvPr>
-            <p:extLst>
-              <p:ext uri="{386F3935-93C4-4BCD-93E2-E3B085C9AB24}">
-                <p16:designElem xmlns:p16="http://schemas.microsoft.com/office/powerpoint/2015/main" val="1"/>
-              </p:ext>
-            </p:extLst>
-          </p:nvPr>
-        </p:nvSpPr>
-        <p:spPr>
-          <a:xfrm>
-            <a:off x="0" y="2203079"/>
-            <a:ext cx="11383362" cy="4147845"/>
-          </a:xfrm>
-          <a:prstGeom prst="rect">
-            <a:avLst/>
-          </a:prstGeom>
-          <a:solidFill>
-            <a:schemeClr val="bg1"/>
-          </a:solidFill>
-          <a:ln>
-            <a:noFill/>
-          </a:ln>
-          <a:effectLst>
-            <a:outerShdw blurRad="139700" dist="127000" dir="5400000" algn="t" rotWithShape="0">
-              <a:prstClr val="black">
-                <a:alpha val="15000"/>
-              </a:prstClr>
-            </a:outerShdw>
-          </a:effectLst>
-        </p:spPr>
-        <p:style>
-          <a:lnRef idx="2">
-            <a:schemeClr val="accent1">
-              <a:shade val="50000"/>
-            </a:schemeClr>
-          </a:lnRef>
-          <a:fillRef idx="1">
-            <a:schemeClr val="accent1"/>
-          </a:fillRef>
-          <a:effectRef idx="0">
-            <a:schemeClr val="accent1"/>
-          </a:effectRef>
-          <a:fontRef idx="minor">
-            <a:schemeClr val="lt1"/>
-          </a:fontRef>
-        </p:style>
-        <p:txBody>
-          <a:bodyPr rtlCol="0" anchor="ctr"/>
-          <a:lstStyle/>
-          <a:p>
-            <a:pPr algn="ctr"/>
-            <a:endParaRPr lang="en-US"/>
-          </a:p>
-        </p:txBody>
-      </p:sp>
-      <p:sp>
-        <p:nvSpPr>
-          <p:cNvPr id="3" name="Content Placeholder 2">
-            <a:extLst>
-              <a:ext uri="{FF2B5EF4-FFF2-40B4-BE49-F238E27FC236}">
-                <a16:creationId xmlns:a16="http://schemas.microsoft.com/office/drawing/2014/main" id="{F1DE7267-06E2-4378-B2D9-26CF7A5842C2}"/>
-              </a:ext>
-            </a:extLst>
-          </p:cNvPr>
-          <p:cNvSpPr>
-            <a:spLocks noGrp="1"/>
-          </p:cNvSpPr>
-          <p:nvPr>
-            <p:ph idx="1"/>
-          </p:nvPr>
-        </p:nvSpPr>
-        <p:spPr>
-          <a:xfrm>
-            <a:off x="793660" y="2599509"/>
-            <a:ext cx="10143668" cy="3435531"/>
-          </a:xfrm>
-        </p:spPr>
-        <p:txBody>
-          <a:bodyPr anchor="ctr">
-            <a:normAutofit/>
-          </a:bodyPr>
-          <a:lstStyle/>
-          <a:p>
-            <a:r>
-              <a:rPr lang="en-US" sz="2400"/>
-              <a:t>System Overview</a:t>
-            </a:r>
-          </a:p>
-          <a:p>
-            <a:r>
-              <a:rPr lang="en-US" sz="2400"/>
-              <a:t>Pivot Arm and Lower Pivot</a:t>
-            </a:r>
-          </a:p>
-          <a:p>
-            <a:r>
-              <a:rPr lang="en-US" sz="2400"/>
-              <a:t>Upper Pivot</a:t>
-            </a:r>
-          </a:p>
-          <a:p>
-            <a:endParaRPr lang="en-US" sz="2400"/>
-          </a:p>
-        </p:txBody>
-      </p:sp>
-    </p:spTree>
-    <p:extLst>
-      <p:ext uri="{BB962C8B-B14F-4D97-AF65-F5344CB8AC3E}">
-        <p14:creationId xmlns:p14="http://schemas.microsoft.com/office/powerpoint/2010/main" val="3148421081"/>
-      </p:ext>
-    </p:extLst>
-  </p:cSld>
-  <p:clrMapOvr>
-    <a:masterClrMapping/>
-  </p:clrMapOvr>
-</p:sld>
-</file>
-
-<file path=ppt/slides/slide3.xml><?xml version="1.0" encoding="utf-8"?>
-<p:sld xmlns:a="http://schemas.openxmlformats.org/drawingml/2006/main" xmlns:r="http://schemas.openxmlformats.org/officeDocument/2006/relationships" xmlns:p="http://schemas.openxmlformats.org/presentationml/2006/main">
-  <p:cSld>
-    <p:bg>
-      <p:bgPr>
-        <a:solidFill>
-          <a:schemeClr val="bg1"/>
-        </a:solidFill>
-        <a:effectLst/>
-      </p:bgPr>
-    </p:bg>
-    <p:spTree>
-      <p:nvGrpSpPr>
-        <p:cNvPr id="1" name=""/>
-        <p:cNvGrpSpPr/>
-        <p:nvPr/>
-      </p:nvGrpSpPr>
-      <p:grpSpPr>
-        <a:xfrm>
-          <a:off x="0" y="0"/>
-          <a:ext cx="0" cy="0"/>
-          <a:chOff x="0" y="0"/>
-          <a:chExt cx="0" cy="0"/>
-        </a:xfrm>
-      </p:grpSpPr>
-      <p:sp useBgFill="1">
-        <p:nvSpPr>
           <p:cNvPr id="11" name="Rectangle 10">
             <a:extLst>
               <a:ext uri="{FF2B5EF4-FFF2-40B4-BE49-F238E27FC236}">
@@ -7425,7 +3673,7 @@
         </p:spPr>
         <p:txBody>
           <a:bodyPr vert="horz" lIns="91440" tIns="45720" rIns="91440" bIns="45720" rtlCol="0" anchor="ctr">
-            <a:normAutofit lnSpcReduction="10000"/>
+            <a:normAutofit/>
           </a:bodyPr>
           <a:lstStyle/>
           <a:p>
@@ -7443,7 +3691,7 @@
           <a:p>
             <a:r>
               <a:rPr lang="en-US" sz="2000" dirty="0"/>
-              <a:t>Mass ~ 7.4 </a:t>
+              <a:t>Mass ~ 4.7 </a:t>
             </a:r>
             <a:r>
               <a:rPr lang="en-US" sz="2000" dirty="0" err="1"/>
@@ -7452,41 +3700,6 @@
             <a:endParaRPr lang="en-US" sz="2000" dirty="0"/>
           </a:p>
           <a:p>
-            <a:pPr lvl="1"/>
-            <a:r>
-              <a:rPr lang="en-US" sz="1600" dirty="0"/>
-              <a:t>Reduced to 5.3 </a:t>
-            </a:r>
-            <a:r>
-              <a:rPr lang="en-US" sz="1600" dirty="0" err="1"/>
-              <a:t>lbs</a:t>
-            </a:r>
-            <a:endParaRPr lang="en-US" sz="1600" dirty="0"/>
-          </a:p>
-          <a:p>
-            <a:pPr lvl="1"/>
-            <a:r>
-              <a:rPr lang="en-US" sz="1600" dirty="0"/>
-              <a:t>All from rotational mass (4.4 </a:t>
-            </a:r>
-            <a:r>
-              <a:rPr lang="en-US" sz="1600" dirty="0" err="1"/>
-              <a:t>lbs</a:t>
-            </a:r>
-            <a:r>
-              <a:rPr lang="en-US" sz="1600" dirty="0"/>
-              <a:t> to 2.2 </a:t>
-            </a:r>
-            <a:r>
-              <a:rPr lang="en-US" sz="1600" dirty="0" err="1"/>
-              <a:t>lbs</a:t>
-            </a:r>
-            <a:r>
-              <a:rPr lang="en-US" sz="1600" dirty="0"/>
-              <a:t>).</a:t>
-            </a:r>
-          </a:p>
-          <a:p>
             <a:r>
               <a:rPr lang="en-US" sz="2000" dirty="0"/>
               <a:t>Inertia about the rotational axis reduced </a:t>
@@ -7496,55 +3709,17 @@
             <a:pPr lvl="1"/>
             <a:r>
               <a:rPr lang="en-US" sz="1600" dirty="0"/>
-              <a:t>33.04 </a:t>
-            </a:r>
-            <a:r>
-              <a:rPr lang="en-US" sz="1600" dirty="0" err="1"/>
-              <a:t>lb</a:t>
-            </a:r>
-            <a:r>
-              <a:rPr lang="en-US" sz="1600" dirty="0"/>
-              <a:t> in^2 vs 152 </a:t>
-            </a:r>
-            <a:r>
-              <a:rPr lang="en-US" sz="1600" dirty="0" err="1"/>
-              <a:t>lb</a:t>
-            </a:r>
-            <a:r>
-              <a:rPr lang="en-US" sz="1600" dirty="0"/>
-              <a:t> in^2</a:t>
+              <a:t>Hollow carbon rod with piston seals on each end to keep airtight.</a:t>
+            </a:r>
+          </a:p>
+          <a:p>
+            <a:r>
+              <a:rPr lang="en-US" sz="2000" dirty="0"/>
+              <a:t>Polyethylene Pipe Insulation added to eliminate net moment on the boom arm.</a:t>
             </a:r>
           </a:p>
           <a:p>
             <a:pPr lvl="1"/>
-            <a:r>
-              <a:rPr lang="en-US" sz="1600" dirty="0"/>
-              <a:t>Achieved by changing rod to PEEK.</a:t>
-            </a:r>
-          </a:p>
-          <a:p>
-            <a:pPr lvl="1"/>
-            <a:r>
-              <a:rPr lang="en-US" sz="1600" dirty="0"/>
-              <a:t>Investigating use of Carbon rod instead.</a:t>
-            </a:r>
-          </a:p>
-          <a:p>
-            <a:pPr lvl="2"/>
-            <a:r>
-              <a:rPr lang="en-US" sz="1200" dirty="0"/>
-              <a:t>Carbon will degrade in the presence of chlorine. Likely will get several test days at minimum before it becomes an issue.</a:t>
-            </a:r>
-          </a:p>
-          <a:p>
-            <a:pPr lvl="2"/>
-            <a:r>
-              <a:rPr lang="en-US" sz="1200" dirty="0"/>
-              <a:t>High stiffness when compared to plastic options.</a:t>
-            </a:r>
-          </a:p>
-          <a:p>
-            <a:pPr lvl="2"/>
             <a:endParaRPr lang="en-US" sz="1200" dirty="0"/>
           </a:p>
           <a:p>
@@ -7687,10 +3862,10 @@
       </p:sp>
       <p:pic>
         <p:nvPicPr>
-          <p:cNvPr id="6" name="Content Placeholder 5">
-            <a:extLst>
-              <a:ext uri="{FF2B5EF4-FFF2-40B4-BE49-F238E27FC236}">
-                <a16:creationId xmlns:a16="http://schemas.microsoft.com/office/drawing/2014/main" id="{36A176A7-15BF-47F2-A78E-3274B5FF1B43}"/>
+          <p:cNvPr id="7" name="Content Placeholder 6">
+            <a:extLst>
+              <a:ext uri="{FF2B5EF4-FFF2-40B4-BE49-F238E27FC236}">
+                <a16:creationId xmlns:a16="http://schemas.microsoft.com/office/drawing/2014/main" id="{B91FFACC-BB78-4CDA-A47B-84886F3A5B91}"/>
               </a:ext>
             </a:extLst>
           </p:cNvPr>
@@ -7703,13 +3878,13 @@
         </p:nvPicPr>
         <p:blipFill rotWithShape="1">
           <a:blip r:embed="rId2"/>
-          <a:srcRect t="3224" r="2" b="36191"/>
+          <a:srcRect l="1484" t="3212" r="-1484" b="433"/>
           <a:stretch/>
         </p:blipFill>
         <p:spPr>
           <a:xfrm>
-            <a:off x="5977788" y="799352"/>
-            <a:ext cx="5425410" cy="5259296"/>
+            <a:off x="6247130" y="1494053"/>
+            <a:ext cx="4886726" cy="4192715"/>
           </a:xfrm>
           <a:prstGeom prst="rect">
             <a:avLst/>
@@ -7729,7 +3904,7 @@
 </p:sld>
 </file>
 
-<file path=ppt/slides/slide4.xml><?xml version="1.0" encoding="utf-8"?>
+<file path=ppt/slides/slide2.xml><?xml version="1.0" encoding="utf-8"?>
 <p:sld xmlns:a="http://schemas.openxmlformats.org/drawingml/2006/main" xmlns:r="http://schemas.openxmlformats.org/officeDocument/2006/relationships" xmlns:p="http://schemas.openxmlformats.org/presentationml/2006/main">
   <p:cSld>
     <p:bg>
@@ -7756,10 +3931,10 @@
       </p:grpSpPr>
       <p:sp useBgFill="1">
         <p:nvSpPr>
-          <p:cNvPr id="13" name="Rectangle 12">
-            <a:extLst>
-              <a:ext uri="{FF2B5EF4-FFF2-40B4-BE49-F238E27FC236}">
-                <a16:creationId xmlns:a16="http://schemas.microsoft.com/office/drawing/2014/main" id="{201CC55D-ED54-4C5C-95E6-10947BD1103B}"/>
+          <p:cNvPr id="36" name="Rectangle 35">
+            <a:extLst>
+              <a:ext uri="{FF2B5EF4-FFF2-40B4-BE49-F238E27FC236}">
+                <a16:creationId xmlns:a16="http://schemas.microsoft.com/office/drawing/2014/main" id="{AAAE94E3-A7DB-4868-B1E3-E49703488BBC}"/>
               </a:ext>
               <a:ext uri="{C183D7F6-B498-43B3-948B-1728B52AA6E4}">
                 <adec:decorative xmlns:adec="http://schemas.microsoft.com/office/drawing/2017/decorative" val="1"/>
@@ -7833,7 +4008,7 @@
         <p:spPr>
           <a:xfrm>
             <a:off x="589560" y="856180"/>
-            <a:ext cx="4560584" cy="1128068"/>
+            <a:ext cx="5279408" cy="1128068"/>
           </a:xfrm>
         </p:spPr>
         <p:txBody>
@@ -7843,15 +4018,15 @@
           <a:lstStyle/>
           <a:p>
             <a:r>
-              <a:rPr lang="en-US" sz="4000"/>
-              <a:t>Lower Pivot and Arm</a:t>
+              <a:rPr lang="en-US" sz="3700"/>
+              <a:t>Elevation Pivot Cross Section</a:t>
             </a:r>
           </a:p>
         </p:txBody>
       </p:sp>
       <p:grpSp>
         <p:nvGrpSpPr>
-          <p:cNvPr id="15" name="Group 14">
+          <p:cNvPr id="38" name="Group 37">
             <a:extLst>
               <a:ext uri="{FF2B5EF4-FFF2-40B4-BE49-F238E27FC236}">
                 <a16:creationId xmlns:a16="http://schemas.microsoft.com/office/drawing/2014/main" id="{1DE889C7-FAD6-4397-98E2-05D503484459}"/>
@@ -7882,7 +4057,7 @@
         </p:grpSpPr>
         <p:sp>
           <p:nvSpPr>
-            <p:cNvPr id="16" name="Rectangle 15">
+            <p:cNvPr id="39" name="Rectangle 38">
               <a:extLst>
                 <a:ext uri="{FF2B5EF4-FFF2-40B4-BE49-F238E27FC236}">
                   <a16:creationId xmlns:a16="http://schemas.microsoft.com/office/drawing/2014/main" id="{F399A70F-F8CD-4992-9EF5-6CF15472E73F}"/>
@@ -7943,7 +4118,7 @@
         </p:sp>
         <p:sp>
           <p:nvSpPr>
-            <p:cNvPr id="17" name="Rectangle 16">
+            <p:cNvPr id="40" name="Rectangle 39">
               <a:extLst>
                 <a:ext uri="{FF2B5EF4-FFF2-40B4-BE49-F238E27FC236}">
                   <a16:creationId xmlns:a16="http://schemas.microsoft.com/office/drawing/2014/main" id="{48F4FEDC-6D80-458C-A665-075D9B9500FD}"/>
@@ -8005,7 +4180,7 @@
       </p:grpSp>
       <p:sp>
         <p:nvSpPr>
-          <p:cNvPr id="19" name="Rectangle 18">
+          <p:cNvPr id="42" name="Rectangle 41">
             <a:extLst>
               <a:ext uri="{FF2B5EF4-FFF2-40B4-BE49-F238E27FC236}">
                 <a16:creationId xmlns:a16="http://schemas.microsoft.com/office/drawing/2014/main" id="{3873B707-463F-40B0-8227-E8CC6C67EB25}"/>
@@ -8028,8 +4203,8 @@
         </p:nvSpPr>
         <p:spPr>
           <a:xfrm flipH="1">
-            <a:off x="665085" y="2090569"/>
-            <a:ext cx="4297680" cy="27432"/>
+            <a:off x="665085" y="2123821"/>
+            <a:ext cx="4975066" cy="27432"/>
           </a:xfrm>
           <a:prstGeom prst="rect">
             <a:avLst/>
@@ -8085,7 +4260,7 @@
         <p:spPr>
           <a:xfrm>
             <a:off x="590719" y="2330505"/>
-            <a:ext cx="4559425" cy="3979585"/>
+            <a:ext cx="5278066" cy="3979585"/>
           </a:xfrm>
         </p:spPr>
         <p:txBody>
@@ -8095,51 +4270,24 @@
           <a:lstStyle/>
           <a:p>
             <a:r>
-              <a:rPr lang="en-US" sz="1900" dirty="0"/>
-              <a:t>316 side braces, PEEK or Carbon tether arm.	</a:t>
-            </a:r>
-          </a:p>
-          <a:p>
-            <a:r>
-              <a:rPr lang="en-US" sz="1900" dirty="0"/>
-              <a:t>Bearings are Acetal raceway with 316 balls</a:t>
-            </a:r>
-          </a:p>
-          <a:p>
-            <a:pPr lvl="1"/>
-            <a:r>
-              <a:rPr lang="en-US" sz="1900" dirty="0"/>
-              <a:t>Low strength and speed, but high corrosion resistance.</a:t>
-            </a:r>
-          </a:p>
-          <a:p>
-            <a:pPr lvl="1"/>
-            <a:r>
-              <a:rPr lang="en-US" sz="1900" dirty="0"/>
-              <a:t>Potential improvement if transitioned to ceramic bearings, but high cost.</a:t>
-            </a:r>
-          </a:p>
-          <a:p>
-            <a:pPr lvl="1"/>
-            <a:r>
-              <a:rPr lang="en-US" sz="1900" dirty="0"/>
-              <a:t>Bearings rated to 30 lbf static, 50 lbf dynamic.</a:t>
-            </a:r>
-          </a:p>
-          <a:p>
-            <a:r>
-              <a:rPr lang="en-US" sz="1900" dirty="0"/>
-              <a:t>Design preloads the pivot on arm against the passive side of the assembly.</a:t>
-            </a:r>
-          </a:p>
-          <a:p>
-            <a:endParaRPr lang="en-US" sz="1900" dirty="0"/>
-          </a:p>
-        </p:txBody>
-      </p:sp>
-      <p:sp>
-        <p:nvSpPr>
-          <p:cNvPr id="21" name="Rectangle 20">
+              <a:rPr lang="en-US" sz="2000" dirty="0"/>
+              <a:t>Mass reduced where possible. </a:t>
+            </a:r>
+          </a:p>
+          <a:p>
+            <a:r>
+              <a:rPr lang="en-US" sz="2000" dirty="0"/>
+              <a:t>Sensor mount remains on passive side. Will be used to implement quick release mechanism for tow testing.</a:t>
+            </a:r>
+          </a:p>
+          <a:p>
+            <a:endParaRPr lang="en-US" sz="2000" dirty="0"/>
+          </a:p>
+        </p:txBody>
+      </p:sp>
+      <p:sp>
+        <p:nvSpPr>
+          <p:cNvPr id="44" name="Rectangle 43">
             <a:extLst>
               <a:ext uri="{FF2B5EF4-FFF2-40B4-BE49-F238E27FC236}">
                 <a16:creationId xmlns:a16="http://schemas.microsoft.com/office/drawing/2014/main" id="{C13237C8-E62C-4F0D-A318-BD6FB6C2D138}"/>
@@ -8202,7 +4350,7 @@
       </p:sp>
       <p:sp>
         <p:nvSpPr>
-          <p:cNvPr id="23" name="Rectangle 22">
+          <p:cNvPr id="46" name="Rectangle 45">
             <a:extLst>
               <a:ext uri="{FF2B5EF4-FFF2-40B4-BE49-F238E27FC236}">
                 <a16:creationId xmlns:a16="http://schemas.microsoft.com/office/drawing/2014/main" id="{19C9EAEA-39D0-4B0E-A0EB-51E7B26740B1}"/>
@@ -8225,8 +4373,8 @@
         </p:nvSpPr>
         <p:spPr>
           <a:xfrm>
-            <a:off x="5685810" y="513853"/>
-            <a:ext cx="6009366" cy="5834577"/>
+            <a:off x="6849687" y="357447"/>
+            <a:ext cx="4845488" cy="2923587"/>
           </a:xfrm>
           <a:prstGeom prst="rect">
             <a:avLst/>
@@ -8272,10 +4420,10 @@
       </p:sp>
       <p:pic>
         <p:nvPicPr>
-          <p:cNvPr id="8" name="Content Placeholder 7">
-            <a:extLst>
-              <a:ext uri="{FF2B5EF4-FFF2-40B4-BE49-F238E27FC236}">
-                <a16:creationId xmlns:a16="http://schemas.microsoft.com/office/drawing/2014/main" id="{08BAAD5B-84A8-468D-82CE-290AD87EB167}"/>
+          <p:cNvPr id="6" name="Content Placeholder 5">
+            <a:extLst>
+              <a:ext uri="{FF2B5EF4-FFF2-40B4-BE49-F238E27FC236}">
+                <a16:creationId xmlns:a16="http://schemas.microsoft.com/office/drawing/2014/main" id="{7BB76661-C3BC-42B8-8EE7-DAC567887255}"/>
               </a:ext>
             </a:extLst>
           </p:cNvPr>
@@ -8286,15 +4434,115 @@
             <p:ph sz="half" idx="2"/>
           </p:nvPr>
         </p:nvPicPr>
+        <p:blipFill>
+          <a:blip r:embed="rId2"/>
+          <a:stretch>
+            <a:fillRect/>
+          </a:stretch>
+        </p:blipFill>
+        <p:spPr>
+          <a:xfrm>
+            <a:off x="7905770" y="581892"/>
+            <a:ext cx="2752738" cy="2518756"/>
+          </a:xfrm>
+          <a:prstGeom prst="rect">
+            <a:avLst/>
+          </a:prstGeom>
+        </p:spPr>
+      </p:pic>
+      <p:sp>
+        <p:nvSpPr>
+          <p:cNvPr id="48" name="Rectangle 47">
+            <a:extLst>
+              <a:ext uri="{FF2B5EF4-FFF2-40B4-BE49-F238E27FC236}">
+                <a16:creationId xmlns:a16="http://schemas.microsoft.com/office/drawing/2014/main" id="{8CB5D2D7-DF65-4E86-BFBA-FFB9B5ACEB64}"/>
+              </a:ext>
+              <a:ext uri="{C183D7F6-B498-43B3-948B-1728B52AA6E4}">
+                <adec:decorative xmlns:adec="http://schemas.microsoft.com/office/drawing/2017/decorative" val="1"/>
+              </a:ext>
+            </a:extLst>
+          </p:cNvPr>
+          <p:cNvSpPr>
+            <a:spLocks noGrp="1" noRot="1" noChangeAspect="1" noMove="1" noResize="1" noEditPoints="1" noAdjustHandles="1" noChangeArrowheads="1" noChangeShapeType="1" noTextEdit="1"/>
+          </p:cNvSpPr>
+          <p:nvPr>
+            <p:extLst>
+              <p:ext uri="{386F3935-93C4-4BCD-93E2-E3B085C9AB24}">
+                <p16:designElem xmlns:p16="http://schemas.microsoft.com/office/powerpoint/2015/main" val="1"/>
+              </p:ext>
+            </p:extLst>
+          </p:nvPr>
+        </p:nvSpPr>
+        <p:spPr>
+          <a:xfrm>
+            <a:off x="6849687" y="3505479"/>
+            <a:ext cx="4845488" cy="2923587"/>
+          </a:xfrm>
+          <a:prstGeom prst="rect">
+            <a:avLst/>
+          </a:prstGeom>
+          <a:solidFill>
+            <a:schemeClr val="bg1"/>
+          </a:solidFill>
+          <a:ln>
+            <a:noFill/>
+          </a:ln>
+          <a:effectLst>
+            <a:outerShdw blurRad="139700" dist="127000" dir="5400000" algn="t" rotWithShape="0">
+              <a:prstClr val="black">
+                <a:alpha val="15000"/>
+              </a:prstClr>
+            </a:outerShdw>
+          </a:effectLst>
+        </p:spPr>
+        <p:style>
+          <a:lnRef idx="2">
+            <a:schemeClr val="accent1">
+              <a:shade val="50000"/>
+            </a:schemeClr>
+          </a:lnRef>
+          <a:fillRef idx="1">
+            <a:schemeClr val="accent1"/>
+          </a:fillRef>
+          <a:effectRef idx="0">
+            <a:schemeClr val="accent1"/>
+          </a:effectRef>
+          <a:fontRef idx="minor">
+            <a:schemeClr val="lt1"/>
+          </a:fontRef>
+        </p:style>
+        <p:txBody>
+          <a:bodyPr rtlCol="0" anchor="ctr"/>
+          <a:lstStyle/>
+          <a:p>
+            <a:pPr algn="ctr"/>
+            <a:endParaRPr lang="en-US"/>
+          </a:p>
+        </p:txBody>
+      </p:sp>
+      <p:pic>
+        <p:nvPicPr>
+          <p:cNvPr id="15" name="Content Placeholder 4">
+            <a:extLst>
+              <a:ext uri="{FF2B5EF4-FFF2-40B4-BE49-F238E27FC236}">
+                <a16:creationId xmlns:a16="http://schemas.microsoft.com/office/drawing/2014/main" id="{59BA9B12-205C-47A6-8CDF-22E52ADCE129}"/>
+              </a:ext>
+            </a:extLst>
+          </p:cNvPr>
+          <p:cNvPicPr>
+            <a:picLocks noChangeAspect="1"/>
+          </p:cNvPicPr>
+          <p:nvPr/>
+        </p:nvPicPr>
         <p:blipFill rotWithShape="1">
-          <a:blip r:embed="rId2"/>
-          <a:srcRect l="11108" r="22612" b="-1"/>
+          <a:blip r:embed="rId3"/>
+          <a:srcRect l="1742" r="1" b="1"/>
           <a:stretch/>
         </p:blipFill>
         <p:spPr>
           <a:xfrm>
-            <a:off x="5977788" y="799352"/>
-            <a:ext cx="5425410" cy="5259296"/>
+            <a:off x="7982058" y="3707894"/>
+            <a:ext cx="2598298" cy="2518756"/>
           </a:xfrm>
           <a:prstGeom prst="rect">
             <a:avLst/>
@@ -8304,7 +4552,7 @@
     </p:spTree>
     <p:extLst>
       <p:ext uri="{BB962C8B-B14F-4D97-AF65-F5344CB8AC3E}">
-        <p14:creationId xmlns:p14="http://schemas.microsoft.com/office/powerpoint/2010/main" val="1189835592"/>
+        <p14:creationId xmlns:p14="http://schemas.microsoft.com/office/powerpoint/2010/main" val="3806096742"/>
       </p:ext>
     </p:extLst>
   </p:cSld>
@@ -8314,7 +4562,7 @@
 </p:sld>
 </file>
 
-<file path=ppt/slides/slide5.xml><?xml version="1.0" encoding="utf-8"?>
+<file path=ppt/slides/slide3.xml><?xml version="1.0" encoding="utf-8"?>
 <p:sld xmlns:a="http://schemas.openxmlformats.org/drawingml/2006/main" xmlns:r="http://schemas.openxmlformats.org/officeDocument/2006/relationships" xmlns:p="http://schemas.openxmlformats.org/presentationml/2006/main">
   <p:cSld>
     <p:bg>
@@ -8341,10 +4589,10 @@
       </p:grpSpPr>
       <p:sp useBgFill="1">
         <p:nvSpPr>
-          <p:cNvPr id="21" name="Rectangle 20">
-            <a:extLst>
-              <a:ext uri="{FF2B5EF4-FFF2-40B4-BE49-F238E27FC236}">
-                <a16:creationId xmlns:a16="http://schemas.microsoft.com/office/drawing/2014/main" id="{201CC55D-ED54-4C5C-95E6-10947BD1103B}"/>
+          <p:cNvPr id="90" name="Rectangle 89">
+            <a:extLst>
+              <a:ext uri="{FF2B5EF4-FFF2-40B4-BE49-F238E27FC236}">
+                <a16:creationId xmlns:a16="http://schemas.microsoft.com/office/drawing/2014/main" id="{AAAE94E3-A7DB-4868-B1E3-E49703488BBC}"/>
               </a:ext>
               <a:ext uri="{C183D7F6-B498-43B3-948B-1728B52AA6E4}">
                 <adec:decorative xmlns:adec="http://schemas.microsoft.com/office/drawing/2017/decorative" val="1"/>
@@ -8404,7 +4652,7 @@
           <p:cNvPr id="2" name="Title 1">
             <a:extLst>
               <a:ext uri="{FF2B5EF4-FFF2-40B4-BE49-F238E27FC236}">
-                <a16:creationId xmlns:a16="http://schemas.microsoft.com/office/drawing/2014/main" id="{C84C4B98-976F-4EC7-9D2C-B7B195115F48}"/>
+                <a16:creationId xmlns:a16="http://schemas.microsoft.com/office/drawing/2014/main" id="{C4F12DD7-3BC8-4AA1-9038-FE4BDEF644C0}"/>
               </a:ext>
             </a:extLst>
           </p:cNvPr>
@@ -8418,7 +4666,7 @@
         <p:spPr>
           <a:xfrm>
             <a:off x="589560" y="856180"/>
-            <a:ext cx="4560584" cy="1128068"/>
+            <a:ext cx="5279408" cy="1128068"/>
           </a:xfrm>
         </p:spPr>
         <p:txBody>
@@ -8429,14 +4677,14 @@
           <a:p>
             <a:r>
               <a:rPr lang="en-US" sz="4000"/>
-              <a:t>Lower Pivot and Arm</a:t>
+              <a:t>Azimuth Axis and Boom</a:t>
             </a:r>
           </a:p>
         </p:txBody>
       </p:sp>
       <p:grpSp>
         <p:nvGrpSpPr>
-          <p:cNvPr id="23" name="Group 22">
+          <p:cNvPr id="92" name="Group 91">
             <a:extLst>
               <a:ext uri="{FF2B5EF4-FFF2-40B4-BE49-F238E27FC236}">
                 <a16:creationId xmlns:a16="http://schemas.microsoft.com/office/drawing/2014/main" id="{1DE889C7-FAD6-4397-98E2-05D503484459}"/>
@@ -8467,7 +4715,7 @@
         </p:grpSpPr>
         <p:sp>
           <p:nvSpPr>
-            <p:cNvPr id="24" name="Rectangle 23">
+            <p:cNvPr id="93" name="Rectangle 92">
               <a:extLst>
                 <a:ext uri="{FF2B5EF4-FFF2-40B4-BE49-F238E27FC236}">
                   <a16:creationId xmlns:a16="http://schemas.microsoft.com/office/drawing/2014/main" id="{F399A70F-F8CD-4992-9EF5-6CF15472E73F}"/>
@@ -8528,7 +4776,7 @@
         </p:sp>
         <p:sp>
           <p:nvSpPr>
-            <p:cNvPr id="25" name="Rectangle 24">
+            <p:cNvPr id="94" name="Rectangle 93">
               <a:extLst>
                 <a:ext uri="{FF2B5EF4-FFF2-40B4-BE49-F238E27FC236}">
                   <a16:creationId xmlns:a16="http://schemas.microsoft.com/office/drawing/2014/main" id="{48F4FEDC-6D80-458C-A665-075D9B9500FD}"/>
@@ -8590,7 +4838,7 @@
       </p:grpSp>
       <p:sp>
         <p:nvSpPr>
-          <p:cNvPr id="27" name="Rectangle 26">
+          <p:cNvPr id="96" name="Rectangle 95">
             <a:extLst>
               <a:ext uri="{FF2B5EF4-FFF2-40B4-BE49-F238E27FC236}">
                 <a16:creationId xmlns:a16="http://schemas.microsoft.com/office/drawing/2014/main" id="{3873B707-463F-40B0-8227-E8CC6C67EB25}"/>
@@ -8613,8 +4861,8 @@
         </p:nvSpPr>
         <p:spPr>
           <a:xfrm flipH="1">
-            <a:off x="665085" y="2090569"/>
-            <a:ext cx="4297680" cy="27432"/>
+            <a:off x="665085" y="2123821"/>
+            <a:ext cx="4975066" cy="27432"/>
           </a:xfrm>
           <a:prstGeom prst="rect">
             <a:avLst/>
@@ -8653,10 +4901,10 @@
       </p:sp>
       <p:sp>
         <p:nvSpPr>
-          <p:cNvPr id="4" name="Content Placeholder 3">
-            <a:extLst>
-              <a:ext uri="{FF2B5EF4-FFF2-40B4-BE49-F238E27FC236}">
-                <a16:creationId xmlns:a16="http://schemas.microsoft.com/office/drawing/2014/main" id="{8A97F6AC-205F-411A-9161-05E56403910D}"/>
+          <p:cNvPr id="36" name="Content Placeholder 2">
+            <a:extLst>
+              <a:ext uri="{FF2B5EF4-FFF2-40B4-BE49-F238E27FC236}">
+                <a16:creationId xmlns:a16="http://schemas.microsoft.com/office/drawing/2014/main" id="{23951950-4156-4EC6-8332-3EE861435D63}"/>
               </a:ext>
             </a:extLst>
           </p:cNvPr>
@@ -8670,7 +4918,7 @@
         <p:spPr>
           <a:xfrm>
             <a:off x="590719" y="2330505"/>
-            <a:ext cx="4559425" cy="3979585"/>
+            <a:ext cx="5278066" cy="3979585"/>
           </a:xfrm>
         </p:spPr>
         <p:txBody>
@@ -8698,13 +4946,28 @@
             </a:r>
           </a:p>
           <a:p>
+            <a:r>
+              <a:rPr lang="en-US" sz="2000" dirty="0"/>
+              <a:t>Piston seals present to keep carbon rod ID dry.</a:t>
+            </a:r>
+          </a:p>
+          <a:p>
+            <a:r>
+              <a:rPr lang="en-US" sz="2000" dirty="0"/>
+              <a:t>Tether guide implements 316 bearings to allow for reduced friction during tension measurements.</a:t>
+            </a:r>
+          </a:p>
+          <a:p>
             <a:endParaRPr lang="en-US" sz="2000" dirty="0"/>
           </a:p>
-        </p:txBody>
-      </p:sp>
-      <p:sp>
-        <p:nvSpPr>
-          <p:cNvPr id="29" name="Rectangle 28">
+          <a:p>
+            <a:endParaRPr lang="en-US" sz="2000" dirty="0"/>
+          </a:p>
+        </p:txBody>
+      </p:sp>
+      <p:sp>
+        <p:nvSpPr>
+          <p:cNvPr id="98" name="Rectangle 97">
             <a:extLst>
               <a:ext uri="{FF2B5EF4-FFF2-40B4-BE49-F238E27FC236}">
                 <a16:creationId xmlns:a16="http://schemas.microsoft.com/office/drawing/2014/main" id="{C13237C8-E62C-4F0D-A318-BD6FB6C2D138}"/>
@@ -8767,589 +5030,7 @@
       </p:sp>
       <p:sp>
         <p:nvSpPr>
-          <p:cNvPr id="31" name="Rectangle 30">
-            <a:extLst>
-              <a:ext uri="{FF2B5EF4-FFF2-40B4-BE49-F238E27FC236}">
-                <a16:creationId xmlns:a16="http://schemas.microsoft.com/office/drawing/2014/main" id="{19C9EAEA-39D0-4B0E-A0EB-51E7B26740B1}"/>
-              </a:ext>
-              <a:ext uri="{C183D7F6-B498-43B3-948B-1728B52AA6E4}">
-                <adec:decorative xmlns:adec="http://schemas.microsoft.com/office/drawing/2017/decorative" val="1"/>
-              </a:ext>
-            </a:extLst>
-          </p:cNvPr>
-          <p:cNvSpPr>
-            <a:spLocks noGrp="1" noRot="1" noChangeAspect="1" noMove="1" noResize="1" noEditPoints="1" noAdjustHandles="1" noChangeArrowheads="1" noChangeShapeType="1" noTextEdit="1"/>
-          </p:cNvSpPr>
-          <p:nvPr>
-            <p:extLst>
-              <p:ext uri="{386F3935-93C4-4BCD-93E2-E3B085C9AB24}">
-                <p16:designElem xmlns:p16="http://schemas.microsoft.com/office/powerpoint/2015/main" val="1"/>
-              </p:ext>
-            </p:extLst>
-          </p:nvPr>
-        </p:nvSpPr>
-        <p:spPr>
-          <a:xfrm>
-            <a:off x="5685810" y="513853"/>
-            <a:ext cx="6009366" cy="5834577"/>
-          </a:xfrm>
-          <a:prstGeom prst="rect">
-            <a:avLst/>
-          </a:prstGeom>
-          <a:solidFill>
-            <a:schemeClr val="bg1"/>
-          </a:solidFill>
-          <a:ln>
-            <a:noFill/>
-          </a:ln>
-          <a:effectLst>
-            <a:outerShdw blurRad="139700" dist="127000" dir="5400000" algn="t" rotWithShape="0">
-              <a:prstClr val="black">
-                <a:alpha val="15000"/>
-              </a:prstClr>
-            </a:outerShdw>
-          </a:effectLst>
-        </p:spPr>
-        <p:style>
-          <a:lnRef idx="2">
-            <a:schemeClr val="accent1">
-              <a:shade val="50000"/>
-            </a:schemeClr>
-          </a:lnRef>
-          <a:fillRef idx="1">
-            <a:schemeClr val="accent1"/>
-          </a:fillRef>
-          <a:effectRef idx="0">
-            <a:schemeClr val="accent1"/>
-          </a:effectRef>
-          <a:fontRef idx="minor">
-            <a:schemeClr val="lt1"/>
-          </a:fontRef>
-        </p:style>
-        <p:txBody>
-          <a:bodyPr rtlCol="0" anchor="ctr"/>
-          <a:lstStyle/>
-          <a:p>
-            <a:pPr algn="ctr"/>
-            <a:endParaRPr lang="en-US"/>
-          </a:p>
-        </p:txBody>
-      </p:sp>
-      <p:pic>
-        <p:nvPicPr>
-          <p:cNvPr id="8" name="Content Placeholder 7">
-            <a:extLst>
-              <a:ext uri="{FF2B5EF4-FFF2-40B4-BE49-F238E27FC236}">
-                <a16:creationId xmlns:a16="http://schemas.microsoft.com/office/drawing/2014/main" id="{40C40841-EBC6-4A8A-B34A-311CE5DB67BC}"/>
-              </a:ext>
-            </a:extLst>
-          </p:cNvPr>
-          <p:cNvPicPr>
-            <a:picLocks noGrp="1" noChangeAspect="1"/>
-          </p:cNvPicPr>
-          <p:nvPr>
-            <p:ph sz="half" idx="2"/>
-          </p:nvPr>
-        </p:nvPicPr>
-        <p:blipFill rotWithShape="1">
-          <a:blip r:embed="rId2"/>
-          <a:srcRect l="15131" r="14464" b="1"/>
-          <a:stretch/>
-        </p:blipFill>
-        <p:spPr>
-          <a:xfrm>
-            <a:off x="5977788" y="799352"/>
-            <a:ext cx="5425410" cy="5259296"/>
-          </a:xfrm>
-          <a:prstGeom prst="rect">
-            <a:avLst/>
-          </a:prstGeom>
-        </p:spPr>
-      </p:pic>
-    </p:spTree>
-    <p:extLst>
-      <p:ext uri="{BB962C8B-B14F-4D97-AF65-F5344CB8AC3E}">
-        <p14:creationId xmlns:p14="http://schemas.microsoft.com/office/powerpoint/2010/main" val="3806096742"/>
-      </p:ext>
-    </p:extLst>
-  </p:cSld>
-  <p:clrMapOvr>
-    <a:masterClrMapping/>
-  </p:clrMapOvr>
-</p:sld>
-</file>
-
-<file path=ppt/slides/slide6.xml><?xml version="1.0" encoding="utf-8"?>
-<p:sld xmlns:a="http://schemas.openxmlformats.org/drawingml/2006/main" xmlns:r="http://schemas.openxmlformats.org/officeDocument/2006/relationships" xmlns:p="http://schemas.openxmlformats.org/presentationml/2006/main">
-  <p:cSld>
-    <p:bg>
-      <p:bgPr>
-        <a:solidFill>
-          <a:schemeClr val="bg1"/>
-        </a:solidFill>
-        <a:effectLst/>
-      </p:bgPr>
-    </p:bg>
-    <p:spTree>
-      <p:nvGrpSpPr>
-        <p:cNvPr id="1" name=""/>
-        <p:cNvGrpSpPr/>
-        <p:nvPr/>
-      </p:nvGrpSpPr>
-      <p:grpSpPr>
-        <a:xfrm>
-          <a:off x="0" y="0"/>
-          <a:ext cx="0" cy="0"/>
-          <a:chOff x="0" y="0"/>
-          <a:chExt cx="0" cy="0"/>
-        </a:xfrm>
-      </p:grpSpPr>
-      <p:sp useBgFill="1">
-        <p:nvSpPr>
-          <p:cNvPr id="41" name="Rectangle 40">
-            <a:extLst>
-              <a:ext uri="{FF2B5EF4-FFF2-40B4-BE49-F238E27FC236}">
-                <a16:creationId xmlns:a16="http://schemas.microsoft.com/office/drawing/2014/main" id="{6ECA6DCB-B7E1-40A9-9524-540C6DA40B1B}"/>
-              </a:ext>
-              <a:ext uri="{C183D7F6-B498-43B3-948B-1728B52AA6E4}">
-                <adec:decorative xmlns:adec="http://schemas.microsoft.com/office/drawing/2017/decorative" val="1"/>
-              </a:ext>
-            </a:extLst>
-          </p:cNvPr>
-          <p:cNvSpPr>
-            <a:spLocks noGrp="1" noRot="1" noChangeAspect="1" noMove="1" noResize="1" noEditPoints="1" noAdjustHandles="1" noChangeArrowheads="1" noChangeShapeType="1" noTextEdit="1"/>
-          </p:cNvSpPr>
-          <p:nvPr>
-            <p:extLst>
-              <p:ext uri="{386F3935-93C4-4BCD-93E2-E3B085C9AB24}">
-                <p16:designElem xmlns:p16="http://schemas.microsoft.com/office/powerpoint/2015/main" val="1"/>
-              </p:ext>
-            </p:extLst>
-          </p:nvPr>
-        </p:nvSpPr>
-        <p:spPr>
-          <a:xfrm>
-            <a:off x="0" y="0"/>
-            <a:ext cx="12191999" cy="6857365"/>
-          </a:xfrm>
-          <a:prstGeom prst="rect">
-            <a:avLst/>
-          </a:prstGeom>
-          <a:ln>
-            <a:noFill/>
-          </a:ln>
-        </p:spPr>
-        <p:style>
-          <a:lnRef idx="2">
-            <a:schemeClr val="accent1">
-              <a:shade val="50000"/>
-            </a:schemeClr>
-          </a:lnRef>
-          <a:fillRef idx="1">
-            <a:schemeClr val="accent1"/>
-          </a:fillRef>
-          <a:effectRef idx="0">
-            <a:schemeClr val="accent1"/>
-          </a:effectRef>
-          <a:fontRef idx="minor">
-            <a:schemeClr val="lt1"/>
-          </a:fontRef>
-        </p:style>
-        <p:txBody>
-          <a:bodyPr rtlCol="0" anchor="ctr"/>
-          <a:lstStyle/>
-          <a:p>
-            <a:pPr algn="ctr"/>
-            <a:endParaRPr lang="en-US"/>
-          </a:p>
-        </p:txBody>
-      </p:sp>
-      <p:sp>
-        <p:nvSpPr>
-          <p:cNvPr id="2" name="Title 1">
-            <a:extLst>
-              <a:ext uri="{FF2B5EF4-FFF2-40B4-BE49-F238E27FC236}">
-                <a16:creationId xmlns:a16="http://schemas.microsoft.com/office/drawing/2014/main" id="{C4F12DD7-3BC8-4AA1-9038-FE4BDEF644C0}"/>
-              </a:ext>
-            </a:extLst>
-          </p:cNvPr>
-          <p:cNvSpPr>
-            <a:spLocks noGrp="1"/>
-          </p:cNvSpPr>
-          <p:nvPr>
-            <p:ph type="title"/>
-          </p:nvPr>
-        </p:nvSpPr>
-        <p:spPr>
-          <a:xfrm>
-            <a:off x="589560" y="856180"/>
-            <a:ext cx="5279408" cy="1128068"/>
-          </a:xfrm>
-        </p:spPr>
-        <p:txBody>
-          <a:bodyPr vert="horz" lIns="91440" tIns="45720" rIns="91440" bIns="45720" rtlCol="0" anchor="ctr">
-            <a:normAutofit/>
-          </a:bodyPr>
-          <a:lstStyle/>
-          <a:p>
-            <a:r>
-              <a:rPr lang="en-US" sz="4000" kern="1200">
-                <a:solidFill>
-                  <a:schemeClr val="tx1"/>
-                </a:solidFill>
-                <a:latin typeface="+mj-lt"/>
-                <a:ea typeface="+mj-ea"/>
-                <a:cs typeface="+mj-cs"/>
-              </a:rPr>
-              <a:t>Lower Pivot Joint</a:t>
-            </a:r>
-          </a:p>
-        </p:txBody>
-      </p:sp>
-      <p:grpSp>
-        <p:nvGrpSpPr>
-          <p:cNvPr id="43" name="Group 42">
-            <a:extLst>
-              <a:ext uri="{FF2B5EF4-FFF2-40B4-BE49-F238E27FC236}">
-                <a16:creationId xmlns:a16="http://schemas.microsoft.com/office/drawing/2014/main" id="{1DE889C7-FAD6-4397-98E2-05D503484459}"/>
-              </a:ext>
-              <a:ext uri="{C183D7F6-B498-43B3-948B-1728B52AA6E4}">
-                <adec:decorative xmlns:adec="http://schemas.microsoft.com/office/drawing/2017/decorative" val="1"/>
-              </a:ext>
-            </a:extLst>
-          </p:cNvPr>
-          <p:cNvGrpSpPr>
-            <a:grpSpLocks noGrp="1" noUngrp="1" noRot="1" noChangeAspect="1" noMove="1" noResize="1"/>
-          </p:cNvGrpSpPr>
-          <p:nvPr>
-            <p:extLst>
-              <p:ext uri="{386F3935-93C4-4BCD-93E2-E3B085C9AB24}">
-                <p16:designElem xmlns:p16="http://schemas.microsoft.com/office/powerpoint/2015/main" val="1"/>
-              </p:ext>
-            </p:extLst>
-          </p:nvPr>
-        </p:nvGrpSpPr>
-        <p:grpSpPr>
-          <a:xfrm>
-            <a:off x="0" y="1083484"/>
-            <a:ext cx="355196" cy="673460"/>
-            <a:chOff x="0" y="823811"/>
-            <a:chExt cx="355196" cy="673460"/>
-          </a:xfrm>
-        </p:grpSpPr>
-        <p:sp>
-          <p:nvSpPr>
-            <p:cNvPr id="44" name="Rectangle 43">
-              <a:extLst>
-                <a:ext uri="{FF2B5EF4-FFF2-40B4-BE49-F238E27FC236}">
-                  <a16:creationId xmlns:a16="http://schemas.microsoft.com/office/drawing/2014/main" id="{F399A70F-F8CD-4992-9EF5-6CF15472E73F}"/>
-                </a:ext>
-                <a:ext uri="{C183D7F6-B498-43B3-948B-1728B52AA6E4}">
-                  <adec:decorative xmlns:adec="http://schemas.microsoft.com/office/drawing/2017/decorative" val="1"/>
-                </a:ext>
-              </a:extLst>
-            </p:cNvPr>
-            <p:cNvSpPr/>
-            <p:nvPr>
-              <p:extLst>
-                <p:ext uri="{386F3935-93C4-4BCD-93E2-E3B085C9AB24}">
-                  <p16:designElem xmlns:p16="http://schemas.microsoft.com/office/powerpoint/2015/main" val="1"/>
-                </p:ext>
-              </p:extLst>
-            </p:nvPr>
-          </p:nvSpPr>
-          <p:spPr>
-            <a:xfrm>
-              <a:off x="0" y="823811"/>
-              <a:ext cx="87363" cy="673460"/>
-            </a:xfrm>
-            <a:prstGeom prst="rect">
-              <a:avLst/>
-            </a:prstGeom>
-            <a:solidFill>
-              <a:schemeClr val="accent4"/>
-            </a:solidFill>
-            <a:ln>
-              <a:noFill/>
-            </a:ln>
-          </p:spPr>
-          <p:style>
-            <a:lnRef idx="2">
-              <a:schemeClr val="accent1">
-                <a:shade val="50000"/>
-              </a:schemeClr>
-            </a:lnRef>
-            <a:fillRef idx="1">
-              <a:schemeClr val="accent1"/>
-            </a:fillRef>
-            <a:effectRef idx="0">
-              <a:schemeClr val="accent1"/>
-            </a:effectRef>
-            <a:fontRef idx="minor">
-              <a:schemeClr val="lt1"/>
-            </a:fontRef>
-          </p:style>
-          <p:txBody>
-            <a:bodyPr rtlCol="0" anchor="ctr"/>
-            <a:lstStyle/>
-            <a:p>
-              <a:pPr algn="ctr"/>
-              <a:endParaRPr lang="en-US"/>
-            </a:p>
-          </p:txBody>
-        </p:sp>
-        <p:sp>
-          <p:nvSpPr>
-            <p:cNvPr id="45" name="Rectangle 44">
-              <a:extLst>
-                <a:ext uri="{FF2B5EF4-FFF2-40B4-BE49-F238E27FC236}">
-                  <a16:creationId xmlns:a16="http://schemas.microsoft.com/office/drawing/2014/main" id="{48F4FEDC-6D80-458C-A665-075D9B9500FD}"/>
-                </a:ext>
-                <a:ext uri="{C183D7F6-B498-43B3-948B-1728B52AA6E4}">
-                  <adec:decorative xmlns:adec="http://schemas.microsoft.com/office/drawing/2017/decorative" val="1"/>
-                </a:ext>
-              </a:extLst>
-            </p:cNvPr>
-            <p:cNvSpPr/>
-            <p:nvPr>
-              <p:extLst>
-                <p:ext uri="{386F3935-93C4-4BCD-93E2-E3B085C9AB24}">
-                  <p16:designElem xmlns:p16="http://schemas.microsoft.com/office/powerpoint/2015/main" val="1"/>
-                </p:ext>
-              </p:extLst>
-            </p:nvPr>
-          </p:nvSpPr>
-          <p:spPr>
-            <a:xfrm>
-              <a:off x="159341" y="823811"/>
-              <a:ext cx="195855" cy="673460"/>
-            </a:xfrm>
-            <a:prstGeom prst="rect">
-              <a:avLst/>
-            </a:prstGeom>
-            <a:solidFill>
-              <a:schemeClr val="accent4"/>
-            </a:solidFill>
-            <a:ln>
-              <a:noFill/>
-            </a:ln>
-          </p:spPr>
-          <p:style>
-            <a:lnRef idx="2">
-              <a:schemeClr val="accent1">
-                <a:shade val="50000"/>
-              </a:schemeClr>
-            </a:lnRef>
-            <a:fillRef idx="1">
-              <a:schemeClr val="accent1"/>
-            </a:fillRef>
-            <a:effectRef idx="0">
-              <a:schemeClr val="accent1"/>
-            </a:effectRef>
-            <a:fontRef idx="minor">
-              <a:schemeClr val="lt1"/>
-            </a:fontRef>
-          </p:style>
-          <p:txBody>
-            <a:bodyPr rtlCol="0" anchor="ctr"/>
-            <a:lstStyle/>
-            <a:p>
-              <a:pPr algn="ctr"/>
-              <a:endParaRPr lang="en-US"/>
-            </a:p>
-          </p:txBody>
-        </p:sp>
-      </p:grpSp>
-      <p:sp>
-        <p:nvSpPr>
-          <p:cNvPr id="47" name="Rectangle 46">
-            <a:extLst>
-              <a:ext uri="{FF2B5EF4-FFF2-40B4-BE49-F238E27FC236}">
-                <a16:creationId xmlns:a16="http://schemas.microsoft.com/office/drawing/2014/main" id="{3873B707-463F-40B0-8227-E8CC6C67EB25}"/>
-              </a:ext>
-              <a:ext uri="{C183D7F6-B498-43B3-948B-1728B52AA6E4}">
-                <adec:decorative xmlns:adec="http://schemas.microsoft.com/office/drawing/2017/decorative" val="1"/>
-              </a:ext>
-            </a:extLst>
-          </p:cNvPr>
-          <p:cNvSpPr>
-            <a:spLocks noGrp="1" noRot="1" noChangeAspect="1" noMove="1" noResize="1" noEditPoints="1" noAdjustHandles="1" noChangeArrowheads="1" noChangeShapeType="1" noTextEdit="1"/>
-          </p:cNvSpPr>
-          <p:nvPr>
-            <p:extLst>
-              <p:ext uri="{386F3935-93C4-4BCD-93E2-E3B085C9AB24}">
-                <p16:designElem xmlns:p16="http://schemas.microsoft.com/office/powerpoint/2015/main" val="1"/>
-              </p:ext>
-            </p:extLst>
-          </p:nvPr>
-        </p:nvSpPr>
-        <p:spPr>
-          <a:xfrm flipH="1">
-            <a:off x="665085" y="2123821"/>
-            <a:ext cx="4975066" cy="27432"/>
-          </a:xfrm>
-          <a:prstGeom prst="rect">
-            <a:avLst/>
-          </a:prstGeom>
-          <a:solidFill>
-            <a:schemeClr val="accent4"/>
-          </a:solidFill>
-          <a:ln>
-            <a:noFill/>
-          </a:ln>
-        </p:spPr>
-        <p:style>
-          <a:lnRef idx="2">
-            <a:schemeClr val="accent1">
-              <a:shade val="50000"/>
-            </a:schemeClr>
-          </a:lnRef>
-          <a:fillRef idx="1">
-            <a:schemeClr val="accent1"/>
-          </a:fillRef>
-          <a:effectRef idx="0">
-            <a:schemeClr val="accent1"/>
-          </a:effectRef>
-          <a:fontRef idx="minor">
-            <a:schemeClr val="lt1"/>
-          </a:fontRef>
-        </p:style>
-        <p:txBody>
-          <a:bodyPr rtlCol="0" anchor="ctr"/>
-          <a:lstStyle/>
-          <a:p>
-            <a:pPr algn="ctr"/>
-            <a:endParaRPr lang="en-US"/>
-          </a:p>
-        </p:txBody>
-      </p:sp>
-      <p:sp>
-        <p:nvSpPr>
-          <p:cNvPr id="36" name="Content Placeholder 2">
-            <a:extLst>
-              <a:ext uri="{FF2B5EF4-FFF2-40B4-BE49-F238E27FC236}">
-                <a16:creationId xmlns:a16="http://schemas.microsoft.com/office/drawing/2014/main" id="{23951950-4156-4EC6-8332-3EE861435D63}"/>
-              </a:ext>
-            </a:extLst>
-          </p:cNvPr>
-          <p:cNvSpPr>
-            <a:spLocks noGrp="1"/>
-          </p:cNvSpPr>
-          <p:nvPr>
-            <p:ph sz="half" idx="1"/>
-          </p:nvPr>
-        </p:nvSpPr>
-        <p:spPr>
-          <a:xfrm>
-            <a:off x="590719" y="2330505"/>
-            <a:ext cx="5278066" cy="3979585"/>
-          </a:xfrm>
-        </p:spPr>
-        <p:txBody>
-          <a:bodyPr vert="horz" lIns="91440" tIns="45720" rIns="91440" bIns="45720" rtlCol="0" anchor="ctr">
-            <a:normAutofit/>
-          </a:bodyPr>
-          <a:lstStyle/>
-          <a:p>
-            <a:r>
-              <a:rPr lang="en-US" sz="2000" dirty="0"/>
-              <a:t>Each half of the pivot joint is attached to the pivot for the upper axis.</a:t>
-            </a:r>
-          </a:p>
-          <a:p>
-            <a:pPr lvl="1"/>
-            <a:r>
-              <a:rPr lang="en-US" sz="1600" dirty="0"/>
-              <a:t>Lightening holes present to minimize rotating mass.</a:t>
-            </a:r>
-          </a:p>
-          <a:p>
-            <a:r>
-              <a:rPr lang="en-US" sz="2000" dirty="0"/>
-              <a:t>Single piece manufactured from 316. </a:t>
-            </a:r>
-          </a:p>
-          <a:p>
-            <a:pPr lvl="1"/>
-            <a:r>
-              <a:rPr lang="en-US" sz="2000" dirty="0"/>
-              <a:t>Doweled in place with 316 dowels.</a:t>
-            </a:r>
-          </a:p>
-          <a:p>
-            <a:r>
-              <a:rPr lang="en-US" sz="2000" dirty="0"/>
-              <a:t>Doweled on one side</a:t>
-            </a:r>
-          </a:p>
-        </p:txBody>
-      </p:sp>
-      <p:sp>
-        <p:nvSpPr>
-          <p:cNvPr id="49" name="Rectangle 48">
-            <a:extLst>
-              <a:ext uri="{FF2B5EF4-FFF2-40B4-BE49-F238E27FC236}">
-                <a16:creationId xmlns:a16="http://schemas.microsoft.com/office/drawing/2014/main" id="{C13237C8-E62C-4F0D-A318-BD6FB6C2D138}"/>
-              </a:ext>
-              <a:ext uri="{C183D7F6-B498-43B3-948B-1728B52AA6E4}">
-                <adec:decorative xmlns:adec="http://schemas.microsoft.com/office/drawing/2017/decorative" val="1"/>
-              </a:ext>
-            </a:extLst>
-          </p:cNvPr>
-          <p:cNvSpPr>
-            <a:spLocks noGrp="1" noRot="1" noChangeAspect="1" noMove="1" noResize="1" noEditPoints="1" noAdjustHandles="1" noChangeArrowheads="1" noChangeShapeType="1" noTextEdit="1"/>
-          </p:cNvSpPr>
-          <p:nvPr>
-            <p:extLst>
-              <p:ext uri="{386F3935-93C4-4BCD-93E2-E3B085C9AB24}">
-                <p16:designElem xmlns:p16="http://schemas.microsoft.com/office/powerpoint/2015/main" val="1"/>
-              </p:ext>
-            </p:extLst>
-          </p:nvPr>
-        </p:nvSpPr>
-        <p:spPr>
-          <a:xfrm flipH="1">
-            <a:off x="10697670" y="0"/>
-            <a:ext cx="1494330" cy="6858000"/>
-          </a:xfrm>
-          <a:prstGeom prst="rect">
-            <a:avLst/>
-          </a:prstGeom>
-          <a:solidFill>
-            <a:schemeClr val="accent4"/>
-          </a:solidFill>
-          <a:ln>
-            <a:noFill/>
-          </a:ln>
-        </p:spPr>
-        <p:style>
-          <a:lnRef idx="2">
-            <a:schemeClr val="accent1">
-              <a:shade val="50000"/>
-            </a:schemeClr>
-          </a:lnRef>
-          <a:fillRef idx="1">
-            <a:schemeClr val="accent1"/>
-          </a:fillRef>
-          <a:effectRef idx="0">
-            <a:schemeClr val="accent1"/>
-          </a:effectRef>
-          <a:fontRef idx="minor">
-            <a:schemeClr val="lt1"/>
-          </a:fontRef>
-        </p:style>
-        <p:txBody>
-          <a:bodyPr rtlCol="0" anchor="ctr"/>
-          <a:lstStyle/>
-          <a:p>
-            <a:pPr algn="ctr"/>
-            <a:endParaRPr lang="en-US"/>
-          </a:p>
-        </p:txBody>
-      </p:sp>
-      <p:sp>
-        <p:nvSpPr>
-          <p:cNvPr id="51" name="Rectangle 50">
+          <p:cNvPr id="100" name="Rectangle 99">
             <a:extLst>
               <a:ext uri="{FF2B5EF4-FFF2-40B4-BE49-F238E27FC236}">
                 <a16:creationId xmlns:a16="http://schemas.microsoft.com/office/drawing/2014/main" id="{19C9EAEA-39D0-4B0E-A0EB-51E7B26740B1}"/>
@@ -9419,10 +5100,10 @@
       </p:sp>
       <p:pic>
         <p:nvPicPr>
-          <p:cNvPr id="9" name="Content Placeholder 8">
-            <a:extLst>
-              <a:ext uri="{FF2B5EF4-FFF2-40B4-BE49-F238E27FC236}">
-                <a16:creationId xmlns:a16="http://schemas.microsoft.com/office/drawing/2014/main" id="{88A0E3D6-2C05-47B7-BFCC-C9844A299C92}"/>
+          <p:cNvPr id="11" name="Content Placeholder 10">
+            <a:extLst>
+              <a:ext uri="{FF2B5EF4-FFF2-40B4-BE49-F238E27FC236}">
+                <a16:creationId xmlns:a16="http://schemas.microsoft.com/office/drawing/2014/main" id="{0B31AD2C-C94F-455C-8D3C-7A370A5AB770}"/>
               </a:ext>
             </a:extLst>
           </p:cNvPr>
@@ -9435,13 +5116,13 @@
         </p:nvPicPr>
         <p:blipFill rotWithShape="1">
           <a:blip r:embed="rId2"/>
-          <a:srcRect t="13082" r="4" b="20318"/>
+          <a:srcRect l="-772" r="484"/>
           <a:stretch/>
         </p:blipFill>
         <p:spPr>
           <a:xfrm>
-            <a:off x="7083423" y="581892"/>
-            <a:ext cx="4397433" cy="2518756"/>
+            <a:off x="7083423" y="804742"/>
+            <a:ext cx="4397433" cy="2073055"/>
           </a:xfrm>
           <a:prstGeom prst="rect">
             <a:avLst/>
@@ -9450,7 +5131,7 @@
       </p:pic>
       <p:sp>
         <p:nvSpPr>
-          <p:cNvPr id="53" name="Rectangle 52">
+          <p:cNvPr id="102" name="Rectangle 101">
             <a:extLst>
               <a:ext uri="{FF2B5EF4-FFF2-40B4-BE49-F238E27FC236}">
                 <a16:creationId xmlns:a16="http://schemas.microsoft.com/office/drawing/2014/main" id="{8CB5D2D7-DF65-4E86-BFBA-FFB9B5ACEB64}"/>
@@ -9520,10 +5201,10 @@
       </p:sp>
       <p:pic>
         <p:nvPicPr>
-          <p:cNvPr id="13" name="Picture 12">
-            <a:extLst>
-              <a:ext uri="{FF2B5EF4-FFF2-40B4-BE49-F238E27FC236}">
-                <a16:creationId xmlns:a16="http://schemas.microsoft.com/office/drawing/2014/main" id="{488E3C25-18D8-417D-99C3-A9B053B95365}"/>
+          <p:cNvPr id="8" name="Picture 7">
+            <a:extLst>
+              <a:ext uri="{FF2B5EF4-FFF2-40B4-BE49-F238E27FC236}">
+                <a16:creationId xmlns:a16="http://schemas.microsoft.com/office/drawing/2014/main" id="{75323031-3AE4-45E9-9A31-E28352929C0B}"/>
               </a:ext>
             </a:extLst>
           </p:cNvPr>
@@ -9533,20 +5214,14 @@
           <p:nvPr/>
         </p:nvPicPr>
         <p:blipFill rotWithShape="1">
-          <a:blip r:embed="rId3">
-            <a:extLst>
-              <a:ext uri="{28A0092B-C50C-407E-A947-70E740481C1C}">
-                <a14:useLocalDpi xmlns:a14="http://schemas.microsoft.com/office/drawing/2010/main" val="0"/>
-              </a:ext>
-            </a:extLst>
-          </a:blip>
-          <a:srcRect/>
+          <a:blip r:embed="rId3"/>
+          <a:srcRect t="17731" r="1" b="25540"/>
           <a:stretch/>
         </p:blipFill>
         <p:spPr>
           <a:xfrm>
-            <a:off x="8062537" y="3707894"/>
-            <a:ext cx="2437341" cy="2518756"/>
+            <a:off x="7083423" y="3707894"/>
+            <a:ext cx="4395569" cy="2518756"/>
           </a:xfrm>
           <a:prstGeom prst="rect">
             <a:avLst/>
@@ -9566,7 +5241,7 @@
 </p:sld>
 </file>
 
-<file path=ppt/slides/slide7.xml><?xml version="1.0" encoding="utf-8"?>
+<file path=ppt/slides/slide4.xml><?xml version="1.0" encoding="utf-8"?>
 <p:sld xmlns:a="http://schemas.openxmlformats.org/drawingml/2006/main" xmlns:r="http://schemas.openxmlformats.org/officeDocument/2006/relationships" xmlns:p="http://schemas.openxmlformats.org/presentationml/2006/main">
   <p:cSld>
     <p:bg>
@@ -9680,8 +5355,8 @@
           <a:lstStyle/>
           <a:p>
             <a:r>
-              <a:rPr lang="en-US" sz="4000"/>
-              <a:t>Upper Pivot</a:t>
+              <a:rPr lang="en-US" sz="4000" dirty="0"/>
+              <a:t>Static Structure</a:t>
             </a:r>
           </a:p>
         </p:txBody>
@@ -9933,19 +5608,19 @@
           <a:p>
             <a:r>
               <a:rPr lang="en-US" sz="2000" dirty="0"/>
-              <a:t>Same bearing layout as lower pivot arm.</a:t>
+              <a:t>Anode attached to side of elevation axis support.</a:t>
             </a:r>
           </a:p>
           <a:p>
             <a:r>
               <a:rPr lang="en-US" sz="2000" dirty="0"/>
-              <a:t>Drilled and tapped holes for attaching an aluminum anode on each side.</a:t>
+              <a:t>Main span hollowed out to allow passage of kite tether.</a:t>
             </a:r>
           </a:p>
           <a:p>
             <a:r>
               <a:rPr lang="en-US" sz="2000" dirty="0"/>
-              <a:t>Center Pivot hollowed out to reduce inertia.</a:t>
+              <a:t>Large region in front of LAS static structure left for quick release design implantation for DOE tow testing.</a:t>
             </a:r>
           </a:p>
         </p:txBody>
@@ -10107,663 +5782,133 @@
         </p:blipFill>
         <p:spPr>
           <a:xfrm>
-            <a:off x="6597979" y="1420214"/>
-            <a:ext cx="4710339" cy="4160921"/>
+            <a:off x="6711671" y="616302"/>
+            <a:ext cx="3011169" cy="2659944"/>
           </a:xfrm>
           <a:prstGeom prst="rect">
             <a:avLst/>
           </a:prstGeom>
         </p:spPr>
       </p:pic>
-      <p:cxnSp>
-        <p:nvCxnSpPr>
-          <p:cNvPr id="20" name="Straight Arrow Connector 19">
-            <a:extLst>
-              <a:ext uri="{FF2B5EF4-FFF2-40B4-BE49-F238E27FC236}">
-                <a16:creationId xmlns:a16="http://schemas.microsoft.com/office/drawing/2014/main" id="{165C622D-7286-4106-825C-E2B9A275298F}"/>
-              </a:ext>
-            </a:extLst>
-          </p:cNvPr>
-          <p:cNvCxnSpPr/>
-          <p:nvPr/>
-        </p:nvCxnSpPr>
-        <p:spPr>
-          <a:xfrm flipH="1">
-            <a:off x="10789666" y="1868168"/>
-            <a:ext cx="236305" cy="462337"/>
-          </a:xfrm>
-          <a:prstGeom prst="straightConnector1">
-            <a:avLst/>
-          </a:prstGeom>
-          <a:ln>
-            <a:tailEnd type="triangle"/>
-          </a:ln>
-        </p:spPr>
-        <p:style>
-          <a:lnRef idx="1">
-            <a:schemeClr val="accent1"/>
-          </a:lnRef>
-          <a:fillRef idx="0">
-            <a:schemeClr val="accent1"/>
-          </a:fillRef>
-          <a:effectRef idx="0">
-            <a:schemeClr val="accent1"/>
-          </a:effectRef>
-          <a:fontRef idx="minor">
-            <a:schemeClr val="tx1"/>
-          </a:fontRef>
-        </p:style>
-      </p:cxnSp>
-      <p:sp>
-        <p:nvSpPr>
-          <p:cNvPr id="22" name="TextBox 21">
-            <a:extLst>
-              <a:ext uri="{FF2B5EF4-FFF2-40B4-BE49-F238E27FC236}">
-                <a16:creationId xmlns:a16="http://schemas.microsoft.com/office/drawing/2014/main" id="{0D31F9D0-0153-46B5-893A-16BC3D084BEA}"/>
-              </a:ext>
-            </a:extLst>
-          </p:cNvPr>
-          <p:cNvSpPr txBox="1"/>
-          <p:nvPr/>
-        </p:nvSpPr>
-        <p:spPr>
-          <a:xfrm>
-            <a:off x="10697670" y="1432978"/>
-            <a:ext cx="1221297" cy="369332"/>
-          </a:xfrm>
-          <a:prstGeom prst="rect">
-            <a:avLst/>
-          </a:prstGeom>
-          <a:noFill/>
-        </p:spPr>
-        <p:txBody>
-          <a:bodyPr wrap="square" rtlCol="0">
-            <a:spAutoFit/>
-          </a:bodyPr>
-          <a:lstStyle/>
-          <a:p>
-            <a:r>
-              <a:rPr lang="en-US" dirty="0"/>
-              <a:t>Anode</a:t>
-            </a:r>
-          </a:p>
-        </p:txBody>
-      </p:sp>
-    </p:spTree>
-    <p:extLst>
-      <p:ext uri="{BB962C8B-B14F-4D97-AF65-F5344CB8AC3E}">
-        <p14:creationId xmlns:p14="http://schemas.microsoft.com/office/powerpoint/2010/main" val="3303538290"/>
-      </p:ext>
-    </p:extLst>
-  </p:cSld>
-  <p:clrMapOvr>
-    <a:masterClrMapping/>
-  </p:clrMapOvr>
-</p:sld>
-</file>
-
-<file path=ppt/slides/slide8.xml><?xml version="1.0" encoding="utf-8"?>
-<p:sld xmlns:a="http://schemas.openxmlformats.org/drawingml/2006/main" xmlns:r="http://schemas.openxmlformats.org/officeDocument/2006/relationships" xmlns:p="http://schemas.openxmlformats.org/presentationml/2006/main">
-  <p:cSld>
-    <p:bg>
-      <p:bgPr>
-        <a:solidFill>
-          <a:schemeClr val="bg1"/>
-        </a:solidFill>
-        <a:effectLst/>
-      </p:bgPr>
-    </p:bg>
-    <p:spTree>
-      <p:nvGrpSpPr>
-        <p:cNvPr id="1" name=""/>
-        <p:cNvGrpSpPr/>
-        <p:nvPr/>
-      </p:nvGrpSpPr>
-      <p:grpSpPr>
-        <a:xfrm>
-          <a:off x="0" y="0"/>
-          <a:ext cx="0" cy="0"/>
-          <a:chOff x="0" y="0"/>
-          <a:chExt cx="0" cy="0"/>
-        </a:xfrm>
-      </p:grpSpPr>
-      <p:sp useBgFill="1">
-        <p:nvSpPr>
-          <p:cNvPr id="12" name="Rectangle 11">
-            <a:extLst>
-              <a:ext uri="{FF2B5EF4-FFF2-40B4-BE49-F238E27FC236}">
-                <a16:creationId xmlns:a16="http://schemas.microsoft.com/office/drawing/2014/main" id="{201CC55D-ED54-4C5C-95E6-10947BD1103B}"/>
-              </a:ext>
-              <a:ext uri="{C183D7F6-B498-43B3-948B-1728B52AA6E4}">
-                <adec:decorative xmlns:adec="http://schemas.microsoft.com/office/drawing/2017/decorative" val="1"/>
-              </a:ext>
-            </a:extLst>
-          </p:cNvPr>
-          <p:cNvSpPr>
-            <a:spLocks noGrp="1" noRot="1" noChangeAspect="1" noMove="1" noResize="1" noEditPoints="1" noAdjustHandles="1" noChangeArrowheads="1" noChangeShapeType="1" noTextEdit="1"/>
-          </p:cNvSpPr>
-          <p:nvPr>
-            <p:extLst>
-              <p:ext uri="{386F3935-93C4-4BCD-93E2-E3B085C9AB24}">
-                <p16:designElem xmlns:p16="http://schemas.microsoft.com/office/powerpoint/2015/main" val="1"/>
-              </p:ext>
-            </p:extLst>
-          </p:nvPr>
-        </p:nvSpPr>
-        <p:spPr>
-          <a:xfrm>
-            <a:off x="0" y="0"/>
-            <a:ext cx="12191999" cy="6857365"/>
-          </a:xfrm>
-          <a:prstGeom prst="rect">
-            <a:avLst/>
-          </a:prstGeom>
-          <a:ln>
-            <a:noFill/>
-          </a:ln>
-        </p:spPr>
-        <p:style>
-          <a:lnRef idx="2">
-            <a:schemeClr val="accent1">
-              <a:shade val="50000"/>
-            </a:schemeClr>
-          </a:lnRef>
-          <a:fillRef idx="1">
-            <a:schemeClr val="accent1"/>
-          </a:fillRef>
-          <a:effectRef idx="0">
-            <a:schemeClr val="accent1"/>
-          </a:effectRef>
-          <a:fontRef idx="minor">
-            <a:schemeClr val="lt1"/>
-          </a:fontRef>
-        </p:style>
-        <p:txBody>
-          <a:bodyPr rtlCol="0" anchor="ctr"/>
-          <a:lstStyle/>
-          <a:p>
-            <a:pPr algn="ctr"/>
-            <a:endParaRPr lang="en-US"/>
-          </a:p>
-        </p:txBody>
-      </p:sp>
-      <p:sp>
-        <p:nvSpPr>
-          <p:cNvPr id="2" name="Title 1">
-            <a:extLst>
-              <a:ext uri="{FF2B5EF4-FFF2-40B4-BE49-F238E27FC236}">
-                <a16:creationId xmlns:a16="http://schemas.microsoft.com/office/drawing/2014/main" id="{78B48FFB-D878-4B36-88FC-E45568D9E96B}"/>
-              </a:ext>
-            </a:extLst>
-          </p:cNvPr>
-          <p:cNvSpPr>
-            <a:spLocks noGrp="1"/>
-          </p:cNvSpPr>
-          <p:nvPr>
-            <p:ph type="title"/>
-          </p:nvPr>
-        </p:nvSpPr>
-        <p:spPr>
-          <a:xfrm>
-            <a:off x="589560" y="856180"/>
-            <a:ext cx="4560584" cy="1128068"/>
-          </a:xfrm>
-        </p:spPr>
-        <p:txBody>
-          <a:bodyPr vert="horz" lIns="91440" tIns="45720" rIns="91440" bIns="45720" rtlCol="0" anchor="ctr">
-            <a:normAutofit/>
-          </a:bodyPr>
-          <a:lstStyle/>
-          <a:p>
-            <a:r>
-              <a:rPr lang="en-US" sz="4000"/>
-              <a:t>Upper Pivot</a:t>
-            </a:r>
-          </a:p>
-        </p:txBody>
-      </p:sp>
       <p:grpSp>
         <p:nvGrpSpPr>
-          <p:cNvPr id="14" name="Group 13">
-            <a:extLst>
-              <a:ext uri="{FF2B5EF4-FFF2-40B4-BE49-F238E27FC236}">
-                <a16:creationId xmlns:a16="http://schemas.microsoft.com/office/drawing/2014/main" id="{1DE889C7-FAD6-4397-98E2-05D503484459}"/>
-              </a:ext>
-              <a:ext uri="{C183D7F6-B498-43B3-948B-1728B52AA6E4}">
-                <adec:decorative xmlns:adec="http://schemas.microsoft.com/office/drawing/2017/decorative" val="1"/>
-              </a:ext>
-            </a:extLst>
-          </p:cNvPr>
-          <p:cNvGrpSpPr>
-            <a:grpSpLocks noGrp="1" noUngrp="1" noRot="1" noChangeAspect="1" noMove="1" noResize="1"/>
-          </p:cNvGrpSpPr>
-          <p:nvPr>
-            <p:extLst>
-              <p:ext uri="{386F3935-93C4-4BCD-93E2-E3B085C9AB24}">
-                <p16:designElem xmlns:p16="http://schemas.microsoft.com/office/powerpoint/2015/main" val="1"/>
-              </p:ext>
-            </p:extLst>
-          </p:nvPr>
+          <p:cNvPr id="7" name="Group 6">
+            <a:extLst>
+              <a:ext uri="{FF2B5EF4-FFF2-40B4-BE49-F238E27FC236}">
+                <a16:creationId xmlns:a16="http://schemas.microsoft.com/office/drawing/2014/main" id="{14C6F9CB-72AB-4D8C-BBB2-9282E3CDAEF7}"/>
+              </a:ext>
+            </a:extLst>
+          </p:cNvPr>
+          <p:cNvGrpSpPr/>
+          <p:nvPr/>
         </p:nvGrpSpPr>
         <p:grpSpPr>
           <a:xfrm>
-            <a:off x="0" y="1083484"/>
-            <a:ext cx="355196" cy="673460"/>
-            <a:chOff x="0" y="823811"/>
-            <a:chExt cx="355196" cy="673460"/>
+            <a:off x="9465974" y="615667"/>
+            <a:ext cx="1231695" cy="522553"/>
+            <a:chOff x="10811362" y="629065"/>
+            <a:chExt cx="1221297" cy="897527"/>
           </a:xfrm>
         </p:grpSpPr>
-        <p:sp>
-          <p:nvSpPr>
-            <p:cNvPr id="15" name="Rectangle 14">
+        <p:cxnSp>
+          <p:nvCxnSpPr>
+            <p:cNvPr id="20" name="Straight Arrow Connector 19">
               <a:extLst>
                 <a:ext uri="{FF2B5EF4-FFF2-40B4-BE49-F238E27FC236}">
-                  <a16:creationId xmlns:a16="http://schemas.microsoft.com/office/drawing/2014/main" id="{F399A70F-F8CD-4992-9EF5-6CF15472E73F}"/>
-                </a:ext>
-                <a:ext uri="{C183D7F6-B498-43B3-948B-1728B52AA6E4}">
-                  <adec:decorative xmlns:adec="http://schemas.microsoft.com/office/drawing/2017/decorative" val="1"/>
+                  <a16:creationId xmlns:a16="http://schemas.microsoft.com/office/drawing/2014/main" id="{165C622D-7286-4106-825C-E2B9A275298F}"/>
                 </a:ext>
               </a:extLst>
             </p:cNvPr>
-            <p:cNvSpPr/>
-            <p:nvPr>
-              <p:extLst>
-                <p:ext uri="{386F3935-93C4-4BCD-93E2-E3B085C9AB24}">
-                  <p16:designElem xmlns:p16="http://schemas.microsoft.com/office/powerpoint/2015/main" val="1"/>
-                </p:ext>
-              </p:extLst>
-            </p:nvPr>
-          </p:nvSpPr>
+            <p:cNvCxnSpPr/>
+            <p:nvPr/>
+          </p:nvCxnSpPr>
           <p:spPr>
-            <a:xfrm>
-              <a:off x="0" y="823811"/>
-              <a:ext cx="87363" cy="673460"/>
+            <a:xfrm flipH="1">
+              <a:off x="10903358" y="1064255"/>
+              <a:ext cx="236305" cy="462337"/>
             </a:xfrm>
-            <a:prstGeom prst="rect">
+            <a:prstGeom prst="straightConnector1">
               <a:avLst/>
             </a:prstGeom>
-            <a:solidFill>
-              <a:schemeClr val="accent4"/>
-            </a:solidFill>
             <a:ln>
-              <a:noFill/>
+              <a:tailEnd type="triangle"/>
             </a:ln>
           </p:spPr>
           <p:style>
-            <a:lnRef idx="2">
-              <a:schemeClr val="accent1">
-                <a:shade val="50000"/>
-              </a:schemeClr>
+            <a:lnRef idx="1">
+              <a:schemeClr val="accent1"/>
             </a:lnRef>
-            <a:fillRef idx="1">
+            <a:fillRef idx="0">
               <a:schemeClr val="accent1"/>
             </a:fillRef>
             <a:effectRef idx="0">
               <a:schemeClr val="accent1"/>
             </a:effectRef>
             <a:fontRef idx="minor">
-              <a:schemeClr val="lt1"/>
+              <a:schemeClr val="tx1"/>
             </a:fontRef>
           </p:style>
-          <p:txBody>
-            <a:bodyPr rtlCol="0" anchor="ctr"/>
-            <a:lstStyle/>
-            <a:p>
-              <a:pPr algn="ctr"/>
-              <a:endParaRPr lang="en-US"/>
-            </a:p>
-          </p:txBody>
-        </p:sp>
+        </p:cxnSp>
         <p:sp>
           <p:nvSpPr>
-            <p:cNvPr id="16" name="Rectangle 15">
+            <p:cNvPr id="22" name="TextBox 21">
               <a:extLst>
                 <a:ext uri="{FF2B5EF4-FFF2-40B4-BE49-F238E27FC236}">
-                  <a16:creationId xmlns:a16="http://schemas.microsoft.com/office/drawing/2014/main" id="{48F4FEDC-6D80-458C-A665-075D9B9500FD}"/>
-                </a:ext>
-                <a:ext uri="{C183D7F6-B498-43B3-948B-1728B52AA6E4}">
-                  <adec:decorative xmlns:adec="http://schemas.microsoft.com/office/drawing/2017/decorative" val="1"/>
+                  <a16:creationId xmlns:a16="http://schemas.microsoft.com/office/drawing/2014/main" id="{0D31F9D0-0153-46B5-893A-16BC3D084BEA}"/>
                 </a:ext>
               </a:extLst>
             </p:cNvPr>
-            <p:cNvSpPr/>
-            <p:nvPr>
-              <p:extLst>
-                <p:ext uri="{386F3935-93C4-4BCD-93E2-E3B085C9AB24}">
-                  <p16:designElem xmlns:p16="http://schemas.microsoft.com/office/powerpoint/2015/main" val="1"/>
-                </p:ext>
-              </p:extLst>
-            </p:nvPr>
+            <p:cNvSpPr txBox="1"/>
+            <p:nvPr/>
           </p:nvSpPr>
           <p:spPr>
             <a:xfrm>
-              <a:off x="159341" y="823811"/>
-              <a:ext cx="195855" cy="673460"/>
+              <a:off x="10811362" y="629065"/>
+              <a:ext cx="1221297" cy="369332"/>
             </a:xfrm>
             <a:prstGeom prst="rect">
               <a:avLst/>
             </a:prstGeom>
-            <a:solidFill>
-              <a:schemeClr val="accent4"/>
-            </a:solidFill>
-            <a:ln>
-              <a:noFill/>
-            </a:ln>
+            <a:noFill/>
           </p:spPr>
-          <p:style>
-            <a:lnRef idx="2">
-              <a:schemeClr val="accent1">
-                <a:shade val="50000"/>
-              </a:schemeClr>
-            </a:lnRef>
-            <a:fillRef idx="1">
-              <a:schemeClr val="accent1"/>
-            </a:fillRef>
-            <a:effectRef idx="0">
-              <a:schemeClr val="accent1"/>
-            </a:effectRef>
-            <a:fontRef idx="minor">
-              <a:schemeClr val="lt1"/>
-            </a:fontRef>
-          </p:style>
           <p:txBody>
-            <a:bodyPr rtlCol="0" anchor="ctr"/>
+            <a:bodyPr wrap="square" rtlCol="0">
+              <a:spAutoFit/>
+            </a:bodyPr>
             <a:lstStyle/>
             <a:p>
-              <a:pPr algn="ctr"/>
-              <a:endParaRPr lang="en-US"/>
+              <a:r>
+                <a:rPr lang="en-US" dirty="0"/>
+                <a:t>Anode</a:t>
+              </a:r>
             </a:p>
           </p:txBody>
         </p:sp>
       </p:grpSp>
-      <p:sp>
-        <p:nvSpPr>
-          <p:cNvPr id="18" name="Rectangle 17">
-            <a:extLst>
-              <a:ext uri="{FF2B5EF4-FFF2-40B4-BE49-F238E27FC236}">
-                <a16:creationId xmlns:a16="http://schemas.microsoft.com/office/drawing/2014/main" id="{3873B707-463F-40B0-8227-E8CC6C67EB25}"/>
-              </a:ext>
-              <a:ext uri="{C183D7F6-B498-43B3-948B-1728B52AA6E4}">
-                <adec:decorative xmlns:adec="http://schemas.microsoft.com/office/drawing/2017/decorative" val="1"/>
-              </a:ext>
-            </a:extLst>
-          </p:cNvPr>
-          <p:cNvSpPr>
-            <a:spLocks noGrp="1" noRot="1" noChangeAspect="1" noMove="1" noResize="1" noEditPoints="1" noAdjustHandles="1" noChangeArrowheads="1" noChangeShapeType="1" noTextEdit="1"/>
-          </p:cNvSpPr>
-          <p:nvPr>
-            <p:extLst>
-              <p:ext uri="{386F3935-93C4-4BCD-93E2-E3B085C9AB24}">
-                <p16:designElem xmlns:p16="http://schemas.microsoft.com/office/powerpoint/2015/main" val="1"/>
-              </p:ext>
-            </p:extLst>
-          </p:nvPr>
-        </p:nvSpPr>
-        <p:spPr>
-          <a:xfrm flipH="1">
-            <a:off x="665085" y="2090569"/>
-            <a:ext cx="4297680" cy="27432"/>
-          </a:xfrm>
-          <a:prstGeom prst="rect">
-            <a:avLst/>
-          </a:prstGeom>
-          <a:solidFill>
-            <a:schemeClr val="accent4"/>
-          </a:solidFill>
-          <a:ln>
-            <a:noFill/>
-          </a:ln>
-        </p:spPr>
-        <p:style>
-          <a:lnRef idx="2">
-            <a:schemeClr val="accent1">
-              <a:shade val="50000"/>
-            </a:schemeClr>
-          </a:lnRef>
-          <a:fillRef idx="1">
-            <a:schemeClr val="accent1"/>
-          </a:fillRef>
-          <a:effectRef idx="0">
-            <a:schemeClr val="accent1"/>
-          </a:effectRef>
-          <a:fontRef idx="minor">
-            <a:schemeClr val="lt1"/>
-          </a:fontRef>
-        </p:style>
-        <p:txBody>
-          <a:bodyPr rtlCol="0" anchor="ctr"/>
-          <a:lstStyle/>
-          <a:p>
-            <a:pPr algn="ctr"/>
-            <a:endParaRPr lang="en-US"/>
-          </a:p>
-        </p:txBody>
-      </p:sp>
-      <p:sp>
-        <p:nvSpPr>
-          <p:cNvPr id="3" name="Content Placeholder 2">
-            <a:extLst>
-              <a:ext uri="{FF2B5EF4-FFF2-40B4-BE49-F238E27FC236}">
-                <a16:creationId xmlns:a16="http://schemas.microsoft.com/office/drawing/2014/main" id="{6676B8BD-DDAC-4C57-A4EB-9D7670C4A2D9}"/>
-              </a:ext>
-            </a:extLst>
-          </p:cNvPr>
-          <p:cNvSpPr>
-            <a:spLocks noGrp="1"/>
-          </p:cNvSpPr>
-          <p:nvPr>
-            <p:ph sz="half" idx="1"/>
-          </p:nvPr>
-        </p:nvSpPr>
-        <p:spPr>
-          <a:xfrm>
-            <a:off x="590719" y="2330505"/>
-            <a:ext cx="4559425" cy="3979585"/>
-          </a:xfrm>
-        </p:spPr>
-        <p:txBody>
-          <a:bodyPr vert="horz" lIns="91440" tIns="45720" rIns="91440" bIns="45720" rtlCol="0" anchor="ctr">
-            <a:normAutofit/>
-          </a:bodyPr>
-          <a:lstStyle/>
-          <a:p>
-            <a:r>
-              <a:rPr lang="en-US" sz="2000"/>
-              <a:t>Each side of pivot plate is doweled into place.</a:t>
-            </a:r>
-          </a:p>
-          <a:p>
-            <a:r>
-              <a:rPr lang="en-US" sz="2000"/>
-              <a:t>4 Holes for attaching to cart or boom.</a:t>
-            </a:r>
-          </a:p>
-          <a:p>
-            <a:pPr lvl="1"/>
-            <a:r>
-              <a:rPr lang="en-US" sz="2000"/>
-              <a:t>To be designed by Dillon Herbert for DOE or TBD for Manta Ray.</a:t>
-            </a:r>
-          </a:p>
-          <a:p>
-            <a:r>
-              <a:rPr lang="en-US" sz="2000"/>
-              <a:t>Mass of stationary upper pivot components is of minimal concern</a:t>
-            </a:r>
-          </a:p>
-          <a:p>
-            <a:pPr lvl="1"/>
-            <a:r>
-              <a:rPr lang="en-US" sz="2000"/>
-              <a:t>Does not contribute to the dynamic response of the sensor.</a:t>
-            </a:r>
-          </a:p>
-          <a:p>
-            <a:endParaRPr lang="en-US" sz="2000"/>
-          </a:p>
-          <a:p>
-            <a:endParaRPr lang="en-US" sz="2000"/>
-          </a:p>
-        </p:txBody>
-      </p:sp>
-      <p:sp>
-        <p:nvSpPr>
-          <p:cNvPr id="20" name="Rectangle 19">
-            <a:extLst>
-              <a:ext uri="{FF2B5EF4-FFF2-40B4-BE49-F238E27FC236}">
-                <a16:creationId xmlns:a16="http://schemas.microsoft.com/office/drawing/2014/main" id="{C13237C8-E62C-4F0D-A318-BD6FB6C2D138}"/>
-              </a:ext>
-              <a:ext uri="{C183D7F6-B498-43B3-948B-1728B52AA6E4}">
-                <adec:decorative xmlns:adec="http://schemas.microsoft.com/office/drawing/2017/decorative" val="1"/>
-              </a:ext>
-            </a:extLst>
-          </p:cNvPr>
-          <p:cNvSpPr>
-            <a:spLocks noGrp="1" noRot="1" noChangeAspect="1" noMove="1" noResize="1" noEditPoints="1" noAdjustHandles="1" noChangeArrowheads="1" noChangeShapeType="1" noTextEdit="1"/>
-          </p:cNvSpPr>
-          <p:nvPr>
-            <p:extLst>
-              <p:ext uri="{386F3935-93C4-4BCD-93E2-E3B085C9AB24}">
-                <p16:designElem xmlns:p16="http://schemas.microsoft.com/office/powerpoint/2015/main" val="1"/>
-              </p:ext>
-            </p:extLst>
-          </p:nvPr>
-        </p:nvSpPr>
-        <p:spPr>
-          <a:xfrm flipH="1">
-            <a:off x="10697670" y="0"/>
-            <a:ext cx="1494330" cy="6858000"/>
-          </a:xfrm>
-          <a:prstGeom prst="rect">
-            <a:avLst/>
-          </a:prstGeom>
-          <a:solidFill>
-            <a:schemeClr val="accent4"/>
-          </a:solidFill>
-          <a:ln>
-            <a:noFill/>
-          </a:ln>
-        </p:spPr>
-        <p:style>
-          <a:lnRef idx="2">
-            <a:schemeClr val="accent1">
-              <a:shade val="50000"/>
-            </a:schemeClr>
-          </a:lnRef>
-          <a:fillRef idx="1">
-            <a:schemeClr val="accent1"/>
-          </a:fillRef>
-          <a:effectRef idx="0">
-            <a:schemeClr val="accent1"/>
-          </a:effectRef>
-          <a:fontRef idx="minor">
-            <a:schemeClr val="lt1"/>
-          </a:fontRef>
-        </p:style>
-        <p:txBody>
-          <a:bodyPr rtlCol="0" anchor="ctr"/>
-          <a:lstStyle/>
-          <a:p>
-            <a:pPr algn="ctr"/>
-            <a:endParaRPr lang="en-US"/>
-          </a:p>
-        </p:txBody>
-      </p:sp>
-      <p:sp>
-        <p:nvSpPr>
-          <p:cNvPr id="22" name="Rectangle 21">
-            <a:extLst>
-              <a:ext uri="{FF2B5EF4-FFF2-40B4-BE49-F238E27FC236}">
-                <a16:creationId xmlns:a16="http://schemas.microsoft.com/office/drawing/2014/main" id="{19C9EAEA-39D0-4B0E-A0EB-51E7B26740B1}"/>
-              </a:ext>
-              <a:ext uri="{C183D7F6-B498-43B3-948B-1728B52AA6E4}">
-                <adec:decorative xmlns:adec="http://schemas.microsoft.com/office/drawing/2017/decorative" val="1"/>
-              </a:ext>
-            </a:extLst>
-          </p:cNvPr>
-          <p:cNvSpPr>
-            <a:spLocks noGrp="1" noRot="1" noChangeAspect="1" noMove="1" noResize="1" noEditPoints="1" noAdjustHandles="1" noChangeArrowheads="1" noChangeShapeType="1" noTextEdit="1"/>
-          </p:cNvSpPr>
-          <p:nvPr>
-            <p:extLst>
-              <p:ext uri="{386F3935-93C4-4BCD-93E2-E3B085C9AB24}">
-                <p16:designElem xmlns:p16="http://schemas.microsoft.com/office/powerpoint/2015/main" val="1"/>
-              </p:ext>
-            </p:extLst>
-          </p:nvPr>
-        </p:nvSpPr>
-        <p:spPr>
-          <a:xfrm>
-            <a:off x="5685810" y="513853"/>
-            <a:ext cx="6009366" cy="5834577"/>
-          </a:xfrm>
-          <a:prstGeom prst="rect">
-            <a:avLst/>
-          </a:prstGeom>
-          <a:solidFill>
-            <a:schemeClr val="bg1"/>
-          </a:solidFill>
-          <a:ln>
-            <a:noFill/>
-          </a:ln>
-          <a:effectLst>
-            <a:outerShdw blurRad="139700" dist="127000" dir="5400000" algn="t" rotWithShape="0">
-              <a:prstClr val="black">
-                <a:alpha val="15000"/>
-              </a:prstClr>
-            </a:outerShdw>
-          </a:effectLst>
-        </p:spPr>
-        <p:style>
-          <a:lnRef idx="2">
-            <a:schemeClr val="accent1">
-              <a:shade val="50000"/>
-            </a:schemeClr>
-          </a:lnRef>
-          <a:fillRef idx="1">
-            <a:schemeClr val="accent1"/>
-          </a:fillRef>
-          <a:effectRef idx="0">
-            <a:schemeClr val="accent1"/>
-          </a:effectRef>
-          <a:fontRef idx="minor">
-            <a:schemeClr val="lt1"/>
-          </a:fontRef>
-        </p:style>
-        <p:txBody>
-          <a:bodyPr rtlCol="0" anchor="ctr"/>
-          <a:lstStyle/>
-          <a:p>
-            <a:pPr algn="ctr"/>
-            <a:endParaRPr lang="en-US"/>
-          </a:p>
-        </p:txBody>
-      </p:sp>
       <p:pic>
         <p:nvPicPr>
-          <p:cNvPr id="7" name="Content Placeholder 6">
-            <a:extLst>
-              <a:ext uri="{FF2B5EF4-FFF2-40B4-BE49-F238E27FC236}">
-                <a16:creationId xmlns:a16="http://schemas.microsoft.com/office/drawing/2014/main" id="{D4E43476-53E0-4DCA-BF1E-74BC3A77AEB5}"/>
+          <p:cNvPr id="5" name="Picture 4">
+            <a:extLst>
+              <a:ext uri="{FF2B5EF4-FFF2-40B4-BE49-F238E27FC236}">
+                <a16:creationId xmlns:a16="http://schemas.microsoft.com/office/drawing/2014/main" id="{BC0B9A8E-A6C2-4629-8838-BA601687DC86}"/>
               </a:ext>
             </a:extLst>
           </p:cNvPr>
           <p:cNvPicPr>
-            <a:picLocks noGrp="1" noChangeAspect="1"/>
+            <a:picLocks noChangeAspect="1"/>
           </p:cNvPicPr>
-          <p:nvPr>
-            <p:ph sz="half" idx="2"/>
-          </p:nvPr>
+          <p:nvPr/>
         </p:nvPicPr>
-        <p:blipFill rotWithShape="1">
-          <a:blip r:embed="rId2"/>
-          <a:srcRect l="2864" r="3516" b="-3"/>
-          <a:stretch/>
+        <p:blipFill>
+          <a:blip r:embed="rId3"/>
+          <a:stretch>
+            <a:fillRect/>
+          </a:stretch>
         </p:blipFill>
         <p:spPr>
           <a:xfrm>
-            <a:off x="5977788" y="799352"/>
-            <a:ext cx="5425410" cy="5259296"/>
+            <a:off x="7040301" y="3360791"/>
+            <a:ext cx="2756769" cy="2903094"/>
           </a:xfrm>
           <a:prstGeom prst="rect">
             <a:avLst/>
@@ -10773,301 +5918,7 @@
     </p:spTree>
     <p:extLst>
       <p:ext uri="{BB962C8B-B14F-4D97-AF65-F5344CB8AC3E}">
-        <p14:creationId xmlns:p14="http://schemas.microsoft.com/office/powerpoint/2010/main" val="1984350779"/>
-      </p:ext>
-    </p:extLst>
-  </p:cSld>
-  <p:clrMapOvr>
-    <a:masterClrMapping/>
-  </p:clrMapOvr>
-</p:sld>
-</file>
-
-<file path=ppt/slides/slide9.xml><?xml version="1.0" encoding="utf-8"?>
-<p:sld xmlns:a="http://schemas.openxmlformats.org/drawingml/2006/main" xmlns:r="http://schemas.openxmlformats.org/officeDocument/2006/relationships" xmlns:p="http://schemas.openxmlformats.org/presentationml/2006/main">
-  <p:cSld>
-    <p:spTree>
-      <p:nvGrpSpPr>
-        <p:cNvPr id="1" name=""/>
-        <p:cNvGrpSpPr/>
-        <p:nvPr/>
-      </p:nvGrpSpPr>
-      <p:grpSpPr>
-        <a:xfrm>
-          <a:off x="0" y="0"/>
-          <a:ext cx="0" cy="0"/>
-          <a:chOff x="0" y="0"/>
-          <a:chExt cx="0" cy="0"/>
-        </a:xfrm>
-      </p:grpSpPr>
-      <p:sp>
-        <p:nvSpPr>
-          <p:cNvPr id="2" name="Title 1">
-            <a:extLst>
-              <a:ext uri="{FF2B5EF4-FFF2-40B4-BE49-F238E27FC236}">
-                <a16:creationId xmlns:a16="http://schemas.microsoft.com/office/drawing/2014/main" id="{807EFDC9-1CDE-45EA-9F31-AB47466F30C8}"/>
-              </a:ext>
-            </a:extLst>
-          </p:cNvPr>
-          <p:cNvSpPr>
-            <a:spLocks noGrp="1"/>
-          </p:cNvSpPr>
-          <p:nvPr>
-            <p:ph type="title"/>
-          </p:nvPr>
-        </p:nvSpPr>
-        <p:spPr/>
-        <p:txBody>
-          <a:bodyPr/>
-          <a:lstStyle/>
-          <a:p>
-            <a:r>
-              <a:rPr lang="en-US" dirty="0"/>
-              <a:t>Center of Mass/Buoyancy Questions</a:t>
-            </a:r>
-          </a:p>
-        </p:txBody>
-      </p:sp>
-      <mc:AlternateContent xmlns:mc="http://schemas.openxmlformats.org/markup-compatibility/2006">
-        <mc:Choice xmlns:a14="http://schemas.microsoft.com/office/drawing/2010/main" Requires="a14">
-          <p:sp>
-            <p:nvSpPr>
-              <p:cNvPr id="4" name="Content Placeholder 3">
-                <a:extLst>
-                  <a:ext uri="{FF2B5EF4-FFF2-40B4-BE49-F238E27FC236}">
-                    <a16:creationId xmlns:a16="http://schemas.microsoft.com/office/drawing/2014/main" id="{F5CDC8E3-5B98-4F80-8963-6B55CBF9413C}"/>
-                  </a:ext>
-                </a:extLst>
-              </p:cNvPr>
-              <p:cNvSpPr>
-                <a:spLocks noGrp="1"/>
-              </p:cNvSpPr>
-              <p:nvPr>
-                <p:ph idx="1"/>
-              </p:nvPr>
-            </p:nvSpPr>
-            <p:spPr/>
-            <p:txBody>
-              <a:bodyPr/>
-              <a:lstStyle/>
-              <a:p>
-                <a:r>
-                  <a:rPr lang="en-US" dirty="0"/>
-                  <a:t>Assumptions for FBD derivation</a:t>
-                </a:r>
-              </a:p>
-              <a:p>
-                <a:pPr lvl="1"/>
-                <a:r>
-                  <a:rPr lang="en-US" dirty="0"/>
-                  <a:t>Steady level flight – this is suitable for tow mode operation.</a:t>
-                </a:r>
-              </a:p>
-              <a:p>
-                <a:pPr lvl="1"/>
-                <a:r>
-                  <a:rPr lang="en-US" dirty="0"/>
-                  <a:t>In flight operation, @ 30 degrees of elevation, CM/CB deviations will effect both yaw and pitch.</a:t>
-                </a:r>
-              </a:p>
-              <a:p>
-                <a:pPr lvl="2"/>
-                <a14:m>
-                  <m:oMath xmlns:m="http://schemas.openxmlformats.org/officeDocument/2006/math">
-                    <m:sSub>
-                      <m:sSubPr>
-                        <m:ctrlPr>
-                          <a:rPr lang="en-US" b="0" i="1" smtClean="0">
-                            <a:latin typeface="Cambria Math" panose="02040503050406030204" pitchFamily="18" charset="0"/>
-                          </a:rPr>
-                        </m:ctrlPr>
-                      </m:sSubPr>
-                      <m:e>
-                        <m:r>
-                          <a:rPr lang="en-US" b="0" i="1" smtClean="0">
-                            <a:latin typeface="Cambria Math" panose="02040503050406030204" pitchFamily="18" charset="0"/>
-                          </a:rPr>
-                          <m:t>𝐹</m:t>
-                        </m:r>
-                      </m:e>
-                      <m:sub>
-                        <m:r>
-                          <a:rPr lang="en-US" b="0" i="1" smtClean="0">
-                            <a:latin typeface="Cambria Math" panose="02040503050406030204" pitchFamily="18" charset="0"/>
-                          </a:rPr>
-                          <m:t>𝐵</m:t>
-                        </m:r>
-                      </m:sub>
-                    </m:sSub>
-                    <m:r>
-                      <a:rPr lang="en-US" b="0" i="1" smtClean="0">
-                        <a:latin typeface="Cambria Math" panose="02040503050406030204" pitchFamily="18" charset="0"/>
-                      </a:rPr>
-                      <m:t>=</m:t>
-                    </m:r>
-                    <m:d>
-                      <m:dPr>
-                        <m:ctrlPr>
-                          <a:rPr lang="en-US" b="0" i="1" smtClean="0">
-                            <a:latin typeface="Cambria Math" panose="02040503050406030204" pitchFamily="18" charset="0"/>
-                          </a:rPr>
-                        </m:ctrlPr>
-                      </m:dPr>
-                      <m:e>
-                        <m:r>
-                          <a:rPr lang="en-US" b="0" i="1" smtClean="0">
-                            <a:latin typeface="Cambria Math" panose="02040503050406030204" pitchFamily="18" charset="0"/>
-                          </a:rPr>
-                          <m:t>1+</m:t>
-                        </m:r>
-                        <m:r>
-                          <a:rPr lang="en-US" b="0" i="1" smtClean="0">
-                            <a:latin typeface="Cambria Math" panose="02040503050406030204" pitchFamily="18" charset="0"/>
-                          </a:rPr>
-                          <m:t>𝛾</m:t>
-                        </m:r>
-                      </m:e>
-                    </m:d>
-                    <m:r>
-                      <a:rPr lang="en-US" b="0" i="1" smtClean="0">
-                        <a:latin typeface="Cambria Math" panose="02040503050406030204" pitchFamily="18" charset="0"/>
-                      </a:rPr>
-                      <m:t>𝑚𝑔</m:t>
-                    </m:r>
-                    <m:d>
-                      <m:dPr>
-                        <m:ctrlPr>
-                          <a:rPr lang="en-US" b="0" i="1" smtClean="0">
-                            <a:latin typeface="Cambria Math" panose="02040503050406030204" pitchFamily="18" charset="0"/>
-                          </a:rPr>
-                        </m:ctrlPr>
-                      </m:dPr>
-                      <m:e>
-                        <m:func>
-                          <m:funcPr>
-                            <m:ctrlPr>
-                              <a:rPr lang="en-US" b="0" i="1" smtClean="0">
-                                <a:latin typeface="Cambria Math" panose="02040503050406030204" pitchFamily="18" charset="0"/>
-                              </a:rPr>
-                            </m:ctrlPr>
-                          </m:funcPr>
-                          <m:fName>
-                            <m:r>
-                              <m:rPr>
-                                <m:sty m:val="p"/>
-                              </m:rPr>
-                              <a:rPr lang="en-US" b="0" i="0" smtClean="0">
-                                <a:latin typeface="Cambria Math" panose="02040503050406030204" pitchFamily="18" charset="0"/>
-                              </a:rPr>
-                              <m:t>sin</m:t>
-                            </m:r>
-                          </m:fName>
-                          <m:e>
-                            <m:r>
-                              <a:rPr lang="en-US" b="0" i="1" smtClean="0">
-                                <a:latin typeface="Cambria Math" panose="02040503050406030204" pitchFamily="18" charset="0"/>
-                              </a:rPr>
-                              <m:t>𝜃</m:t>
-                            </m:r>
-                            <m:r>
-                              <a:rPr lang="en-US" b="0" i="1" smtClean="0">
-                                <a:latin typeface="Cambria Math" panose="02040503050406030204" pitchFamily="18" charset="0"/>
-                              </a:rPr>
-                              <m:t>𝑗</m:t>
-                            </m:r>
-                          </m:e>
-                        </m:func>
-                        <m:r>
-                          <a:rPr lang="en-US" b="0" i="1" smtClean="0">
-                            <a:latin typeface="Cambria Math" panose="02040503050406030204" pitchFamily="18" charset="0"/>
-                          </a:rPr>
-                          <m:t>+</m:t>
-                        </m:r>
-                        <m:r>
-                          <a:rPr lang="en-US" b="0" i="1" smtClean="0">
-                            <a:latin typeface="Cambria Math" panose="02040503050406030204" pitchFamily="18" charset="0"/>
-                          </a:rPr>
-                          <m:t>𝑐𝑜𝑠</m:t>
-                        </m:r>
-                        <m:r>
-                          <a:rPr lang="en-US" b="0" i="1" smtClean="0">
-                            <a:latin typeface="Cambria Math" panose="02040503050406030204" pitchFamily="18" charset="0"/>
-                          </a:rPr>
-                          <m:t>𝜃</m:t>
-                        </m:r>
-                        <m:r>
-                          <a:rPr lang="en-US" b="0" i="1" smtClean="0">
-                            <a:latin typeface="Cambria Math" panose="02040503050406030204" pitchFamily="18" charset="0"/>
-                          </a:rPr>
-                          <m:t>𝑘</m:t>
-                        </m:r>
-                      </m:e>
-                    </m:d>
-                  </m:oMath>
-                </a14:m>
-                <a:endParaRPr lang="en-US" dirty="0"/>
-              </a:p>
-              <a:p>
-                <a:pPr lvl="1"/>
-                <a:r>
-                  <a:rPr lang="en-US" dirty="0"/>
-                  <a:t>General thrust still applies, but with control authority moving to the rudder.</a:t>
-                </a:r>
-              </a:p>
-              <a:p>
-                <a:pPr lvl="1"/>
-                <a:r>
-                  <a:rPr lang="en-US" dirty="0"/>
-                  <a:t>I haven’t taken a flight dynamics course, so I’m neglecting coupling, which may have a large effect.</a:t>
-                </a:r>
-              </a:p>
-            </p:txBody>
-          </p:sp>
-        </mc:Choice>
-        <mc:Fallback>
-          <p:sp>
-            <p:nvSpPr>
-              <p:cNvPr id="4" name="Content Placeholder 3">
-                <a:extLst>
-                  <a:ext uri="{FF2B5EF4-FFF2-40B4-BE49-F238E27FC236}">
-                    <a16:creationId xmlns:a16="http://schemas.microsoft.com/office/drawing/2014/main" id="{F5CDC8E3-5B98-4F80-8963-6B55CBF9413C}"/>
-                  </a:ext>
-                </a:extLst>
-              </p:cNvPr>
-              <p:cNvSpPr>
-                <a:spLocks noGrp="1" noRot="1" noChangeAspect="1" noMove="1" noResize="1" noEditPoints="1" noAdjustHandles="1" noChangeArrowheads="1" noChangeShapeType="1" noTextEdit="1"/>
-              </p:cNvSpPr>
-              <p:nvPr>
-                <p:ph idx="1"/>
-              </p:nvPr>
-            </p:nvSpPr>
-            <p:spPr>
-              <a:blipFill>
-                <a:blip r:embed="rId2"/>
-                <a:stretch>
-                  <a:fillRect l="-1043" t="-2241"/>
-                </a:stretch>
-              </a:blipFill>
-            </p:spPr>
-            <p:txBody>
-              <a:bodyPr/>
-              <a:lstStyle/>
-              <a:p>
-                <a:r>
-                  <a:rPr lang="en-US">
-                    <a:noFill/>
-                  </a:rPr>
-                  <a:t> </a:t>
-                </a:r>
-              </a:p>
-            </p:txBody>
-          </p:sp>
-        </mc:Fallback>
-      </mc:AlternateContent>
-    </p:spTree>
-    <p:extLst>
-      <p:ext uri="{BB962C8B-B14F-4D97-AF65-F5344CB8AC3E}">
-        <p14:creationId xmlns:p14="http://schemas.microsoft.com/office/powerpoint/2010/main" val="2032268139"/>
+        <p14:creationId xmlns:p14="http://schemas.microsoft.com/office/powerpoint/2010/main" val="3303538290"/>
       </p:ext>
     </p:extLst>
   </p:cSld>
